--- a/week12/Models.pptx
+++ b/week12/Models.pptx
@@ -8,7 +8,7 @@
     <p:sldMasterId id="2147483680" r:id="rId4"/>
   </p:sldMasterIdLst>
   <p:notesMasterIdLst>
-    <p:notesMasterId r:id="rId24"/>
+    <p:notesMasterId r:id="rId41"/>
   </p:notesMasterIdLst>
   <p:sldIdLst>
     <p:sldId id="256" r:id="rId5"/>
@@ -27,9 +27,26 @@
     <p:sldId id="311" r:id="rId18"/>
     <p:sldId id="312" r:id="rId19"/>
     <p:sldId id="313" r:id="rId20"/>
-    <p:sldId id="314" r:id="rId21"/>
-    <p:sldId id="315" r:id="rId22"/>
-    <p:sldId id="316" r:id="rId23"/>
+    <p:sldId id="317" r:id="rId21"/>
+    <p:sldId id="318" r:id="rId22"/>
+    <p:sldId id="319" r:id="rId23"/>
+    <p:sldId id="314" r:id="rId24"/>
+    <p:sldId id="315" r:id="rId25"/>
+    <p:sldId id="316" r:id="rId26"/>
+    <p:sldId id="320" r:id="rId27"/>
+    <p:sldId id="321" r:id="rId28"/>
+    <p:sldId id="322" r:id="rId29"/>
+    <p:sldId id="323" r:id="rId30"/>
+    <p:sldId id="324" r:id="rId31"/>
+    <p:sldId id="325" r:id="rId32"/>
+    <p:sldId id="326" r:id="rId33"/>
+    <p:sldId id="327" r:id="rId34"/>
+    <p:sldId id="328" r:id="rId35"/>
+    <p:sldId id="329" r:id="rId36"/>
+    <p:sldId id="330" r:id="rId37"/>
+    <p:sldId id="331" r:id="rId38"/>
+    <p:sldId id="332" r:id="rId39"/>
+    <p:sldId id="333" r:id="rId40"/>
   </p:sldIdLst>
   <p:sldSz cx="9144000" cy="6858000" type="screen4x3"/>
   <p:notesSz cx="6858000" cy="9144000"/>
@@ -130,7 +147,7 @@
   </p:defaultTextStyle>
   <p:extLst>
     <p:ext uri="{EFAFB233-063F-42B5-8137-9DF3F51BA10A}">
-      <p15:sldGuideLst xmlns="" xmlns:p15="http://schemas.microsoft.com/office/powerpoint/2012/main">
+      <p15:sldGuideLst xmlns:p15="http://schemas.microsoft.com/office/powerpoint/2012/main" xmlns="">
         <p15:guide id="1" orient="horz" pos="2160">
           <p15:clr>
             <a:srgbClr val="A4A3A4"/>
@@ -229,7 +246,7 @@
           <a:p>
             <a:fld id="{BB853691-2568-724D-8AC3-0B4EBB217FA1}" type="datetimeFigureOut">
               <a:rPr lang="en-US" smtClean="0"/>
-              <a:t>11/3/2016</a:t>
+              <a:t>11/9/2016</a:t>
             </a:fld>
             <a:endParaRPr lang="en-US"/>
           </a:p>
@@ -976,7 +993,7 @@
                 </a:solidFill>
               </a:rPr>
               <a:pPr/>
-              <a:t>19</a:t>
+              <a:t>22</a:t>
             </a:fld>
             <a:endParaRPr lang="en-US">
               <a:solidFill>
@@ -990,6 +1007,1129 @@
     <p:extLst>
       <p:ext uri="{BB962C8B-B14F-4D97-AF65-F5344CB8AC3E}">
         <p14:creationId xmlns:p14="http://schemas.microsoft.com/office/powerpoint/2010/main" val="3713977634"/>
+      </p:ext>
+    </p:extLst>
+  </p:cSld>
+  <p:clrMapOvr>
+    <a:masterClrMapping/>
+  </p:clrMapOvr>
+</p:notes>
+</file>
+
+<file path=ppt/notesSlides/notesSlide3.xml><?xml version="1.0" encoding="utf-8"?>
+<p:notes xmlns:a="http://schemas.openxmlformats.org/drawingml/2006/main" xmlns:r="http://schemas.openxmlformats.org/officeDocument/2006/relationships" xmlns:p="http://schemas.openxmlformats.org/presentationml/2006/main">
+  <p:cSld>
+    <p:spTree>
+      <p:nvGrpSpPr>
+        <p:cNvPr id="1" name=""/>
+        <p:cNvGrpSpPr/>
+        <p:nvPr/>
+      </p:nvGrpSpPr>
+      <p:grpSpPr>
+        <a:xfrm>
+          <a:off x="0" y="0"/>
+          <a:ext cx="0" cy="0"/>
+          <a:chOff x="0" y="0"/>
+          <a:chExt cx="0" cy="0"/>
+        </a:xfrm>
+      </p:grpSpPr>
+      <p:sp>
+        <p:nvSpPr>
+          <p:cNvPr id="2" name="Slide Image Placeholder 1"/>
+          <p:cNvSpPr>
+            <a:spLocks noGrp="1" noRot="1" noChangeAspect="1"/>
+          </p:cNvSpPr>
+          <p:nvPr>
+            <p:ph type="sldImg"/>
+          </p:nvPr>
+        </p:nvSpPr>
+        <p:spPr/>
+      </p:sp>
+      <p:sp>
+        <p:nvSpPr>
+          <p:cNvPr id="3" name="Notes Placeholder 2"/>
+          <p:cNvSpPr>
+            <a:spLocks noGrp="1"/>
+          </p:cNvSpPr>
+          <p:nvPr>
+            <p:ph type="body" idx="1"/>
+          </p:nvPr>
+        </p:nvSpPr>
+        <p:spPr/>
+        <p:txBody>
+          <a:bodyPr/>
+          <a:lstStyle/>
+          <a:p>
+            <a:endParaRPr lang="en-US" dirty="0"/>
+          </a:p>
+        </p:txBody>
+      </p:sp>
+      <p:sp>
+        <p:nvSpPr>
+          <p:cNvPr id="4" name="Slide Number Placeholder 3"/>
+          <p:cNvSpPr>
+            <a:spLocks noGrp="1"/>
+          </p:cNvSpPr>
+          <p:nvPr>
+            <p:ph type="sldNum" sz="quarter" idx="10"/>
+          </p:nvPr>
+        </p:nvSpPr>
+        <p:spPr/>
+        <p:txBody>
+          <a:bodyPr/>
+          <a:lstStyle/>
+          <a:p>
+            <a:fld id="{4CFD207A-07DF-40AD-A916-9872E089CE7A}" type="slidenum">
+              <a:rPr lang="en-US" smtClean="0"/>
+              <a:t>25</a:t>
+            </a:fld>
+            <a:endParaRPr lang="en-US"/>
+          </a:p>
+        </p:txBody>
+      </p:sp>
+    </p:spTree>
+    <p:extLst>
+      <p:ext uri="{BB962C8B-B14F-4D97-AF65-F5344CB8AC3E}">
+        <p14:creationId xmlns:p14="http://schemas.microsoft.com/office/powerpoint/2010/main" val="134328620"/>
+      </p:ext>
+    </p:extLst>
+  </p:cSld>
+  <p:clrMapOvr>
+    <a:masterClrMapping/>
+  </p:clrMapOvr>
+</p:notes>
+</file>
+
+<file path=ppt/notesSlides/notesSlide4.xml><?xml version="1.0" encoding="utf-8"?>
+<p:notes xmlns:a="http://schemas.openxmlformats.org/drawingml/2006/main" xmlns:r="http://schemas.openxmlformats.org/officeDocument/2006/relationships" xmlns:p="http://schemas.openxmlformats.org/presentationml/2006/main">
+  <p:cSld>
+    <p:spTree>
+      <p:nvGrpSpPr>
+        <p:cNvPr id="1" name=""/>
+        <p:cNvGrpSpPr/>
+        <p:nvPr/>
+      </p:nvGrpSpPr>
+      <p:grpSpPr>
+        <a:xfrm>
+          <a:off x="0" y="0"/>
+          <a:ext cx="0" cy="0"/>
+          <a:chOff x="0" y="0"/>
+          <a:chExt cx="0" cy="0"/>
+        </a:xfrm>
+      </p:grpSpPr>
+      <p:sp>
+        <p:nvSpPr>
+          <p:cNvPr id="2" name="Slide Image Placeholder 1"/>
+          <p:cNvSpPr>
+            <a:spLocks noGrp="1" noRot="1" noChangeAspect="1"/>
+          </p:cNvSpPr>
+          <p:nvPr>
+            <p:ph type="sldImg"/>
+          </p:nvPr>
+        </p:nvSpPr>
+        <p:spPr/>
+      </p:sp>
+      <p:sp>
+        <p:nvSpPr>
+          <p:cNvPr id="3" name="Notes Placeholder 2"/>
+          <p:cNvSpPr>
+            <a:spLocks noGrp="1"/>
+          </p:cNvSpPr>
+          <p:nvPr>
+            <p:ph type="body" idx="1"/>
+          </p:nvPr>
+        </p:nvSpPr>
+        <p:spPr/>
+        <p:txBody>
+          <a:bodyPr/>
+          <a:lstStyle/>
+          <a:p>
+            <a:r>
+              <a:rPr lang="en-US" dirty="0" smtClean="0"/>
+              <a:t>Add the following to models.py:</a:t>
+            </a:r>
+          </a:p>
+          <a:p>
+            <a:endParaRPr lang="en-US" dirty="0" smtClean="0"/>
+          </a:p>
+          <a:p>
+            <a:r>
+              <a:rPr lang="en-US" dirty="0" smtClean="0"/>
+              <a:t>class Album(</a:t>
+            </a:r>
+            <a:r>
+              <a:rPr lang="en-US" dirty="0" err="1" smtClean="0"/>
+              <a:t>models.Model</a:t>
+            </a:r>
+            <a:r>
+              <a:rPr lang="en-US" dirty="0" smtClean="0"/>
+              <a:t>):</a:t>
+            </a:r>
+          </a:p>
+          <a:p>
+            <a:r>
+              <a:rPr lang="en-US" dirty="0" smtClean="0"/>
+              <a:t>	name = </a:t>
+            </a:r>
+            <a:r>
+              <a:rPr lang="en-US" dirty="0" err="1" smtClean="0"/>
+              <a:t>models.CharField</a:t>
+            </a:r>
+            <a:r>
+              <a:rPr lang="en-US" dirty="0" smtClean="0"/>
+              <a:t>(</a:t>
+            </a:r>
+            <a:r>
+              <a:rPr lang="en-US" dirty="0" err="1" smtClean="0"/>
+              <a:t>max_length</a:t>
+            </a:r>
+            <a:r>
+              <a:rPr lang="en-US" dirty="0" smtClean="0"/>
+              <a:t>=50);</a:t>
+            </a:r>
+          </a:p>
+          <a:p>
+            <a:r>
+              <a:rPr lang="en-US" dirty="0" smtClean="0"/>
+              <a:t>	artist = </a:t>
+            </a:r>
+            <a:r>
+              <a:rPr lang="en-US" dirty="0" err="1" smtClean="0"/>
+              <a:t>models.ForeignKey</a:t>
+            </a:r>
+            <a:r>
+              <a:rPr lang="en-US" dirty="0" smtClean="0"/>
+              <a:t>(Artist);</a:t>
+            </a:r>
+          </a:p>
+          <a:p>
+            <a:endParaRPr lang="en-US" dirty="0"/>
+          </a:p>
+        </p:txBody>
+      </p:sp>
+      <p:sp>
+        <p:nvSpPr>
+          <p:cNvPr id="4" name="Slide Number Placeholder 3"/>
+          <p:cNvSpPr>
+            <a:spLocks noGrp="1"/>
+          </p:cNvSpPr>
+          <p:nvPr>
+            <p:ph type="sldNum" sz="quarter" idx="10"/>
+          </p:nvPr>
+        </p:nvSpPr>
+        <p:spPr/>
+        <p:txBody>
+          <a:bodyPr/>
+          <a:lstStyle/>
+          <a:p>
+            <a:fld id="{4CFD207A-07DF-40AD-A916-9872E089CE7A}" type="slidenum">
+              <a:rPr lang="en-US" smtClean="0"/>
+              <a:t>26</a:t>
+            </a:fld>
+            <a:endParaRPr lang="en-US"/>
+          </a:p>
+        </p:txBody>
+      </p:sp>
+    </p:spTree>
+    <p:extLst>
+      <p:ext uri="{BB962C8B-B14F-4D97-AF65-F5344CB8AC3E}">
+        <p14:creationId xmlns:p14="http://schemas.microsoft.com/office/powerpoint/2010/main" val="3270103650"/>
+      </p:ext>
+    </p:extLst>
+  </p:cSld>
+  <p:clrMapOvr>
+    <a:masterClrMapping/>
+  </p:clrMapOvr>
+</p:notes>
+</file>
+
+<file path=ppt/notesSlides/notesSlide5.xml><?xml version="1.0" encoding="utf-8"?>
+<p:notes xmlns:a="http://schemas.openxmlformats.org/drawingml/2006/main" xmlns:r="http://schemas.openxmlformats.org/officeDocument/2006/relationships" xmlns:p="http://schemas.openxmlformats.org/presentationml/2006/main">
+  <p:cSld>
+    <p:spTree>
+      <p:nvGrpSpPr>
+        <p:cNvPr id="1" name=""/>
+        <p:cNvGrpSpPr/>
+        <p:nvPr/>
+      </p:nvGrpSpPr>
+      <p:grpSpPr>
+        <a:xfrm>
+          <a:off x="0" y="0"/>
+          <a:ext cx="0" cy="0"/>
+          <a:chOff x="0" y="0"/>
+          <a:chExt cx="0" cy="0"/>
+        </a:xfrm>
+      </p:grpSpPr>
+      <p:sp>
+        <p:nvSpPr>
+          <p:cNvPr id="2" name="Slide Image Placeholder 1"/>
+          <p:cNvSpPr>
+            <a:spLocks noGrp="1" noRot="1" noChangeAspect="1"/>
+          </p:cNvSpPr>
+          <p:nvPr>
+            <p:ph type="sldImg"/>
+          </p:nvPr>
+        </p:nvSpPr>
+        <p:spPr/>
+      </p:sp>
+      <p:sp>
+        <p:nvSpPr>
+          <p:cNvPr id="3" name="Notes Placeholder 2"/>
+          <p:cNvSpPr>
+            <a:spLocks noGrp="1"/>
+          </p:cNvSpPr>
+          <p:nvPr>
+            <p:ph type="body" idx="1"/>
+          </p:nvPr>
+        </p:nvSpPr>
+        <p:spPr/>
+        <p:txBody>
+          <a:bodyPr/>
+          <a:lstStyle/>
+          <a:p>
+            <a:r>
+              <a:rPr lang="en-US" dirty="0" smtClean="0"/>
+              <a:t>Update models.py</a:t>
+            </a:r>
+          </a:p>
+          <a:p>
+            <a:endParaRPr lang="en-US" dirty="0" smtClean="0"/>
+          </a:p>
+          <a:p>
+            <a:r>
+              <a:rPr lang="en-US" sz="1200" kern="1200" dirty="0" smtClean="0">
+                <a:solidFill>
+                  <a:schemeClr val="tx1"/>
+                </a:solidFill>
+                <a:latin typeface="+mn-lt"/>
+                <a:ea typeface="+mn-ea"/>
+                <a:cs typeface="+mn-cs"/>
+              </a:rPr>
+              <a:t>In artist:</a:t>
+            </a:r>
+          </a:p>
+          <a:p>
+            <a:r>
+              <a:rPr lang="en-US" sz="1200" kern="1200" dirty="0" smtClean="0">
+                <a:solidFill>
+                  <a:schemeClr val="tx1"/>
+                </a:solidFill>
+                <a:latin typeface="+mn-lt"/>
+                <a:ea typeface="+mn-ea"/>
+                <a:cs typeface="+mn-cs"/>
+              </a:rPr>
+              <a:t>name = </a:t>
+            </a:r>
+            <a:r>
+              <a:rPr lang="en-US" sz="1200" kern="1200" dirty="0" err="1" smtClean="0">
+                <a:solidFill>
+                  <a:schemeClr val="tx1"/>
+                </a:solidFill>
+                <a:latin typeface="+mn-lt"/>
+                <a:ea typeface="+mn-ea"/>
+                <a:cs typeface="+mn-cs"/>
+              </a:rPr>
+              <a:t>models.CharField</a:t>
+            </a:r>
+            <a:r>
+              <a:rPr lang="en-US" sz="1200" kern="1200" dirty="0" smtClean="0">
+                <a:solidFill>
+                  <a:schemeClr val="tx1"/>
+                </a:solidFill>
+                <a:latin typeface="+mn-lt"/>
+                <a:ea typeface="+mn-ea"/>
+                <a:cs typeface="+mn-cs"/>
+              </a:rPr>
+              <a:t>("artist", </a:t>
+            </a:r>
+            <a:r>
+              <a:rPr lang="en-US" sz="1200" kern="1200" dirty="0" err="1" smtClean="0">
+                <a:solidFill>
+                  <a:schemeClr val="tx1"/>
+                </a:solidFill>
+                <a:latin typeface="+mn-lt"/>
+                <a:ea typeface="+mn-ea"/>
+                <a:cs typeface="+mn-cs"/>
+              </a:rPr>
+              <a:t>max_length</a:t>
+            </a:r>
+            <a:r>
+              <a:rPr lang="en-US" sz="1200" kern="1200" dirty="0" smtClean="0">
+                <a:solidFill>
+                  <a:schemeClr val="tx1"/>
+                </a:solidFill>
+                <a:latin typeface="+mn-lt"/>
+                <a:ea typeface="+mn-ea"/>
+                <a:cs typeface="+mn-cs"/>
+              </a:rPr>
+              <a:t>=50);</a:t>
+            </a:r>
+          </a:p>
+          <a:p>
+            <a:endParaRPr lang="en-US" sz="1200" kern="1200" dirty="0" smtClean="0">
+              <a:solidFill>
+                <a:schemeClr val="tx1"/>
+              </a:solidFill>
+              <a:latin typeface="+mn-lt"/>
+              <a:ea typeface="+mn-ea"/>
+              <a:cs typeface="+mn-cs"/>
+            </a:endParaRPr>
+          </a:p>
+          <a:p>
+            <a:r>
+              <a:rPr lang="en-US" sz="1200" kern="1200" dirty="0" smtClean="0">
+                <a:solidFill>
+                  <a:schemeClr val="tx1"/>
+                </a:solidFill>
+                <a:latin typeface="+mn-lt"/>
+                <a:ea typeface="+mn-ea"/>
+                <a:cs typeface="+mn-cs"/>
+              </a:rPr>
+              <a:t>In album:</a:t>
+            </a:r>
+          </a:p>
+          <a:p>
+            <a:r>
+              <a:rPr lang="en-US" sz="1200" kern="1200" dirty="0" smtClean="0">
+                <a:solidFill>
+                  <a:schemeClr val="tx1"/>
+                </a:solidFill>
+                <a:latin typeface="+mn-lt"/>
+                <a:ea typeface="+mn-ea"/>
+                <a:cs typeface="+mn-cs"/>
+              </a:rPr>
+              <a:t>name = </a:t>
+            </a:r>
+            <a:r>
+              <a:rPr lang="en-US" sz="1200" kern="1200" dirty="0" err="1" smtClean="0">
+                <a:solidFill>
+                  <a:schemeClr val="tx1"/>
+                </a:solidFill>
+                <a:latin typeface="+mn-lt"/>
+                <a:ea typeface="+mn-ea"/>
+                <a:cs typeface="+mn-cs"/>
+              </a:rPr>
+              <a:t>models.CharField</a:t>
+            </a:r>
+            <a:r>
+              <a:rPr lang="en-US" sz="1200" kern="1200" dirty="0" smtClean="0">
+                <a:solidFill>
+                  <a:schemeClr val="tx1"/>
+                </a:solidFill>
+                <a:latin typeface="+mn-lt"/>
+                <a:ea typeface="+mn-ea"/>
+                <a:cs typeface="+mn-cs"/>
+              </a:rPr>
+              <a:t>("album", </a:t>
+            </a:r>
+            <a:r>
+              <a:rPr lang="en-US" sz="1200" kern="1200" dirty="0" err="1" smtClean="0">
+                <a:solidFill>
+                  <a:schemeClr val="tx1"/>
+                </a:solidFill>
+                <a:latin typeface="+mn-lt"/>
+                <a:ea typeface="+mn-ea"/>
+                <a:cs typeface="+mn-cs"/>
+              </a:rPr>
+              <a:t>max_length</a:t>
+            </a:r>
+            <a:r>
+              <a:rPr lang="en-US" sz="1200" kern="1200" dirty="0" smtClean="0">
+                <a:solidFill>
+                  <a:schemeClr val="tx1"/>
+                </a:solidFill>
+                <a:latin typeface="+mn-lt"/>
+                <a:ea typeface="+mn-ea"/>
+                <a:cs typeface="+mn-cs"/>
+              </a:rPr>
+              <a:t>=50);</a:t>
+            </a:r>
+            <a:endParaRPr lang="en-US" dirty="0" smtClean="0"/>
+          </a:p>
+        </p:txBody>
+      </p:sp>
+      <p:sp>
+        <p:nvSpPr>
+          <p:cNvPr id="4" name="Slide Number Placeholder 3"/>
+          <p:cNvSpPr>
+            <a:spLocks noGrp="1"/>
+          </p:cNvSpPr>
+          <p:nvPr>
+            <p:ph type="sldNum" sz="quarter" idx="10"/>
+          </p:nvPr>
+        </p:nvSpPr>
+        <p:spPr/>
+        <p:txBody>
+          <a:bodyPr/>
+          <a:lstStyle/>
+          <a:p>
+            <a:fld id="{4CFD207A-07DF-40AD-A916-9872E089CE7A}" type="slidenum">
+              <a:rPr lang="en-US" smtClean="0"/>
+              <a:t>28</a:t>
+            </a:fld>
+            <a:endParaRPr lang="en-US"/>
+          </a:p>
+        </p:txBody>
+      </p:sp>
+    </p:spTree>
+    <p:extLst>
+      <p:ext uri="{BB962C8B-B14F-4D97-AF65-F5344CB8AC3E}">
+        <p14:creationId xmlns:p14="http://schemas.microsoft.com/office/powerpoint/2010/main" val="112719564"/>
+      </p:ext>
+    </p:extLst>
+  </p:cSld>
+  <p:clrMapOvr>
+    <a:masterClrMapping/>
+  </p:clrMapOvr>
+</p:notes>
+</file>
+
+<file path=ppt/notesSlides/notesSlide6.xml><?xml version="1.0" encoding="utf-8"?>
+<p:notes xmlns:a="http://schemas.openxmlformats.org/drawingml/2006/main" xmlns:r="http://schemas.openxmlformats.org/officeDocument/2006/relationships" xmlns:p="http://schemas.openxmlformats.org/presentationml/2006/main">
+  <p:cSld>
+    <p:spTree>
+      <p:nvGrpSpPr>
+        <p:cNvPr id="1" name=""/>
+        <p:cNvGrpSpPr/>
+        <p:nvPr/>
+      </p:nvGrpSpPr>
+      <p:grpSpPr>
+        <a:xfrm>
+          <a:off x="0" y="0"/>
+          <a:ext cx="0" cy="0"/>
+          <a:chOff x="0" y="0"/>
+          <a:chExt cx="0" cy="0"/>
+        </a:xfrm>
+      </p:grpSpPr>
+      <p:sp>
+        <p:nvSpPr>
+          <p:cNvPr id="2" name="Slide Image Placeholder 1"/>
+          <p:cNvSpPr>
+            <a:spLocks noGrp="1" noRot="1" noChangeAspect="1"/>
+          </p:cNvSpPr>
+          <p:nvPr>
+            <p:ph type="sldImg"/>
+          </p:nvPr>
+        </p:nvSpPr>
+        <p:spPr/>
+      </p:sp>
+      <p:sp>
+        <p:nvSpPr>
+          <p:cNvPr id="3" name="Notes Placeholder 2"/>
+          <p:cNvSpPr>
+            <a:spLocks noGrp="1"/>
+          </p:cNvSpPr>
+          <p:nvPr>
+            <p:ph type="body" idx="1"/>
+          </p:nvPr>
+        </p:nvSpPr>
+        <p:spPr/>
+        <p:txBody>
+          <a:bodyPr/>
+          <a:lstStyle/>
+          <a:p>
+            <a:r>
+              <a:rPr lang="en-US" dirty="0" smtClean="0"/>
+              <a:t>Right click on the project, choose Open Command Prompt</a:t>
+            </a:r>
+            <a:r>
+              <a:rPr lang="en-US" baseline="0" dirty="0" smtClean="0"/>
+              <a:t> Here…</a:t>
+            </a:r>
+          </a:p>
+          <a:p>
+            <a:endParaRPr lang="en-CA" baseline="0" dirty="0" smtClean="0"/>
+          </a:p>
+          <a:p>
+            <a:pPr lvl="0"/>
+            <a:r>
+              <a:rPr lang="en-US" sz="1200" kern="1200" dirty="0" smtClean="0">
+                <a:solidFill>
+                  <a:schemeClr val="tx1"/>
+                </a:solidFill>
+                <a:effectLst/>
+                <a:latin typeface="+mn-lt"/>
+                <a:ea typeface="+mn-ea"/>
+                <a:cs typeface="+mn-cs"/>
+              </a:rPr>
+              <a:t>After you have made a change to a model (like we did in Module 2 when we created the album and artist class you start but running </a:t>
+            </a:r>
+            <a:r>
+              <a:rPr lang="en-US" sz="1200" kern="1200" dirty="0" err="1" smtClean="0">
+                <a:solidFill>
+                  <a:schemeClr val="tx1"/>
+                </a:solidFill>
+                <a:effectLst/>
+                <a:latin typeface="+mn-lt"/>
+                <a:ea typeface="+mn-ea"/>
+                <a:cs typeface="+mn-cs"/>
+              </a:rPr>
+              <a:t>makemigrations</a:t>
+            </a:r>
+            <a:r>
+              <a:rPr lang="en-US" sz="1200" kern="1200" dirty="0" smtClean="0">
+                <a:solidFill>
+                  <a:schemeClr val="tx1"/>
+                </a:solidFill>
+                <a:effectLst/>
+                <a:latin typeface="+mn-lt"/>
+                <a:ea typeface="+mn-ea"/>
+                <a:cs typeface="+mn-cs"/>
+              </a:rPr>
+              <a:t>, this will scan the models be compared to current migration files and will generate a new set of migrations. Make an initial migration</a:t>
+            </a:r>
+          </a:p>
+          <a:p>
+            <a:pPr lvl="1"/>
+            <a:r>
+              <a:rPr lang="en-US" sz="1200" kern="1200" dirty="0" smtClean="0">
+                <a:solidFill>
+                  <a:schemeClr val="tx1"/>
+                </a:solidFill>
+                <a:effectLst/>
+                <a:latin typeface="+mn-lt"/>
+                <a:ea typeface="+mn-ea"/>
+                <a:cs typeface="+mn-cs"/>
+              </a:rPr>
+              <a:t>Right click on the project, choose </a:t>
+            </a:r>
+            <a:r>
+              <a:rPr lang="en-US" sz="1200" b="1" kern="1200" dirty="0" smtClean="0">
+                <a:solidFill>
+                  <a:schemeClr val="tx1"/>
+                </a:solidFill>
+                <a:effectLst/>
+                <a:latin typeface="+mn-lt"/>
+                <a:ea typeface="+mn-ea"/>
+                <a:cs typeface="+mn-cs"/>
+              </a:rPr>
+              <a:t>Open Command Prompt Here</a:t>
+            </a:r>
+            <a:endParaRPr lang="en-US" sz="1200" kern="1200" dirty="0" smtClean="0">
+              <a:solidFill>
+                <a:schemeClr val="tx1"/>
+              </a:solidFill>
+              <a:effectLst/>
+              <a:latin typeface="+mn-lt"/>
+              <a:ea typeface="+mn-ea"/>
+              <a:cs typeface="+mn-cs"/>
+            </a:endParaRPr>
+          </a:p>
+          <a:p>
+            <a:pPr lvl="1"/>
+            <a:r>
+              <a:rPr lang="en-US" sz="1200" kern="1200" dirty="0" smtClean="0">
+                <a:solidFill>
+                  <a:schemeClr val="tx1"/>
+                </a:solidFill>
+                <a:effectLst/>
+                <a:latin typeface="+mn-lt"/>
+                <a:ea typeface="+mn-ea"/>
+                <a:cs typeface="+mn-cs"/>
+              </a:rPr>
+              <a:t>Type </a:t>
+            </a:r>
+            <a:r>
+              <a:rPr lang="en-US" sz="1200" b="1" kern="1200" dirty="0" smtClean="0">
+                <a:solidFill>
+                  <a:schemeClr val="tx1"/>
+                </a:solidFill>
+                <a:effectLst/>
+                <a:latin typeface="+mn-lt"/>
+                <a:ea typeface="+mn-ea"/>
+                <a:cs typeface="+mn-cs"/>
+              </a:rPr>
+              <a:t>python manage.py </a:t>
+            </a:r>
+            <a:r>
+              <a:rPr lang="en-US" sz="1200" b="1" kern="1200" dirty="0" err="1" smtClean="0">
+                <a:solidFill>
+                  <a:schemeClr val="tx1"/>
+                </a:solidFill>
+                <a:effectLst/>
+                <a:latin typeface="+mn-lt"/>
+                <a:ea typeface="+mn-ea"/>
+                <a:cs typeface="+mn-cs"/>
+              </a:rPr>
+              <a:t>makemigrations</a:t>
+            </a:r>
+            <a:r>
+              <a:rPr lang="en-US" sz="1200" b="1" kern="1200" dirty="0" smtClean="0">
+                <a:solidFill>
+                  <a:schemeClr val="tx1"/>
+                </a:solidFill>
+                <a:effectLst/>
+                <a:latin typeface="+mn-lt"/>
+                <a:ea typeface="+mn-ea"/>
+                <a:cs typeface="+mn-cs"/>
+              </a:rPr>
+              <a:t> --name </a:t>
+            </a:r>
+            <a:r>
+              <a:rPr lang="en-US" sz="1200" b="1" i="1" kern="1200" dirty="0" smtClean="0">
+                <a:solidFill>
+                  <a:schemeClr val="tx1"/>
+                </a:solidFill>
+                <a:effectLst/>
+                <a:latin typeface="+mn-lt"/>
+                <a:ea typeface="+mn-ea"/>
+                <a:cs typeface="+mn-cs"/>
+              </a:rPr>
+              <a:t>initial</a:t>
+            </a:r>
+            <a:r>
+              <a:rPr lang="en-US" sz="1200" b="1" kern="1200" dirty="0" smtClean="0">
+                <a:solidFill>
+                  <a:schemeClr val="tx1"/>
+                </a:solidFill>
+                <a:effectLst/>
+                <a:latin typeface="+mn-lt"/>
+                <a:ea typeface="+mn-ea"/>
+                <a:cs typeface="+mn-cs"/>
+              </a:rPr>
+              <a:t> app</a:t>
+            </a:r>
+            <a:endParaRPr lang="en-US" sz="1200" kern="1200" dirty="0" smtClean="0">
+              <a:solidFill>
+                <a:schemeClr val="tx1"/>
+              </a:solidFill>
+              <a:effectLst/>
+              <a:latin typeface="+mn-lt"/>
+              <a:ea typeface="+mn-ea"/>
+              <a:cs typeface="+mn-cs"/>
+            </a:endParaRPr>
+          </a:p>
+          <a:p>
+            <a:pPr lvl="2"/>
+            <a:r>
+              <a:rPr lang="en-US" sz="1200" kern="1200" dirty="0" smtClean="0">
+                <a:solidFill>
+                  <a:schemeClr val="tx1"/>
+                </a:solidFill>
+                <a:effectLst/>
+                <a:latin typeface="+mn-lt"/>
+                <a:ea typeface="+mn-ea"/>
+                <a:cs typeface="+mn-cs"/>
+              </a:rPr>
+              <a:t>“Initial” will be the name of the migration</a:t>
+            </a:r>
+          </a:p>
+          <a:p>
+            <a:pPr lvl="2"/>
+            <a:r>
+              <a:rPr lang="en-US" sz="1200" kern="1200" dirty="0" smtClean="0">
+                <a:solidFill>
+                  <a:schemeClr val="tx1"/>
+                </a:solidFill>
+                <a:effectLst/>
+                <a:latin typeface="+mn-lt"/>
+                <a:ea typeface="+mn-ea"/>
+                <a:cs typeface="+mn-cs"/>
+              </a:rPr>
+              <a:t>“App” is the name of the application in the project</a:t>
+            </a:r>
+          </a:p>
+          <a:p>
+            <a:pPr lvl="0"/>
+            <a:r>
+              <a:rPr lang="en-US" sz="1200" kern="1200" dirty="0" smtClean="0">
+                <a:solidFill>
+                  <a:schemeClr val="tx1"/>
+                </a:solidFill>
+                <a:effectLst/>
+                <a:latin typeface="+mn-lt"/>
+                <a:ea typeface="+mn-ea"/>
+                <a:cs typeface="+mn-cs"/>
+              </a:rPr>
+              <a:t>If you want you can see the migration created to find out the file name. Show the migrations</a:t>
+            </a:r>
+          </a:p>
+          <a:p>
+            <a:pPr lvl="1"/>
+            <a:r>
+              <a:rPr lang="en-US" sz="1200" kern="1200" dirty="0" smtClean="0">
+                <a:solidFill>
+                  <a:schemeClr val="tx1"/>
+                </a:solidFill>
+                <a:effectLst/>
+                <a:latin typeface="+mn-lt"/>
+                <a:ea typeface="+mn-ea"/>
+                <a:cs typeface="+mn-cs"/>
+              </a:rPr>
+              <a:t>Type </a:t>
+            </a:r>
+            <a:r>
+              <a:rPr lang="en-US" sz="1200" b="1" kern="1200" dirty="0" smtClean="0">
+                <a:solidFill>
+                  <a:schemeClr val="tx1"/>
+                </a:solidFill>
+                <a:effectLst/>
+                <a:latin typeface="+mn-lt"/>
+                <a:ea typeface="+mn-ea"/>
+                <a:cs typeface="+mn-cs"/>
+              </a:rPr>
+              <a:t>python manage.py </a:t>
+            </a:r>
+            <a:r>
+              <a:rPr lang="en-US" sz="1200" b="1" kern="1200" dirty="0" err="1" smtClean="0">
+                <a:solidFill>
+                  <a:schemeClr val="tx1"/>
+                </a:solidFill>
+                <a:effectLst/>
+                <a:latin typeface="+mn-lt"/>
+                <a:ea typeface="+mn-ea"/>
+                <a:cs typeface="+mn-cs"/>
+              </a:rPr>
+              <a:t>showmigrations</a:t>
+            </a:r>
+            <a:r>
+              <a:rPr lang="en-US" sz="1200" b="1" kern="1200" dirty="0" smtClean="0">
+                <a:solidFill>
+                  <a:schemeClr val="tx1"/>
+                </a:solidFill>
+                <a:effectLst/>
+                <a:latin typeface="+mn-lt"/>
+                <a:ea typeface="+mn-ea"/>
+                <a:cs typeface="+mn-cs"/>
+              </a:rPr>
+              <a:t> app</a:t>
+            </a:r>
+            <a:endParaRPr lang="en-US" sz="1200" kern="1200" dirty="0" smtClean="0">
+              <a:solidFill>
+                <a:schemeClr val="tx1"/>
+              </a:solidFill>
+              <a:effectLst/>
+              <a:latin typeface="+mn-lt"/>
+              <a:ea typeface="+mn-ea"/>
+              <a:cs typeface="+mn-cs"/>
+            </a:endParaRPr>
+          </a:p>
+          <a:p>
+            <a:pPr lvl="2"/>
+            <a:r>
+              <a:rPr lang="en-US" sz="1200" kern="1200" dirty="0" smtClean="0">
+                <a:solidFill>
+                  <a:schemeClr val="tx1"/>
+                </a:solidFill>
+                <a:effectLst/>
+                <a:latin typeface="+mn-lt"/>
+                <a:ea typeface="+mn-ea"/>
+                <a:cs typeface="+mn-cs"/>
+              </a:rPr>
+              <a:t>App is the name of the application</a:t>
+            </a:r>
+          </a:p>
+          <a:p>
+            <a:pPr lvl="2"/>
+            <a:r>
+              <a:rPr lang="en-US" sz="1200" kern="1200" dirty="0" smtClean="0">
+                <a:solidFill>
+                  <a:schemeClr val="tx1"/>
+                </a:solidFill>
+                <a:effectLst/>
+                <a:latin typeface="+mn-lt"/>
+                <a:ea typeface="+mn-ea"/>
+                <a:cs typeface="+mn-cs"/>
+              </a:rPr>
+              <a:t>This will display 0001_initial as the available migration</a:t>
+            </a:r>
+          </a:p>
+          <a:p>
+            <a:pPr lvl="0"/>
+            <a:r>
+              <a:rPr lang="en-US" sz="1200" kern="1200" dirty="0" smtClean="0">
+                <a:solidFill>
+                  <a:schemeClr val="tx1"/>
+                </a:solidFill>
+                <a:effectLst/>
+                <a:latin typeface="+mn-lt"/>
+                <a:ea typeface="+mn-ea"/>
+                <a:cs typeface="+mn-cs"/>
+              </a:rPr>
+              <a:t>If you want, you can display the SQL that will be used to create the tables</a:t>
+            </a:r>
+          </a:p>
+          <a:p>
+            <a:pPr lvl="1"/>
+            <a:r>
+              <a:rPr lang="en-US" sz="1200" kern="1200" dirty="0" smtClean="0">
+                <a:solidFill>
+                  <a:schemeClr val="tx1"/>
+                </a:solidFill>
+                <a:effectLst/>
+                <a:latin typeface="+mn-lt"/>
+                <a:ea typeface="+mn-ea"/>
+                <a:cs typeface="+mn-cs"/>
+              </a:rPr>
+              <a:t>Type </a:t>
+            </a:r>
+            <a:r>
+              <a:rPr lang="en-US" sz="1200" b="1" kern="1200" dirty="0" smtClean="0">
+                <a:solidFill>
+                  <a:schemeClr val="tx1"/>
+                </a:solidFill>
+                <a:effectLst/>
+                <a:latin typeface="+mn-lt"/>
+                <a:ea typeface="+mn-ea"/>
+                <a:cs typeface="+mn-cs"/>
+              </a:rPr>
+              <a:t>python manage.py </a:t>
+            </a:r>
+            <a:r>
+              <a:rPr lang="en-US" sz="1200" b="1" kern="1200" dirty="0" err="1" smtClean="0">
+                <a:solidFill>
+                  <a:schemeClr val="tx1"/>
+                </a:solidFill>
+                <a:effectLst/>
+                <a:latin typeface="+mn-lt"/>
+                <a:ea typeface="+mn-ea"/>
+                <a:cs typeface="+mn-cs"/>
+              </a:rPr>
+              <a:t>sqlmigrate</a:t>
+            </a:r>
+            <a:r>
+              <a:rPr lang="en-US" sz="1200" b="1" kern="1200" dirty="0" smtClean="0">
+                <a:solidFill>
+                  <a:schemeClr val="tx1"/>
+                </a:solidFill>
+                <a:effectLst/>
+                <a:latin typeface="+mn-lt"/>
+                <a:ea typeface="+mn-ea"/>
+                <a:cs typeface="+mn-cs"/>
+              </a:rPr>
+              <a:t> app 0001_initial</a:t>
+            </a:r>
+            <a:endParaRPr lang="en-US" sz="1200" kern="1200" dirty="0" smtClean="0">
+              <a:solidFill>
+                <a:schemeClr val="tx1"/>
+              </a:solidFill>
+              <a:effectLst/>
+              <a:latin typeface="+mn-lt"/>
+              <a:ea typeface="+mn-ea"/>
+              <a:cs typeface="+mn-cs"/>
+            </a:endParaRPr>
+          </a:p>
+          <a:p>
+            <a:pPr lvl="2"/>
+            <a:r>
+              <a:rPr lang="en-US" sz="1200" b="1" kern="1200" dirty="0" smtClean="0">
+                <a:solidFill>
+                  <a:schemeClr val="tx1"/>
+                </a:solidFill>
+                <a:effectLst/>
+                <a:latin typeface="+mn-lt"/>
+                <a:ea typeface="+mn-ea"/>
+                <a:cs typeface="+mn-cs"/>
+              </a:rPr>
+              <a:t>App</a:t>
+            </a:r>
+            <a:r>
+              <a:rPr lang="en-US" sz="1200" kern="1200" dirty="0" smtClean="0">
+                <a:solidFill>
+                  <a:schemeClr val="tx1"/>
+                </a:solidFill>
+                <a:effectLst/>
+                <a:latin typeface="+mn-lt"/>
+                <a:ea typeface="+mn-ea"/>
+                <a:cs typeface="+mn-cs"/>
+              </a:rPr>
+              <a:t> is the name of the application</a:t>
+            </a:r>
+          </a:p>
+          <a:p>
+            <a:pPr lvl="2"/>
+            <a:r>
+              <a:rPr lang="en-US" sz="1200" b="1" kern="1200" dirty="0" smtClean="0">
+                <a:solidFill>
+                  <a:schemeClr val="tx1"/>
+                </a:solidFill>
+                <a:effectLst/>
+                <a:latin typeface="+mn-lt"/>
+                <a:ea typeface="+mn-ea"/>
+                <a:cs typeface="+mn-cs"/>
+              </a:rPr>
+              <a:t>0001_initial</a:t>
+            </a:r>
+            <a:r>
+              <a:rPr lang="en-US" sz="1200" kern="1200" dirty="0" smtClean="0">
+                <a:solidFill>
+                  <a:schemeClr val="tx1"/>
+                </a:solidFill>
+                <a:effectLst/>
+                <a:latin typeface="+mn-lt"/>
+                <a:ea typeface="+mn-ea"/>
+                <a:cs typeface="+mn-cs"/>
+              </a:rPr>
+              <a:t> is the name of the migration</a:t>
+            </a:r>
+          </a:p>
+          <a:p>
+            <a:pPr lvl="2"/>
+            <a:r>
+              <a:rPr lang="en-US" sz="1200" kern="1200" dirty="0" smtClean="0">
+                <a:solidFill>
+                  <a:schemeClr val="tx1"/>
+                </a:solidFill>
+                <a:effectLst/>
+                <a:latin typeface="+mn-lt"/>
+                <a:ea typeface="+mn-ea"/>
+                <a:cs typeface="+mn-cs"/>
+              </a:rPr>
+              <a:t>The SQL is displayed</a:t>
+            </a:r>
+          </a:p>
+          <a:p>
+            <a:pPr lvl="0"/>
+            <a:r>
+              <a:rPr lang="en-US" sz="1200" kern="1200" dirty="0" smtClean="0">
+                <a:solidFill>
+                  <a:schemeClr val="tx1"/>
+                </a:solidFill>
+                <a:effectLst/>
+                <a:latin typeface="+mn-lt"/>
+                <a:ea typeface="+mn-ea"/>
+                <a:cs typeface="+mn-cs"/>
+              </a:rPr>
+              <a:t>Now you can actually apply the migration, to update the databases. </a:t>
+            </a:r>
+          </a:p>
+          <a:p>
+            <a:pPr lvl="1"/>
+            <a:r>
+              <a:rPr lang="en-US" sz="1200" kern="1200" dirty="0" smtClean="0">
+                <a:solidFill>
+                  <a:schemeClr val="tx1"/>
+                </a:solidFill>
+                <a:effectLst/>
+                <a:latin typeface="+mn-lt"/>
+                <a:ea typeface="+mn-ea"/>
+                <a:cs typeface="+mn-cs"/>
+              </a:rPr>
+              <a:t>Type </a:t>
+            </a:r>
+            <a:r>
+              <a:rPr lang="en-US" sz="1200" b="1" kern="1200" dirty="0" smtClean="0">
+                <a:solidFill>
+                  <a:schemeClr val="tx1"/>
+                </a:solidFill>
+                <a:effectLst/>
+                <a:latin typeface="+mn-lt"/>
+                <a:ea typeface="+mn-ea"/>
+                <a:cs typeface="+mn-cs"/>
+              </a:rPr>
+              <a:t>python manage.py migrate</a:t>
+            </a:r>
+            <a:endParaRPr lang="en-US" sz="1200" kern="1200" dirty="0" smtClean="0">
+              <a:solidFill>
+                <a:schemeClr val="tx1"/>
+              </a:solidFill>
+              <a:effectLst/>
+              <a:latin typeface="+mn-lt"/>
+              <a:ea typeface="+mn-ea"/>
+              <a:cs typeface="+mn-cs"/>
+            </a:endParaRPr>
+          </a:p>
+          <a:p>
+            <a:pPr lvl="2"/>
+            <a:r>
+              <a:rPr lang="en-US" sz="1200" kern="1200" dirty="0" smtClean="0">
+                <a:solidFill>
+                  <a:schemeClr val="tx1"/>
+                </a:solidFill>
+                <a:effectLst/>
+                <a:latin typeface="+mn-lt"/>
+                <a:ea typeface="+mn-ea"/>
+                <a:cs typeface="+mn-cs"/>
+              </a:rPr>
+              <a:t>This will create the necessary items inside the database for Django</a:t>
+            </a:r>
+          </a:p>
+          <a:p>
+            <a:pPr lvl="1"/>
+            <a:r>
+              <a:rPr lang="en-US" sz="1200" kern="1200" dirty="0" smtClean="0">
+                <a:solidFill>
+                  <a:schemeClr val="tx1"/>
+                </a:solidFill>
+                <a:effectLst/>
+                <a:latin typeface="+mn-lt"/>
+                <a:ea typeface="+mn-ea"/>
+                <a:cs typeface="+mn-cs"/>
+              </a:rPr>
+              <a:t>Type </a:t>
+            </a:r>
+            <a:r>
+              <a:rPr lang="en-US" sz="1200" b="1" kern="1200" dirty="0" smtClean="0">
+                <a:solidFill>
+                  <a:schemeClr val="tx1"/>
+                </a:solidFill>
+                <a:effectLst/>
+                <a:latin typeface="+mn-lt"/>
+                <a:ea typeface="+mn-ea"/>
+                <a:cs typeface="+mn-cs"/>
+              </a:rPr>
+              <a:t>python manage.py migrate app 0001_initial</a:t>
+            </a:r>
+            <a:endParaRPr lang="en-US" sz="1200" kern="1200" dirty="0" smtClean="0">
+              <a:solidFill>
+                <a:schemeClr val="tx1"/>
+              </a:solidFill>
+              <a:effectLst/>
+              <a:latin typeface="+mn-lt"/>
+              <a:ea typeface="+mn-ea"/>
+              <a:cs typeface="+mn-cs"/>
+            </a:endParaRPr>
+          </a:p>
+          <a:p>
+            <a:pPr lvl="2"/>
+            <a:r>
+              <a:rPr lang="en-US" sz="1200" kern="1200" dirty="0" smtClean="0">
+                <a:solidFill>
+                  <a:schemeClr val="tx1"/>
+                </a:solidFill>
+                <a:effectLst/>
+                <a:latin typeface="+mn-lt"/>
+                <a:ea typeface="+mn-ea"/>
+                <a:cs typeface="+mn-cs"/>
+              </a:rPr>
+              <a:t>This will create the tables for the model we created</a:t>
+            </a:r>
+          </a:p>
+          <a:p>
+            <a:endParaRPr lang="en-US" baseline="0" dirty="0" smtClean="0"/>
+          </a:p>
+          <a:p>
+            <a:endParaRPr lang="en-US" dirty="0"/>
+          </a:p>
+        </p:txBody>
+      </p:sp>
+      <p:sp>
+        <p:nvSpPr>
+          <p:cNvPr id="4" name="Slide Number Placeholder 3"/>
+          <p:cNvSpPr>
+            <a:spLocks noGrp="1"/>
+          </p:cNvSpPr>
+          <p:nvPr>
+            <p:ph type="sldNum" sz="quarter" idx="10"/>
+          </p:nvPr>
+        </p:nvSpPr>
+        <p:spPr/>
+        <p:txBody>
+          <a:bodyPr/>
+          <a:lstStyle/>
+          <a:p>
+            <a:fld id="{4CFD207A-07DF-40AD-A916-9872E089CE7A}" type="slidenum">
+              <a:rPr lang="en-US" smtClean="0"/>
+              <a:t>36</a:t>
+            </a:fld>
+            <a:endParaRPr lang="en-US"/>
+          </a:p>
+        </p:txBody>
+      </p:sp>
+    </p:spTree>
+    <p:extLst>
+      <p:ext uri="{BB962C8B-B14F-4D97-AF65-F5344CB8AC3E}">
+        <p14:creationId xmlns:p14="http://schemas.microsoft.com/office/powerpoint/2010/main" val="1389416945"/>
       </p:ext>
     </p:extLst>
   </p:cSld>
@@ -1180,7 +2320,7 @@
           <a:p>
             <a:fld id="{1FACF698-560B-A546-A4FA-6B15CCA392CB}" type="datetimeFigureOut">
               <a:rPr lang="en-US" smtClean="0"/>
-              <a:t>11/3/2016</a:t>
+              <a:t>11/9/2016</a:t>
             </a:fld>
             <a:endParaRPr lang="en-US"/>
           </a:p>
@@ -1345,7 +2485,7 @@
           <a:p>
             <a:fld id="{1FACF698-560B-A546-A4FA-6B15CCA392CB}" type="datetimeFigureOut">
               <a:rPr lang="en-US" smtClean="0"/>
-              <a:t>11/3/2016</a:t>
+              <a:t>11/9/2016</a:t>
             </a:fld>
             <a:endParaRPr lang="en-US"/>
           </a:p>
@@ -1520,7 +2660,7 @@
           <a:p>
             <a:fld id="{1FACF698-560B-A546-A4FA-6B15CCA392CB}" type="datetimeFigureOut">
               <a:rPr lang="en-US" smtClean="0"/>
-              <a:t>11/3/2016</a:t>
+              <a:t>11/9/2016</a:t>
             </a:fld>
             <a:endParaRPr lang="en-US"/>
           </a:p>
@@ -1945,7 +3085,7 @@
   </p:timing>
   <p:extLst mod="1">
     <p:ext uri="{DCECCB84-F9BA-43D5-87BE-67443E8EF086}">
-      <p15:sldGuideLst xmlns:p15="http://schemas.microsoft.com/office/powerpoint/2012/main" xmlns="">
+      <p15:sldGuideLst xmlns="" xmlns:p15="http://schemas.microsoft.com/office/powerpoint/2012/main">
         <p15:guide id="1" orient="horz" pos="3792">
           <p15:clr>
             <a:srgbClr val="FBAE40"/>
@@ -2579,7 +3719,7 @@
   </p:timing>
   <p:extLst mod="1">
     <p:ext uri="{DCECCB84-F9BA-43D5-87BE-67443E8EF086}">
-      <p15:sldGuideLst xmlns:p15="http://schemas.microsoft.com/office/powerpoint/2012/main" xmlns="">
+      <p15:sldGuideLst xmlns="" xmlns:p15="http://schemas.microsoft.com/office/powerpoint/2012/main">
         <p15:guide id="1" orient="horz" pos="2160">
           <p15:clr>
             <a:srgbClr val="FBAE40"/>
@@ -3786,7 +4926,7 @@
           <a:p>
             <a:fld id="{1FACF698-560B-A546-A4FA-6B15CCA392CB}" type="datetimeFigureOut">
               <a:rPr lang="en-US" smtClean="0"/>
-              <a:t>11/3/2016</a:t>
+              <a:t>11/9/2016</a:t>
             </a:fld>
             <a:endParaRPr lang="en-US"/>
           </a:p>
@@ -4422,7 +5562,7 @@
   </p:timing>
   <p:extLst mod="1">
     <p:ext uri="{DCECCB84-F9BA-43D5-87BE-67443E8EF086}">
-      <p15:sldGuideLst xmlns:p15="http://schemas.microsoft.com/office/powerpoint/2012/main" xmlns="">
+      <p15:sldGuideLst xmlns="" xmlns:p15="http://schemas.microsoft.com/office/powerpoint/2012/main">
         <p15:guide id="1" orient="horz" pos="3792">
           <p15:clr>
             <a:srgbClr val="FBAE40"/>
@@ -5056,7 +6196,7 @@
   </p:timing>
   <p:extLst mod="1">
     <p:ext uri="{DCECCB84-F9BA-43D5-87BE-67443E8EF086}">
-      <p15:sldGuideLst xmlns:p15="http://schemas.microsoft.com/office/powerpoint/2012/main" xmlns="">
+      <p15:sldGuideLst xmlns="" xmlns:p15="http://schemas.microsoft.com/office/powerpoint/2012/main">
         <p15:guide id="1" orient="horz" pos="2160">
           <p15:clr>
             <a:srgbClr val="FBAE40"/>
@@ -6550,7 +7690,7 @@
           <a:p>
             <a:fld id="{1FACF698-560B-A546-A4FA-6B15CCA392CB}" type="datetimeFigureOut">
               <a:rPr lang="en-US" smtClean="0"/>
-              <a:t>11/3/2016</a:t>
+              <a:t>11/9/2016</a:t>
             </a:fld>
             <a:endParaRPr lang="en-US"/>
           </a:p>
@@ -6975,7 +8115,7 @@
   </p:timing>
   <p:extLst mod="1">
     <p:ext uri="{DCECCB84-F9BA-43D5-87BE-67443E8EF086}">
-      <p15:sldGuideLst xmlns:p15="http://schemas.microsoft.com/office/powerpoint/2012/main" xmlns="">
+      <p15:sldGuideLst xmlns="" xmlns:p15="http://schemas.microsoft.com/office/powerpoint/2012/main">
         <p15:guide id="1" orient="horz" pos="3792">
           <p15:clr>
             <a:srgbClr val="FBAE40"/>
@@ -7609,7 +8749,7 @@
   </p:timing>
   <p:extLst mod="1">
     <p:ext uri="{DCECCB84-F9BA-43D5-87BE-67443E8EF086}">
-      <p15:sldGuideLst xmlns:p15="http://schemas.microsoft.com/office/powerpoint/2012/main" xmlns="">
+      <p15:sldGuideLst xmlns="" xmlns:p15="http://schemas.microsoft.com/office/powerpoint/2012/main">
         <p15:guide id="1" orient="horz" pos="2160">
           <p15:clr>
             <a:srgbClr val="FBAE40"/>
@@ -9145,7 +10285,7 @@
           <a:p>
             <a:fld id="{1FACF698-560B-A546-A4FA-6B15CCA392CB}" type="datetimeFigureOut">
               <a:rPr lang="en-US" smtClean="0"/>
-              <a:t>11/3/2016</a:t>
+              <a:t>11/9/2016</a:t>
             </a:fld>
             <a:endParaRPr lang="en-US"/>
           </a:p>
@@ -9562,7 +10702,7 @@
           <a:p>
             <a:fld id="{1FACF698-560B-A546-A4FA-6B15CCA392CB}" type="datetimeFigureOut">
               <a:rPr lang="en-US" smtClean="0"/>
-              <a:t>11/3/2016</a:t>
+              <a:t>11/9/2016</a:t>
             </a:fld>
             <a:endParaRPr lang="en-US"/>
           </a:p>
@@ -9675,7 +10815,7 @@
           <a:p>
             <a:fld id="{1FACF698-560B-A546-A4FA-6B15CCA392CB}" type="datetimeFigureOut">
               <a:rPr lang="en-US" smtClean="0"/>
-              <a:t>11/3/2016</a:t>
+              <a:t>11/9/2016</a:t>
             </a:fld>
             <a:endParaRPr lang="en-US"/>
           </a:p>
@@ -9765,7 +10905,7 @@
           <a:p>
             <a:fld id="{1FACF698-560B-A546-A4FA-6B15CCA392CB}" type="datetimeFigureOut">
               <a:rPr lang="en-US" smtClean="0"/>
-              <a:t>11/3/2016</a:t>
+              <a:t>11/9/2016</a:t>
             </a:fld>
             <a:endParaRPr lang="en-US"/>
           </a:p>
@@ -10037,7 +11177,7 @@
           <a:p>
             <a:fld id="{1FACF698-560B-A546-A4FA-6B15CCA392CB}" type="datetimeFigureOut">
               <a:rPr lang="en-US" smtClean="0"/>
-              <a:t>11/3/2016</a:t>
+              <a:t>11/9/2016</a:t>
             </a:fld>
             <a:endParaRPr lang="en-US"/>
           </a:p>
@@ -10285,7 +11425,7 @@
           <a:p>
             <a:fld id="{1FACF698-560B-A546-A4FA-6B15CCA392CB}" type="datetimeFigureOut">
               <a:rPr lang="en-US" smtClean="0"/>
-              <a:t>11/3/2016</a:t>
+              <a:t>11/9/2016</a:t>
             </a:fld>
             <a:endParaRPr lang="en-US"/>
           </a:p>
@@ -10493,7 +11633,7 @@
           <a:p>
             <a:fld id="{1FACF698-560B-A546-A4FA-6B15CCA392CB}" type="datetimeFigureOut">
               <a:rPr lang="en-US" smtClean="0"/>
-              <a:t>11/3/2016</a:t>
+              <a:t>11/9/2016</a:t>
             </a:fld>
             <a:endParaRPr lang="en-US"/>
           </a:p>
@@ -12017,11 +13157,7 @@
             </a:r>
             <a:r>
               <a:rPr lang="en-US" dirty="0" smtClean="0"/>
-              <a:t>ORM</a:t>
-            </a:r>
-            <a:r>
-              <a:rPr lang="en-US" dirty="0" smtClean="0"/>
-              <a:t>?</a:t>
+              <a:t>ORM?</a:t>
             </a:r>
             <a:endParaRPr lang="en-US" dirty="0"/>
           </a:p>
@@ -12404,7 +13540,7 @@
         </p:nvSpPr>
         <p:spPr>
           <a:xfrm>
-            <a:off x="5696428" y="4251522"/>
+            <a:off x="5558949" y="4391891"/>
             <a:ext cx="1029836" cy="639145"/>
           </a:xfrm>
           <a:prstGeom prst="flowChartDocument">
@@ -12836,11 +13972,7 @@
             </a:r>
             <a:r>
               <a:rPr lang="en-US" dirty="0" smtClean="0"/>
-              <a:t>ORM</a:t>
-            </a:r>
-            <a:r>
-              <a:rPr lang="en-US" dirty="0" smtClean="0"/>
-              <a:t>?</a:t>
+              <a:t>ORM?</a:t>
             </a:r>
             <a:endParaRPr lang="en-US" dirty="0"/>
           </a:p>
@@ -12878,7 +14010,25 @@
           <a:p>
             <a:r>
               <a:rPr lang="ru-RU" dirty="0" smtClean="0"/>
-              <a:t>Можно мигрировать с одной базы данных на другую без необходимости переписывания тонны кода</a:t>
+              <a:t>Можно мигрировать с одной базы данных на другую без необходимости переписывания </a:t>
+            </a:r>
+            <a:r>
+              <a:rPr lang="ru-RU" dirty="0" smtClean="0"/>
+              <a:t>тонны кода</a:t>
+            </a:r>
+          </a:p>
+          <a:p>
+            <a:r>
+              <a:rPr lang="ru-RU" dirty="0" smtClean="0"/>
+              <a:t>Отсутствует необходимость составлять </a:t>
+            </a:r>
+            <a:r>
+              <a:rPr lang="en-US" dirty="0" smtClean="0"/>
+              <a:t>SQL </a:t>
+            </a:r>
+            <a:r>
+              <a:rPr lang="ru-RU" dirty="0" smtClean="0"/>
+              <a:t>запросы</a:t>
             </a:r>
             <a:endParaRPr lang="en-US" dirty="0"/>
           </a:p>
@@ -12999,11 +14149,7 @@
             <a:pPr lvl="1"/>
             <a:r>
               <a:rPr lang="en-US" dirty="0" smtClean="0"/>
-              <a:t>Entity Framework &amp; </a:t>
-            </a:r>
-            <a:r>
-              <a:rPr lang="en-US" dirty="0" smtClean="0"/>
-              <a:t>LINQ</a:t>
+              <a:t>Entity Framework &amp; LINQ</a:t>
             </a:r>
           </a:p>
           <a:p>
@@ -13018,11 +14164,7 @@
             <a:pPr lvl="1"/>
             <a:r>
               <a:rPr lang="en-US" dirty="0" smtClean="0"/>
-              <a:t>ORM</a:t>
-            </a:r>
-            <a:r>
-              <a:rPr lang="en-US" dirty="0" smtClean="0"/>
-              <a:t> </a:t>
+              <a:t>ORM </a:t>
             </a:r>
             <a:r>
               <a:rPr lang="en-US" dirty="0" err="1" smtClean="0"/>
@@ -13528,11 +14670,7 @@
             </a:r>
             <a:r>
               <a:rPr lang="en-US" dirty="0" smtClean="0"/>
-              <a:t> </a:t>
-            </a:r>
-            <a:r>
-              <a:rPr lang="en-US" dirty="0" smtClean="0"/>
-              <a:t>ORM</a:t>
+              <a:t> ORM</a:t>
             </a:r>
             <a:endParaRPr lang="en-US" dirty="0"/>
           </a:p>
@@ -13569,7 +14707,6 @@
               <a:rPr lang="en-US" dirty="0" smtClean="0"/>
               <a:t> models.py</a:t>
             </a:r>
-            <a:endParaRPr lang="en-US" dirty="0" smtClean="0"/>
           </a:p>
           <a:p>
             <a:pPr lvl="1"/>
@@ -13583,11 +14720,7 @@
             </a:r>
             <a:r>
               <a:rPr lang="en-US" dirty="0" smtClean="0"/>
-              <a:t> </a:t>
-            </a:r>
-            <a:r>
-              <a:rPr lang="en-US" dirty="0" smtClean="0"/>
-              <a:t>ORM </a:t>
+              <a:t> ORM </a:t>
             </a:r>
             <a:r>
               <a:rPr lang="ru-RU" dirty="0" smtClean="0"/>
@@ -13876,7 +15009,6 @@
               <a:rPr lang="en-US" dirty="0" smtClean="0"/>
               <a:t>:</a:t>
             </a:r>
-            <a:endParaRPr lang="en-US" dirty="0" smtClean="0"/>
           </a:p>
           <a:p>
             <a:pPr lvl="1"/>
@@ -13898,7 +15030,15 @@
             <a:pPr lvl="1"/>
             <a:r>
               <a:rPr lang="ru-RU" dirty="0" smtClean="0"/>
-              <a:t>Может ли быть пустыми значения</a:t>
+              <a:t>Может ли </a:t>
+            </a:r>
+            <a:r>
+              <a:rPr lang="ru-RU" dirty="0" smtClean="0"/>
+              <a:t>принимать пустые </a:t>
+            </a:r>
+            <a:r>
+              <a:rPr lang="ru-RU" dirty="0" smtClean="0"/>
+              <a:t>значения</a:t>
             </a:r>
             <a:endParaRPr lang="en-US" dirty="0"/>
           </a:p>
@@ -13911,7 +15051,6 @@
               <a:rPr lang="en-US" dirty="0" smtClean="0"/>
               <a:t>:</a:t>
             </a:r>
-            <a:endParaRPr lang="en-US" dirty="0" smtClean="0"/>
           </a:p>
           <a:p>
             <a:pPr marL="0" indent="0">
@@ -13936,14 +15075,7 @@
                 <a:latin typeface="Consolas" panose="020B0609020204030204" pitchFamily="49" charset="0"/>
                 <a:cs typeface="Consolas" panose="020B0609020204030204" pitchFamily="49" charset="0"/>
               </a:rPr>
-              <a:t> </a:t>
-            </a:r>
-            <a:r>
-              <a:rPr lang="en-US" b="1" dirty="0" smtClean="0">
-                <a:latin typeface="Consolas" panose="020B0609020204030204" pitchFamily="49" charset="0"/>
-                <a:cs typeface="Consolas" panose="020B0609020204030204" pitchFamily="49" charset="0"/>
-              </a:rPr>
-              <a:t>= </a:t>
+              <a:t> = </a:t>
             </a:r>
             <a:r>
               <a:rPr lang="en-US" b="1" dirty="0" err="1" smtClean="0">
@@ -14619,7 +15751,7 @@
       </p:grpSpPr>
       <p:sp>
         <p:nvSpPr>
-          <p:cNvPr id="2" name="Title 1"/>
+          <p:cNvPr id="2" name="Заголовок 1"/>
           <p:cNvSpPr>
             <a:spLocks noGrp="1"/>
           </p:cNvSpPr>
@@ -14629,229 +15761,548 @@
         </p:nvSpPr>
         <p:spPr/>
         <p:txBody>
-          <a:bodyPr>
-            <a:normAutofit/>
-          </a:bodyPr>
+          <a:bodyPr/>
           <a:lstStyle/>
           <a:p>
-            <a:r>
-              <a:rPr lang="ru-RU" dirty="0" smtClean="0"/>
-              <a:t>Создание строковых полей</a:t>
-            </a:r>
-            <a:endParaRPr lang="en-US" dirty="0"/>
+            <a:endParaRPr lang="ru-RU"/>
           </a:p>
         </p:txBody>
       </p:sp>
-      <p:sp>
-        <p:nvSpPr>
-          <p:cNvPr id="3" name="Content Placeholder 2"/>
-          <p:cNvSpPr>
-            <a:spLocks noGrp="1"/>
-          </p:cNvSpPr>
+      <p:graphicFrame>
+        <p:nvGraphicFramePr>
+          <p:cNvPr id="4" name="Объект 3"/>
+          <p:cNvGraphicFramePr>
+            <a:graphicFrameLocks noGrp="1"/>
+          </p:cNvGraphicFramePr>
           <p:nvPr>
             <p:ph sz="quarter" idx="10"/>
+            <p:extLst>
+              <p:ext uri="{D42A27DB-BD31-4B8C-83A1-F6EECF244321}">
+                <p14:modId xmlns:p14="http://schemas.microsoft.com/office/powerpoint/2010/main" val="3962421754"/>
+              </p:ext>
+            </p:extLst>
           </p:nvPr>
-        </p:nvSpPr>
-        <p:spPr/>
-        <p:txBody>
-          <a:bodyPr>
-            <a:normAutofit fontScale="92500" lnSpcReduction="20000"/>
-          </a:bodyPr>
-          <a:lstStyle/>
-          <a:p>
-            <a:r>
-              <a:rPr lang="ru-RU" dirty="0" smtClean="0"/>
-              <a:t>Синтаксис</a:t>
-            </a:r>
-            <a:endParaRPr lang="en-US" dirty="0" smtClean="0"/>
-          </a:p>
-          <a:p>
-            <a:pPr lvl="1"/>
-            <a:r>
-              <a:rPr lang="en-US" dirty="0" smtClean="0">
-                <a:latin typeface="Consolas" panose="020B0609020204030204" pitchFamily="49" charset="0"/>
-                <a:cs typeface="Consolas" panose="020B0609020204030204" pitchFamily="49" charset="0"/>
-              </a:rPr>
-              <a:t>name = </a:t>
-            </a:r>
-            <a:r>
-              <a:rPr lang="en-US" dirty="0" err="1" smtClean="0">
-                <a:latin typeface="Consolas" panose="020B0609020204030204" pitchFamily="49" charset="0"/>
-                <a:cs typeface="Consolas" panose="020B0609020204030204" pitchFamily="49" charset="0"/>
-              </a:rPr>
-              <a:t>models.CharField</a:t>
-            </a:r>
-            <a:r>
-              <a:rPr lang="en-US" dirty="0" smtClean="0">
-                <a:latin typeface="Consolas" panose="020B0609020204030204" pitchFamily="49" charset="0"/>
-                <a:cs typeface="Consolas" panose="020B0609020204030204" pitchFamily="49" charset="0"/>
-              </a:rPr>
-              <a:t>(parameters)</a:t>
-            </a:r>
-            <a:endParaRPr lang="en-US" dirty="0">
-              <a:latin typeface="Consolas" panose="020B0609020204030204" pitchFamily="49" charset="0"/>
-              <a:cs typeface="Consolas" panose="020B0609020204030204" pitchFamily="49" charset="0"/>
-            </a:endParaRPr>
-          </a:p>
-          <a:p>
-            <a:r>
-              <a:rPr lang="ru-RU" dirty="0" smtClean="0"/>
-              <a:t>Параметры</a:t>
-            </a:r>
-            <a:endParaRPr lang="en-US" dirty="0" smtClean="0"/>
-          </a:p>
-          <a:p>
-            <a:pPr lvl="1"/>
-            <a:r>
-              <a:rPr lang="en-US" dirty="0" err="1" smtClean="0"/>
-              <a:t>max_length</a:t>
-            </a:r>
-            <a:endParaRPr lang="en-US" dirty="0" smtClean="0"/>
-          </a:p>
-          <a:p>
-            <a:pPr lvl="2"/>
-            <a:r>
-              <a:rPr lang="ru-RU" dirty="0" smtClean="0"/>
-              <a:t>Целое число для представления максимального количества </a:t>
-            </a:r>
-            <a:r>
-              <a:rPr lang="ru-RU" dirty="0" err="1" smtClean="0"/>
-              <a:t>симоволв</a:t>
-            </a:r>
-            <a:endParaRPr lang="en-US" dirty="0" smtClean="0"/>
-          </a:p>
-          <a:p>
-            <a:pPr lvl="1"/>
-            <a:r>
-              <a:rPr lang="en-US" dirty="0" smtClean="0"/>
-              <a:t>null</a:t>
-            </a:r>
-          </a:p>
-          <a:p>
-            <a:pPr lvl="2"/>
-            <a:r>
-              <a:rPr lang="ru-RU" dirty="0" err="1" smtClean="0"/>
-              <a:t>Булевое</a:t>
-            </a:r>
-            <a:r>
-              <a:rPr lang="ru-RU" dirty="0" smtClean="0"/>
-              <a:t> если поле допускает пустые</a:t>
-            </a:r>
-            <a:r>
-              <a:rPr lang="en-US" dirty="0" smtClean="0"/>
-              <a:t> </a:t>
-            </a:r>
-            <a:r>
-              <a:rPr lang="ru-RU" dirty="0" smtClean="0"/>
-              <a:t>(</a:t>
-            </a:r>
-            <a:r>
-              <a:rPr lang="en-US" dirty="0" smtClean="0"/>
-              <a:t>null</a:t>
-            </a:r>
-            <a:r>
-              <a:rPr lang="ru-RU" dirty="0" smtClean="0"/>
-              <a:t>)</a:t>
-            </a:r>
-            <a:r>
-              <a:rPr lang="en-US" dirty="0" smtClean="0"/>
-              <a:t> </a:t>
-            </a:r>
-            <a:r>
-              <a:rPr lang="ru-RU" dirty="0" smtClean="0"/>
-              <a:t>значения</a:t>
-            </a:r>
-            <a:r>
-              <a:rPr lang="en-US" dirty="0" smtClean="0"/>
-              <a:t>. </a:t>
-            </a:r>
-            <a:r>
-              <a:rPr lang="en-US" b="1" dirty="0" smtClean="0"/>
-              <a:t>False </a:t>
-            </a:r>
-            <a:r>
-              <a:rPr lang="ru-RU" b="1" dirty="0" smtClean="0"/>
-              <a:t>по умолчанию</a:t>
-            </a:r>
-            <a:r>
-              <a:rPr lang="en-US" dirty="0" smtClean="0"/>
-              <a:t>.</a:t>
-            </a:r>
-            <a:endParaRPr lang="en-US" dirty="0" smtClean="0"/>
-          </a:p>
-          <a:p>
-            <a:pPr lvl="1"/>
-            <a:r>
-              <a:rPr lang="en-US" dirty="0" smtClean="0"/>
-              <a:t>blank</a:t>
-            </a:r>
-          </a:p>
-          <a:p>
-            <a:pPr lvl="2"/>
-            <a:r>
-              <a:rPr lang="ru-RU" dirty="0" err="1" smtClean="0"/>
-              <a:t>Булевое</a:t>
-            </a:r>
-            <a:r>
-              <a:rPr lang="ru-RU" dirty="0" smtClean="0"/>
-              <a:t> для индикации, что возможна пустая строка</a:t>
-            </a:r>
-            <a:r>
-              <a:rPr lang="en-US" dirty="0" smtClean="0"/>
-              <a:t>. </a:t>
-            </a:r>
-            <a:r>
-              <a:rPr lang="en-US" b="1" dirty="0" smtClean="0"/>
-              <a:t>False </a:t>
-            </a:r>
-            <a:r>
-              <a:rPr lang="ru-RU" b="1" dirty="0" smtClean="0"/>
-              <a:t>по умолчанию</a:t>
-            </a:r>
-            <a:r>
-              <a:rPr lang="en-US" dirty="0" smtClean="0"/>
-              <a:t>.</a:t>
-            </a:r>
-            <a:endParaRPr lang="en-US" dirty="0" smtClean="0"/>
-          </a:p>
-          <a:p>
-            <a:pPr lvl="1"/>
-            <a:r>
-              <a:rPr lang="en-US" dirty="0" smtClean="0"/>
-              <a:t>default</a:t>
-            </a:r>
-          </a:p>
-          <a:p>
-            <a:pPr lvl="2"/>
-            <a:r>
-              <a:rPr lang="ru-RU" dirty="0" smtClean="0"/>
-              <a:t>Значение по умолчанию, если другого не задано</a:t>
-            </a:r>
-            <a:endParaRPr lang="en-US" dirty="0" smtClean="0"/>
-          </a:p>
-          <a:p>
-            <a:pPr lvl="1"/>
-            <a:endParaRPr lang="en-US" dirty="0"/>
-          </a:p>
-        </p:txBody>
-      </p:sp>
+        </p:nvGraphicFramePr>
+        <p:xfrm>
+          <a:off x="284636" y="852523"/>
+          <a:ext cx="8643324" cy="5167376"/>
+        </p:xfrm>
+        <a:graphic>
+          <a:graphicData uri="http://schemas.openxmlformats.org/drawingml/2006/table">
+            <a:tbl>
+              <a:tblPr firstRow="1" firstCol="1" bandRow="1">
+                <a:tableStyleId>{073A0DAA-6AF3-43AB-8588-CEC1D06C72B9}</a:tableStyleId>
+              </a:tblPr>
+              <a:tblGrid>
+                <a:gridCol w="2368623"/>
+                <a:gridCol w="6274701"/>
+              </a:tblGrid>
+              <a:tr h="255198">
+                <a:tc>
+                  <a:txBody>
+                    <a:bodyPr/>
+                    <a:lstStyle/>
+                    <a:p>
+                      <a:pPr algn="ctr">
+                        <a:lnSpc>
+                          <a:spcPct val="115000"/>
+                        </a:lnSpc>
+                        <a:spcAft>
+                          <a:spcPts val="0"/>
+                        </a:spcAft>
+                      </a:pPr>
+                      <a:r>
+                        <a:rPr lang="ru-RU" sz="2800" dirty="0">
+                          <a:effectLst/>
+                        </a:rPr>
+                        <a:t>Класс поля </a:t>
+                      </a:r>
+                      <a:endParaRPr lang="ru-RU" sz="2800" dirty="0">
+                        <a:effectLst/>
+                        <a:latin typeface="Calibri"/>
+                        <a:ea typeface="Calibri"/>
+                        <a:cs typeface="Times New Roman"/>
+                      </a:endParaRPr>
+                    </a:p>
+                  </a:txBody>
+                  <a:tcPr marL="68580" marR="68580" marT="0" marB="0"/>
+                </a:tc>
+                <a:tc>
+                  <a:txBody>
+                    <a:bodyPr/>
+                    <a:lstStyle/>
+                    <a:p>
+                      <a:pPr algn="ctr">
+                        <a:lnSpc>
+                          <a:spcPct val="115000"/>
+                        </a:lnSpc>
+                        <a:spcAft>
+                          <a:spcPts val="0"/>
+                        </a:spcAft>
+                      </a:pPr>
+                      <a:r>
+                        <a:rPr lang="ru-RU" sz="2800" dirty="0">
+                          <a:effectLst/>
+                        </a:rPr>
+                        <a:t>Тип данных</a:t>
+                      </a:r>
+                      <a:endParaRPr lang="ru-RU" sz="2800" dirty="0">
+                        <a:effectLst/>
+                        <a:latin typeface="Calibri"/>
+                        <a:ea typeface="Calibri"/>
+                        <a:cs typeface="Times New Roman"/>
+                      </a:endParaRPr>
+                    </a:p>
+                  </a:txBody>
+                  <a:tcPr marL="68580" marR="68580" marT="0" marB="0"/>
+                </a:tc>
+              </a:tr>
+              <a:tr h="255198">
+                <a:tc>
+                  <a:txBody>
+                    <a:bodyPr/>
+                    <a:lstStyle/>
+                    <a:p>
+                      <a:pPr>
+                        <a:lnSpc>
+                          <a:spcPct val="115000"/>
+                        </a:lnSpc>
+                        <a:spcAft>
+                          <a:spcPts val="0"/>
+                        </a:spcAft>
+                      </a:pPr>
+                      <a:r>
+                        <a:rPr lang="ru-RU" sz="2800">
+                          <a:effectLst/>
+                        </a:rPr>
+                        <a:t>AutoField </a:t>
+                      </a:r>
+                      <a:endParaRPr lang="ru-RU" sz="2800">
+                        <a:effectLst/>
+                        <a:latin typeface="Calibri"/>
+                        <a:ea typeface="Calibri"/>
+                        <a:cs typeface="Times New Roman"/>
+                      </a:endParaRPr>
+                    </a:p>
+                  </a:txBody>
+                  <a:tcPr marL="68580" marR="68580" marT="0" marB="0"/>
+                </a:tc>
+                <a:tc>
+                  <a:txBody>
+                    <a:bodyPr/>
+                    <a:lstStyle/>
+                    <a:p>
+                      <a:pPr>
+                        <a:lnSpc>
+                          <a:spcPct val="115000"/>
+                        </a:lnSpc>
+                        <a:spcAft>
+                          <a:spcPts val="0"/>
+                        </a:spcAft>
+                      </a:pPr>
+                      <a:r>
+                        <a:rPr lang="ru-RU" sz="2800">
+                          <a:effectLst/>
+                        </a:rPr>
+                        <a:t>Счетчик</a:t>
+                      </a:r>
+                      <a:endParaRPr lang="ru-RU" sz="2800">
+                        <a:effectLst/>
+                        <a:latin typeface="Calibri"/>
+                        <a:ea typeface="Calibri"/>
+                        <a:cs typeface="Times New Roman"/>
+                      </a:endParaRPr>
+                    </a:p>
+                  </a:txBody>
+                  <a:tcPr marL="68580" marR="68580" marT="0" marB="0"/>
+                </a:tc>
+              </a:tr>
+              <a:tr h="526291">
+                <a:tc>
+                  <a:txBody>
+                    <a:bodyPr/>
+                    <a:lstStyle/>
+                    <a:p>
+                      <a:pPr>
+                        <a:lnSpc>
+                          <a:spcPct val="115000"/>
+                        </a:lnSpc>
+                        <a:spcAft>
+                          <a:spcPts val="0"/>
+                        </a:spcAft>
+                      </a:pPr>
+                      <a:r>
+                        <a:rPr lang="ru-RU" sz="2800">
+                          <a:effectLst/>
+                        </a:rPr>
+                        <a:t>BigintegerField </a:t>
+                      </a:r>
+                      <a:endParaRPr lang="ru-RU" sz="2800">
+                        <a:effectLst/>
+                        <a:latin typeface="Calibri"/>
+                        <a:ea typeface="Calibri"/>
+                        <a:cs typeface="Times New Roman"/>
+                      </a:endParaRPr>
+                    </a:p>
+                  </a:txBody>
+                  <a:tcPr marL="68580" marR="68580" marT="0" marB="0"/>
+                </a:tc>
+                <a:tc>
+                  <a:txBody>
+                    <a:bodyPr/>
+                    <a:lstStyle/>
+                    <a:p>
+                      <a:pPr>
+                        <a:lnSpc>
+                          <a:spcPct val="115000"/>
+                        </a:lnSpc>
+                        <a:spcAft>
+                          <a:spcPts val="0"/>
+                        </a:spcAft>
+                      </a:pPr>
+                      <a:r>
+                        <a:rPr lang="ru-RU" sz="2800" dirty="0">
+                          <a:effectLst/>
+                        </a:rPr>
+                        <a:t>64-разрядное (длинное) целое  </a:t>
+                      </a:r>
+                      <a:r>
+                        <a:rPr lang="ru-RU" sz="2800" dirty="0" smtClean="0">
+                          <a:effectLst/>
+                        </a:rPr>
+                        <a:t>число; </a:t>
+                      </a:r>
+                      <a:r>
+                        <a:rPr lang="ru-RU" sz="2800" dirty="0">
+                          <a:effectLst/>
+                        </a:rPr>
+                        <a:t>позволяет хранить значения от -9223372036854775808 до 9223372036854775807</a:t>
+                      </a:r>
+                      <a:endParaRPr lang="ru-RU" sz="2800" dirty="0">
+                        <a:effectLst/>
+                        <a:latin typeface="Calibri"/>
+                        <a:ea typeface="Calibri"/>
+                        <a:cs typeface="Times New Roman"/>
+                      </a:endParaRPr>
+                    </a:p>
+                  </a:txBody>
+                  <a:tcPr marL="68580" marR="68580" marT="0" marB="0"/>
+                </a:tc>
+              </a:tr>
+              <a:tr h="255198">
+                <a:tc>
+                  <a:txBody>
+                    <a:bodyPr/>
+                    <a:lstStyle/>
+                    <a:p>
+                      <a:pPr>
+                        <a:lnSpc>
+                          <a:spcPct val="115000"/>
+                        </a:lnSpc>
+                        <a:spcAft>
+                          <a:spcPts val="0"/>
+                        </a:spcAft>
+                      </a:pPr>
+                      <a:r>
+                        <a:rPr lang="ru-RU" sz="2800">
+                          <a:effectLst/>
+                        </a:rPr>
+                        <a:t>BooleanField </a:t>
+                      </a:r>
+                      <a:endParaRPr lang="ru-RU" sz="2800">
+                        <a:effectLst/>
+                        <a:latin typeface="Calibri"/>
+                        <a:ea typeface="Calibri"/>
+                        <a:cs typeface="Times New Roman"/>
+                      </a:endParaRPr>
+                    </a:p>
+                  </a:txBody>
+                  <a:tcPr marL="68580" marR="68580" marT="0" marB="0"/>
+                </a:tc>
+                <a:tc>
+                  <a:txBody>
+                    <a:bodyPr/>
+                    <a:lstStyle/>
+                    <a:p>
+                      <a:pPr>
+                        <a:lnSpc>
+                          <a:spcPct val="115000"/>
+                        </a:lnSpc>
+                        <a:spcAft>
+                          <a:spcPts val="0"/>
+                        </a:spcAft>
+                      </a:pPr>
+                      <a:r>
+                        <a:rPr lang="ru-RU" sz="2800">
+                          <a:effectLst/>
+                        </a:rPr>
+                        <a:t>Логический</a:t>
+                      </a:r>
+                      <a:endParaRPr lang="ru-RU" sz="2800">
+                        <a:effectLst/>
+                        <a:latin typeface="Calibri"/>
+                        <a:ea typeface="Calibri"/>
+                        <a:cs typeface="Times New Roman"/>
+                      </a:endParaRPr>
+                    </a:p>
+                  </a:txBody>
+                  <a:tcPr marL="68580" marR="68580" marT="0" marB="0"/>
+                </a:tc>
+              </a:tr>
+              <a:tr h="255198">
+                <a:tc>
+                  <a:txBody>
+                    <a:bodyPr/>
+                    <a:lstStyle/>
+                    <a:p>
+                      <a:pPr>
+                        <a:lnSpc>
+                          <a:spcPct val="115000"/>
+                        </a:lnSpc>
+                        <a:spcAft>
+                          <a:spcPts val="0"/>
+                        </a:spcAft>
+                      </a:pPr>
+                      <a:r>
+                        <a:rPr lang="ru-RU" sz="2800">
+                          <a:effectLst/>
+                        </a:rPr>
+                        <a:t>CharField </a:t>
+                      </a:r>
+                      <a:endParaRPr lang="ru-RU" sz="2800">
+                        <a:effectLst/>
+                        <a:latin typeface="Calibri"/>
+                        <a:ea typeface="Calibri"/>
+                        <a:cs typeface="Times New Roman"/>
+                      </a:endParaRPr>
+                    </a:p>
+                  </a:txBody>
+                  <a:tcPr marL="68580" marR="68580" marT="0" marB="0"/>
+                </a:tc>
+                <a:tc>
+                  <a:txBody>
+                    <a:bodyPr/>
+                    <a:lstStyle/>
+                    <a:p>
+                      <a:pPr>
+                        <a:lnSpc>
+                          <a:spcPct val="115000"/>
+                        </a:lnSpc>
+                        <a:spcAft>
+                          <a:spcPts val="0"/>
+                        </a:spcAft>
+                      </a:pPr>
+                      <a:r>
+                        <a:rPr lang="ru-RU" sz="2800">
+                          <a:effectLst/>
+                        </a:rPr>
+                        <a:t>Строковый</a:t>
+                      </a:r>
+                      <a:endParaRPr lang="ru-RU" sz="2800">
+                        <a:effectLst/>
+                        <a:latin typeface="Calibri"/>
+                        <a:ea typeface="Calibri"/>
+                        <a:cs typeface="Times New Roman"/>
+                      </a:endParaRPr>
+                    </a:p>
+                  </a:txBody>
+                  <a:tcPr marL="68580" marR="68580" marT="0" marB="0"/>
+                </a:tc>
+              </a:tr>
+              <a:tr h="255198">
+                <a:tc>
+                  <a:txBody>
+                    <a:bodyPr/>
+                    <a:lstStyle/>
+                    <a:p>
+                      <a:pPr>
+                        <a:lnSpc>
+                          <a:spcPct val="115000"/>
+                        </a:lnSpc>
+                        <a:spcAft>
+                          <a:spcPts val="0"/>
+                        </a:spcAft>
+                      </a:pPr>
+                      <a:r>
+                        <a:rPr lang="en-US" sz="2800">
+                          <a:effectLst/>
+                        </a:rPr>
+                        <a:t>DateField </a:t>
+                      </a:r>
+                      <a:endParaRPr lang="ru-RU" sz="2800">
+                        <a:effectLst/>
+                        <a:latin typeface="Calibri"/>
+                        <a:ea typeface="Calibri"/>
+                        <a:cs typeface="Times New Roman"/>
+                      </a:endParaRPr>
+                    </a:p>
+                  </a:txBody>
+                  <a:tcPr marL="68580" marR="68580" marT="0" marB="0"/>
+                </a:tc>
+                <a:tc>
+                  <a:txBody>
+                    <a:bodyPr/>
+                    <a:lstStyle/>
+                    <a:p>
+                      <a:pPr>
+                        <a:lnSpc>
+                          <a:spcPct val="115000"/>
+                        </a:lnSpc>
+                        <a:spcAft>
+                          <a:spcPts val="0"/>
+                        </a:spcAft>
+                      </a:pPr>
+                      <a:r>
+                        <a:rPr lang="ru-RU" sz="2800">
+                          <a:effectLst/>
+                        </a:rPr>
+                        <a:t>Дата</a:t>
+                      </a:r>
+                      <a:endParaRPr lang="ru-RU" sz="2800">
+                        <a:effectLst/>
+                        <a:latin typeface="Calibri"/>
+                        <a:ea typeface="Calibri"/>
+                        <a:cs typeface="Times New Roman"/>
+                      </a:endParaRPr>
+                    </a:p>
+                  </a:txBody>
+                  <a:tcPr marL="68580" marR="68580" marT="0" marB="0"/>
+                </a:tc>
+              </a:tr>
+              <a:tr h="255198">
+                <a:tc>
+                  <a:txBody>
+                    <a:bodyPr/>
+                    <a:lstStyle/>
+                    <a:p>
+                      <a:pPr>
+                        <a:lnSpc>
+                          <a:spcPct val="115000"/>
+                        </a:lnSpc>
+                        <a:spcAft>
+                          <a:spcPts val="0"/>
+                        </a:spcAft>
+                      </a:pPr>
+                      <a:r>
+                        <a:rPr lang="en-US" sz="2800">
+                          <a:effectLst/>
+                        </a:rPr>
+                        <a:t>DateTimeField </a:t>
+                      </a:r>
+                      <a:endParaRPr lang="ru-RU" sz="2800">
+                        <a:effectLst/>
+                        <a:latin typeface="Calibri"/>
+                        <a:ea typeface="Calibri"/>
+                        <a:cs typeface="Times New Roman"/>
+                      </a:endParaRPr>
+                    </a:p>
+                  </a:txBody>
+                  <a:tcPr marL="68580" marR="68580" marT="0" marB="0"/>
+                </a:tc>
+                <a:tc>
+                  <a:txBody>
+                    <a:bodyPr/>
+                    <a:lstStyle/>
+                    <a:p>
+                      <a:pPr>
+                        <a:lnSpc>
+                          <a:spcPct val="115000"/>
+                        </a:lnSpc>
+                        <a:spcAft>
+                          <a:spcPts val="0"/>
+                        </a:spcAft>
+                      </a:pPr>
+                      <a:r>
+                        <a:rPr lang="ru-RU" sz="2800">
+                          <a:effectLst/>
+                        </a:rPr>
+                        <a:t>Дата и время</a:t>
+                      </a:r>
+                      <a:endParaRPr lang="ru-RU" sz="2800">
+                        <a:effectLst/>
+                        <a:latin typeface="Calibri"/>
+                        <a:ea typeface="Calibri"/>
+                        <a:cs typeface="Times New Roman"/>
+                      </a:endParaRPr>
+                    </a:p>
+                  </a:txBody>
+                  <a:tcPr marL="68580" marR="68580" marT="0" marB="0"/>
+                </a:tc>
+              </a:tr>
+              <a:tr h="255198">
+                <a:tc>
+                  <a:txBody>
+                    <a:bodyPr/>
+                    <a:lstStyle/>
+                    <a:p>
+                      <a:pPr>
+                        <a:lnSpc>
+                          <a:spcPct val="115000"/>
+                        </a:lnSpc>
+                        <a:spcAft>
+                          <a:spcPts val="0"/>
+                        </a:spcAft>
+                      </a:pPr>
+                      <a:r>
+                        <a:rPr lang="ru-RU" sz="2800">
+                          <a:effectLst/>
+                        </a:rPr>
+                        <a:t>FloatField </a:t>
+                      </a:r>
+                      <a:endParaRPr lang="ru-RU" sz="2800">
+                        <a:effectLst/>
+                        <a:latin typeface="Calibri"/>
+                        <a:ea typeface="Calibri"/>
+                        <a:cs typeface="Times New Roman"/>
+                      </a:endParaRPr>
+                    </a:p>
+                  </a:txBody>
+                  <a:tcPr marL="68580" marR="68580" marT="0" marB="0"/>
+                </a:tc>
+                <a:tc>
+                  <a:txBody>
+                    <a:bodyPr/>
+                    <a:lstStyle/>
+                    <a:p>
+                      <a:pPr>
+                        <a:lnSpc>
+                          <a:spcPct val="115000"/>
+                        </a:lnSpc>
+                        <a:spcAft>
+                          <a:spcPts val="0"/>
+                        </a:spcAft>
+                      </a:pPr>
+                      <a:r>
+                        <a:rPr lang="ru-RU" sz="2800" dirty="0">
+                          <a:effectLst/>
+                        </a:rPr>
+                        <a:t>Число с плавающей точкой</a:t>
+                      </a:r>
+                      <a:endParaRPr lang="ru-RU" sz="2800" dirty="0">
+                        <a:effectLst/>
+                        <a:latin typeface="Calibri"/>
+                        <a:ea typeface="Calibri"/>
+                        <a:cs typeface="Times New Roman"/>
+                      </a:endParaRPr>
+                    </a:p>
+                  </a:txBody>
+                  <a:tcPr marL="68580" marR="68580" marT="0" marB="0"/>
+                </a:tc>
+              </a:tr>
+            </a:tbl>
+          </a:graphicData>
+        </a:graphic>
+      </p:graphicFrame>
     </p:spTree>
     <p:extLst>
       <p:ext uri="{BB962C8B-B14F-4D97-AF65-F5344CB8AC3E}">
-        <p14:creationId xmlns:p14="http://schemas.microsoft.com/office/powerpoint/2010/main" val="1677417678"/>
+        <p14:creationId xmlns:p14="http://schemas.microsoft.com/office/powerpoint/2010/main" val="95467628"/>
       </p:ext>
     </p:extLst>
   </p:cSld>
   <p:clrMapOvr>
     <a:masterClrMapping/>
   </p:clrMapOvr>
-  <p:timing>
-    <p:tnLst>
-      <p:par>
-        <p:cTn id="1" dur="indefinite" restart="never" nodeType="tmRoot"/>
-      </p:par>
-    </p:tnLst>
-  </p:timing>
 </p:sld>
 </file>
 
@@ -14874,7 +16325,7 @@
       </p:grpSpPr>
       <p:sp>
         <p:nvSpPr>
-          <p:cNvPr id="2" name="Title 1"/>
+          <p:cNvPr id="2" name="Заголовок 1"/>
           <p:cNvSpPr>
             <a:spLocks noGrp="1"/>
           </p:cNvSpPr>
@@ -14887,149 +16338,305 @@
           <a:bodyPr/>
           <a:lstStyle/>
           <a:p>
-            <a:r>
-              <a:rPr lang="ru-RU" dirty="0" smtClean="0"/>
-              <a:t>Создание целочисленных полей</a:t>
-            </a:r>
-            <a:endParaRPr lang="en-US" dirty="0"/>
+            <a:endParaRPr lang="ru-RU"/>
           </a:p>
         </p:txBody>
       </p:sp>
-      <p:sp>
-        <p:nvSpPr>
-          <p:cNvPr id="3" name="Content Placeholder 2"/>
-          <p:cNvSpPr>
-            <a:spLocks noGrp="1"/>
-          </p:cNvSpPr>
+      <p:graphicFrame>
+        <p:nvGraphicFramePr>
+          <p:cNvPr id="4" name="Объект 3"/>
+          <p:cNvGraphicFramePr>
+            <a:graphicFrameLocks noGrp="1"/>
+          </p:cNvGraphicFramePr>
           <p:nvPr>
             <p:ph sz="quarter" idx="10"/>
+            <p:extLst>
+              <p:ext uri="{D42A27DB-BD31-4B8C-83A1-F6EECF244321}">
+                <p14:modId xmlns:p14="http://schemas.microsoft.com/office/powerpoint/2010/main" val="3183532665"/>
+              </p:ext>
+            </p:extLst>
           </p:nvPr>
-        </p:nvSpPr>
-        <p:spPr/>
-        <p:txBody>
-          <a:bodyPr/>
-          <a:lstStyle/>
-          <a:p>
-            <a:r>
-              <a:rPr lang="ru-RU" dirty="0" smtClean="0"/>
-              <a:t>Синтаксис</a:t>
-            </a:r>
-            <a:endParaRPr lang="en-US" dirty="0" smtClean="0"/>
-          </a:p>
-          <a:p>
-            <a:pPr lvl="1"/>
-            <a:r>
-              <a:rPr lang="en-US" dirty="0" smtClean="0">
-                <a:latin typeface="Consolas" panose="020B0609020204030204" pitchFamily="49" charset="0"/>
-                <a:cs typeface="Consolas" panose="020B0609020204030204" pitchFamily="49" charset="0"/>
-              </a:rPr>
-              <a:t>name = </a:t>
-            </a:r>
-            <a:r>
-              <a:rPr lang="en-US" dirty="0" err="1" smtClean="0">
-                <a:latin typeface="Consolas" panose="020B0609020204030204" pitchFamily="49" charset="0"/>
-                <a:cs typeface="Consolas" panose="020B0609020204030204" pitchFamily="49" charset="0"/>
-              </a:rPr>
-              <a:t>models.IntegerField</a:t>
-            </a:r>
-            <a:r>
-              <a:rPr lang="en-US" dirty="0" smtClean="0">
-                <a:latin typeface="Consolas" panose="020B0609020204030204" pitchFamily="49" charset="0"/>
-                <a:cs typeface="Consolas" panose="020B0609020204030204" pitchFamily="49" charset="0"/>
-              </a:rPr>
-              <a:t>(parameters)</a:t>
-            </a:r>
-          </a:p>
-          <a:p>
-            <a:r>
-              <a:rPr lang="ru-RU" dirty="0" smtClean="0"/>
-              <a:t>Параметры</a:t>
-            </a:r>
-            <a:endParaRPr lang="en-US" dirty="0" smtClean="0"/>
-          </a:p>
-          <a:p>
-            <a:pPr lvl="1"/>
-            <a:r>
-              <a:rPr lang="en-US" dirty="0" smtClean="0"/>
-              <a:t>null</a:t>
-            </a:r>
-            <a:endParaRPr lang="en-US" dirty="0"/>
-          </a:p>
-          <a:p>
-            <a:pPr lvl="2"/>
-            <a:r>
-              <a:rPr lang="ru-RU" dirty="0" err="1" smtClean="0"/>
-              <a:t>Булевое</a:t>
-            </a:r>
-            <a:r>
-              <a:rPr lang="ru-RU" dirty="0" smtClean="0"/>
-              <a:t> если поле допускает пустое (</a:t>
-            </a:r>
-            <a:r>
-              <a:rPr lang="en-US" dirty="0" smtClean="0"/>
-              <a:t>null)</a:t>
-            </a:r>
-            <a:r>
-              <a:rPr lang="ru-RU" dirty="0" smtClean="0"/>
-              <a:t> значение</a:t>
-            </a:r>
-            <a:r>
-              <a:rPr lang="en-US" dirty="0" smtClean="0"/>
-              <a:t>. </a:t>
-            </a:r>
-            <a:r>
-              <a:rPr lang="en-US" b="1" dirty="0"/>
-              <a:t>False </a:t>
-            </a:r>
-            <a:r>
-              <a:rPr lang="ru-RU" b="1" dirty="0" smtClean="0"/>
-              <a:t>по умолчанию</a:t>
-            </a:r>
-            <a:r>
-              <a:rPr lang="en-US" dirty="0" smtClean="0"/>
-              <a:t>.</a:t>
-            </a:r>
-            <a:endParaRPr lang="en-US" dirty="0"/>
-          </a:p>
-          <a:p>
-            <a:pPr lvl="1"/>
-            <a:r>
-              <a:rPr lang="en-US" dirty="0" smtClean="0"/>
-              <a:t>default</a:t>
-            </a:r>
-            <a:endParaRPr lang="en-US" dirty="0"/>
-          </a:p>
-          <a:p>
-            <a:pPr lvl="2"/>
-            <a:r>
-              <a:rPr lang="ru-RU" dirty="0"/>
-              <a:t>Значение по умолчанию, если другого не задано</a:t>
-            </a:r>
-            <a:endParaRPr lang="en-US" dirty="0"/>
-          </a:p>
-          <a:p>
-            <a:pPr lvl="2"/>
-            <a:endParaRPr lang="en-US" dirty="0"/>
-          </a:p>
-        </p:txBody>
-      </p:sp>
+        </p:nvGraphicFramePr>
+        <p:xfrm>
+          <a:off x="284636" y="372838"/>
+          <a:ext cx="8499600" cy="5888736"/>
+        </p:xfrm>
+        <a:graphic>
+          <a:graphicData uri="http://schemas.openxmlformats.org/drawingml/2006/table">
+            <a:tbl>
+              <a:tblPr firstRow="1" firstCol="1" bandRow="1">
+                <a:tableStyleId>{073A0DAA-6AF3-43AB-8588-CEC1D06C72B9}</a:tableStyleId>
+              </a:tblPr>
+              <a:tblGrid>
+                <a:gridCol w="3073161"/>
+                <a:gridCol w="5426439"/>
+              </a:tblGrid>
+              <a:tr h="255198">
+                <a:tc>
+                  <a:txBody>
+                    <a:bodyPr/>
+                    <a:lstStyle/>
+                    <a:p>
+                      <a:pPr algn="ctr">
+                        <a:lnSpc>
+                          <a:spcPct val="115000"/>
+                        </a:lnSpc>
+                        <a:spcAft>
+                          <a:spcPts val="0"/>
+                        </a:spcAft>
+                      </a:pPr>
+                      <a:r>
+                        <a:rPr lang="ru-RU" sz="2800" dirty="0">
+                          <a:effectLst/>
+                        </a:rPr>
+                        <a:t>Класс поля </a:t>
+                      </a:r>
+                      <a:endParaRPr lang="ru-RU" sz="2800" dirty="0">
+                        <a:effectLst/>
+                        <a:latin typeface="Calibri"/>
+                        <a:ea typeface="Calibri"/>
+                        <a:cs typeface="Times New Roman"/>
+                      </a:endParaRPr>
+                    </a:p>
+                  </a:txBody>
+                  <a:tcPr marL="68580" marR="68580" marT="0" marB="0"/>
+                </a:tc>
+                <a:tc>
+                  <a:txBody>
+                    <a:bodyPr/>
+                    <a:lstStyle/>
+                    <a:p>
+                      <a:pPr algn="ctr">
+                        <a:lnSpc>
+                          <a:spcPct val="115000"/>
+                        </a:lnSpc>
+                        <a:spcAft>
+                          <a:spcPts val="0"/>
+                        </a:spcAft>
+                      </a:pPr>
+                      <a:r>
+                        <a:rPr lang="ru-RU" sz="2800" dirty="0">
+                          <a:effectLst/>
+                        </a:rPr>
+                        <a:t>Тип данных</a:t>
+                      </a:r>
+                      <a:endParaRPr lang="ru-RU" sz="2800" dirty="0">
+                        <a:effectLst/>
+                        <a:latin typeface="Calibri"/>
+                        <a:ea typeface="Calibri"/>
+                        <a:cs typeface="Times New Roman"/>
+                      </a:endParaRPr>
+                    </a:p>
+                  </a:txBody>
+                  <a:tcPr marL="68580" marR="68580" marT="0" marB="0"/>
+                </a:tc>
+              </a:tr>
+              <a:tr h="526291">
+                <a:tc>
+                  <a:txBody>
+                    <a:bodyPr/>
+                    <a:lstStyle/>
+                    <a:p>
+                      <a:pPr>
+                        <a:lnSpc>
+                          <a:spcPct val="115000"/>
+                        </a:lnSpc>
+                        <a:spcAft>
+                          <a:spcPts val="0"/>
+                        </a:spcAft>
+                      </a:pPr>
+                      <a:r>
+                        <a:rPr lang="ru-RU" sz="2800" dirty="0" err="1">
+                          <a:effectLst/>
+                        </a:rPr>
+                        <a:t>IntegerField</a:t>
+                      </a:r>
+                      <a:r>
+                        <a:rPr lang="ru-RU" sz="2800" dirty="0">
+                          <a:effectLst/>
+                        </a:rPr>
+                        <a:t> </a:t>
+                      </a:r>
+                      <a:endParaRPr lang="ru-RU" sz="2800" dirty="0">
+                        <a:effectLst/>
+                        <a:latin typeface="Calibri"/>
+                        <a:ea typeface="Calibri"/>
+                        <a:cs typeface="Times New Roman"/>
+                      </a:endParaRPr>
+                    </a:p>
+                  </a:txBody>
+                  <a:tcPr marL="68580" marR="68580" marT="0" marB="0"/>
+                </a:tc>
+                <a:tc>
+                  <a:txBody>
+                    <a:bodyPr/>
+                    <a:lstStyle/>
+                    <a:p>
+                      <a:pPr>
+                        <a:lnSpc>
+                          <a:spcPct val="115000"/>
+                        </a:lnSpc>
+                        <a:spcAft>
+                          <a:spcPts val="0"/>
+                        </a:spcAft>
+                      </a:pPr>
+                      <a:r>
+                        <a:rPr lang="ru-RU" sz="2800">
+                          <a:effectLst/>
+                        </a:rPr>
+                        <a:t>32-разрядное (обычное) целое число; позволяет хранить значения от -2147483648 до 2147483647</a:t>
+                      </a:r>
+                      <a:endParaRPr lang="ru-RU" sz="2800">
+                        <a:effectLst/>
+                        <a:latin typeface="Calibri"/>
+                        <a:ea typeface="Calibri"/>
+                        <a:cs typeface="Times New Roman"/>
+                      </a:endParaRPr>
+                    </a:p>
+                  </a:txBody>
+                  <a:tcPr marL="68580" marR="68580" marT="0" marB="0"/>
+                </a:tc>
+              </a:tr>
+              <a:tr h="526291">
+                <a:tc>
+                  <a:txBody>
+                    <a:bodyPr/>
+                    <a:lstStyle/>
+                    <a:p>
+                      <a:pPr>
+                        <a:lnSpc>
+                          <a:spcPct val="115000"/>
+                        </a:lnSpc>
+                        <a:spcAft>
+                          <a:spcPts val="0"/>
+                        </a:spcAft>
+                      </a:pPr>
+                      <a:r>
+                        <a:rPr lang="ru-RU" sz="2800" dirty="0" err="1">
+                          <a:effectLst/>
+                        </a:rPr>
+                        <a:t>PositiveintegerField</a:t>
+                      </a:r>
+                      <a:r>
+                        <a:rPr lang="ru-RU" sz="2800" dirty="0">
+                          <a:effectLst/>
+                        </a:rPr>
+                        <a:t> </a:t>
+                      </a:r>
+                      <a:endParaRPr lang="ru-RU" sz="2800" dirty="0">
+                        <a:effectLst/>
+                        <a:latin typeface="Calibri"/>
+                        <a:ea typeface="Calibri"/>
+                        <a:cs typeface="Times New Roman"/>
+                      </a:endParaRPr>
+                    </a:p>
+                  </a:txBody>
+                  <a:tcPr marL="68580" marR="68580" marT="0" marB="0"/>
+                </a:tc>
+                <a:tc>
+                  <a:txBody>
+                    <a:bodyPr/>
+                    <a:lstStyle/>
+                    <a:p>
+                      <a:pPr>
+                        <a:lnSpc>
+                          <a:spcPct val="115000"/>
+                        </a:lnSpc>
+                        <a:spcAft>
+                          <a:spcPts val="0"/>
+                        </a:spcAft>
+                      </a:pPr>
+                      <a:r>
+                        <a:rPr lang="ru-RU" sz="2800" dirty="0">
+                          <a:effectLst/>
+                        </a:rPr>
+                        <a:t>32-разрядное положительное целое число; позволяет хранить значения от 0 до 2147483647</a:t>
+                      </a:r>
+                      <a:endParaRPr lang="ru-RU" sz="2800" dirty="0">
+                        <a:effectLst/>
+                        <a:latin typeface="Calibri"/>
+                        <a:ea typeface="Calibri"/>
+                        <a:cs typeface="Times New Roman"/>
+                      </a:endParaRPr>
+                    </a:p>
+                  </a:txBody>
+                  <a:tcPr marL="68580" marR="68580" marT="0" marB="0"/>
+                </a:tc>
+              </a:tr>
+              <a:tr h="526291">
+                <a:tc>
+                  <a:txBody>
+                    <a:bodyPr/>
+                    <a:lstStyle/>
+                    <a:p>
+                      <a:pPr>
+                        <a:lnSpc>
+                          <a:spcPct val="115000"/>
+                        </a:lnSpc>
+                        <a:spcAft>
+                          <a:spcPts val="0"/>
+                        </a:spcAft>
+                      </a:pPr>
+                      <a:r>
+                        <a:rPr lang="ru-RU" sz="2800">
+                          <a:effectLst/>
+                        </a:rPr>
+                        <a:t>PositiveSmallintegerField </a:t>
+                      </a:r>
+                      <a:endParaRPr lang="ru-RU" sz="2800">
+                        <a:effectLst/>
+                        <a:latin typeface="Calibri"/>
+                        <a:ea typeface="Calibri"/>
+                        <a:cs typeface="Times New Roman"/>
+                      </a:endParaRPr>
+                    </a:p>
+                  </a:txBody>
+                  <a:tcPr marL="68580" marR="68580" marT="0" marB="0"/>
+                </a:tc>
+                <a:tc>
+                  <a:txBody>
+                    <a:bodyPr/>
+                    <a:lstStyle/>
+                    <a:p>
+                      <a:pPr>
+                        <a:lnSpc>
+                          <a:spcPct val="115000"/>
+                        </a:lnSpc>
+                        <a:spcAft>
+                          <a:spcPts val="0"/>
+                        </a:spcAft>
+                      </a:pPr>
+                      <a:r>
+                        <a:rPr lang="ru-RU" sz="2800" dirty="0">
+                          <a:effectLst/>
+                        </a:rPr>
+                        <a:t>16-разрядное (короткое) положительное целое число; позволяет хранить значения от 0 до 32767</a:t>
+                      </a:r>
+                      <a:endParaRPr lang="ru-RU" sz="2800" dirty="0">
+                        <a:effectLst/>
+                        <a:latin typeface="Calibri"/>
+                        <a:ea typeface="Calibri"/>
+                        <a:cs typeface="Times New Roman"/>
+                      </a:endParaRPr>
+                    </a:p>
+                  </a:txBody>
+                  <a:tcPr marL="68580" marR="68580" marT="0" marB="0"/>
+                </a:tc>
+              </a:tr>
+            </a:tbl>
+          </a:graphicData>
+        </a:graphic>
+      </p:graphicFrame>
     </p:spTree>
     <p:extLst>
       <p:ext uri="{BB962C8B-B14F-4D97-AF65-F5344CB8AC3E}">
-        <p14:creationId xmlns:p14="http://schemas.microsoft.com/office/powerpoint/2010/main" val="1406629344"/>
+        <p14:creationId xmlns:p14="http://schemas.microsoft.com/office/powerpoint/2010/main" val="1423379021"/>
       </p:ext>
     </p:extLst>
   </p:cSld>
   <p:clrMapOvr>
     <a:masterClrMapping/>
   </p:clrMapOvr>
-  <p:timing>
-    <p:tnLst>
-      <p:par>
-        <p:cTn id="1" dur="indefinite" restart="never" nodeType="tmRoot"/>
-      </p:par>
-    </p:tnLst>
-  </p:timing>
 </p:sld>
 </file>
 
@@ -15052,7 +16659,7 @@
       </p:grpSpPr>
       <p:sp>
         <p:nvSpPr>
-          <p:cNvPr id="6" name="Title 5"/>
+          <p:cNvPr id="2" name="Заголовок 1"/>
           <p:cNvSpPr>
             <a:spLocks noGrp="1"/>
           </p:cNvSpPr>
@@ -15065,31 +16672,569 @@
           <a:bodyPr/>
           <a:lstStyle/>
           <a:p>
-            <a:r>
-              <a:rPr lang="en-US" dirty="0" smtClean="0"/>
-              <a:t>Creating a class and adding fields</a:t>
-            </a:r>
-            <a:endParaRPr lang="en-US" dirty="0"/>
+            <a:endParaRPr lang="ru-RU"/>
           </a:p>
         </p:txBody>
       </p:sp>
+      <p:graphicFrame>
+        <p:nvGraphicFramePr>
+          <p:cNvPr id="4" name="Объект 3"/>
+          <p:cNvGraphicFramePr>
+            <a:graphicFrameLocks noGrp="1"/>
+          </p:cNvGraphicFramePr>
+          <p:nvPr>
+            <p:ph sz="quarter" idx="10"/>
+            <p:extLst>
+              <p:ext uri="{D42A27DB-BD31-4B8C-83A1-F6EECF244321}">
+                <p14:modId xmlns:p14="http://schemas.microsoft.com/office/powerpoint/2010/main" val="1658574534"/>
+              </p:ext>
+            </p:extLst>
+          </p:nvPr>
+        </p:nvGraphicFramePr>
+        <p:xfrm>
+          <a:off x="284636" y="240266"/>
+          <a:ext cx="8643324" cy="6213224"/>
+        </p:xfrm>
+        <a:graphic>
+          <a:graphicData uri="http://schemas.openxmlformats.org/drawingml/2006/table">
+            <a:tbl>
+              <a:tblPr firstRow="1" firstCol="1" bandRow="1">
+                <a:tableStyleId>{073A0DAA-6AF3-43AB-8588-CEC1D06C72B9}</a:tableStyleId>
+              </a:tblPr>
+              <a:tblGrid>
+                <a:gridCol w="2743377"/>
+                <a:gridCol w="5899947"/>
+              </a:tblGrid>
+              <a:tr h="255198">
+                <a:tc>
+                  <a:txBody>
+                    <a:bodyPr/>
+                    <a:lstStyle/>
+                    <a:p>
+                      <a:pPr algn="ctr">
+                        <a:lnSpc>
+                          <a:spcPct val="115000"/>
+                        </a:lnSpc>
+                        <a:spcAft>
+                          <a:spcPts val="0"/>
+                        </a:spcAft>
+                      </a:pPr>
+                      <a:r>
+                        <a:rPr lang="ru-RU" sz="2800" dirty="0">
+                          <a:effectLst/>
+                        </a:rPr>
+                        <a:t>Класс поля </a:t>
+                      </a:r>
+                      <a:endParaRPr lang="ru-RU" sz="2800" dirty="0">
+                        <a:effectLst/>
+                        <a:latin typeface="Calibri"/>
+                        <a:ea typeface="Calibri"/>
+                        <a:cs typeface="Times New Roman"/>
+                      </a:endParaRPr>
+                    </a:p>
+                  </a:txBody>
+                  <a:tcPr marL="68580" marR="68580" marT="0" marB="0"/>
+                </a:tc>
+                <a:tc>
+                  <a:txBody>
+                    <a:bodyPr/>
+                    <a:lstStyle/>
+                    <a:p>
+                      <a:pPr algn="ctr">
+                        <a:lnSpc>
+                          <a:spcPct val="115000"/>
+                        </a:lnSpc>
+                        <a:spcAft>
+                          <a:spcPts val="0"/>
+                        </a:spcAft>
+                      </a:pPr>
+                      <a:r>
+                        <a:rPr lang="ru-RU" sz="2800" dirty="0">
+                          <a:effectLst/>
+                        </a:rPr>
+                        <a:t>Тип данных</a:t>
+                      </a:r>
+                      <a:endParaRPr lang="ru-RU" sz="2800" dirty="0">
+                        <a:effectLst/>
+                        <a:latin typeface="Calibri"/>
+                        <a:ea typeface="Calibri"/>
+                        <a:cs typeface="Times New Roman"/>
+                      </a:endParaRPr>
+                    </a:p>
+                  </a:txBody>
+                  <a:tcPr marL="68580" marR="68580" marT="0" marB="0"/>
+                </a:tc>
+              </a:tr>
+              <a:tr h="1068475">
+                <a:tc>
+                  <a:txBody>
+                    <a:bodyPr/>
+                    <a:lstStyle/>
+                    <a:p>
+                      <a:pPr>
+                        <a:lnSpc>
+                          <a:spcPct val="115000"/>
+                        </a:lnSpc>
+                        <a:spcAft>
+                          <a:spcPts val="0"/>
+                        </a:spcAft>
+                      </a:pPr>
+                      <a:r>
+                        <a:rPr lang="ru-RU" sz="2800" dirty="0" err="1">
+                          <a:effectLst/>
+                        </a:rPr>
+                        <a:t>SlugField</a:t>
+                      </a:r>
+                      <a:r>
+                        <a:rPr lang="ru-RU" sz="2800" dirty="0">
+                          <a:effectLst/>
+                        </a:rPr>
+                        <a:t> </a:t>
+                      </a:r>
+                      <a:endParaRPr lang="ru-RU" sz="2800" dirty="0">
+                        <a:effectLst/>
+                        <a:latin typeface="Calibri"/>
+                        <a:ea typeface="Calibri"/>
+                        <a:cs typeface="Times New Roman"/>
+                      </a:endParaRPr>
+                    </a:p>
+                  </a:txBody>
+                  <a:tcPr marL="68580" marR="68580" marT="0" marB="0"/>
+                </a:tc>
+                <a:tc>
+                  <a:txBody>
+                    <a:bodyPr/>
+                    <a:lstStyle/>
+                    <a:p>
+                      <a:pPr>
+                        <a:lnSpc>
+                          <a:spcPct val="115000"/>
+                        </a:lnSpc>
+                        <a:spcAft>
+                          <a:spcPts val="0"/>
+                        </a:spcAft>
+                      </a:pPr>
+                      <a:r>
+                        <a:rPr lang="ru-RU" sz="2800" dirty="0">
+                          <a:effectLst/>
+                        </a:rPr>
+                        <a:t>Короткий заголовок или название, включающее только символы латиницы, цифры, дефисы и символы подчеркивания. </a:t>
+                      </a:r>
+                      <a:endParaRPr lang="ru-RU" sz="2800" dirty="0">
+                        <a:effectLst/>
+                        <a:latin typeface="Calibri"/>
+                        <a:ea typeface="Calibri"/>
+                        <a:cs typeface="Times New Roman"/>
+                      </a:endParaRPr>
+                    </a:p>
+                  </a:txBody>
+                  <a:tcPr marL="68580" marR="68580" marT="0" marB="0"/>
+                </a:tc>
+              </a:tr>
+              <a:tr h="526291">
+                <a:tc>
+                  <a:txBody>
+                    <a:bodyPr/>
+                    <a:lstStyle/>
+                    <a:p>
+                      <a:pPr>
+                        <a:lnSpc>
+                          <a:spcPct val="115000"/>
+                        </a:lnSpc>
+                        <a:spcAft>
+                          <a:spcPts val="0"/>
+                        </a:spcAft>
+                      </a:pPr>
+                      <a:r>
+                        <a:rPr lang="ru-RU" sz="2800">
+                          <a:effectLst/>
+                        </a:rPr>
+                        <a:t>SmallintegerField </a:t>
+                      </a:r>
+                      <a:endParaRPr lang="ru-RU" sz="2800">
+                        <a:effectLst/>
+                        <a:latin typeface="Calibri"/>
+                        <a:ea typeface="Calibri"/>
+                        <a:cs typeface="Times New Roman"/>
+                      </a:endParaRPr>
+                    </a:p>
+                  </a:txBody>
+                  <a:tcPr marL="68580" marR="68580" marT="0" marB="0"/>
+                </a:tc>
+                <a:tc>
+                  <a:txBody>
+                    <a:bodyPr/>
+                    <a:lstStyle/>
+                    <a:p>
+                      <a:pPr>
+                        <a:lnSpc>
+                          <a:spcPct val="115000"/>
+                        </a:lnSpc>
+                        <a:spcAft>
+                          <a:spcPts val="0"/>
+                        </a:spcAft>
+                      </a:pPr>
+                      <a:r>
+                        <a:rPr lang="ru-RU" sz="2800">
+                          <a:effectLst/>
+                        </a:rPr>
+                        <a:t>16-разрядное (короткое) целое число; позволяет хранить значения от -32768 до 32767</a:t>
+                      </a:r>
+                      <a:endParaRPr lang="ru-RU" sz="2800">
+                        <a:effectLst/>
+                        <a:latin typeface="Calibri"/>
+                        <a:ea typeface="Calibri"/>
+                        <a:cs typeface="Times New Roman"/>
+                      </a:endParaRPr>
+                    </a:p>
+                  </a:txBody>
+                  <a:tcPr marL="68580" marR="68580" marT="0" marB="0"/>
+                </a:tc>
+              </a:tr>
+              <a:tr h="526291">
+                <a:tc>
+                  <a:txBody>
+                    <a:bodyPr/>
+                    <a:lstStyle/>
+                    <a:p>
+                      <a:pPr>
+                        <a:lnSpc>
+                          <a:spcPct val="115000"/>
+                        </a:lnSpc>
+                        <a:spcAft>
+                          <a:spcPts val="0"/>
+                        </a:spcAft>
+                      </a:pPr>
+                      <a:r>
+                        <a:rPr lang="ru-RU" sz="2800">
+                          <a:effectLst/>
+                        </a:rPr>
+                        <a:t>TextField </a:t>
+                      </a:r>
+                      <a:endParaRPr lang="ru-RU" sz="2800">
+                        <a:effectLst/>
+                        <a:latin typeface="Calibri"/>
+                        <a:ea typeface="Calibri"/>
+                        <a:cs typeface="Times New Roman"/>
+                      </a:endParaRPr>
+                    </a:p>
+                  </a:txBody>
+                  <a:tcPr marL="68580" marR="68580" marT="0" marB="0"/>
+                </a:tc>
+                <a:tc>
+                  <a:txBody>
+                    <a:bodyPr/>
+                    <a:lstStyle/>
+                    <a:p>
+                      <a:pPr>
+                        <a:lnSpc>
+                          <a:spcPct val="115000"/>
+                        </a:lnSpc>
+                        <a:spcAft>
+                          <a:spcPts val="0"/>
+                        </a:spcAft>
+                      </a:pPr>
+                      <a:r>
+                        <a:rPr lang="ru-RU" sz="2800" dirty="0" smtClean="0">
+                          <a:effectLst/>
+                        </a:rPr>
+                        <a:t>Текст</a:t>
+                      </a:r>
+                      <a:endParaRPr lang="ru-RU" sz="2800" dirty="0">
+                        <a:effectLst/>
+                        <a:latin typeface="Calibri"/>
+                        <a:ea typeface="Calibri"/>
+                        <a:cs typeface="Times New Roman"/>
+                      </a:endParaRPr>
+                    </a:p>
+                  </a:txBody>
+                  <a:tcPr marL="68580" marR="68580" marT="0" marB="0"/>
+                </a:tc>
+              </a:tr>
+              <a:tr h="255198">
+                <a:tc>
+                  <a:txBody>
+                    <a:bodyPr/>
+                    <a:lstStyle/>
+                    <a:p>
+                      <a:pPr>
+                        <a:lnSpc>
+                          <a:spcPct val="115000"/>
+                        </a:lnSpc>
+                        <a:spcAft>
+                          <a:spcPts val="0"/>
+                        </a:spcAft>
+                      </a:pPr>
+                      <a:r>
+                        <a:rPr lang="ru-RU" sz="2800" dirty="0" err="1">
+                          <a:effectLst/>
+                        </a:rPr>
+                        <a:t>TimeField</a:t>
+                      </a:r>
+                      <a:r>
+                        <a:rPr lang="ru-RU" sz="2800" dirty="0">
+                          <a:effectLst/>
+                        </a:rPr>
+                        <a:t> </a:t>
+                      </a:r>
+                      <a:endParaRPr lang="ru-RU" sz="2800" dirty="0">
+                        <a:effectLst/>
+                        <a:latin typeface="Calibri"/>
+                        <a:ea typeface="Calibri"/>
+                        <a:cs typeface="Times New Roman"/>
+                      </a:endParaRPr>
+                    </a:p>
+                  </a:txBody>
+                  <a:tcPr marL="68580" marR="68580" marT="0" marB="0"/>
+                </a:tc>
+                <a:tc>
+                  <a:txBody>
+                    <a:bodyPr/>
+                    <a:lstStyle/>
+                    <a:p>
+                      <a:pPr>
+                        <a:lnSpc>
+                          <a:spcPct val="115000"/>
+                        </a:lnSpc>
+                        <a:spcAft>
+                          <a:spcPts val="0"/>
+                        </a:spcAft>
+                      </a:pPr>
+                      <a:r>
+                        <a:rPr lang="ru-RU" sz="2800" dirty="0">
+                          <a:effectLst/>
+                        </a:rPr>
+                        <a:t>Время</a:t>
+                      </a:r>
+                      <a:endParaRPr lang="ru-RU" sz="2800" dirty="0">
+                        <a:effectLst/>
+                        <a:latin typeface="Calibri"/>
+                        <a:ea typeface="Calibri"/>
+                        <a:cs typeface="Times New Roman"/>
+                      </a:endParaRPr>
+                    </a:p>
+                  </a:txBody>
+                  <a:tcPr marL="68580" marR="68580" marT="0" marB="0"/>
+                </a:tc>
+              </a:tr>
+              <a:tr h="255198">
+                <a:tc>
+                  <a:txBody>
+                    <a:bodyPr/>
+                    <a:lstStyle/>
+                    <a:p>
+                      <a:pPr>
+                        <a:lnSpc>
+                          <a:spcPct val="115000"/>
+                        </a:lnSpc>
+                        <a:spcAft>
+                          <a:spcPts val="0"/>
+                        </a:spcAft>
+                      </a:pPr>
+                      <a:r>
+                        <a:rPr lang="en-US" sz="2800" kern="1200" dirty="0" err="1" smtClean="0">
+                          <a:effectLst/>
+                        </a:rPr>
+                        <a:t>EmailField</a:t>
+                      </a:r>
+                      <a:endParaRPr lang="ru-RU" sz="2800" b="1" kern="1200" dirty="0">
+                        <a:solidFill>
+                          <a:schemeClr val="dk1"/>
+                        </a:solidFill>
+                        <a:effectLst/>
+                        <a:latin typeface="+mn-lt"/>
+                        <a:ea typeface="+mn-ea"/>
+                        <a:cs typeface="+mn-cs"/>
+                      </a:endParaRPr>
+                    </a:p>
+                  </a:txBody>
+                  <a:tcPr marL="68580" marR="68580" marT="0" marB="0"/>
+                </a:tc>
+                <a:tc>
+                  <a:txBody>
+                    <a:bodyPr/>
+                    <a:lstStyle/>
+                    <a:p>
+                      <a:pPr>
+                        <a:lnSpc>
+                          <a:spcPct val="115000"/>
+                        </a:lnSpc>
+                        <a:spcAft>
+                          <a:spcPts val="0"/>
+                        </a:spcAft>
+                      </a:pPr>
+                      <a:r>
+                        <a:rPr lang="ru-RU" sz="2800" kern="1200" dirty="0" smtClean="0">
+                          <a:effectLst/>
+                        </a:rPr>
+                        <a:t>Адрес электронной почты</a:t>
+                      </a:r>
+                      <a:endParaRPr lang="ru-RU" sz="2800" b="1" kern="1200" dirty="0">
+                        <a:solidFill>
+                          <a:schemeClr val="dk1"/>
+                        </a:solidFill>
+                        <a:effectLst/>
+                        <a:latin typeface="+mn-lt"/>
+                        <a:ea typeface="+mn-ea"/>
+                        <a:cs typeface="+mn-cs"/>
+                      </a:endParaRPr>
+                    </a:p>
+                  </a:txBody>
+                  <a:tcPr marL="68580" marR="68580" marT="0" marB="0"/>
+                </a:tc>
+              </a:tr>
+              <a:tr h="255198">
+                <a:tc>
+                  <a:txBody>
+                    <a:bodyPr/>
+                    <a:lstStyle/>
+                    <a:p>
+                      <a:pPr>
+                        <a:lnSpc>
+                          <a:spcPct val="115000"/>
+                        </a:lnSpc>
+                        <a:spcAft>
+                          <a:spcPts val="0"/>
+                        </a:spcAft>
+                      </a:pPr>
+                      <a:r>
+                        <a:rPr lang="en-US" sz="2800" kern="1200" dirty="0" err="1" smtClean="0">
+                          <a:effectLst/>
+                        </a:rPr>
+                        <a:t>URLField</a:t>
+                      </a:r>
+                      <a:endParaRPr lang="ru-RU" sz="2800" b="1" kern="1200" dirty="0">
+                        <a:solidFill>
+                          <a:schemeClr val="dk1"/>
+                        </a:solidFill>
+                        <a:effectLst/>
+                        <a:latin typeface="+mn-lt"/>
+                        <a:ea typeface="+mn-ea"/>
+                        <a:cs typeface="+mn-cs"/>
+                      </a:endParaRPr>
+                    </a:p>
+                  </a:txBody>
+                  <a:tcPr marL="68580" marR="68580" marT="0" marB="0"/>
+                </a:tc>
+                <a:tc>
+                  <a:txBody>
+                    <a:bodyPr/>
+                    <a:lstStyle/>
+                    <a:p>
+                      <a:pPr>
+                        <a:lnSpc>
+                          <a:spcPct val="115000"/>
+                        </a:lnSpc>
+                        <a:spcAft>
+                          <a:spcPts val="0"/>
+                        </a:spcAft>
+                      </a:pPr>
+                      <a:r>
+                        <a:rPr lang="ru-RU" sz="2800" kern="1200" dirty="0" smtClean="0">
+                          <a:effectLst/>
+                        </a:rPr>
+                        <a:t>Интернет-адрес</a:t>
+                      </a:r>
+                      <a:endParaRPr lang="ru-RU" sz="2800" b="1" kern="1200" dirty="0">
+                        <a:solidFill>
+                          <a:schemeClr val="dk1"/>
+                        </a:solidFill>
+                        <a:effectLst/>
+                        <a:latin typeface="+mn-lt"/>
+                        <a:ea typeface="+mn-ea"/>
+                        <a:cs typeface="+mn-cs"/>
+                      </a:endParaRPr>
+                    </a:p>
+                  </a:txBody>
+                  <a:tcPr marL="68580" marR="68580" marT="0" marB="0"/>
+                </a:tc>
+              </a:tr>
+              <a:tr h="255198">
+                <a:tc>
+                  <a:txBody>
+                    <a:bodyPr/>
+                    <a:lstStyle/>
+                    <a:p>
+                      <a:pPr>
+                        <a:lnSpc>
+                          <a:spcPct val="115000"/>
+                        </a:lnSpc>
+                        <a:spcAft>
+                          <a:spcPts val="0"/>
+                        </a:spcAft>
+                      </a:pPr>
+                      <a:r>
+                        <a:rPr lang="en-US" sz="2800" dirty="0" err="1" smtClean="0">
+                          <a:effectLst/>
+                        </a:rPr>
+                        <a:t>IPAddressField</a:t>
+                      </a:r>
+                      <a:endParaRPr lang="ru-RU" sz="2800" dirty="0">
+                        <a:effectLst/>
+                        <a:latin typeface="Calibri"/>
+                        <a:ea typeface="Calibri"/>
+                        <a:cs typeface="Times New Roman"/>
+                      </a:endParaRPr>
+                    </a:p>
+                  </a:txBody>
+                  <a:tcPr marL="68580" marR="68580" marT="0" marB="0"/>
+                </a:tc>
+                <a:tc>
+                  <a:txBody>
+                    <a:bodyPr/>
+                    <a:lstStyle/>
+                    <a:p>
+                      <a:pPr>
+                        <a:lnSpc>
+                          <a:spcPct val="115000"/>
+                        </a:lnSpc>
+                        <a:spcAft>
+                          <a:spcPts val="0"/>
+                        </a:spcAft>
+                      </a:pPr>
+                      <a:r>
+                        <a:rPr lang="en-US" sz="2800" dirty="0" smtClean="0">
+                          <a:effectLst/>
+                        </a:rPr>
+                        <a:t>I</a:t>
+                      </a:r>
+                      <a:r>
+                        <a:rPr lang="ru-RU" sz="2800" dirty="0" smtClean="0">
+                          <a:effectLst/>
+                        </a:rPr>
+                        <a:t>Р-адрес протокола 1</a:t>
+                      </a:r>
+                      <a:r>
+                        <a:rPr lang="en-US" sz="2800" dirty="0" smtClean="0">
+                          <a:effectLst/>
+                        </a:rPr>
+                        <a:t>Pv4</a:t>
+                      </a:r>
+                      <a:endParaRPr lang="ru-RU" sz="2800" dirty="0">
+                        <a:effectLst/>
+                        <a:latin typeface="Calibri"/>
+                        <a:ea typeface="Calibri"/>
+                        <a:cs typeface="Times New Roman"/>
+                      </a:endParaRPr>
+                    </a:p>
+                  </a:txBody>
+                  <a:tcPr marL="68580" marR="68580" marT="0" marB="0"/>
+                </a:tc>
+              </a:tr>
+            </a:tbl>
+          </a:graphicData>
+        </a:graphic>
+      </p:graphicFrame>
     </p:spTree>
     <p:extLst>
       <p:ext uri="{BB962C8B-B14F-4D97-AF65-F5344CB8AC3E}">
-        <p14:creationId xmlns:p14="http://schemas.microsoft.com/office/powerpoint/2010/main" val="1417484051"/>
+        <p14:creationId xmlns:p14="http://schemas.microsoft.com/office/powerpoint/2010/main" val="811731250"/>
       </p:ext>
     </p:extLst>
   </p:cSld>
   <p:clrMapOvr>
     <a:masterClrMapping/>
   </p:clrMapOvr>
-  <p:timing>
-    <p:tnLst>
-      <p:par>
-        <p:cTn id="1" dur="indefinite" restart="never" nodeType="tmRoot"/>
-      </p:par>
-    </p:tnLst>
-  </p:timing>
 </p:sld>
 </file>
 
@@ -15175,15 +17320,7 @@
             </a:r>
             <a:r>
               <a:rPr lang="en-US" sz="2800" dirty="0" smtClean="0"/>
-              <a:t>MVT </a:t>
-            </a:r>
-            <a:r>
-              <a:rPr lang="en-US" sz="2800" dirty="0" smtClean="0"/>
-              <a:t>(</a:t>
-            </a:r>
-            <a:r>
-              <a:rPr lang="en-US" sz="2800" dirty="0" smtClean="0"/>
-              <a:t>Model/View/Template)</a:t>
+              <a:t>MVT (Model/View/Template)</a:t>
             </a:r>
           </a:p>
           <a:p>
@@ -15417,6 +17554,1820 @@
 </p:sld>
 </file>
 
+<file path=ppt/slides/slide20.xml><?xml version="1.0" encoding="utf-8"?>
+<p:sld xmlns:a="http://schemas.openxmlformats.org/drawingml/2006/main" xmlns:r="http://schemas.openxmlformats.org/officeDocument/2006/relationships" xmlns:p="http://schemas.openxmlformats.org/presentationml/2006/main">
+  <p:cSld>
+    <p:spTree>
+      <p:nvGrpSpPr>
+        <p:cNvPr id="1" name=""/>
+        <p:cNvGrpSpPr/>
+        <p:nvPr/>
+      </p:nvGrpSpPr>
+      <p:grpSpPr>
+        <a:xfrm>
+          <a:off x="0" y="0"/>
+          <a:ext cx="0" cy="0"/>
+          <a:chOff x="0" y="0"/>
+          <a:chExt cx="0" cy="0"/>
+        </a:xfrm>
+      </p:grpSpPr>
+      <p:sp>
+        <p:nvSpPr>
+          <p:cNvPr id="2" name="Title 1"/>
+          <p:cNvSpPr>
+            <a:spLocks noGrp="1"/>
+          </p:cNvSpPr>
+          <p:nvPr>
+            <p:ph type="title"/>
+          </p:nvPr>
+        </p:nvSpPr>
+        <p:spPr/>
+        <p:txBody>
+          <a:bodyPr>
+            <a:normAutofit/>
+          </a:bodyPr>
+          <a:lstStyle/>
+          <a:p>
+            <a:r>
+              <a:rPr lang="ru-RU" dirty="0" smtClean="0"/>
+              <a:t>Создание строковых полей</a:t>
+            </a:r>
+            <a:endParaRPr lang="en-US" dirty="0"/>
+          </a:p>
+        </p:txBody>
+      </p:sp>
+      <p:sp>
+        <p:nvSpPr>
+          <p:cNvPr id="3" name="Content Placeholder 2"/>
+          <p:cNvSpPr>
+            <a:spLocks noGrp="1"/>
+          </p:cNvSpPr>
+          <p:nvPr>
+            <p:ph sz="quarter" idx="10"/>
+          </p:nvPr>
+        </p:nvSpPr>
+        <p:spPr/>
+        <p:txBody>
+          <a:bodyPr>
+            <a:normAutofit fontScale="92500" lnSpcReduction="20000"/>
+          </a:bodyPr>
+          <a:lstStyle/>
+          <a:p>
+            <a:r>
+              <a:rPr lang="ru-RU" dirty="0" smtClean="0"/>
+              <a:t>Синтаксис</a:t>
+            </a:r>
+            <a:endParaRPr lang="en-US" dirty="0" smtClean="0"/>
+          </a:p>
+          <a:p>
+            <a:pPr lvl="1"/>
+            <a:r>
+              <a:rPr lang="en-US" dirty="0" smtClean="0">
+                <a:latin typeface="Consolas" panose="020B0609020204030204" pitchFamily="49" charset="0"/>
+                <a:cs typeface="Consolas" panose="020B0609020204030204" pitchFamily="49" charset="0"/>
+              </a:rPr>
+              <a:t>name = </a:t>
+            </a:r>
+            <a:r>
+              <a:rPr lang="en-US" dirty="0" err="1" smtClean="0">
+                <a:latin typeface="Consolas" panose="020B0609020204030204" pitchFamily="49" charset="0"/>
+                <a:cs typeface="Consolas" panose="020B0609020204030204" pitchFamily="49" charset="0"/>
+              </a:rPr>
+              <a:t>models.CharField</a:t>
+            </a:r>
+            <a:r>
+              <a:rPr lang="en-US" dirty="0" smtClean="0">
+                <a:latin typeface="Consolas" panose="020B0609020204030204" pitchFamily="49" charset="0"/>
+                <a:cs typeface="Consolas" panose="020B0609020204030204" pitchFamily="49" charset="0"/>
+              </a:rPr>
+              <a:t>(parameters)</a:t>
+            </a:r>
+            <a:endParaRPr lang="en-US" dirty="0">
+              <a:latin typeface="Consolas" panose="020B0609020204030204" pitchFamily="49" charset="0"/>
+              <a:cs typeface="Consolas" panose="020B0609020204030204" pitchFamily="49" charset="0"/>
+            </a:endParaRPr>
+          </a:p>
+          <a:p>
+            <a:r>
+              <a:rPr lang="ru-RU" dirty="0" smtClean="0"/>
+              <a:t>Параметры</a:t>
+            </a:r>
+            <a:endParaRPr lang="en-US" dirty="0" smtClean="0"/>
+          </a:p>
+          <a:p>
+            <a:pPr lvl="1"/>
+            <a:r>
+              <a:rPr lang="en-US" dirty="0" err="1" smtClean="0"/>
+              <a:t>max_length</a:t>
+            </a:r>
+            <a:endParaRPr lang="en-US" dirty="0" smtClean="0"/>
+          </a:p>
+          <a:p>
+            <a:pPr lvl="2"/>
+            <a:r>
+              <a:rPr lang="ru-RU" dirty="0" smtClean="0"/>
+              <a:t>Целое число для представления максимального количества </a:t>
+            </a:r>
+            <a:r>
+              <a:rPr lang="ru-RU" dirty="0" smtClean="0"/>
+              <a:t>символов</a:t>
+            </a:r>
+            <a:endParaRPr lang="en-US" dirty="0" smtClean="0"/>
+          </a:p>
+          <a:p>
+            <a:pPr lvl="1"/>
+            <a:r>
+              <a:rPr lang="en-US" dirty="0" smtClean="0"/>
+              <a:t>null</a:t>
+            </a:r>
+          </a:p>
+          <a:p>
+            <a:pPr lvl="2"/>
+            <a:r>
+              <a:rPr lang="ru-RU" dirty="0" err="1" smtClean="0"/>
+              <a:t>Булевое</a:t>
+            </a:r>
+            <a:r>
+              <a:rPr lang="ru-RU" dirty="0" smtClean="0"/>
+              <a:t> если поле допускает пустые</a:t>
+            </a:r>
+            <a:r>
+              <a:rPr lang="en-US" dirty="0" smtClean="0"/>
+              <a:t> </a:t>
+            </a:r>
+            <a:r>
+              <a:rPr lang="ru-RU" dirty="0" smtClean="0"/>
+              <a:t>(</a:t>
+            </a:r>
+            <a:r>
+              <a:rPr lang="en-US" dirty="0" smtClean="0"/>
+              <a:t>null</a:t>
+            </a:r>
+            <a:r>
+              <a:rPr lang="ru-RU" dirty="0" smtClean="0"/>
+              <a:t>)</a:t>
+            </a:r>
+            <a:r>
+              <a:rPr lang="en-US" dirty="0" smtClean="0"/>
+              <a:t> </a:t>
+            </a:r>
+            <a:r>
+              <a:rPr lang="ru-RU" dirty="0" smtClean="0"/>
+              <a:t>значения</a:t>
+            </a:r>
+            <a:r>
+              <a:rPr lang="en-US" dirty="0" smtClean="0"/>
+              <a:t>. </a:t>
+            </a:r>
+            <a:r>
+              <a:rPr lang="en-US" b="1" dirty="0" smtClean="0"/>
+              <a:t>False </a:t>
+            </a:r>
+            <a:r>
+              <a:rPr lang="ru-RU" b="1" dirty="0" smtClean="0"/>
+              <a:t>по умолчанию</a:t>
+            </a:r>
+            <a:r>
+              <a:rPr lang="en-US" dirty="0" smtClean="0"/>
+              <a:t>.</a:t>
+            </a:r>
+          </a:p>
+          <a:p>
+            <a:pPr lvl="1"/>
+            <a:r>
+              <a:rPr lang="en-US" dirty="0" smtClean="0"/>
+              <a:t>blank</a:t>
+            </a:r>
+          </a:p>
+          <a:p>
+            <a:pPr lvl="2"/>
+            <a:r>
+              <a:rPr lang="ru-RU" dirty="0" err="1" smtClean="0"/>
+              <a:t>Булевое</a:t>
+            </a:r>
+            <a:r>
+              <a:rPr lang="ru-RU" dirty="0" smtClean="0"/>
+              <a:t> для индикации, что возможна пустая строка</a:t>
+            </a:r>
+            <a:r>
+              <a:rPr lang="en-US" dirty="0" smtClean="0"/>
+              <a:t>. </a:t>
+            </a:r>
+            <a:r>
+              <a:rPr lang="en-US" b="1" dirty="0" smtClean="0"/>
+              <a:t>False </a:t>
+            </a:r>
+            <a:r>
+              <a:rPr lang="ru-RU" b="1" dirty="0" smtClean="0"/>
+              <a:t>по умолчанию</a:t>
+            </a:r>
+            <a:r>
+              <a:rPr lang="en-US" dirty="0" smtClean="0"/>
+              <a:t>.</a:t>
+            </a:r>
+          </a:p>
+          <a:p>
+            <a:pPr lvl="1"/>
+            <a:r>
+              <a:rPr lang="en-US" dirty="0" smtClean="0"/>
+              <a:t>default</a:t>
+            </a:r>
+          </a:p>
+          <a:p>
+            <a:pPr lvl="2"/>
+            <a:r>
+              <a:rPr lang="ru-RU" dirty="0" smtClean="0"/>
+              <a:t>Значение по умолчанию, если другого не задано</a:t>
+            </a:r>
+            <a:endParaRPr lang="en-US" dirty="0" smtClean="0"/>
+          </a:p>
+          <a:p>
+            <a:pPr lvl="1"/>
+            <a:endParaRPr lang="en-US" dirty="0"/>
+          </a:p>
+        </p:txBody>
+      </p:sp>
+    </p:spTree>
+    <p:extLst>
+      <p:ext uri="{BB962C8B-B14F-4D97-AF65-F5344CB8AC3E}">
+        <p14:creationId xmlns:p14="http://schemas.microsoft.com/office/powerpoint/2010/main" val="1677417678"/>
+      </p:ext>
+    </p:extLst>
+  </p:cSld>
+  <p:clrMapOvr>
+    <a:masterClrMapping/>
+  </p:clrMapOvr>
+  <p:timing>
+    <p:tnLst>
+      <p:par>
+        <p:cTn id="1" dur="indefinite" restart="never" nodeType="tmRoot"/>
+      </p:par>
+    </p:tnLst>
+  </p:timing>
+</p:sld>
+</file>
+
+<file path=ppt/slides/slide21.xml><?xml version="1.0" encoding="utf-8"?>
+<p:sld xmlns:a="http://schemas.openxmlformats.org/drawingml/2006/main" xmlns:r="http://schemas.openxmlformats.org/officeDocument/2006/relationships" xmlns:p="http://schemas.openxmlformats.org/presentationml/2006/main">
+  <p:cSld>
+    <p:spTree>
+      <p:nvGrpSpPr>
+        <p:cNvPr id="1" name=""/>
+        <p:cNvGrpSpPr/>
+        <p:nvPr/>
+      </p:nvGrpSpPr>
+      <p:grpSpPr>
+        <a:xfrm>
+          <a:off x="0" y="0"/>
+          <a:ext cx="0" cy="0"/>
+          <a:chOff x="0" y="0"/>
+          <a:chExt cx="0" cy="0"/>
+        </a:xfrm>
+      </p:grpSpPr>
+      <p:sp>
+        <p:nvSpPr>
+          <p:cNvPr id="2" name="Title 1"/>
+          <p:cNvSpPr>
+            <a:spLocks noGrp="1"/>
+          </p:cNvSpPr>
+          <p:nvPr>
+            <p:ph type="title"/>
+          </p:nvPr>
+        </p:nvSpPr>
+        <p:spPr/>
+        <p:txBody>
+          <a:bodyPr/>
+          <a:lstStyle/>
+          <a:p>
+            <a:r>
+              <a:rPr lang="ru-RU" dirty="0" smtClean="0"/>
+              <a:t>Создание целочисленных полей</a:t>
+            </a:r>
+            <a:endParaRPr lang="en-US" dirty="0"/>
+          </a:p>
+        </p:txBody>
+      </p:sp>
+      <p:sp>
+        <p:nvSpPr>
+          <p:cNvPr id="3" name="Content Placeholder 2"/>
+          <p:cNvSpPr>
+            <a:spLocks noGrp="1"/>
+          </p:cNvSpPr>
+          <p:nvPr>
+            <p:ph sz="quarter" idx="10"/>
+          </p:nvPr>
+        </p:nvSpPr>
+        <p:spPr/>
+        <p:txBody>
+          <a:bodyPr/>
+          <a:lstStyle/>
+          <a:p>
+            <a:r>
+              <a:rPr lang="ru-RU" dirty="0" smtClean="0"/>
+              <a:t>Синтаксис</a:t>
+            </a:r>
+            <a:endParaRPr lang="en-US" dirty="0" smtClean="0"/>
+          </a:p>
+          <a:p>
+            <a:pPr lvl="1"/>
+            <a:r>
+              <a:rPr lang="en-US" dirty="0" smtClean="0">
+                <a:latin typeface="Consolas" panose="020B0609020204030204" pitchFamily="49" charset="0"/>
+                <a:cs typeface="Consolas" panose="020B0609020204030204" pitchFamily="49" charset="0"/>
+              </a:rPr>
+              <a:t>name = </a:t>
+            </a:r>
+            <a:r>
+              <a:rPr lang="en-US" dirty="0" err="1" smtClean="0">
+                <a:latin typeface="Consolas" panose="020B0609020204030204" pitchFamily="49" charset="0"/>
+                <a:cs typeface="Consolas" panose="020B0609020204030204" pitchFamily="49" charset="0"/>
+              </a:rPr>
+              <a:t>models.IntegerField</a:t>
+            </a:r>
+            <a:r>
+              <a:rPr lang="en-US" dirty="0" smtClean="0">
+                <a:latin typeface="Consolas" panose="020B0609020204030204" pitchFamily="49" charset="0"/>
+                <a:cs typeface="Consolas" panose="020B0609020204030204" pitchFamily="49" charset="0"/>
+              </a:rPr>
+              <a:t>(parameters)</a:t>
+            </a:r>
+          </a:p>
+          <a:p>
+            <a:r>
+              <a:rPr lang="ru-RU" dirty="0" smtClean="0"/>
+              <a:t>Параметры</a:t>
+            </a:r>
+            <a:endParaRPr lang="en-US" dirty="0" smtClean="0"/>
+          </a:p>
+          <a:p>
+            <a:pPr lvl="1"/>
+            <a:r>
+              <a:rPr lang="en-US" dirty="0" smtClean="0"/>
+              <a:t>null</a:t>
+            </a:r>
+            <a:endParaRPr lang="en-US" dirty="0"/>
+          </a:p>
+          <a:p>
+            <a:pPr lvl="2"/>
+            <a:r>
+              <a:rPr lang="ru-RU" dirty="0" err="1" smtClean="0"/>
+              <a:t>Булевое</a:t>
+            </a:r>
+            <a:r>
+              <a:rPr lang="ru-RU" dirty="0" smtClean="0"/>
+              <a:t> если поле допускает пустое (</a:t>
+            </a:r>
+            <a:r>
+              <a:rPr lang="en-US" dirty="0" smtClean="0"/>
+              <a:t>null)</a:t>
+            </a:r>
+            <a:r>
+              <a:rPr lang="ru-RU" dirty="0" smtClean="0"/>
+              <a:t> значение</a:t>
+            </a:r>
+            <a:r>
+              <a:rPr lang="en-US" dirty="0" smtClean="0"/>
+              <a:t>. </a:t>
+            </a:r>
+            <a:r>
+              <a:rPr lang="en-US" b="1" dirty="0"/>
+              <a:t>False </a:t>
+            </a:r>
+            <a:r>
+              <a:rPr lang="ru-RU" b="1" dirty="0" smtClean="0"/>
+              <a:t>по умолчанию</a:t>
+            </a:r>
+            <a:r>
+              <a:rPr lang="en-US" dirty="0" smtClean="0"/>
+              <a:t>.</a:t>
+            </a:r>
+            <a:endParaRPr lang="en-US" dirty="0"/>
+          </a:p>
+          <a:p>
+            <a:pPr lvl="1"/>
+            <a:r>
+              <a:rPr lang="en-US" dirty="0" smtClean="0"/>
+              <a:t>default</a:t>
+            </a:r>
+            <a:endParaRPr lang="en-US" dirty="0"/>
+          </a:p>
+          <a:p>
+            <a:pPr lvl="2"/>
+            <a:r>
+              <a:rPr lang="ru-RU" dirty="0"/>
+              <a:t>Значение по умолчанию, если другого не задано</a:t>
+            </a:r>
+            <a:endParaRPr lang="en-US" dirty="0"/>
+          </a:p>
+          <a:p>
+            <a:pPr lvl="2"/>
+            <a:endParaRPr lang="en-US" dirty="0"/>
+          </a:p>
+        </p:txBody>
+      </p:sp>
+    </p:spTree>
+    <p:extLst>
+      <p:ext uri="{BB962C8B-B14F-4D97-AF65-F5344CB8AC3E}">
+        <p14:creationId xmlns:p14="http://schemas.microsoft.com/office/powerpoint/2010/main" val="1406629344"/>
+      </p:ext>
+    </p:extLst>
+  </p:cSld>
+  <p:clrMapOvr>
+    <a:masterClrMapping/>
+  </p:clrMapOvr>
+  <p:timing>
+    <p:tnLst>
+      <p:par>
+        <p:cTn id="1" dur="indefinite" restart="never" nodeType="tmRoot"/>
+      </p:par>
+    </p:tnLst>
+  </p:timing>
+</p:sld>
+</file>
+
+<file path=ppt/slides/slide22.xml><?xml version="1.0" encoding="utf-8"?>
+<p:sld xmlns:a="http://schemas.openxmlformats.org/drawingml/2006/main" xmlns:r="http://schemas.openxmlformats.org/officeDocument/2006/relationships" xmlns:p="http://schemas.openxmlformats.org/presentationml/2006/main">
+  <p:cSld>
+    <p:spTree>
+      <p:nvGrpSpPr>
+        <p:cNvPr id="1" name=""/>
+        <p:cNvGrpSpPr/>
+        <p:nvPr/>
+      </p:nvGrpSpPr>
+      <p:grpSpPr>
+        <a:xfrm>
+          <a:off x="0" y="0"/>
+          <a:ext cx="0" cy="0"/>
+          <a:chOff x="0" y="0"/>
+          <a:chExt cx="0" cy="0"/>
+        </a:xfrm>
+      </p:grpSpPr>
+      <p:sp>
+        <p:nvSpPr>
+          <p:cNvPr id="6" name="Title 5"/>
+          <p:cNvSpPr>
+            <a:spLocks noGrp="1"/>
+          </p:cNvSpPr>
+          <p:nvPr>
+            <p:ph type="title"/>
+          </p:nvPr>
+        </p:nvSpPr>
+        <p:spPr/>
+        <p:txBody>
+          <a:bodyPr/>
+          <a:lstStyle/>
+          <a:p>
+            <a:r>
+              <a:rPr lang="en-US" dirty="0" smtClean="0"/>
+              <a:t>Creating a class and adding fields</a:t>
+            </a:r>
+            <a:endParaRPr lang="en-US" dirty="0"/>
+          </a:p>
+        </p:txBody>
+      </p:sp>
+    </p:spTree>
+    <p:extLst>
+      <p:ext uri="{BB962C8B-B14F-4D97-AF65-F5344CB8AC3E}">
+        <p14:creationId xmlns:p14="http://schemas.microsoft.com/office/powerpoint/2010/main" val="1417484051"/>
+      </p:ext>
+    </p:extLst>
+  </p:cSld>
+  <p:clrMapOvr>
+    <a:masterClrMapping/>
+  </p:clrMapOvr>
+  <p:timing>
+    <p:tnLst>
+      <p:par>
+        <p:cTn id="1" dur="indefinite" restart="never" nodeType="tmRoot"/>
+      </p:par>
+    </p:tnLst>
+  </p:timing>
+</p:sld>
+</file>
+
+<file path=ppt/slides/slide23.xml><?xml version="1.0" encoding="utf-8"?>
+<p:sld xmlns:a="http://schemas.openxmlformats.org/drawingml/2006/main" xmlns:r="http://schemas.openxmlformats.org/officeDocument/2006/relationships" xmlns:p="http://schemas.openxmlformats.org/presentationml/2006/main">
+  <p:cSld>
+    <p:spTree>
+      <p:nvGrpSpPr>
+        <p:cNvPr id="1" name=""/>
+        <p:cNvGrpSpPr/>
+        <p:nvPr/>
+      </p:nvGrpSpPr>
+      <p:grpSpPr>
+        <a:xfrm>
+          <a:off x="0" y="0"/>
+          <a:ext cx="0" cy="0"/>
+          <a:chOff x="0" y="0"/>
+          <a:chExt cx="0" cy="0"/>
+        </a:xfrm>
+      </p:grpSpPr>
+      <p:sp>
+        <p:nvSpPr>
+          <p:cNvPr id="3" name="Title 2"/>
+          <p:cNvSpPr>
+            <a:spLocks noGrp="1"/>
+          </p:cNvSpPr>
+          <p:nvPr>
+            <p:ph type="title"/>
+          </p:nvPr>
+        </p:nvSpPr>
+        <p:spPr/>
+        <p:txBody>
+          <a:bodyPr/>
+          <a:lstStyle/>
+          <a:p>
+            <a:r>
+              <a:rPr lang="en-US" dirty="0" smtClean="0"/>
+              <a:t>What about primary keys?</a:t>
+            </a:r>
+            <a:endParaRPr lang="en-US" dirty="0"/>
+          </a:p>
+        </p:txBody>
+      </p:sp>
+      <p:sp>
+        <p:nvSpPr>
+          <p:cNvPr id="4" name="Content Placeholder 3"/>
+          <p:cNvSpPr>
+            <a:spLocks noGrp="1"/>
+          </p:cNvSpPr>
+          <p:nvPr>
+            <p:ph sz="quarter" idx="10"/>
+          </p:nvPr>
+        </p:nvSpPr>
+        <p:spPr/>
+        <p:txBody>
+          <a:bodyPr/>
+          <a:lstStyle/>
+          <a:p>
+            <a:r>
+              <a:rPr lang="en-US" dirty="0" smtClean="0"/>
+              <a:t>Every database table should have a primary key</a:t>
+            </a:r>
+          </a:p>
+          <a:p>
+            <a:r>
+              <a:rPr lang="en-US" dirty="0" smtClean="0"/>
+              <a:t>The primary key typically has a name of id, and is an auto-generated number</a:t>
+            </a:r>
+          </a:p>
+          <a:p>
+            <a:r>
+              <a:rPr lang="en-US" dirty="0" smtClean="0"/>
+              <a:t>Django automatically handles that for us!</a:t>
+            </a:r>
+          </a:p>
+          <a:p>
+            <a:pPr lvl="1"/>
+            <a:r>
+              <a:rPr lang="en-US" dirty="0" smtClean="0"/>
+              <a:t>Model automatically adds an id property set to auto-generated for us</a:t>
+            </a:r>
+            <a:endParaRPr lang="en-US" dirty="0"/>
+          </a:p>
+        </p:txBody>
+      </p:sp>
+    </p:spTree>
+    <p:extLst>
+      <p:ext uri="{BB962C8B-B14F-4D97-AF65-F5344CB8AC3E}">
+        <p14:creationId xmlns:p14="http://schemas.microsoft.com/office/powerpoint/2010/main" val="506611141"/>
+      </p:ext>
+    </p:extLst>
+  </p:cSld>
+  <p:clrMapOvr>
+    <a:masterClrMapping/>
+  </p:clrMapOvr>
+  <p:timing>
+    <p:tnLst>
+      <p:par>
+        <p:cTn id="1" dur="indefinite" restart="never" nodeType="tmRoot"/>
+      </p:par>
+    </p:tnLst>
+  </p:timing>
+</p:sld>
+</file>
+
+<file path=ppt/slides/slide24.xml><?xml version="1.0" encoding="utf-8"?>
+<p:sld xmlns:a="http://schemas.openxmlformats.org/drawingml/2006/main" xmlns:r="http://schemas.openxmlformats.org/officeDocument/2006/relationships" xmlns:p="http://schemas.openxmlformats.org/presentationml/2006/main">
+  <p:cSld>
+    <p:spTree>
+      <p:nvGrpSpPr>
+        <p:cNvPr id="1" name=""/>
+        <p:cNvGrpSpPr/>
+        <p:nvPr/>
+      </p:nvGrpSpPr>
+      <p:grpSpPr>
+        <a:xfrm>
+          <a:off x="0" y="0"/>
+          <a:ext cx="0" cy="0"/>
+          <a:chOff x="0" y="0"/>
+          <a:chExt cx="0" cy="0"/>
+        </a:xfrm>
+      </p:grpSpPr>
+      <p:sp>
+        <p:nvSpPr>
+          <p:cNvPr id="2" name="Title 1"/>
+          <p:cNvSpPr>
+            <a:spLocks noGrp="1"/>
+          </p:cNvSpPr>
+          <p:nvPr>
+            <p:ph type="title"/>
+          </p:nvPr>
+        </p:nvSpPr>
+        <p:spPr/>
+        <p:txBody>
+          <a:bodyPr>
+            <a:normAutofit fontScale="90000"/>
+          </a:bodyPr>
+          <a:lstStyle/>
+          <a:p>
+            <a:r>
+              <a:rPr lang="en-US" dirty="0" smtClean="0"/>
+              <a:t>What if we want to customize the primary key?</a:t>
+            </a:r>
+            <a:endParaRPr lang="en-US" dirty="0"/>
+          </a:p>
+        </p:txBody>
+      </p:sp>
+      <p:sp>
+        <p:nvSpPr>
+          <p:cNvPr id="3" name="Content Placeholder 2"/>
+          <p:cNvSpPr>
+            <a:spLocks noGrp="1"/>
+          </p:cNvSpPr>
+          <p:nvPr>
+            <p:ph sz="quarter" idx="10"/>
+          </p:nvPr>
+        </p:nvSpPr>
+        <p:spPr/>
+        <p:txBody>
+          <a:bodyPr/>
+          <a:lstStyle/>
+          <a:p>
+            <a:r>
+              <a:rPr lang="en-US" dirty="0" smtClean="0"/>
+              <a:t>If it’s a string, add </a:t>
+            </a:r>
+            <a:r>
+              <a:rPr lang="en-US" b="1" dirty="0" err="1" smtClean="0"/>
+              <a:t>primary_key</a:t>
+            </a:r>
+            <a:r>
+              <a:rPr lang="en-US" b="1" dirty="0" smtClean="0"/>
+              <a:t>=True</a:t>
+            </a:r>
+            <a:r>
+              <a:rPr lang="en-US" dirty="0" smtClean="0"/>
+              <a:t> to the </a:t>
+            </a:r>
+            <a:r>
+              <a:rPr lang="en-US" dirty="0" err="1" smtClean="0"/>
+              <a:t>CharField</a:t>
+            </a:r>
+            <a:r>
+              <a:rPr lang="en-US" dirty="0" smtClean="0"/>
+              <a:t> declaration</a:t>
+            </a:r>
+          </a:p>
+          <a:p>
+            <a:pPr lvl="1"/>
+            <a:r>
+              <a:rPr lang="en-US" dirty="0" smtClean="0">
+                <a:latin typeface="Consolas" panose="020B0609020204030204" pitchFamily="49" charset="0"/>
+                <a:cs typeface="Consolas" panose="020B0609020204030204" pitchFamily="49" charset="0"/>
+              </a:rPr>
+              <a:t>name = </a:t>
+            </a:r>
+            <a:r>
+              <a:rPr lang="en-US" dirty="0" err="1" smtClean="0">
+                <a:latin typeface="Consolas" panose="020B0609020204030204" pitchFamily="49" charset="0"/>
+                <a:cs typeface="Consolas" panose="020B0609020204030204" pitchFamily="49" charset="0"/>
+              </a:rPr>
+              <a:t>models.CharField</a:t>
+            </a:r>
+            <a:r>
+              <a:rPr lang="en-US" dirty="0" smtClean="0">
+                <a:latin typeface="Consolas" panose="020B0609020204030204" pitchFamily="49" charset="0"/>
+                <a:cs typeface="Consolas" panose="020B0609020204030204" pitchFamily="49" charset="0"/>
+              </a:rPr>
+              <a:t>(</a:t>
+            </a:r>
+            <a:r>
+              <a:rPr lang="en-US" dirty="0" err="1" smtClean="0">
+                <a:latin typeface="Consolas" panose="020B0609020204030204" pitchFamily="49" charset="0"/>
+                <a:cs typeface="Consolas" panose="020B0609020204030204" pitchFamily="49" charset="0"/>
+              </a:rPr>
+              <a:t>primary_key</a:t>
+            </a:r>
+            <a:r>
+              <a:rPr lang="en-US" dirty="0" smtClean="0">
+                <a:latin typeface="Consolas" panose="020B0609020204030204" pitchFamily="49" charset="0"/>
+                <a:cs typeface="Consolas" panose="020B0609020204030204" pitchFamily="49" charset="0"/>
+              </a:rPr>
+              <a:t>=True)</a:t>
+            </a:r>
+          </a:p>
+          <a:p>
+            <a:r>
+              <a:rPr lang="en-US" dirty="0" smtClean="0"/>
+              <a:t>If it’s an integer, add to the </a:t>
+            </a:r>
+            <a:r>
+              <a:rPr lang="en-US" b="1" dirty="0" err="1"/>
+              <a:t>primary_key</a:t>
+            </a:r>
+            <a:r>
+              <a:rPr lang="en-US" b="1" dirty="0"/>
+              <a:t>=True</a:t>
+            </a:r>
+            <a:r>
+              <a:rPr lang="en-US" dirty="0" smtClean="0"/>
+              <a:t> </a:t>
+            </a:r>
+            <a:r>
+              <a:rPr lang="en-US" dirty="0" err="1" smtClean="0"/>
+              <a:t>IntField</a:t>
+            </a:r>
+            <a:r>
+              <a:rPr lang="en-US" dirty="0" smtClean="0"/>
+              <a:t> declaration</a:t>
+            </a:r>
+          </a:p>
+          <a:p>
+            <a:pPr lvl="1"/>
+            <a:r>
+              <a:rPr lang="en-US" dirty="0" err="1" smtClean="0">
+                <a:latin typeface="Consolas" panose="020B0609020204030204" pitchFamily="49" charset="0"/>
+                <a:cs typeface="Consolas" panose="020B0609020204030204" pitchFamily="49" charset="0"/>
+              </a:rPr>
+              <a:t>custom_id</a:t>
+            </a:r>
+            <a:r>
+              <a:rPr lang="en-US" dirty="0" smtClean="0">
+                <a:latin typeface="Consolas" panose="020B0609020204030204" pitchFamily="49" charset="0"/>
+                <a:cs typeface="Consolas" panose="020B0609020204030204" pitchFamily="49" charset="0"/>
+              </a:rPr>
+              <a:t> </a:t>
+            </a:r>
+            <a:r>
+              <a:rPr lang="en-US" dirty="0">
+                <a:latin typeface="Consolas" panose="020B0609020204030204" pitchFamily="49" charset="0"/>
+                <a:cs typeface="Consolas" panose="020B0609020204030204" pitchFamily="49" charset="0"/>
+              </a:rPr>
+              <a:t>= </a:t>
+            </a:r>
+            <a:r>
+              <a:rPr lang="en-US" dirty="0" err="1" smtClean="0">
+                <a:latin typeface="Consolas" panose="020B0609020204030204" pitchFamily="49" charset="0"/>
+                <a:cs typeface="Consolas" panose="020B0609020204030204" pitchFamily="49" charset="0"/>
+              </a:rPr>
+              <a:t>models.IntField</a:t>
+            </a:r>
+            <a:r>
+              <a:rPr lang="en-US" dirty="0" smtClean="0">
+                <a:latin typeface="Consolas" panose="020B0609020204030204" pitchFamily="49" charset="0"/>
+                <a:cs typeface="Consolas" panose="020B0609020204030204" pitchFamily="49" charset="0"/>
+              </a:rPr>
+              <a:t>(</a:t>
+            </a:r>
+            <a:r>
+              <a:rPr lang="en-US" dirty="0" err="1" smtClean="0">
+                <a:latin typeface="Consolas" panose="020B0609020204030204" pitchFamily="49" charset="0"/>
+                <a:cs typeface="Consolas" panose="020B0609020204030204" pitchFamily="49" charset="0"/>
+              </a:rPr>
+              <a:t>primary_key</a:t>
+            </a:r>
+            <a:r>
+              <a:rPr lang="en-US" dirty="0" smtClean="0">
+                <a:latin typeface="Consolas" panose="020B0609020204030204" pitchFamily="49" charset="0"/>
+                <a:cs typeface="Consolas" panose="020B0609020204030204" pitchFamily="49" charset="0"/>
+              </a:rPr>
+              <a:t>=True)</a:t>
+            </a:r>
+            <a:endParaRPr lang="en-US" dirty="0" smtClean="0"/>
+          </a:p>
+          <a:p>
+            <a:r>
+              <a:rPr lang="en-US" dirty="0" smtClean="0"/>
+              <a:t>If you want it to be an auto-generated integer, use </a:t>
+            </a:r>
+            <a:r>
+              <a:rPr lang="en-US" dirty="0" err="1" smtClean="0"/>
+              <a:t>AutoField</a:t>
+            </a:r>
+            <a:endParaRPr lang="en-US" dirty="0" smtClean="0"/>
+          </a:p>
+          <a:p>
+            <a:pPr lvl="1"/>
+            <a:r>
+              <a:rPr lang="en-US" dirty="0" err="1" smtClean="0">
+                <a:latin typeface="Consolas" panose="020B0609020204030204" pitchFamily="49" charset="0"/>
+                <a:cs typeface="Consolas" panose="020B0609020204030204" pitchFamily="49" charset="0"/>
+              </a:rPr>
+              <a:t>custom_id</a:t>
+            </a:r>
+            <a:r>
+              <a:rPr lang="en-US" dirty="0" smtClean="0">
+                <a:latin typeface="Consolas" panose="020B0609020204030204" pitchFamily="49" charset="0"/>
+                <a:cs typeface="Consolas" panose="020B0609020204030204" pitchFamily="49" charset="0"/>
+              </a:rPr>
+              <a:t> = </a:t>
+            </a:r>
+            <a:r>
+              <a:rPr lang="en-US" dirty="0" err="1" smtClean="0">
+                <a:latin typeface="Consolas" panose="020B0609020204030204" pitchFamily="49" charset="0"/>
+                <a:cs typeface="Consolas" panose="020B0609020204030204" pitchFamily="49" charset="0"/>
+              </a:rPr>
+              <a:t>models.AutoField</a:t>
+            </a:r>
+            <a:r>
+              <a:rPr lang="en-US" dirty="0" smtClean="0">
+                <a:latin typeface="Consolas" panose="020B0609020204030204" pitchFamily="49" charset="0"/>
+                <a:cs typeface="Consolas" panose="020B0609020204030204" pitchFamily="49" charset="0"/>
+              </a:rPr>
+              <a:t>(</a:t>
+            </a:r>
+            <a:r>
+              <a:rPr lang="en-US" dirty="0" err="1" smtClean="0">
+                <a:latin typeface="Consolas" panose="020B0609020204030204" pitchFamily="49" charset="0"/>
+                <a:cs typeface="Consolas" panose="020B0609020204030204" pitchFamily="49" charset="0"/>
+              </a:rPr>
+              <a:t>primary_key</a:t>
+            </a:r>
+            <a:r>
+              <a:rPr lang="en-US" dirty="0" smtClean="0">
+                <a:latin typeface="Consolas" panose="020B0609020204030204" pitchFamily="49" charset="0"/>
+                <a:cs typeface="Consolas" panose="020B0609020204030204" pitchFamily="49" charset="0"/>
+              </a:rPr>
+              <a:t>=True)</a:t>
+            </a:r>
+            <a:endParaRPr lang="en-US" dirty="0">
+              <a:latin typeface="Consolas" panose="020B0609020204030204" pitchFamily="49" charset="0"/>
+              <a:cs typeface="Consolas" panose="020B0609020204030204" pitchFamily="49" charset="0"/>
+            </a:endParaRPr>
+          </a:p>
+        </p:txBody>
+      </p:sp>
+    </p:spTree>
+    <p:extLst>
+      <p:ext uri="{BB962C8B-B14F-4D97-AF65-F5344CB8AC3E}">
+        <p14:creationId xmlns:p14="http://schemas.microsoft.com/office/powerpoint/2010/main" val="2336655498"/>
+      </p:ext>
+    </p:extLst>
+  </p:cSld>
+  <p:clrMapOvr>
+    <a:masterClrMapping/>
+  </p:clrMapOvr>
+  <p:timing>
+    <p:tnLst>
+      <p:par>
+        <p:cTn id="1" dur="indefinite" restart="never" nodeType="tmRoot"/>
+      </p:par>
+    </p:tnLst>
+  </p:timing>
+</p:sld>
+</file>
+
+<file path=ppt/slides/slide25.xml><?xml version="1.0" encoding="utf-8"?>
+<p:sld xmlns:a="http://schemas.openxmlformats.org/drawingml/2006/main" xmlns:r="http://schemas.openxmlformats.org/officeDocument/2006/relationships" xmlns:p="http://schemas.openxmlformats.org/presentationml/2006/main">
+  <p:cSld>
+    <p:spTree>
+      <p:nvGrpSpPr>
+        <p:cNvPr id="1" name=""/>
+        <p:cNvGrpSpPr/>
+        <p:nvPr/>
+      </p:nvGrpSpPr>
+      <p:grpSpPr>
+        <a:xfrm>
+          <a:off x="0" y="0"/>
+          <a:ext cx="0" cy="0"/>
+          <a:chOff x="0" y="0"/>
+          <a:chExt cx="0" cy="0"/>
+        </a:xfrm>
+      </p:grpSpPr>
+      <p:sp>
+        <p:nvSpPr>
+          <p:cNvPr id="2" name="Title 1"/>
+          <p:cNvSpPr>
+            <a:spLocks noGrp="1"/>
+          </p:cNvSpPr>
+          <p:nvPr>
+            <p:ph type="title"/>
+          </p:nvPr>
+        </p:nvSpPr>
+        <p:spPr/>
+        <p:txBody>
+          <a:bodyPr/>
+          <a:lstStyle/>
+          <a:p>
+            <a:r>
+              <a:rPr lang="en-US" dirty="0" smtClean="0"/>
+              <a:t>How about relationships?</a:t>
+            </a:r>
+            <a:endParaRPr lang="en-US" dirty="0"/>
+          </a:p>
+        </p:txBody>
+      </p:sp>
+      <p:sp>
+        <p:nvSpPr>
+          <p:cNvPr id="3" name="Content Placeholder 2"/>
+          <p:cNvSpPr>
+            <a:spLocks noGrp="1"/>
+          </p:cNvSpPr>
+          <p:nvPr>
+            <p:ph sz="quarter" idx="10"/>
+          </p:nvPr>
+        </p:nvSpPr>
+        <p:spPr>
+          <a:xfrm>
+            <a:off x="284635" y="818600"/>
+            <a:ext cx="9099207" cy="5290388"/>
+          </a:xfrm>
+        </p:spPr>
+        <p:txBody>
+          <a:bodyPr/>
+          <a:lstStyle/>
+          <a:p>
+            <a:r>
+              <a:rPr lang="en-US" dirty="0" smtClean="0"/>
+              <a:t>An artist has albums, right?</a:t>
+            </a:r>
+          </a:p>
+          <a:p>
+            <a:r>
+              <a:rPr lang="en-US" dirty="0" smtClean="0"/>
+              <a:t>When creating the album (which is the child to artist’s parent), use </a:t>
+            </a:r>
+            <a:r>
+              <a:rPr lang="en-US" dirty="0" err="1" smtClean="0"/>
+              <a:t>models.ForeignKey</a:t>
+            </a:r>
+            <a:r>
+              <a:rPr lang="en-US" dirty="0" smtClean="0"/>
+              <a:t> to create the relationship</a:t>
+            </a:r>
+          </a:p>
+          <a:p>
+            <a:pPr lvl="1"/>
+            <a:r>
+              <a:rPr lang="en-US" dirty="0" smtClean="0"/>
+              <a:t>Django takes care of the rest</a:t>
+            </a:r>
+          </a:p>
+          <a:p>
+            <a:pPr marL="0" indent="0">
+              <a:buNone/>
+            </a:pPr>
+            <a:endParaRPr lang="en-US" dirty="0"/>
+          </a:p>
+          <a:p>
+            <a:pPr marL="0" indent="0">
+              <a:buNone/>
+            </a:pPr>
+            <a:r>
+              <a:rPr lang="en-US" dirty="0">
+                <a:solidFill>
+                  <a:srgbClr val="0000FF"/>
+                </a:solidFill>
+                <a:highlight>
+                  <a:srgbClr val="FFFFFF"/>
+                </a:highlight>
+                <a:latin typeface="Consolas" panose="020B0609020204030204" pitchFamily="49" charset="0"/>
+              </a:rPr>
+              <a:t>class</a:t>
+            </a:r>
+            <a:r>
+              <a:rPr lang="en-US" dirty="0">
+                <a:solidFill>
+                  <a:srgbClr val="000000"/>
+                </a:solidFill>
+                <a:highlight>
+                  <a:srgbClr val="FFFFFF"/>
+                </a:highlight>
+                <a:latin typeface="Consolas" panose="020B0609020204030204" pitchFamily="49" charset="0"/>
+              </a:rPr>
+              <a:t> </a:t>
+            </a:r>
+            <a:r>
+              <a:rPr lang="en-US" dirty="0">
+                <a:solidFill>
+                  <a:srgbClr val="2B91AF"/>
+                </a:solidFill>
+                <a:highlight>
+                  <a:srgbClr val="FFFFFF"/>
+                </a:highlight>
+                <a:latin typeface="Consolas" panose="020B0609020204030204" pitchFamily="49" charset="0"/>
+              </a:rPr>
+              <a:t>Album</a:t>
+            </a:r>
+            <a:r>
+              <a:rPr lang="en-US" dirty="0">
+                <a:solidFill>
+                  <a:srgbClr val="000000"/>
+                </a:solidFill>
+                <a:highlight>
+                  <a:srgbClr val="FFFFFF"/>
+                </a:highlight>
+                <a:latin typeface="Consolas" panose="020B0609020204030204" pitchFamily="49" charset="0"/>
+              </a:rPr>
+              <a:t>(</a:t>
+            </a:r>
+            <a:r>
+              <a:rPr lang="en-US" dirty="0" err="1">
+                <a:solidFill>
+                  <a:srgbClr val="6F008A"/>
+                </a:solidFill>
+                <a:highlight>
+                  <a:srgbClr val="FFFFFF"/>
+                </a:highlight>
+                <a:latin typeface="Consolas" panose="020B0609020204030204" pitchFamily="49" charset="0"/>
+              </a:rPr>
+              <a:t>models</a:t>
+            </a:r>
+            <a:r>
+              <a:rPr lang="en-US" dirty="0" err="1">
+                <a:solidFill>
+                  <a:srgbClr val="000000"/>
+                </a:solidFill>
+                <a:highlight>
+                  <a:srgbClr val="FFFFFF"/>
+                </a:highlight>
+                <a:latin typeface="Consolas" panose="020B0609020204030204" pitchFamily="49" charset="0"/>
+              </a:rPr>
+              <a:t>.</a:t>
+            </a:r>
+            <a:r>
+              <a:rPr lang="en-US" dirty="0" err="1">
+                <a:solidFill>
+                  <a:srgbClr val="2B91AF"/>
+                </a:solidFill>
+                <a:highlight>
+                  <a:srgbClr val="FFFFFF"/>
+                </a:highlight>
+                <a:latin typeface="Consolas" panose="020B0609020204030204" pitchFamily="49" charset="0"/>
+              </a:rPr>
+              <a:t>Model</a:t>
+            </a:r>
+            <a:r>
+              <a:rPr lang="en-US" dirty="0">
+                <a:solidFill>
+                  <a:srgbClr val="000000"/>
+                </a:solidFill>
+                <a:highlight>
+                  <a:srgbClr val="FFFFFF"/>
+                </a:highlight>
+                <a:latin typeface="Consolas" panose="020B0609020204030204" pitchFamily="49" charset="0"/>
+              </a:rPr>
+              <a:t>):</a:t>
+            </a:r>
+          </a:p>
+          <a:p>
+            <a:pPr marL="0" indent="0">
+              <a:buNone/>
+            </a:pPr>
+            <a:r>
+              <a:rPr lang="en-US" dirty="0" smtClean="0">
+                <a:solidFill>
+                  <a:srgbClr val="000000"/>
+                </a:solidFill>
+                <a:highlight>
+                  <a:srgbClr val="FFFFFF"/>
+                </a:highlight>
+                <a:latin typeface="Consolas" panose="020B0609020204030204" pitchFamily="49" charset="0"/>
+              </a:rPr>
+              <a:t>  name </a:t>
+            </a:r>
+            <a:r>
+              <a:rPr lang="en-US" dirty="0">
+                <a:solidFill>
+                  <a:srgbClr val="000000"/>
+                </a:solidFill>
+                <a:highlight>
+                  <a:srgbClr val="FFFFFF"/>
+                </a:highlight>
+                <a:latin typeface="Consolas" panose="020B0609020204030204" pitchFamily="49" charset="0"/>
+              </a:rPr>
+              <a:t>= </a:t>
+            </a:r>
+            <a:r>
+              <a:rPr lang="en-US" dirty="0" err="1">
+                <a:solidFill>
+                  <a:srgbClr val="6F008A"/>
+                </a:solidFill>
+                <a:highlight>
+                  <a:srgbClr val="FFFFFF"/>
+                </a:highlight>
+                <a:latin typeface="Consolas" panose="020B0609020204030204" pitchFamily="49" charset="0"/>
+              </a:rPr>
+              <a:t>models</a:t>
+            </a:r>
+            <a:r>
+              <a:rPr lang="en-US" dirty="0" err="1">
+                <a:solidFill>
+                  <a:srgbClr val="000000"/>
+                </a:solidFill>
+                <a:highlight>
+                  <a:srgbClr val="FFFFFF"/>
+                </a:highlight>
+                <a:latin typeface="Consolas" panose="020B0609020204030204" pitchFamily="49" charset="0"/>
+              </a:rPr>
+              <a:t>.</a:t>
+            </a:r>
+            <a:r>
+              <a:rPr lang="en-US" dirty="0" err="1">
+                <a:solidFill>
+                  <a:srgbClr val="2B91AF"/>
+                </a:solidFill>
+                <a:highlight>
+                  <a:srgbClr val="FFFFFF"/>
+                </a:highlight>
+                <a:latin typeface="Consolas" panose="020B0609020204030204" pitchFamily="49" charset="0"/>
+              </a:rPr>
+              <a:t>CharField</a:t>
+            </a:r>
+            <a:r>
+              <a:rPr lang="en-US" dirty="0">
+                <a:solidFill>
+                  <a:srgbClr val="000000"/>
+                </a:solidFill>
+                <a:highlight>
+                  <a:srgbClr val="FFFFFF"/>
+                </a:highlight>
+                <a:latin typeface="Consolas" panose="020B0609020204030204" pitchFamily="49" charset="0"/>
+              </a:rPr>
+              <a:t>(</a:t>
+            </a:r>
+            <a:r>
+              <a:rPr lang="en-US" dirty="0" err="1">
+                <a:solidFill>
+                  <a:srgbClr val="000000"/>
+                </a:solidFill>
+                <a:highlight>
+                  <a:srgbClr val="FFFFFF"/>
+                </a:highlight>
+                <a:latin typeface="Consolas" panose="020B0609020204030204" pitchFamily="49" charset="0"/>
+              </a:rPr>
+              <a:t>max_length</a:t>
+            </a:r>
+            <a:r>
+              <a:rPr lang="en-US" dirty="0">
+                <a:solidFill>
+                  <a:srgbClr val="000000"/>
+                </a:solidFill>
+                <a:highlight>
+                  <a:srgbClr val="FFFFFF"/>
+                </a:highlight>
+                <a:latin typeface="Consolas" panose="020B0609020204030204" pitchFamily="49" charset="0"/>
+              </a:rPr>
+              <a:t>=50);</a:t>
+            </a:r>
+          </a:p>
+          <a:p>
+            <a:pPr marL="0" indent="0">
+              <a:buNone/>
+            </a:pPr>
+            <a:r>
+              <a:rPr lang="en-US" dirty="0" smtClean="0">
+                <a:solidFill>
+                  <a:srgbClr val="000000"/>
+                </a:solidFill>
+                <a:highlight>
+                  <a:srgbClr val="FFFFFF"/>
+                </a:highlight>
+                <a:latin typeface="Consolas" panose="020B0609020204030204" pitchFamily="49" charset="0"/>
+              </a:rPr>
+              <a:t>  artist </a:t>
+            </a:r>
+            <a:r>
+              <a:rPr lang="en-US" dirty="0">
+                <a:solidFill>
+                  <a:srgbClr val="000000"/>
+                </a:solidFill>
+                <a:highlight>
+                  <a:srgbClr val="FFFFFF"/>
+                </a:highlight>
+                <a:latin typeface="Consolas" panose="020B0609020204030204" pitchFamily="49" charset="0"/>
+              </a:rPr>
+              <a:t>= </a:t>
+            </a:r>
+            <a:r>
+              <a:rPr lang="en-US" dirty="0" err="1">
+                <a:solidFill>
+                  <a:srgbClr val="6F008A"/>
+                </a:solidFill>
+                <a:highlight>
+                  <a:srgbClr val="FFFFFF"/>
+                </a:highlight>
+                <a:latin typeface="Consolas" panose="020B0609020204030204" pitchFamily="49" charset="0"/>
+              </a:rPr>
+              <a:t>models</a:t>
+            </a:r>
+            <a:r>
+              <a:rPr lang="en-US" dirty="0" err="1">
+                <a:solidFill>
+                  <a:srgbClr val="000000"/>
+                </a:solidFill>
+                <a:highlight>
+                  <a:srgbClr val="FFFFFF"/>
+                </a:highlight>
+                <a:latin typeface="Consolas" panose="020B0609020204030204" pitchFamily="49" charset="0"/>
+              </a:rPr>
+              <a:t>.</a:t>
+            </a:r>
+            <a:r>
+              <a:rPr lang="en-US" dirty="0" err="1">
+                <a:solidFill>
+                  <a:srgbClr val="2B91AF"/>
+                </a:solidFill>
+                <a:highlight>
+                  <a:srgbClr val="FFFFFF"/>
+                </a:highlight>
+                <a:latin typeface="Consolas" panose="020B0609020204030204" pitchFamily="49" charset="0"/>
+              </a:rPr>
+              <a:t>ForeignKey</a:t>
+            </a:r>
+            <a:r>
+              <a:rPr lang="en-US" dirty="0">
+                <a:solidFill>
+                  <a:srgbClr val="000000"/>
+                </a:solidFill>
+                <a:highlight>
+                  <a:srgbClr val="FFFFFF"/>
+                </a:highlight>
+                <a:latin typeface="Consolas" panose="020B0609020204030204" pitchFamily="49" charset="0"/>
+              </a:rPr>
+              <a:t>(</a:t>
+            </a:r>
+            <a:r>
+              <a:rPr lang="en-US" dirty="0">
+                <a:solidFill>
+                  <a:srgbClr val="2B91AF"/>
+                </a:solidFill>
+                <a:highlight>
+                  <a:srgbClr val="FFFFFF"/>
+                </a:highlight>
+                <a:latin typeface="Consolas" panose="020B0609020204030204" pitchFamily="49" charset="0"/>
+              </a:rPr>
+              <a:t>Artist</a:t>
+            </a:r>
+            <a:r>
+              <a:rPr lang="en-US" dirty="0">
+                <a:solidFill>
+                  <a:srgbClr val="000000"/>
+                </a:solidFill>
+                <a:highlight>
+                  <a:srgbClr val="FFFFFF"/>
+                </a:highlight>
+                <a:latin typeface="Consolas" panose="020B0609020204030204" pitchFamily="49" charset="0"/>
+              </a:rPr>
+              <a:t>);</a:t>
+            </a:r>
+            <a:endParaRPr lang="en-US" dirty="0"/>
+          </a:p>
+        </p:txBody>
+      </p:sp>
+    </p:spTree>
+    <p:extLst>
+      <p:ext uri="{BB962C8B-B14F-4D97-AF65-F5344CB8AC3E}">
+        <p14:creationId xmlns:p14="http://schemas.microsoft.com/office/powerpoint/2010/main" val="65035121"/>
+      </p:ext>
+    </p:extLst>
+  </p:cSld>
+  <p:clrMapOvr>
+    <a:masterClrMapping/>
+  </p:clrMapOvr>
+  <p:timing>
+    <p:tnLst>
+      <p:par>
+        <p:cTn id="1" dur="indefinite" restart="never" nodeType="tmRoot"/>
+      </p:par>
+    </p:tnLst>
+  </p:timing>
+</p:sld>
+</file>
+
+<file path=ppt/slides/slide26.xml><?xml version="1.0" encoding="utf-8"?>
+<p:sld xmlns:a="http://schemas.openxmlformats.org/drawingml/2006/main" xmlns:r="http://schemas.openxmlformats.org/officeDocument/2006/relationships" xmlns:p="http://schemas.openxmlformats.org/presentationml/2006/main">
+  <p:cSld>
+    <p:spTree>
+      <p:nvGrpSpPr>
+        <p:cNvPr id="1" name=""/>
+        <p:cNvGrpSpPr/>
+        <p:nvPr/>
+      </p:nvGrpSpPr>
+      <p:grpSpPr>
+        <a:xfrm>
+          <a:off x="0" y="0"/>
+          <a:ext cx="0" cy="0"/>
+          <a:chOff x="0" y="0"/>
+          <a:chExt cx="0" cy="0"/>
+        </a:xfrm>
+      </p:grpSpPr>
+      <p:sp>
+        <p:nvSpPr>
+          <p:cNvPr id="4" name="Title 3"/>
+          <p:cNvSpPr>
+            <a:spLocks noGrp="1"/>
+          </p:cNvSpPr>
+          <p:nvPr>
+            <p:ph type="title"/>
+          </p:nvPr>
+        </p:nvSpPr>
+        <p:spPr/>
+        <p:txBody>
+          <a:bodyPr/>
+          <a:lstStyle/>
+          <a:p>
+            <a:r>
+              <a:rPr lang="en-US" dirty="0" smtClean="0"/>
+              <a:t>Adding relationships</a:t>
+            </a:r>
+            <a:endParaRPr lang="en-US" dirty="0"/>
+          </a:p>
+        </p:txBody>
+      </p:sp>
+    </p:spTree>
+    <p:extLst>
+      <p:ext uri="{BB962C8B-B14F-4D97-AF65-F5344CB8AC3E}">
+        <p14:creationId xmlns:p14="http://schemas.microsoft.com/office/powerpoint/2010/main" val="1742235954"/>
+      </p:ext>
+    </p:extLst>
+  </p:cSld>
+  <p:clrMapOvr>
+    <a:masterClrMapping/>
+  </p:clrMapOvr>
+  <p:timing>
+    <p:tnLst>
+      <p:par>
+        <p:cTn id="1" dur="indefinite" restart="never" nodeType="tmRoot"/>
+      </p:par>
+    </p:tnLst>
+  </p:timing>
+</p:sld>
+</file>
+
+<file path=ppt/slides/slide27.xml><?xml version="1.0" encoding="utf-8"?>
+<p:sld xmlns:a="http://schemas.openxmlformats.org/drawingml/2006/main" xmlns:r="http://schemas.openxmlformats.org/officeDocument/2006/relationships" xmlns:p="http://schemas.openxmlformats.org/presentationml/2006/main">
+  <p:cSld>
+    <p:spTree>
+      <p:nvGrpSpPr>
+        <p:cNvPr id="1" name=""/>
+        <p:cNvGrpSpPr/>
+        <p:nvPr/>
+      </p:nvGrpSpPr>
+      <p:grpSpPr>
+        <a:xfrm>
+          <a:off x="0" y="0"/>
+          <a:ext cx="0" cy="0"/>
+          <a:chOff x="0" y="0"/>
+          <a:chExt cx="0" cy="0"/>
+        </a:xfrm>
+      </p:grpSpPr>
+      <p:sp>
+        <p:nvSpPr>
+          <p:cNvPr id="6" name="Title 5"/>
+          <p:cNvSpPr>
+            <a:spLocks noGrp="1"/>
+          </p:cNvSpPr>
+          <p:nvPr>
+            <p:ph type="title"/>
+          </p:nvPr>
+        </p:nvSpPr>
+        <p:spPr/>
+        <p:txBody>
+          <a:bodyPr/>
+          <a:lstStyle/>
+          <a:p>
+            <a:r>
+              <a:rPr lang="en-US" dirty="0" smtClean="0"/>
+              <a:t>Now about those names...</a:t>
+            </a:r>
+            <a:endParaRPr lang="en-US" dirty="0"/>
+          </a:p>
+        </p:txBody>
+      </p:sp>
+      <p:sp>
+        <p:nvSpPr>
+          <p:cNvPr id="7" name="Content Placeholder 6"/>
+          <p:cNvSpPr>
+            <a:spLocks noGrp="1"/>
+          </p:cNvSpPr>
+          <p:nvPr>
+            <p:ph sz="quarter" idx="10"/>
+          </p:nvPr>
+        </p:nvSpPr>
+        <p:spPr/>
+        <p:txBody>
+          <a:bodyPr/>
+          <a:lstStyle/>
+          <a:p>
+            <a:r>
+              <a:rPr lang="en-US" dirty="0" smtClean="0"/>
+              <a:t>Convention in Django is to use underscores rather than camel casing</a:t>
+            </a:r>
+          </a:p>
+          <a:p>
+            <a:r>
+              <a:rPr lang="en-US" dirty="0" smtClean="0"/>
+              <a:t>Django can automatically label properties in views</a:t>
+            </a:r>
+          </a:p>
+          <a:p>
+            <a:pPr lvl="1"/>
+            <a:r>
+              <a:rPr lang="en-US" dirty="0" smtClean="0"/>
+              <a:t>Underscores are replaced by spaces</a:t>
+            </a:r>
+          </a:p>
+          <a:p>
+            <a:pPr lvl="1"/>
+            <a:r>
+              <a:rPr lang="en-US" b="1" dirty="0" err="1" smtClean="0"/>
+              <a:t>first_name</a:t>
+            </a:r>
+            <a:r>
+              <a:rPr lang="en-US" dirty="0" smtClean="0"/>
+              <a:t> becomes </a:t>
+            </a:r>
+            <a:r>
+              <a:rPr lang="en-US" b="1" dirty="0" smtClean="0"/>
+              <a:t>first name</a:t>
+            </a:r>
+          </a:p>
+          <a:p>
+            <a:r>
+              <a:rPr lang="en-US" dirty="0" smtClean="0"/>
+              <a:t>What if we need to customize the label?</a:t>
+            </a:r>
+          </a:p>
+          <a:p>
+            <a:pPr lvl="1"/>
+            <a:r>
+              <a:rPr lang="en-US" b="1" dirty="0" err="1" smtClean="0"/>
+              <a:t>verbose_name</a:t>
+            </a:r>
+            <a:r>
+              <a:rPr lang="en-US" dirty="0" smtClean="0"/>
+              <a:t> allows you to provide custom names</a:t>
+            </a:r>
+          </a:p>
+          <a:p>
+            <a:pPr lvl="1"/>
+            <a:r>
+              <a:rPr lang="en-US" dirty="0" smtClean="0"/>
+              <a:t>Always start with a lower case letter, as Django will capitalize as needed</a:t>
+            </a:r>
+            <a:endParaRPr lang="en-US" dirty="0"/>
+          </a:p>
+        </p:txBody>
+      </p:sp>
+    </p:spTree>
+    <p:extLst>
+      <p:ext uri="{BB962C8B-B14F-4D97-AF65-F5344CB8AC3E}">
+        <p14:creationId xmlns:p14="http://schemas.microsoft.com/office/powerpoint/2010/main" val="1172841060"/>
+      </p:ext>
+    </p:extLst>
+  </p:cSld>
+  <p:clrMapOvr>
+    <a:masterClrMapping/>
+  </p:clrMapOvr>
+  <p:timing>
+    <p:tnLst>
+      <p:par>
+        <p:cTn id="1" dur="indefinite" restart="never" nodeType="tmRoot">
+          <p:childTnLst>
+            <p:seq concurrent="1" nextAc="seek">
+              <p:cTn id="2" dur="indefinite" nodeType="mainSeq">
+                <p:childTnLst>
+                  <p:par>
+                    <p:cTn id="3" fill="hold">
+                      <p:stCondLst>
+                        <p:cond delay="indefinite"/>
+                      </p:stCondLst>
+                      <p:childTnLst>
+                        <p:par>
+                          <p:cTn id="4" fill="hold">
+                            <p:stCondLst>
+                              <p:cond delay="0"/>
+                            </p:stCondLst>
+                            <p:childTnLst>
+                              <p:par>
+                                <p:cTn id="5" presetID="1" presetClass="entr" presetSubtype="0" fill="hold" nodeType="clickEffect">
+                                  <p:stCondLst>
+                                    <p:cond delay="0"/>
+                                  </p:stCondLst>
+                                  <p:childTnLst>
+                                    <p:set>
+                                      <p:cBhvr>
+                                        <p:cTn id="6" dur="1" fill="hold">
+                                          <p:stCondLst>
+                                            <p:cond delay="0"/>
+                                          </p:stCondLst>
+                                        </p:cTn>
+                                        <p:tgtEl>
+                                          <p:spTgt spid="7">
+                                            <p:txEl>
+                                              <p:pRg st="4" end="4"/>
+                                            </p:txEl>
+                                          </p:spTgt>
+                                        </p:tgtEl>
+                                        <p:attrNameLst>
+                                          <p:attrName>style.visibility</p:attrName>
+                                        </p:attrNameLst>
+                                      </p:cBhvr>
+                                      <p:to>
+                                        <p:strVal val="visible"/>
+                                      </p:to>
+                                    </p:set>
+                                  </p:childTnLst>
+                                </p:cTn>
+                              </p:par>
+                              <p:par>
+                                <p:cTn id="7" presetID="1" presetClass="entr" presetSubtype="0" fill="hold" nodeType="withEffect">
+                                  <p:stCondLst>
+                                    <p:cond delay="0"/>
+                                  </p:stCondLst>
+                                  <p:childTnLst>
+                                    <p:set>
+                                      <p:cBhvr>
+                                        <p:cTn id="8" dur="1" fill="hold">
+                                          <p:stCondLst>
+                                            <p:cond delay="0"/>
+                                          </p:stCondLst>
+                                        </p:cTn>
+                                        <p:tgtEl>
+                                          <p:spTgt spid="7">
+                                            <p:txEl>
+                                              <p:pRg st="5" end="5"/>
+                                            </p:txEl>
+                                          </p:spTgt>
+                                        </p:tgtEl>
+                                        <p:attrNameLst>
+                                          <p:attrName>style.visibility</p:attrName>
+                                        </p:attrNameLst>
+                                      </p:cBhvr>
+                                      <p:to>
+                                        <p:strVal val="visible"/>
+                                      </p:to>
+                                    </p:set>
+                                  </p:childTnLst>
+                                </p:cTn>
+                              </p:par>
+                              <p:par>
+                                <p:cTn id="9" presetID="1" presetClass="entr" presetSubtype="0" fill="hold" nodeType="withEffect">
+                                  <p:stCondLst>
+                                    <p:cond delay="0"/>
+                                  </p:stCondLst>
+                                  <p:childTnLst>
+                                    <p:set>
+                                      <p:cBhvr>
+                                        <p:cTn id="10" dur="1" fill="hold">
+                                          <p:stCondLst>
+                                            <p:cond delay="0"/>
+                                          </p:stCondLst>
+                                        </p:cTn>
+                                        <p:tgtEl>
+                                          <p:spTgt spid="7">
+                                            <p:txEl>
+                                              <p:pRg st="6" end="6"/>
+                                            </p:txEl>
+                                          </p:spTgt>
+                                        </p:tgtEl>
+                                        <p:attrNameLst>
+                                          <p:attrName>style.visibility</p:attrName>
+                                        </p:attrNameLst>
+                                      </p:cBhvr>
+                                      <p:to>
+                                        <p:strVal val="visible"/>
+                                      </p:to>
+                                    </p:set>
+                                  </p:childTnLst>
+                                </p:cTn>
+                              </p:par>
+                            </p:childTnLst>
+                          </p:cTn>
+                        </p:par>
+                      </p:childTnLst>
+                    </p:cTn>
+                  </p:par>
+                </p:childTnLst>
+              </p:cTn>
+              <p:prevCondLst>
+                <p:cond evt="onPrev" delay="0">
+                  <p:tgtEl>
+                    <p:sldTgt/>
+                  </p:tgtEl>
+                </p:cond>
+              </p:prevCondLst>
+              <p:nextCondLst>
+                <p:cond evt="onNext" delay="0">
+                  <p:tgtEl>
+                    <p:sldTgt/>
+                  </p:tgtEl>
+                </p:cond>
+              </p:nextCondLst>
+            </p:seq>
+          </p:childTnLst>
+        </p:cTn>
+      </p:par>
+    </p:tnLst>
+  </p:timing>
+</p:sld>
+</file>
+
+<file path=ppt/slides/slide28.xml><?xml version="1.0" encoding="utf-8"?>
+<p:sld xmlns:a="http://schemas.openxmlformats.org/drawingml/2006/main" xmlns:r="http://schemas.openxmlformats.org/officeDocument/2006/relationships" xmlns:p="http://schemas.openxmlformats.org/presentationml/2006/main">
+  <p:cSld>
+    <p:spTree>
+      <p:nvGrpSpPr>
+        <p:cNvPr id="1" name=""/>
+        <p:cNvGrpSpPr/>
+        <p:nvPr/>
+      </p:nvGrpSpPr>
+      <p:grpSpPr>
+        <a:xfrm>
+          <a:off x="0" y="0"/>
+          <a:ext cx="0" cy="0"/>
+          <a:chOff x="0" y="0"/>
+          <a:chExt cx="0" cy="0"/>
+        </a:xfrm>
+      </p:grpSpPr>
+      <p:sp>
+        <p:nvSpPr>
+          <p:cNvPr id="2" name="Title 1"/>
+          <p:cNvSpPr>
+            <a:spLocks noGrp="1"/>
+          </p:cNvSpPr>
+          <p:nvPr>
+            <p:ph type="title"/>
+          </p:nvPr>
+        </p:nvSpPr>
+        <p:spPr/>
+        <p:txBody>
+          <a:bodyPr/>
+          <a:lstStyle/>
+          <a:p>
+            <a:r>
+              <a:rPr lang="en-US" dirty="0" smtClean="0"/>
+              <a:t>Getting models ready for display</a:t>
+            </a:r>
+            <a:endParaRPr lang="en-US" dirty="0"/>
+          </a:p>
+        </p:txBody>
+      </p:sp>
+    </p:spTree>
+    <p:extLst>
+      <p:ext uri="{BB962C8B-B14F-4D97-AF65-F5344CB8AC3E}">
+        <p14:creationId xmlns:p14="http://schemas.microsoft.com/office/powerpoint/2010/main" val="2503803202"/>
+      </p:ext>
+    </p:extLst>
+  </p:cSld>
+  <p:clrMapOvr>
+    <a:masterClrMapping/>
+  </p:clrMapOvr>
+  <p:timing>
+    <p:tnLst>
+      <p:par>
+        <p:cTn id="1" dur="indefinite" restart="never" nodeType="tmRoot"/>
+      </p:par>
+    </p:tnLst>
+  </p:timing>
+</p:sld>
+</file>
+
+<file path=ppt/slides/slide29.xml><?xml version="1.0" encoding="utf-8"?>
+<p:sld xmlns:a="http://schemas.openxmlformats.org/drawingml/2006/main" xmlns:r="http://schemas.openxmlformats.org/officeDocument/2006/relationships" xmlns:p="http://schemas.openxmlformats.org/presentationml/2006/main">
+  <p:cSld>
+    <p:spTree>
+      <p:nvGrpSpPr>
+        <p:cNvPr id="1" name=""/>
+        <p:cNvGrpSpPr/>
+        <p:nvPr/>
+      </p:nvGrpSpPr>
+      <p:grpSpPr>
+        <a:xfrm>
+          <a:off x="0" y="0"/>
+          <a:ext cx="0" cy="0"/>
+          <a:chOff x="0" y="0"/>
+          <a:chExt cx="0" cy="0"/>
+        </a:xfrm>
+      </p:grpSpPr>
+      <p:sp>
+        <p:nvSpPr>
+          <p:cNvPr id="3" name="Title 2"/>
+          <p:cNvSpPr>
+            <a:spLocks noGrp="1"/>
+          </p:cNvSpPr>
+          <p:nvPr>
+            <p:ph type="title"/>
+          </p:nvPr>
+        </p:nvSpPr>
+        <p:spPr/>
+        <p:txBody>
+          <a:bodyPr/>
+          <a:lstStyle/>
+          <a:p>
+            <a:r>
+              <a:rPr lang="en-US" dirty="0" smtClean="0"/>
+              <a:t>Are these the only field options?</a:t>
+            </a:r>
+            <a:endParaRPr lang="en-US" dirty="0"/>
+          </a:p>
+        </p:txBody>
+      </p:sp>
+      <p:sp>
+        <p:nvSpPr>
+          <p:cNvPr id="4" name="Content Placeholder 3"/>
+          <p:cNvSpPr>
+            <a:spLocks noGrp="1"/>
+          </p:cNvSpPr>
+          <p:nvPr>
+            <p:ph sz="quarter" idx="10"/>
+          </p:nvPr>
+        </p:nvSpPr>
+        <p:spPr/>
+        <p:txBody>
+          <a:bodyPr/>
+          <a:lstStyle/>
+          <a:p>
+            <a:r>
+              <a:rPr lang="en-US" dirty="0" smtClean="0"/>
+              <a:t>Absolutely not!</a:t>
+            </a:r>
+          </a:p>
+          <a:p>
+            <a:pPr lvl="1"/>
+            <a:r>
+              <a:rPr lang="en-US" dirty="0" smtClean="0"/>
+              <a:t>Django offers great power and control over the underlying database</a:t>
+            </a:r>
+          </a:p>
+          <a:p>
+            <a:pPr lvl="2"/>
+            <a:r>
+              <a:rPr lang="en-US" dirty="0" smtClean="0"/>
+              <a:t>Many to many relationships</a:t>
+            </a:r>
+          </a:p>
+          <a:p>
+            <a:pPr lvl="2"/>
+            <a:r>
+              <a:rPr lang="en-US" dirty="0" smtClean="0"/>
+              <a:t>Complex data types</a:t>
+            </a:r>
+          </a:p>
+          <a:p>
+            <a:pPr lvl="2"/>
+            <a:r>
+              <a:rPr lang="en-US" dirty="0" smtClean="0"/>
+              <a:t>Custom column names</a:t>
+            </a:r>
+            <a:endParaRPr lang="en-US" dirty="0"/>
+          </a:p>
+          <a:p>
+            <a:r>
+              <a:rPr lang="en-US" dirty="0"/>
+              <a:t>See </a:t>
+            </a:r>
+            <a:r>
+              <a:rPr lang="en-US" dirty="0">
+                <a:hlinkClick r:id="rId2"/>
+              </a:rPr>
+              <a:t>https://docs.djangoproject.com/en/1.8/ref/models/fields</a:t>
+            </a:r>
+            <a:r>
+              <a:rPr lang="en-US" dirty="0" smtClean="0">
+                <a:hlinkClick r:id="rId2"/>
+              </a:rPr>
+              <a:t>/</a:t>
+            </a:r>
+            <a:r>
+              <a:rPr lang="en-US" dirty="0" smtClean="0"/>
+              <a:t> for more information</a:t>
+            </a:r>
+          </a:p>
+        </p:txBody>
+      </p:sp>
+    </p:spTree>
+    <p:extLst>
+      <p:ext uri="{BB962C8B-B14F-4D97-AF65-F5344CB8AC3E}">
+        <p14:creationId xmlns:p14="http://schemas.microsoft.com/office/powerpoint/2010/main" val="908821120"/>
+      </p:ext>
+    </p:extLst>
+  </p:cSld>
+  <p:clrMapOvr>
+    <a:masterClrMapping/>
+  </p:clrMapOvr>
+  <p:timing>
+    <p:tnLst>
+      <p:par>
+        <p:cTn id="1" dur="indefinite" restart="never" nodeType="tmRoot"/>
+      </p:par>
+    </p:tnLst>
+  </p:timing>
+</p:sld>
+</file>
+
 <file path=ppt/slides/slide3.xml><?xml version="1.0" encoding="utf-8"?>
 <p:sld xmlns:a="http://schemas.openxmlformats.org/drawingml/2006/main" xmlns:r="http://schemas.openxmlformats.org/officeDocument/2006/relationships" xmlns:p="http://schemas.openxmlformats.org/presentationml/2006/main">
   <p:cSld>
@@ -15474,11 +19425,7 @@
             </a:r>
             <a:r>
               <a:rPr lang="ru-RU" dirty="0" smtClean="0"/>
-              <a:t>и </a:t>
-            </a:r>
-            <a:r>
-              <a:rPr lang="ru-RU" dirty="0" smtClean="0"/>
-              <a:t>Шаблоны</a:t>
+              <a:t>и Шаблоны</a:t>
             </a:r>
             <a:endParaRPr lang="en-US" dirty="0"/>
           </a:p>
@@ -18640,6 +22587,782 @@
 </p:sld>
 </file>
 
+<file path=ppt/slides/slide30.xml><?xml version="1.0" encoding="utf-8"?>
+<p:sld xmlns:a="http://schemas.openxmlformats.org/drawingml/2006/main" xmlns:r="http://schemas.openxmlformats.org/officeDocument/2006/relationships" xmlns:p="http://schemas.openxmlformats.org/presentationml/2006/main">
+  <p:cSld>
+    <p:spTree>
+      <p:nvGrpSpPr>
+        <p:cNvPr id="1" name=""/>
+        <p:cNvGrpSpPr/>
+        <p:nvPr/>
+      </p:nvGrpSpPr>
+      <p:grpSpPr>
+        <a:xfrm>
+          <a:off x="0" y="0"/>
+          <a:ext cx="0" cy="0"/>
+          <a:chOff x="0" y="0"/>
+          <a:chExt cx="0" cy="0"/>
+        </a:xfrm>
+      </p:grpSpPr>
+      <p:sp>
+        <p:nvSpPr>
+          <p:cNvPr id="6" name="Text Placeholder 5"/>
+          <p:cNvSpPr>
+            <a:spLocks noGrp="1"/>
+          </p:cNvSpPr>
+          <p:nvPr>
+            <p:ph type="body" sz="quarter" idx="10"/>
+          </p:nvPr>
+        </p:nvSpPr>
+        <p:spPr/>
+        <p:txBody>
+          <a:bodyPr/>
+          <a:lstStyle/>
+          <a:p>
+            <a:r>
+              <a:rPr lang="en-US" dirty="0" smtClean="0"/>
+              <a:t>Getting the database ready</a:t>
+            </a:r>
+            <a:endParaRPr lang="en-US" dirty="0"/>
+          </a:p>
+        </p:txBody>
+      </p:sp>
+      <p:sp>
+        <p:nvSpPr>
+          <p:cNvPr id="5" name="Subtitle 4"/>
+          <p:cNvSpPr>
+            <a:spLocks noGrp="1"/>
+          </p:cNvSpPr>
+          <p:nvPr>
+            <p:ph type="subTitle" idx="1"/>
+          </p:nvPr>
+        </p:nvSpPr>
+        <p:spPr/>
+        <p:txBody>
+          <a:bodyPr/>
+          <a:lstStyle/>
+          <a:p>
+            <a:endParaRPr lang="en-US" dirty="0"/>
+          </a:p>
+        </p:txBody>
+      </p:sp>
+    </p:spTree>
+    <p:extLst>
+      <p:ext uri="{BB962C8B-B14F-4D97-AF65-F5344CB8AC3E}">
+        <p14:creationId xmlns:p14="http://schemas.microsoft.com/office/powerpoint/2010/main" val="636048293"/>
+      </p:ext>
+    </p:extLst>
+  </p:cSld>
+  <p:clrMapOvr>
+    <a:masterClrMapping/>
+  </p:clrMapOvr>
+  <p:timing>
+    <p:tnLst>
+      <p:par>
+        <p:cTn id="1" dur="indefinite" restart="never" nodeType="tmRoot"/>
+      </p:par>
+    </p:tnLst>
+  </p:timing>
+</p:sld>
+</file>
+
+<file path=ppt/slides/slide31.xml><?xml version="1.0" encoding="utf-8"?>
+<p:sld xmlns:a="http://schemas.openxmlformats.org/drawingml/2006/main" xmlns:r="http://schemas.openxmlformats.org/officeDocument/2006/relationships" xmlns:p="http://schemas.openxmlformats.org/presentationml/2006/main">
+  <p:cSld>
+    <p:spTree>
+      <p:nvGrpSpPr>
+        <p:cNvPr id="1" name=""/>
+        <p:cNvGrpSpPr/>
+        <p:nvPr/>
+      </p:nvGrpSpPr>
+      <p:grpSpPr>
+        <a:xfrm>
+          <a:off x="0" y="0"/>
+          <a:ext cx="0" cy="0"/>
+          <a:chOff x="0" y="0"/>
+          <a:chExt cx="0" cy="0"/>
+        </a:xfrm>
+      </p:grpSpPr>
+      <p:sp>
+        <p:nvSpPr>
+          <p:cNvPr id="4" name="Title 3"/>
+          <p:cNvSpPr>
+            <a:spLocks noGrp="1"/>
+          </p:cNvSpPr>
+          <p:nvPr>
+            <p:ph type="title"/>
+          </p:nvPr>
+        </p:nvSpPr>
+        <p:spPr/>
+        <p:txBody>
+          <a:bodyPr>
+            <a:normAutofit fontScale="90000"/>
+          </a:bodyPr>
+          <a:lstStyle/>
+          <a:p>
+            <a:r>
+              <a:rPr lang="en-US" dirty="0" smtClean="0"/>
+              <a:t>Wait - what database is Django going to use?</a:t>
+            </a:r>
+            <a:endParaRPr lang="en-US" dirty="0"/>
+          </a:p>
+        </p:txBody>
+      </p:sp>
+      <p:sp>
+        <p:nvSpPr>
+          <p:cNvPr id="5" name="Content Placeholder 4"/>
+          <p:cNvSpPr>
+            <a:spLocks noGrp="1"/>
+          </p:cNvSpPr>
+          <p:nvPr>
+            <p:ph sz="quarter" idx="10"/>
+          </p:nvPr>
+        </p:nvSpPr>
+        <p:spPr/>
+        <p:txBody>
+          <a:bodyPr/>
+          <a:lstStyle/>
+          <a:p>
+            <a:r>
+              <a:rPr lang="en-US" dirty="0" smtClean="0"/>
+              <a:t>Whatever database you specify in the settings.py file</a:t>
+            </a:r>
+          </a:p>
+          <a:p>
+            <a:r>
+              <a:rPr lang="en-US" dirty="0" smtClean="0"/>
+              <a:t>Supported databases include</a:t>
+            </a:r>
+          </a:p>
+          <a:p>
+            <a:pPr lvl="1"/>
+            <a:r>
+              <a:rPr lang="en-US" dirty="0" smtClean="0"/>
+              <a:t>SQLite</a:t>
+            </a:r>
+          </a:p>
+          <a:p>
+            <a:pPr lvl="1"/>
+            <a:r>
+              <a:rPr lang="en-US" dirty="0" smtClean="0"/>
+              <a:t>MySQL</a:t>
+            </a:r>
+          </a:p>
+          <a:p>
+            <a:pPr lvl="1"/>
+            <a:r>
+              <a:rPr lang="en-US" dirty="0" smtClean="0"/>
+              <a:t>Microsoft SQL Server</a:t>
+            </a:r>
+          </a:p>
+          <a:p>
+            <a:r>
+              <a:rPr lang="en-US" dirty="0" smtClean="0"/>
+              <a:t>SQLite is the default development database for Django projects in Visual Studio</a:t>
+            </a:r>
+            <a:endParaRPr lang="en-US" dirty="0"/>
+          </a:p>
+        </p:txBody>
+      </p:sp>
+    </p:spTree>
+    <p:extLst>
+      <p:ext uri="{BB962C8B-B14F-4D97-AF65-F5344CB8AC3E}">
+        <p14:creationId xmlns:p14="http://schemas.microsoft.com/office/powerpoint/2010/main" val="4104263923"/>
+      </p:ext>
+    </p:extLst>
+  </p:cSld>
+  <p:clrMapOvr>
+    <a:masterClrMapping/>
+  </p:clrMapOvr>
+  <p:timing>
+    <p:tnLst>
+      <p:par>
+        <p:cTn id="1" dur="indefinite" restart="never" nodeType="tmRoot"/>
+      </p:par>
+    </p:tnLst>
+  </p:timing>
+</p:sld>
+</file>
+
+<file path=ppt/slides/slide32.xml><?xml version="1.0" encoding="utf-8"?>
+<p:sld xmlns:a="http://schemas.openxmlformats.org/drawingml/2006/main" xmlns:r="http://schemas.openxmlformats.org/officeDocument/2006/relationships" xmlns:p="http://schemas.openxmlformats.org/presentationml/2006/main">
+  <p:cSld>
+    <p:spTree>
+      <p:nvGrpSpPr>
+        <p:cNvPr id="1" name=""/>
+        <p:cNvGrpSpPr/>
+        <p:nvPr/>
+      </p:nvGrpSpPr>
+      <p:grpSpPr>
+        <a:xfrm>
+          <a:off x="0" y="0"/>
+          <a:ext cx="0" cy="0"/>
+          <a:chOff x="0" y="0"/>
+          <a:chExt cx="0" cy="0"/>
+        </a:xfrm>
+      </p:grpSpPr>
+      <p:sp>
+        <p:nvSpPr>
+          <p:cNvPr id="2" name="Title 1"/>
+          <p:cNvSpPr>
+            <a:spLocks noGrp="1"/>
+          </p:cNvSpPr>
+          <p:nvPr>
+            <p:ph type="title"/>
+          </p:nvPr>
+        </p:nvSpPr>
+        <p:spPr/>
+        <p:txBody>
+          <a:bodyPr/>
+          <a:lstStyle/>
+          <a:p>
+            <a:r>
+              <a:rPr lang="en-US" dirty="0" smtClean="0"/>
+              <a:t>What is SQLite?</a:t>
+            </a:r>
+            <a:endParaRPr lang="en-US" dirty="0"/>
+          </a:p>
+        </p:txBody>
+      </p:sp>
+      <p:sp>
+        <p:nvSpPr>
+          <p:cNvPr id="3" name="Content Placeholder 2"/>
+          <p:cNvSpPr>
+            <a:spLocks noGrp="1"/>
+          </p:cNvSpPr>
+          <p:nvPr>
+            <p:ph sz="quarter" idx="10"/>
+          </p:nvPr>
+        </p:nvSpPr>
+        <p:spPr/>
+        <p:txBody>
+          <a:bodyPr/>
+          <a:lstStyle/>
+          <a:p>
+            <a:r>
+              <a:rPr lang="en-US" dirty="0" smtClean="0"/>
+              <a:t>As the name implies, SQLite is a lightweight relational database</a:t>
+            </a:r>
+          </a:p>
+          <a:p>
+            <a:r>
+              <a:rPr lang="en-US" dirty="0" smtClean="0"/>
+              <a:t>It’s open source and perfect for development</a:t>
+            </a:r>
+          </a:p>
+        </p:txBody>
+      </p:sp>
+    </p:spTree>
+    <p:extLst>
+      <p:ext uri="{BB962C8B-B14F-4D97-AF65-F5344CB8AC3E}">
+        <p14:creationId xmlns:p14="http://schemas.microsoft.com/office/powerpoint/2010/main" val="1506454670"/>
+      </p:ext>
+    </p:extLst>
+  </p:cSld>
+  <p:clrMapOvr>
+    <a:masterClrMapping/>
+  </p:clrMapOvr>
+  <p:timing>
+    <p:tnLst>
+      <p:par>
+        <p:cTn id="1" dur="indefinite" restart="never" nodeType="tmRoot"/>
+      </p:par>
+    </p:tnLst>
+  </p:timing>
+</p:sld>
+</file>
+
+<file path=ppt/slides/slide33.xml><?xml version="1.0" encoding="utf-8"?>
+<p:sld xmlns:a="http://schemas.openxmlformats.org/drawingml/2006/main" xmlns:r="http://schemas.openxmlformats.org/officeDocument/2006/relationships" xmlns:p="http://schemas.openxmlformats.org/presentationml/2006/main">
+  <p:cSld>
+    <p:spTree>
+      <p:nvGrpSpPr>
+        <p:cNvPr id="1" name=""/>
+        <p:cNvGrpSpPr/>
+        <p:nvPr/>
+      </p:nvGrpSpPr>
+      <p:grpSpPr>
+        <a:xfrm>
+          <a:off x="0" y="0"/>
+          <a:ext cx="0" cy="0"/>
+          <a:chOff x="0" y="0"/>
+          <a:chExt cx="0" cy="0"/>
+        </a:xfrm>
+      </p:grpSpPr>
+      <p:sp>
+        <p:nvSpPr>
+          <p:cNvPr id="2" name="Title 1"/>
+          <p:cNvSpPr>
+            <a:spLocks noGrp="1"/>
+          </p:cNvSpPr>
+          <p:nvPr>
+            <p:ph type="title"/>
+          </p:nvPr>
+        </p:nvSpPr>
+        <p:spPr/>
+        <p:txBody>
+          <a:bodyPr/>
+          <a:lstStyle/>
+          <a:p>
+            <a:r>
+              <a:rPr lang="en-US" dirty="0" smtClean="0"/>
+              <a:t>How do we create the database?</a:t>
+            </a:r>
+            <a:endParaRPr lang="en-US" dirty="0"/>
+          </a:p>
+        </p:txBody>
+      </p:sp>
+      <p:sp>
+        <p:nvSpPr>
+          <p:cNvPr id="3" name="Content Placeholder 2"/>
+          <p:cNvSpPr>
+            <a:spLocks noGrp="1"/>
+          </p:cNvSpPr>
+          <p:nvPr>
+            <p:ph sz="quarter" idx="10"/>
+          </p:nvPr>
+        </p:nvSpPr>
+        <p:spPr>
+          <a:xfrm>
+            <a:off x="284636" y="653708"/>
+            <a:ext cx="8643938" cy="5290388"/>
+          </a:xfrm>
+        </p:spPr>
+        <p:txBody>
+          <a:bodyPr/>
+          <a:lstStyle/>
+          <a:p>
+            <a:r>
+              <a:rPr lang="en-US" dirty="0" smtClean="0"/>
+              <a:t>We propagate the changes in our models to the databases  used by the Django ORM with migrations</a:t>
+            </a:r>
+          </a:p>
+          <a:p>
+            <a:r>
+              <a:rPr lang="en-US" dirty="0" smtClean="0"/>
+              <a:t>Useful commands</a:t>
+            </a:r>
+          </a:p>
+          <a:p>
+            <a:pPr lvl="1"/>
+            <a:r>
+              <a:rPr lang="en-US" b="1" dirty="0" err="1" smtClean="0"/>
+              <a:t>makemigrations</a:t>
+            </a:r>
+            <a:endParaRPr lang="en-US" dirty="0"/>
+          </a:p>
+          <a:p>
+            <a:pPr lvl="2"/>
+            <a:r>
+              <a:rPr lang="en-US" dirty="0" smtClean="0"/>
+              <a:t>Create a new migration, this creates a package that contains all of the changes to be made to the database based on the code changes in our models</a:t>
+            </a:r>
+          </a:p>
+          <a:p>
+            <a:pPr lvl="1"/>
+            <a:r>
+              <a:rPr lang="en-US" b="1" dirty="0" err="1" smtClean="0"/>
+              <a:t>sqlmigrate</a:t>
+            </a:r>
+            <a:endParaRPr lang="en-US" dirty="0"/>
+          </a:p>
+          <a:p>
+            <a:pPr lvl="2"/>
+            <a:r>
+              <a:rPr lang="en-US" dirty="0"/>
+              <a:t>D</a:t>
+            </a:r>
+            <a:r>
+              <a:rPr lang="en-US" dirty="0" smtClean="0"/>
+              <a:t>isplay the SQL statements that will be applied by a migration</a:t>
+            </a:r>
+          </a:p>
+          <a:p>
+            <a:pPr lvl="1"/>
+            <a:r>
+              <a:rPr lang="en-US" b="1" dirty="0" smtClean="0"/>
+              <a:t>migrate</a:t>
+            </a:r>
+          </a:p>
+          <a:p>
+            <a:pPr lvl="2"/>
+            <a:r>
+              <a:rPr lang="en-US" dirty="0" smtClean="0"/>
+              <a:t>Update the database with the specified migration package</a:t>
+            </a:r>
+            <a:endParaRPr lang="en-US" dirty="0"/>
+          </a:p>
+        </p:txBody>
+      </p:sp>
+    </p:spTree>
+    <p:extLst>
+      <p:ext uri="{BB962C8B-B14F-4D97-AF65-F5344CB8AC3E}">
+        <p14:creationId xmlns:p14="http://schemas.microsoft.com/office/powerpoint/2010/main" val="3639845546"/>
+      </p:ext>
+    </p:extLst>
+  </p:cSld>
+  <p:clrMapOvr>
+    <a:masterClrMapping/>
+  </p:clrMapOvr>
+  <p:timing>
+    <p:tnLst>
+      <p:par>
+        <p:cTn id="1" dur="indefinite" restart="never" nodeType="tmRoot"/>
+      </p:par>
+    </p:tnLst>
+  </p:timing>
+</p:sld>
+</file>
+
+<file path=ppt/slides/slide34.xml><?xml version="1.0" encoding="utf-8"?>
+<p:sld xmlns:a="http://schemas.openxmlformats.org/drawingml/2006/main" xmlns:r="http://schemas.openxmlformats.org/officeDocument/2006/relationships" xmlns:p="http://schemas.openxmlformats.org/presentationml/2006/main">
+  <p:cSld>
+    <p:spTree>
+      <p:nvGrpSpPr>
+        <p:cNvPr id="1" name=""/>
+        <p:cNvGrpSpPr/>
+        <p:nvPr/>
+      </p:nvGrpSpPr>
+      <p:grpSpPr>
+        <a:xfrm>
+          <a:off x="0" y="0"/>
+          <a:ext cx="0" cy="0"/>
+          <a:chOff x="0" y="0"/>
+          <a:chExt cx="0" cy="0"/>
+        </a:xfrm>
+      </p:grpSpPr>
+      <p:sp>
+        <p:nvSpPr>
+          <p:cNvPr id="2" name="Title 1"/>
+          <p:cNvSpPr>
+            <a:spLocks noGrp="1"/>
+          </p:cNvSpPr>
+          <p:nvPr>
+            <p:ph type="title"/>
+          </p:nvPr>
+        </p:nvSpPr>
+        <p:spPr/>
+        <p:txBody>
+          <a:bodyPr>
+            <a:normAutofit fontScale="90000"/>
+          </a:bodyPr>
+          <a:lstStyle/>
+          <a:p>
+            <a:r>
+              <a:rPr lang="en-US" dirty="0" smtClean="0"/>
+              <a:t>How do we call </a:t>
+            </a:r>
+            <a:r>
+              <a:rPr lang="en-US" dirty="0" err="1" smtClean="0"/>
+              <a:t>makemigrations</a:t>
+            </a:r>
+            <a:r>
+              <a:rPr lang="en-US" dirty="0" smtClean="0"/>
+              <a:t>?</a:t>
+            </a:r>
+            <a:br>
+              <a:rPr lang="en-US" dirty="0" smtClean="0"/>
+            </a:br>
+            <a:endParaRPr lang="en-US" dirty="0"/>
+          </a:p>
+        </p:txBody>
+      </p:sp>
+      <p:sp>
+        <p:nvSpPr>
+          <p:cNvPr id="3" name="Content Placeholder 2"/>
+          <p:cNvSpPr>
+            <a:spLocks noGrp="1"/>
+          </p:cNvSpPr>
+          <p:nvPr>
+            <p:ph sz="quarter" idx="10"/>
+          </p:nvPr>
+        </p:nvSpPr>
+        <p:spPr/>
+        <p:txBody>
+          <a:bodyPr/>
+          <a:lstStyle/>
+          <a:p>
+            <a:r>
+              <a:rPr lang="en-US" dirty="0" err="1"/>
+              <a:t>makemigrations</a:t>
+            </a:r>
+            <a:r>
+              <a:rPr lang="en-US" dirty="0"/>
+              <a:t> </a:t>
+            </a:r>
+            <a:r>
+              <a:rPr lang="en-US" dirty="0" smtClean="0"/>
+              <a:t>parameters</a:t>
+            </a:r>
+          </a:p>
+          <a:p>
+            <a:pPr lvl="1">
+              <a:buFont typeface="Arial" panose="020B0604020202020204" pitchFamily="34" charset="0"/>
+              <a:buChar char="•"/>
+            </a:pPr>
+            <a:r>
+              <a:rPr lang="en-US" dirty="0" smtClean="0"/>
+              <a:t>--name</a:t>
+            </a:r>
+          </a:p>
+          <a:p>
+            <a:pPr lvl="2"/>
+            <a:r>
+              <a:rPr lang="en-US" dirty="0" smtClean="0"/>
+              <a:t>Name of the migration</a:t>
+            </a:r>
+          </a:p>
+          <a:p>
+            <a:pPr lvl="1">
+              <a:buFont typeface="Arial" panose="020B0604020202020204" pitchFamily="34" charset="0"/>
+              <a:buChar char="•"/>
+            </a:pPr>
+            <a:r>
+              <a:rPr lang="en-US" dirty="0" smtClean="0"/>
+              <a:t>App name</a:t>
+            </a:r>
+          </a:p>
+          <a:p>
+            <a:pPr lvl="2"/>
+            <a:r>
+              <a:rPr lang="en-US" dirty="0" smtClean="0"/>
+              <a:t>app by default</a:t>
+            </a:r>
+          </a:p>
+          <a:p>
+            <a:pPr lvl="1"/>
+            <a:endParaRPr lang="en-CA" dirty="0"/>
+          </a:p>
+          <a:p>
+            <a:pPr marL="457046" lvl="1" indent="0">
+              <a:buNone/>
+            </a:pPr>
+            <a:r>
+              <a:rPr lang="en-US" b="1" dirty="0">
+                <a:latin typeface="Consolas" panose="020B0609020204030204" pitchFamily="49" charset="0"/>
+                <a:cs typeface="Consolas" panose="020B0609020204030204" pitchFamily="49" charset="0"/>
+              </a:rPr>
+              <a:t>python manage.py </a:t>
+            </a:r>
+            <a:r>
+              <a:rPr lang="en-US" b="1" dirty="0" err="1">
+                <a:latin typeface="Consolas" panose="020B0609020204030204" pitchFamily="49" charset="0"/>
+                <a:cs typeface="Consolas" panose="020B0609020204030204" pitchFamily="49" charset="0"/>
+              </a:rPr>
+              <a:t>makemigrations</a:t>
+            </a:r>
+            <a:r>
+              <a:rPr lang="en-US" b="1" dirty="0">
+                <a:latin typeface="Consolas" panose="020B0609020204030204" pitchFamily="49" charset="0"/>
+                <a:cs typeface="Consolas" panose="020B0609020204030204" pitchFamily="49" charset="0"/>
+              </a:rPr>
+              <a:t> --name </a:t>
+            </a:r>
+            <a:r>
+              <a:rPr lang="en-US" b="1" i="1" dirty="0">
+                <a:latin typeface="Consolas" panose="020B0609020204030204" pitchFamily="49" charset="0"/>
+                <a:cs typeface="Consolas" panose="020B0609020204030204" pitchFamily="49" charset="0"/>
+              </a:rPr>
+              <a:t>initial</a:t>
+            </a:r>
+            <a:r>
+              <a:rPr lang="en-US" b="1" dirty="0">
+                <a:latin typeface="Consolas" panose="020B0609020204030204" pitchFamily="49" charset="0"/>
+                <a:cs typeface="Consolas" panose="020B0609020204030204" pitchFamily="49" charset="0"/>
+              </a:rPr>
+              <a:t> app</a:t>
+            </a:r>
+            <a:endParaRPr lang="en-US" dirty="0">
+              <a:latin typeface="Consolas" panose="020B0609020204030204" pitchFamily="49" charset="0"/>
+              <a:cs typeface="Consolas" panose="020B0609020204030204" pitchFamily="49" charset="0"/>
+            </a:endParaRPr>
+          </a:p>
+          <a:p>
+            <a:pPr marL="457046" lvl="1" indent="0">
+              <a:buNone/>
+            </a:pPr>
+            <a:endParaRPr lang="en-US" dirty="0"/>
+          </a:p>
+        </p:txBody>
+      </p:sp>
+    </p:spTree>
+    <p:extLst>
+      <p:ext uri="{BB962C8B-B14F-4D97-AF65-F5344CB8AC3E}">
+        <p14:creationId xmlns:p14="http://schemas.microsoft.com/office/powerpoint/2010/main" val="124338322"/>
+      </p:ext>
+    </p:extLst>
+  </p:cSld>
+  <p:clrMapOvr>
+    <a:masterClrMapping/>
+  </p:clrMapOvr>
+  <p:timing>
+    <p:tnLst>
+      <p:par>
+        <p:cTn id="1" dur="indefinite" restart="never" nodeType="tmRoot"/>
+      </p:par>
+    </p:tnLst>
+  </p:timing>
+</p:sld>
+</file>
+
+<file path=ppt/slides/slide35.xml><?xml version="1.0" encoding="utf-8"?>
+<p:sld xmlns:a="http://schemas.openxmlformats.org/drawingml/2006/main" xmlns:r="http://schemas.openxmlformats.org/officeDocument/2006/relationships" xmlns:p="http://schemas.openxmlformats.org/presentationml/2006/main">
+  <p:cSld>
+    <p:spTree>
+      <p:nvGrpSpPr>
+        <p:cNvPr id="1" name=""/>
+        <p:cNvGrpSpPr/>
+        <p:nvPr/>
+      </p:nvGrpSpPr>
+      <p:grpSpPr>
+        <a:xfrm>
+          <a:off x="0" y="0"/>
+          <a:ext cx="0" cy="0"/>
+          <a:chOff x="0" y="0"/>
+          <a:chExt cx="0" cy="0"/>
+        </a:xfrm>
+      </p:grpSpPr>
+      <p:sp>
+        <p:nvSpPr>
+          <p:cNvPr id="2" name="Title 1"/>
+          <p:cNvSpPr>
+            <a:spLocks noGrp="1"/>
+          </p:cNvSpPr>
+          <p:nvPr>
+            <p:ph type="title"/>
+          </p:nvPr>
+        </p:nvSpPr>
+        <p:spPr/>
+        <p:txBody>
+          <a:bodyPr>
+            <a:normAutofit fontScale="90000"/>
+          </a:bodyPr>
+          <a:lstStyle/>
+          <a:p>
+            <a:r>
+              <a:rPr lang="en-US" dirty="0" smtClean="0"/>
+              <a:t>How do we execute these commands?</a:t>
+            </a:r>
+            <a:endParaRPr lang="en-US" dirty="0"/>
+          </a:p>
+        </p:txBody>
+      </p:sp>
+      <p:sp>
+        <p:nvSpPr>
+          <p:cNvPr id="3" name="Content Placeholder 2"/>
+          <p:cNvSpPr>
+            <a:spLocks noGrp="1"/>
+          </p:cNvSpPr>
+          <p:nvPr>
+            <p:ph sz="quarter" idx="10"/>
+          </p:nvPr>
+        </p:nvSpPr>
+        <p:spPr/>
+        <p:txBody>
+          <a:bodyPr/>
+          <a:lstStyle/>
+          <a:p>
+            <a:r>
+              <a:rPr lang="en-US" dirty="0" smtClean="0"/>
+              <a:t>Django provides a manage.py script file to be used for managing the database</a:t>
+            </a:r>
+          </a:p>
+          <a:p>
+            <a:r>
+              <a:rPr lang="en-US" dirty="0" smtClean="0"/>
+              <a:t>Must be executed from the command line</a:t>
+            </a:r>
+          </a:p>
+          <a:p>
+            <a:pPr lvl="1"/>
+            <a:r>
+              <a:rPr lang="en-US" dirty="0" smtClean="0"/>
+              <a:t>Visual Studio uses an older syntax</a:t>
+            </a:r>
+            <a:endParaRPr lang="en-US" dirty="0"/>
+          </a:p>
+        </p:txBody>
+      </p:sp>
+    </p:spTree>
+    <p:extLst>
+      <p:ext uri="{BB962C8B-B14F-4D97-AF65-F5344CB8AC3E}">
+        <p14:creationId xmlns:p14="http://schemas.microsoft.com/office/powerpoint/2010/main" val="2898413812"/>
+      </p:ext>
+    </p:extLst>
+  </p:cSld>
+  <p:clrMapOvr>
+    <a:masterClrMapping/>
+  </p:clrMapOvr>
+  <p:timing>
+    <p:tnLst>
+      <p:par>
+        <p:cTn id="1" dur="indefinite" restart="never" nodeType="tmRoot"/>
+      </p:par>
+    </p:tnLst>
+  </p:timing>
+</p:sld>
+</file>
+
+<file path=ppt/slides/slide36.xml><?xml version="1.0" encoding="utf-8"?>
+<p:sld xmlns:a="http://schemas.openxmlformats.org/drawingml/2006/main" xmlns:r="http://schemas.openxmlformats.org/officeDocument/2006/relationships" xmlns:p="http://schemas.openxmlformats.org/presentationml/2006/main">
+  <p:cSld>
+    <p:spTree>
+      <p:nvGrpSpPr>
+        <p:cNvPr id="1" name=""/>
+        <p:cNvGrpSpPr/>
+        <p:nvPr/>
+      </p:nvGrpSpPr>
+      <p:grpSpPr>
+        <a:xfrm>
+          <a:off x="0" y="0"/>
+          <a:ext cx="0" cy="0"/>
+          <a:chOff x="0" y="0"/>
+          <a:chExt cx="0" cy="0"/>
+        </a:xfrm>
+      </p:grpSpPr>
+      <p:sp>
+        <p:nvSpPr>
+          <p:cNvPr id="2" name="Title 1"/>
+          <p:cNvSpPr>
+            <a:spLocks noGrp="1"/>
+          </p:cNvSpPr>
+          <p:nvPr>
+            <p:ph type="title"/>
+          </p:nvPr>
+        </p:nvSpPr>
+        <p:spPr/>
+        <p:txBody>
+          <a:bodyPr/>
+          <a:lstStyle/>
+          <a:p>
+            <a:r>
+              <a:rPr lang="en-US" dirty="0" smtClean="0"/>
+              <a:t>Creating and executing a migration</a:t>
+            </a:r>
+            <a:endParaRPr lang="en-US" dirty="0"/>
+          </a:p>
+        </p:txBody>
+      </p:sp>
+    </p:spTree>
+    <p:extLst>
+      <p:ext uri="{BB962C8B-B14F-4D97-AF65-F5344CB8AC3E}">
+        <p14:creationId xmlns:p14="http://schemas.microsoft.com/office/powerpoint/2010/main" val="4283508854"/>
+      </p:ext>
+    </p:extLst>
+  </p:cSld>
+  <p:clrMapOvr>
+    <a:masterClrMapping/>
+  </p:clrMapOvr>
+  <p:timing>
+    <p:tnLst>
+      <p:par>
+        <p:cTn id="1" dur="indefinite" restart="never" nodeType="tmRoot"/>
+      </p:par>
+    </p:tnLst>
+  </p:timing>
+</p:sld>
+</file>
+
 <file path=ppt/slides/slide4.xml><?xml version="1.0" encoding="utf-8"?>
 <p:sld xmlns:a="http://schemas.openxmlformats.org/drawingml/2006/main" xmlns:r="http://schemas.openxmlformats.org/officeDocument/2006/relationships" xmlns:p="http://schemas.openxmlformats.org/presentationml/2006/main">
   <p:cSld>
@@ -18715,7 +23438,6 @@
               <a:rPr lang="en-US" sz="2400" dirty="0" smtClean="0"/>
               <a:t>...</a:t>
             </a:r>
-            <a:endParaRPr lang="en-US" sz="2400" dirty="0" smtClean="0"/>
           </a:p>
           <a:p>
             <a:pPr lvl="1"/>
@@ -18897,15 +23619,6 @@
               </a:rPr>
               <a:t>Blog</a:t>
             </a:r>
-            <a:endParaRPr lang="en-US" sz="2800" dirty="0" smtClean="0">
-              <a:solidFill>
-                <a:srgbClr val="2B91AF"/>
-              </a:solidFill>
-              <a:highlight>
-                <a:srgbClr val="FFFFFF"/>
-              </a:highlight>
-              <a:latin typeface="Consolas" panose="020B0609020204030204" pitchFamily="49" charset="0"/>
-            </a:endParaRPr>
           </a:p>
           <a:p>
             <a:pPr marL="0" indent="0">
@@ -19169,7 +23882,15 @@
           <a:p>
             <a:r>
               <a:rPr lang="ru-RU" dirty="0" smtClean="0"/>
-              <a:t>Нам необходимо работать с данными в базе данных</a:t>
+              <a:t>Нам необходимо работать с </a:t>
+            </a:r>
+            <a:r>
+              <a:rPr lang="ru-RU" dirty="0" smtClean="0"/>
+              <a:t>информацией в </a:t>
+            </a:r>
+            <a:r>
+              <a:rPr lang="ru-RU" dirty="0" smtClean="0"/>
+              <a:t>базе данных</a:t>
             </a:r>
             <a:endParaRPr lang="en-US" dirty="0"/>
           </a:p>
@@ -19214,7 +23935,6 @@
               <a:rPr lang="en-US" dirty="0" smtClean="0"/>
               <a:t>…</a:t>
             </a:r>
-            <a:endParaRPr lang="en-US" dirty="0" smtClean="0"/>
           </a:p>
           <a:p>
             <a:pPr lvl="1"/>
@@ -19232,11 +23952,7 @@
             </a:r>
             <a:r>
               <a:rPr lang="en-US" dirty="0" smtClean="0"/>
-              <a:t> </a:t>
-            </a:r>
-            <a:r>
-              <a:rPr lang="en-US" dirty="0" smtClean="0"/>
-              <a:t>SQL </a:t>
+              <a:t> SQL </a:t>
             </a:r>
             <a:r>
               <a:rPr lang="ru-RU" dirty="0" smtClean="0"/>
@@ -19345,15 +24061,7 @@
             </a:r>
             <a:r>
               <a:rPr lang="en-US" dirty="0" smtClean="0"/>
-              <a:t> </a:t>
-            </a:r>
-            <a:r>
-              <a:rPr lang="en-US" dirty="0" smtClean="0"/>
-              <a:t>object-relational mapping (ORM</a:t>
-            </a:r>
-            <a:r>
-              <a:rPr lang="en-US" dirty="0" smtClean="0"/>
-              <a:t>)</a:t>
+              <a:t> object-relational mapping (ORM)</a:t>
             </a:r>
             <a:endParaRPr lang="ru-RU" dirty="0" smtClean="0"/>
           </a:p>

--- a/week12/Models.pptx
+++ b/week12/Models.pptx
@@ -258,7 +258,7 @@
           <a:p>
             <a:fld id="{BB853691-2568-724D-8AC3-0B4EBB217FA1}" type="datetimeFigureOut">
               <a:rPr lang="en-US" smtClean="0"/>
-              <a:t>11/11/2016</a:t>
+              <a:t>3/16/2022</a:t>
             </a:fld>
             <a:endParaRPr lang="en-US"/>
           </a:p>
@@ -324,38 +324,37 @@
           <a:p>
             <a:pPr lvl="0"/>
             <a:r>
-              <a:rPr lang="en-US" smtClean="0"/>
+              <a:rPr lang="en-US"/>
               <a:t>Click to edit Master text styles</a:t>
             </a:r>
           </a:p>
           <a:p>
             <a:pPr lvl="1"/>
             <a:r>
-              <a:rPr lang="en-US" smtClean="0"/>
+              <a:rPr lang="en-US"/>
               <a:t>Second level</a:t>
             </a:r>
           </a:p>
           <a:p>
             <a:pPr lvl="2"/>
             <a:r>
-              <a:rPr lang="en-US" smtClean="0"/>
+              <a:rPr lang="en-US"/>
               <a:t>Third level</a:t>
             </a:r>
           </a:p>
           <a:p>
             <a:pPr lvl="3"/>
             <a:r>
-              <a:rPr lang="en-US" smtClean="0"/>
+              <a:rPr lang="en-US"/>
               <a:t>Fourth level</a:t>
             </a:r>
           </a:p>
           <a:p>
             <a:pPr lvl="4"/>
             <a:r>
-              <a:rPr lang="en-US" smtClean="0"/>
+              <a:rPr lang="en-US"/>
               <a:t>Fifth level</a:t>
             </a:r>
-            <a:endParaRPr lang="en-US"/>
           </a:p>
         </p:txBody>
       </p:sp>
@@ -664,7 +663,7 @@
           <a:lstStyle/>
           <a:p>
             <a:r>
-              <a:rPr lang="en-US" sz="1200" b="1" smtClean="0">
+              <a:rPr lang="en-US" sz="1200" b="1">
                 <a:solidFill>
                   <a:srgbClr val="000000"/>
                 </a:solidFill>
@@ -672,12 +671,6 @@
               </a:rPr>
               <a:t>20486A</a:t>
             </a:r>
-            <a:endParaRPr lang="en-US" sz="1200" b="1">
-              <a:solidFill>
-                <a:srgbClr val="000000"/>
-              </a:solidFill>
-              <a:latin typeface="Arial"/>
-            </a:endParaRPr>
           </a:p>
         </p:txBody>
       </p:sp>
@@ -721,7 +714,7 @@
           <a:lstStyle/>
           <a:p>
             <a:r>
-              <a:rPr lang="en-US" sz="1200" b="1" smtClean="0">
+              <a:rPr lang="en-US" sz="1200" b="1">
                 <a:solidFill>
                   <a:srgbClr val="336699"/>
                 </a:solidFill>
@@ -729,12 +722,6 @@
               </a:rPr>
               <a:t>01: Exploring ASP.NET MVC 4</a:t>
             </a:r>
-            <a:endParaRPr lang="en-US" sz="1200" b="1">
-              <a:solidFill>
-                <a:srgbClr val="336699"/>
-              </a:solidFill>
-              <a:latin typeface="Arial"/>
-            </a:endParaRPr>
           </a:p>
         </p:txBody>
       </p:sp>
@@ -1132,16 +1119,16 @@
           <a:lstStyle/>
           <a:p>
             <a:r>
-              <a:rPr lang="en-US" dirty="0" smtClean="0"/>
+              <a:rPr lang="en-US" dirty="0"/>
               <a:t>Update models.py</a:t>
             </a:r>
           </a:p>
           <a:p>
-            <a:endParaRPr lang="en-US" dirty="0" smtClean="0"/>
-          </a:p>
-          <a:p>
-            <a:r>
-              <a:rPr lang="en-US" sz="1200" kern="1200" dirty="0" smtClean="0">
+            <a:endParaRPr lang="en-US" dirty="0"/>
+          </a:p>
+          <a:p>
+            <a:r>
+              <a:rPr lang="en-US" sz="1200" kern="1200" dirty="0">
                 <a:solidFill>
                   <a:schemeClr val="tx1"/>
                 </a:solidFill>
@@ -1154,7 +1141,7 @@
           </a:p>
           <a:p>
             <a:r>
-              <a:rPr lang="en-US" sz="1200" kern="1200" dirty="0" smtClean="0">
+              <a:rPr lang="en-US" sz="1200" kern="1200" dirty="0">
                 <a:solidFill>
                   <a:schemeClr val="tx1"/>
                 </a:solidFill>
@@ -1165,7 +1152,7 @@
               <a:t>name = </a:t>
             </a:r>
             <a:r>
-              <a:rPr lang="en-US" sz="1200" kern="1200" dirty="0" err="1" smtClean="0">
+              <a:rPr lang="en-US" sz="1200" kern="1200" dirty="0" err="1">
                 <a:solidFill>
                   <a:schemeClr val="tx1"/>
                 </a:solidFill>
@@ -1176,7 +1163,7 @@
               <a:t>models.CharField</a:t>
             </a:r>
             <a:r>
-              <a:rPr lang="en-US" sz="1200" kern="1200" dirty="0" smtClean="0">
+              <a:rPr lang="en-US" sz="1200" kern="1200" dirty="0">
                 <a:solidFill>
                   <a:schemeClr val="tx1"/>
                 </a:solidFill>
@@ -1187,7 +1174,7 @@
               <a:t>("artist", </a:t>
             </a:r>
             <a:r>
-              <a:rPr lang="en-US" sz="1200" kern="1200" dirty="0" err="1" smtClean="0">
+              <a:rPr lang="en-US" sz="1200" kern="1200" dirty="0" err="1">
                 <a:solidFill>
                   <a:schemeClr val="tx1"/>
                 </a:solidFill>
@@ -1198,7 +1185,7 @@
               <a:t>max_length</a:t>
             </a:r>
             <a:r>
-              <a:rPr lang="en-US" sz="1200" kern="1200" dirty="0" smtClean="0">
+              <a:rPr lang="en-US" sz="1200" kern="1200" dirty="0">
                 <a:solidFill>
                   <a:schemeClr val="tx1"/>
                 </a:solidFill>
@@ -1210,7 +1197,7 @@
             </a:r>
           </a:p>
           <a:p>
-            <a:endParaRPr lang="en-US" sz="1200" kern="1200" dirty="0" smtClean="0">
+            <a:endParaRPr lang="en-US" sz="1200" kern="1200" dirty="0">
               <a:solidFill>
                 <a:schemeClr val="tx1"/>
               </a:solidFill>
@@ -1221,7 +1208,7 @@
           </a:p>
           <a:p>
             <a:r>
-              <a:rPr lang="en-US" sz="1200" kern="1200" dirty="0" smtClean="0">
+              <a:rPr lang="en-US" sz="1200" kern="1200" dirty="0">
                 <a:solidFill>
                   <a:schemeClr val="tx1"/>
                 </a:solidFill>
@@ -1234,7 +1221,7 @@
           </a:p>
           <a:p>
             <a:r>
-              <a:rPr lang="en-US" sz="1200" kern="1200" dirty="0" smtClean="0">
+              <a:rPr lang="en-US" sz="1200" kern="1200" dirty="0">
                 <a:solidFill>
                   <a:schemeClr val="tx1"/>
                 </a:solidFill>
@@ -1245,7 +1232,7 @@
               <a:t>name = </a:t>
             </a:r>
             <a:r>
-              <a:rPr lang="en-US" sz="1200" kern="1200" dirty="0" err="1" smtClean="0">
+              <a:rPr lang="en-US" sz="1200" kern="1200" dirty="0" err="1">
                 <a:solidFill>
                   <a:schemeClr val="tx1"/>
                 </a:solidFill>
@@ -1256,7 +1243,7 @@
               <a:t>models.CharField</a:t>
             </a:r>
             <a:r>
-              <a:rPr lang="en-US" sz="1200" kern="1200" dirty="0" smtClean="0">
+              <a:rPr lang="en-US" sz="1200" kern="1200" dirty="0">
                 <a:solidFill>
                   <a:schemeClr val="tx1"/>
                 </a:solidFill>
@@ -1267,7 +1254,7 @@
               <a:t>("album", </a:t>
             </a:r>
             <a:r>
-              <a:rPr lang="en-US" sz="1200" kern="1200" dirty="0" err="1" smtClean="0">
+              <a:rPr lang="en-US" sz="1200" kern="1200" dirty="0" err="1">
                 <a:solidFill>
                   <a:schemeClr val="tx1"/>
                 </a:solidFill>
@@ -1278,7 +1265,7 @@
               <a:t>max_length</a:t>
             </a:r>
             <a:r>
-              <a:rPr lang="en-US" sz="1200" kern="1200" dirty="0" smtClean="0">
+              <a:rPr lang="en-US" sz="1200" kern="1200" dirty="0">
                 <a:solidFill>
                   <a:schemeClr val="tx1"/>
                 </a:solidFill>
@@ -1288,7 +1275,7 @@
               </a:rPr>
               <a:t>=50);</a:t>
             </a:r>
-            <a:endParaRPr lang="en-US" dirty="0" smtClean="0"/>
+            <a:endParaRPr lang="en-US" dirty="0"/>
           </a:p>
         </p:txBody>
       </p:sp>
@@ -1378,34 +1365,34 @@
           <a:lstStyle/>
           <a:p>
             <a:r>
-              <a:rPr lang="en-US" dirty="0" smtClean="0"/>
+              <a:rPr lang="en-US" dirty="0"/>
               <a:t>Create a new Django project. Name the project </a:t>
             </a:r>
             <a:r>
-              <a:rPr lang="en-US" dirty="0" err="1" smtClean="0"/>
+              <a:rPr lang="en-US" dirty="0" err="1"/>
               <a:t>MusicStore</a:t>
             </a:r>
-            <a:endParaRPr lang="ru-RU" dirty="0" smtClean="0"/>
-          </a:p>
-          <a:p>
-            <a:r>
-              <a:rPr lang="en-US" dirty="0" smtClean="0"/>
+            <a:endParaRPr lang="ru-RU" dirty="0"/>
+          </a:p>
+          <a:p>
+            <a:r>
+              <a:rPr lang="en-US" dirty="0"/>
               <a:t>Open models.py</a:t>
             </a:r>
             <a:r>
-              <a:rPr lang="en-US" baseline="0" dirty="0" smtClean="0"/>
+              <a:rPr lang="en-US" baseline="0" dirty="0"/>
               <a:t> under App</a:t>
             </a:r>
           </a:p>
           <a:p>
             <a:r>
-              <a:rPr lang="en-US" baseline="0" dirty="0" smtClean="0"/>
+              <a:rPr lang="en-US" baseline="0" dirty="0"/>
               <a:t>Add the following code:</a:t>
             </a:r>
           </a:p>
           <a:p>
             <a:r>
-              <a:rPr lang="en-US" sz="1200" kern="1200" dirty="0" smtClean="0">
+              <a:rPr lang="en-US" sz="1200" kern="1200" dirty="0">
                 <a:solidFill>
                   <a:schemeClr val="tx1"/>
                 </a:solidFill>
@@ -1416,7 +1403,7 @@
               <a:t>class Artist(</a:t>
             </a:r>
             <a:r>
-              <a:rPr lang="en-US" sz="1200" kern="1200" dirty="0" err="1" smtClean="0">
+              <a:rPr lang="en-US" sz="1200" kern="1200" dirty="0" err="1">
                 <a:solidFill>
                   <a:schemeClr val="tx1"/>
                 </a:solidFill>
@@ -1427,7 +1414,7 @@
               <a:t>models.Model</a:t>
             </a:r>
             <a:r>
-              <a:rPr lang="en-US" sz="1200" kern="1200" dirty="0" smtClean="0">
+              <a:rPr lang="en-US" sz="1200" kern="1200" dirty="0">
                 <a:solidFill>
                   <a:schemeClr val="tx1"/>
                 </a:solidFill>
@@ -1440,7 +1427,7 @@
           </a:p>
           <a:p>
             <a:r>
-              <a:rPr lang="en-US" sz="1200" kern="1200" dirty="0" smtClean="0">
+              <a:rPr lang="en-US" sz="1200" kern="1200" dirty="0">
                 <a:solidFill>
                   <a:schemeClr val="tx1"/>
                 </a:solidFill>
@@ -1451,7 +1438,7 @@
               <a:t>	name = </a:t>
             </a:r>
             <a:r>
-              <a:rPr lang="en-US" sz="1200" kern="1200" dirty="0" err="1" smtClean="0">
+              <a:rPr lang="en-US" sz="1200" kern="1200" dirty="0" err="1">
                 <a:solidFill>
                   <a:schemeClr val="tx1"/>
                 </a:solidFill>
@@ -1462,7 +1449,7 @@
               <a:t>models.CharField</a:t>
             </a:r>
             <a:r>
-              <a:rPr lang="en-US" sz="1200" kern="1200" dirty="0" smtClean="0">
+              <a:rPr lang="en-US" sz="1200" kern="1200" dirty="0">
                 <a:solidFill>
                   <a:schemeClr val="tx1"/>
                 </a:solidFill>
@@ -1473,7 +1460,7 @@
               <a:t>(</a:t>
             </a:r>
             <a:r>
-              <a:rPr lang="en-US" sz="1200" kern="1200" dirty="0" err="1" smtClean="0">
+              <a:rPr lang="en-US" sz="1200" kern="1200" dirty="0" err="1">
                 <a:solidFill>
                   <a:schemeClr val="tx1"/>
                 </a:solidFill>
@@ -1484,7 +1471,7 @@
               <a:t>max_length</a:t>
             </a:r>
             <a:r>
-              <a:rPr lang="en-US" sz="1200" kern="1200" dirty="0" smtClean="0">
+              <a:rPr lang="en-US" sz="1200" kern="1200" dirty="0">
                 <a:solidFill>
                   <a:schemeClr val="tx1"/>
                 </a:solidFill>
@@ -1497,7 +1484,7 @@
           </a:p>
           <a:p>
             <a:r>
-              <a:rPr lang="en-US" sz="1200" kern="1200" dirty="0" smtClean="0">
+              <a:rPr lang="en-US" sz="1200" kern="1200" dirty="0">
                 <a:solidFill>
                   <a:schemeClr val="tx1"/>
                 </a:solidFill>
@@ -1508,7 +1495,7 @@
               <a:t>	</a:t>
             </a:r>
             <a:r>
-              <a:rPr lang="en-US" sz="1200" kern="1200" dirty="0" err="1" smtClean="0">
+              <a:rPr lang="en-US" sz="1200" kern="1200" dirty="0" err="1">
                 <a:solidFill>
                   <a:schemeClr val="tx1"/>
                 </a:solidFill>
@@ -1519,7 +1506,7 @@
               <a:t>year_formed</a:t>
             </a:r>
             <a:r>
-              <a:rPr lang="en-US" sz="1200" kern="1200" dirty="0" smtClean="0">
+              <a:rPr lang="en-US" sz="1200" kern="1200" dirty="0">
                 <a:solidFill>
                   <a:schemeClr val="tx1"/>
                 </a:solidFill>
@@ -1530,7 +1517,7 @@
               <a:t> = </a:t>
             </a:r>
             <a:r>
-              <a:rPr lang="en-US" sz="1200" kern="1200" dirty="0" err="1" smtClean="0">
+              <a:rPr lang="en-US" sz="1200" kern="1200" dirty="0" err="1">
                 <a:solidFill>
                   <a:schemeClr val="tx1"/>
                 </a:solidFill>
@@ -1541,7 +1528,7 @@
               <a:t>models.PositiveIntegerField</a:t>
             </a:r>
             <a:r>
-              <a:rPr lang="en-US" sz="1200" kern="1200" dirty="0" smtClean="0">
+              <a:rPr lang="en-US" sz="1200" kern="1200" dirty="0">
                 <a:solidFill>
                   <a:schemeClr val="tx1"/>
                 </a:solidFill>
@@ -1983,60 +1970,60 @@
           <a:lstStyle/>
           <a:p>
             <a:r>
-              <a:rPr lang="en-US" dirty="0" smtClean="0"/>
+              <a:rPr lang="en-US" dirty="0"/>
               <a:t>Add the following to models.py:</a:t>
             </a:r>
           </a:p>
           <a:p>
-            <a:endParaRPr lang="en-US" dirty="0" smtClean="0"/>
-          </a:p>
-          <a:p>
-            <a:r>
-              <a:rPr lang="en-US" dirty="0" smtClean="0"/>
+            <a:endParaRPr lang="en-US" dirty="0"/>
+          </a:p>
+          <a:p>
+            <a:r>
+              <a:rPr lang="en-US" dirty="0"/>
               <a:t>class Album(</a:t>
             </a:r>
             <a:r>
-              <a:rPr lang="en-US" dirty="0" err="1" smtClean="0"/>
+              <a:rPr lang="en-US" dirty="0" err="1"/>
               <a:t>models.Model</a:t>
             </a:r>
             <a:r>
-              <a:rPr lang="en-US" dirty="0" smtClean="0"/>
+              <a:rPr lang="en-US" dirty="0"/>
               <a:t>):</a:t>
             </a:r>
           </a:p>
           <a:p>
             <a:r>
-              <a:rPr lang="en-US" dirty="0" smtClean="0"/>
+              <a:rPr lang="en-US" dirty="0"/>
               <a:t>	name = </a:t>
             </a:r>
             <a:r>
-              <a:rPr lang="en-US" dirty="0" err="1" smtClean="0"/>
+              <a:rPr lang="en-US" dirty="0" err="1"/>
               <a:t>models.CharField</a:t>
             </a:r>
             <a:r>
-              <a:rPr lang="en-US" dirty="0" smtClean="0"/>
+              <a:rPr lang="en-US" dirty="0"/>
               <a:t>(</a:t>
             </a:r>
             <a:r>
-              <a:rPr lang="en-US" dirty="0" err="1" smtClean="0"/>
+              <a:rPr lang="en-US" dirty="0" err="1"/>
               <a:t>max_length</a:t>
             </a:r>
             <a:r>
-              <a:rPr lang="en-US" dirty="0" smtClean="0"/>
+              <a:rPr lang="en-US" dirty="0"/>
               <a:t>=50);</a:t>
             </a:r>
           </a:p>
           <a:p>
             <a:r>
-              <a:rPr lang="en-US" dirty="0" smtClean="0"/>
+              <a:rPr lang="en-US" dirty="0"/>
               <a:t>	artist = </a:t>
             </a:r>
             <a:r>
-              <a:rPr lang="en-US" dirty="0" err="1" smtClean="0"/>
+              <a:rPr lang="en-US" dirty="0" err="1"/>
               <a:t>models.ForeignKey</a:t>
             </a:r>
             <a:r>
-              <a:rPr lang="en-US" dirty="0" smtClean="0"/>
+              <a:rPr lang="en-US" dirty="0"/>
               <a:t>(Artist);</a:t>
             </a:r>
           </a:p>
@@ -2129,7 +2116,7 @@
           <a:p>
             <a:pPr lvl="0"/>
             <a:r>
-              <a:rPr lang="en-US" sz="1200" kern="1200" dirty="0" smtClean="0">
+              <a:rPr lang="en-US" sz="1200" kern="1200" dirty="0">
                 <a:solidFill>
                   <a:schemeClr val="tx1"/>
                 </a:solidFill>
@@ -2141,7 +2128,7 @@
               <a:t>After you have made a change to a model (like we did in Module 2 when we created the album and artist class you start but running </a:t>
             </a:r>
             <a:r>
-              <a:rPr lang="en-US" sz="1200" kern="1200" dirty="0" err="1" smtClean="0">
+              <a:rPr lang="en-US" sz="1200" kern="1200" dirty="0" err="1">
                 <a:solidFill>
                   <a:schemeClr val="tx1"/>
                 </a:solidFill>
@@ -2153,7 +2140,7 @@
               <a:t>makemigrations</a:t>
             </a:r>
             <a:r>
-              <a:rPr lang="en-US" sz="1200" kern="1200" dirty="0" smtClean="0">
+              <a:rPr lang="en-US" sz="1200" kern="1200" dirty="0">
                 <a:solidFill>
                   <a:schemeClr val="tx1"/>
                 </a:solidFill>
@@ -2168,7 +2155,7 @@
           <a:p>
             <a:pPr lvl="1"/>
             <a:r>
-              <a:rPr lang="en-US" sz="1200" kern="1200" dirty="0" smtClean="0">
+              <a:rPr lang="en-US" sz="1200" kern="1200" dirty="0">
                 <a:solidFill>
                   <a:schemeClr val="tx1"/>
                 </a:solidFill>
@@ -2180,7 +2167,7 @@
               <a:t>Right click on the project, choose </a:t>
             </a:r>
             <a:r>
-              <a:rPr lang="en-US" sz="1200" b="1" kern="1200" dirty="0" smtClean="0">
+              <a:rPr lang="en-US" sz="1200" b="1" kern="1200" dirty="0">
                 <a:solidFill>
                   <a:schemeClr val="tx1"/>
                 </a:solidFill>
@@ -2191,7 +2178,7 @@
               </a:rPr>
               <a:t>Open Command Prompt Here</a:t>
             </a:r>
-            <a:endParaRPr lang="en-US" sz="1200" kern="1200" dirty="0" smtClean="0">
+            <a:endParaRPr lang="en-US" sz="1200" kern="1200" dirty="0">
               <a:solidFill>
                 <a:schemeClr val="tx1"/>
               </a:solidFill>
@@ -2204,7 +2191,7 @@
           <a:p>
             <a:pPr lvl="1"/>
             <a:r>
-              <a:rPr lang="en-US" sz="1200" kern="1200" dirty="0" smtClean="0">
+              <a:rPr lang="en-US" sz="1200" kern="1200" dirty="0">
                 <a:solidFill>
                   <a:schemeClr val="tx1"/>
                 </a:solidFill>
@@ -2216,7 +2203,7 @@
               <a:t>Type </a:t>
             </a:r>
             <a:r>
-              <a:rPr lang="en-US" sz="1200" b="1" kern="1200" dirty="0" smtClean="0">
+              <a:rPr lang="en-US" sz="1200" b="1" kern="1200" dirty="0">
                 <a:solidFill>
                   <a:schemeClr val="tx1"/>
                 </a:solidFill>
@@ -2228,7 +2215,7 @@
               <a:t>python manage.py </a:t>
             </a:r>
             <a:r>
-              <a:rPr lang="en-US" sz="1200" b="1" kern="1200" dirty="0" err="1" smtClean="0">
+              <a:rPr lang="en-US" sz="1200" b="1" kern="1200" dirty="0" err="1">
                 <a:solidFill>
                   <a:schemeClr val="tx1"/>
                 </a:solidFill>
@@ -2240,7 +2227,7 @@
               <a:t>makemigrations</a:t>
             </a:r>
             <a:r>
-              <a:rPr lang="en-US" sz="1200" b="1" kern="1200" dirty="0" smtClean="0">
+              <a:rPr lang="en-US" sz="1200" b="1" kern="1200" dirty="0">
                 <a:solidFill>
                   <a:schemeClr val="tx1"/>
                 </a:solidFill>
@@ -2252,7 +2239,7 @@
               <a:t> --name </a:t>
             </a:r>
             <a:r>
-              <a:rPr lang="en-US" sz="1200" b="1" i="1" kern="1200" dirty="0" smtClean="0">
+              <a:rPr lang="en-US" sz="1200" b="1" i="1" kern="1200" dirty="0">
                 <a:solidFill>
                   <a:schemeClr val="tx1"/>
                 </a:solidFill>
@@ -2264,7 +2251,7 @@
               <a:t>initial</a:t>
             </a:r>
             <a:r>
-              <a:rPr lang="en-US" sz="1200" b="1" kern="1200" dirty="0" smtClean="0">
+              <a:rPr lang="en-US" sz="1200" b="1" kern="1200" dirty="0">
                 <a:solidFill>
                   <a:schemeClr val="tx1"/>
                 </a:solidFill>
@@ -2275,7 +2262,7 @@
               </a:rPr>
               <a:t> app</a:t>
             </a:r>
-            <a:endParaRPr lang="en-US" sz="1200" kern="1200" dirty="0" smtClean="0">
+            <a:endParaRPr lang="en-US" sz="1200" kern="1200" dirty="0">
               <a:solidFill>
                 <a:schemeClr val="tx1"/>
               </a:solidFill>
@@ -2288,7 +2275,7 @@
           <a:p>
             <a:pPr lvl="2"/>
             <a:r>
-              <a:rPr lang="en-US" sz="1200" kern="1200" dirty="0" smtClean="0">
+              <a:rPr lang="en-US" sz="1200" kern="1200" dirty="0">
                 <a:solidFill>
                   <a:schemeClr val="tx1"/>
                 </a:solidFill>
@@ -2303,7 +2290,7 @@
           <a:p>
             <a:pPr lvl="2"/>
             <a:r>
-              <a:rPr lang="en-US" sz="1200" kern="1200" dirty="0" smtClean="0">
+              <a:rPr lang="en-US" sz="1200" kern="1200" dirty="0">
                 <a:solidFill>
                   <a:schemeClr val="tx1"/>
                 </a:solidFill>
@@ -2318,7 +2305,7 @@
           <a:p>
             <a:pPr lvl="0"/>
             <a:r>
-              <a:rPr lang="en-US" sz="1200" kern="1200" dirty="0" smtClean="0">
+              <a:rPr lang="en-US" sz="1200" kern="1200" dirty="0">
                 <a:solidFill>
                   <a:schemeClr val="tx1"/>
                 </a:solidFill>
@@ -2333,7 +2320,7 @@
           <a:p>
             <a:pPr lvl="1"/>
             <a:r>
-              <a:rPr lang="en-US" sz="1200" kern="1200" dirty="0" smtClean="0">
+              <a:rPr lang="en-US" sz="1200" kern="1200" dirty="0">
                 <a:solidFill>
                   <a:schemeClr val="tx1"/>
                 </a:solidFill>
@@ -2345,7 +2332,7 @@
               <a:t>Type </a:t>
             </a:r>
             <a:r>
-              <a:rPr lang="en-US" sz="1200" b="1" kern="1200" dirty="0" smtClean="0">
+              <a:rPr lang="en-US" sz="1200" b="1" kern="1200" dirty="0">
                 <a:solidFill>
                   <a:schemeClr val="tx1"/>
                 </a:solidFill>
@@ -2357,7 +2344,7 @@
               <a:t>python manage.py </a:t>
             </a:r>
             <a:r>
-              <a:rPr lang="en-US" sz="1200" b="1" kern="1200" dirty="0" err="1" smtClean="0">
+              <a:rPr lang="en-US" sz="1200" b="1" kern="1200" dirty="0" err="1">
                 <a:solidFill>
                   <a:schemeClr val="tx1"/>
                 </a:solidFill>
@@ -2369,7 +2356,7 @@
               <a:t>showmigrations</a:t>
             </a:r>
             <a:r>
-              <a:rPr lang="en-US" sz="1200" b="1" kern="1200" dirty="0" smtClean="0">
+              <a:rPr lang="en-US" sz="1200" b="1" kern="1200" dirty="0">
                 <a:solidFill>
                   <a:schemeClr val="tx1"/>
                 </a:solidFill>
@@ -2380,7 +2367,7 @@
               </a:rPr>
               <a:t> app</a:t>
             </a:r>
-            <a:endParaRPr lang="en-US" sz="1200" kern="1200" dirty="0" smtClean="0">
+            <a:endParaRPr lang="en-US" sz="1200" kern="1200" dirty="0">
               <a:solidFill>
                 <a:schemeClr val="tx1"/>
               </a:solidFill>
@@ -2393,7 +2380,7 @@
           <a:p>
             <a:pPr lvl="2"/>
             <a:r>
-              <a:rPr lang="en-US" sz="1200" kern="1200" dirty="0" smtClean="0">
+              <a:rPr lang="en-US" sz="1200" kern="1200" dirty="0">
                 <a:solidFill>
                   <a:schemeClr val="tx1"/>
                 </a:solidFill>
@@ -2408,7 +2395,7 @@
           <a:p>
             <a:pPr lvl="2"/>
             <a:r>
-              <a:rPr lang="en-US" sz="1200" kern="1200" dirty="0" smtClean="0">
+              <a:rPr lang="en-US" sz="1200" kern="1200" dirty="0">
                 <a:solidFill>
                   <a:schemeClr val="tx1"/>
                 </a:solidFill>
@@ -2423,7 +2410,7 @@
           <a:p>
             <a:pPr lvl="0"/>
             <a:r>
-              <a:rPr lang="en-US" sz="1200" kern="1200" dirty="0" smtClean="0">
+              <a:rPr lang="en-US" sz="1200" kern="1200" dirty="0">
                 <a:solidFill>
                   <a:schemeClr val="tx1"/>
                 </a:solidFill>
@@ -2438,7 +2425,7 @@
           <a:p>
             <a:pPr lvl="1"/>
             <a:r>
-              <a:rPr lang="en-US" sz="1200" kern="1200" dirty="0" smtClean="0">
+              <a:rPr lang="en-US" sz="1200" kern="1200" dirty="0">
                 <a:solidFill>
                   <a:schemeClr val="tx1"/>
                 </a:solidFill>
@@ -2450,7 +2437,7 @@
               <a:t>Type </a:t>
             </a:r>
             <a:r>
-              <a:rPr lang="en-US" sz="1200" b="1" kern="1200" dirty="0" smtClean="0">
+              <a:rPr lang="en-US" sz="1200" b="1" kern="1200" dirty="0">
                 <a:solidFill>
                   <a:schemeClr val="tx1"/>
                 </a:solidFill>
@@ -2462,7 +2449,7 @@
               <a:t>python manage.py </a:t>
             </a:r>
             <a:r>
-              <a:rPr lang="en-US" sz="1200" b="1" kern="1200" dirty="0" err="1" smtClean="0">
+              <a:rPr lang="en-US" sz="1200" b="1" kern="1200" dirty="0" err="1">
                 <a:solidFill>
                   <a:schemeClr val="tx1"/>
                 </a:solidFill>
@@ -2474,7 +2461,7 @@
               <a:t>sqlmigrate</a:t>
             </a:r>
             <a:r>
-              <a:rPr lang="en-US" sz="1200" b="1" kern="1200" dirty="0" smtClean="0">
+              <a:rPr lang="en-US" sz="1200" b="1" kern="1200" dirty="0">
                 <a:solidFill>
                   <a:schemeClr val="tx1"/>
                 </a:solidFill>
@@ -2485,7 +2472,7 @@
               </a:rPr>
               <a:t> app 0001_initial</a:t>
             </a:r>
-            <a:endParaRPr lang="en-US" sz="1200" kern="1200" dirty="0" smtClean="0">
+            <a:endParaRPr lang="en-US" sz="1200" kern="1200" dirty="0">
               <a:solidFill>
                 <a:schemeClr val="tx1"/>
               </a:solidFill>
@@ -2498,7 +2485,7 @@
           <a:p>
             <a:pPr lvl="2"/>
             <a:r>
-              <a:rPr lang="en-US" sz="1200" b="1" kern="1200" dirty="0" smtClean="0">
+              <a:rPr lang="en-US" sz="1200" b="1" kern="1200" dirty="0">
                 <a:solidFill>
                   <a:schemeClr val="tx1"/>
                 </a:solidFill>
@@ -2510,7 +2497,7 @@
               <a:t>App</a:t>
             </a:r>
             <a:r>
-              <a:rPr lang="en-US" sz="1200" kern="1200" dirty="0" smtClean="0">
+              <a:rPr lang="en-US" sz="1200" kern="1200" dirty="0">
                 <a:solidFill>
                   <a:schemeClr val="tx1"/>
                 </a:solidFill>
@@ -2525,7 +2512,7 @@
           <a:p>
             <a:pPr lvl="2"/>
             <a:r>
-              <a:rPr lang="en-US" sz="1200" b="1" kern="1200" dirty="0" smtClean="0">
+              <a:rPr lang="en-US" sz="1200" b="1" kern="1200" dirty="0">
                 <a:solidFill>
                   <a:schemeClr val="tx1"/>
                 </a:solidFill>
@@ -2537,7 +2524,7 @@
               <a:t>0001_initial</a:t>
             </a:r>
             <a:r>
-              <a:rPr lang="en-US" sz="1200" kern="1200" dirty="0" smtClean="0">
+              <a:rPr lang="en-US" sz="1200" kern="1200" dirty="0">
                 <a:solidFill>
                   <a:schemeClr val="tx1"/>
                 </a:solidFill>
@@ -2552,7 +2539,7 @@
           <a:p>
             <a:pPr lvl="2"/>
             <a:r>
-              <a:rPr lang="en-US" sz="1200" kern="1200" dirty="0" smtClean="0">
+              <a:rPr lang="en-US" sz="1200" kern="1200" dirty="0">
                 <a:solidFill>
                   <a:schemeClr val="tx1"/>
                 </a:solidFill>
@@ -2567,7 +2554,7 @@
           <a:p>
             <a:pPr lvl="0"/>
             <a:r>
-              <a:rPr lang="en-US" sz="1200" kern="1200" dirty="0" smtClean="0">
+              <a:rPr lang="en-US" sz="1200" kern="1200" dirty="0">
                 <a:solidFill>
                   <a:schemeClr val="tx1"/>
                 </a:solidFill>
@@ -2582,7 +2569,7 @@
           <a:p>
             <a:pPr lvl="1"/>
             <a:r>
-              <a:rPr lang="en-US" sz="1200" kern="1200" dirty="0" smtClean="0">
+              <a:rPr lang="en-US" sz="1200" kern="1200" dirty="0">
                 <a:solidFill>
                   <a:schemeClr val="tx1"/>
                 </a:solidFill>
@@ -2594,7 +2581,7 @@
               <a:t>Type </a:t>
             </a:r>
             <a:r>
-              <a:rPr lang="en-US" sz="1200" b="1" kern="1200" dirty="0" smtClean="0">
+              <a:rPr lang="en-US" sz="1200" b="1" kern="1200" dirty="0">
                 <a:solidFill>
                   <a:schemeClr val="tx1"/>
                 </a:solidFill>
@@ -2605,7 +2592,7 @@
               </a:rPr>
               <a:t>python manage.py migrate</a:t>
             </a:r>
-            <a:endParaRPr lang="en-US" sz="1200" kern="1200" dirty="0" smtClean="0">
+            <a:endParaRPr lang="en-US" sz="1200" kern="1200" dirty="0">
               <a:solidFill>
                 <a:schemeClr val="tx1"/>
               </a:solidFill>
@@ -2618,7 +2605,7 @@
           <a:p>
             <a:pPr lvl="2"/>
             <a:r>
-              <a:rPr lang="en-US" sz="1200" kern="1200" dirty="0" smtClean="0">
+              <a:rPr lang="en-US" sz="1200" kern="1200" dirty="0">
                 <a:solidFill>
                   <a:schemeClr val="tx1"/>
                 </a:solidFill>
@@ -2633,7 +2620,7 @@
           <a:p>
             <a:pPr lvl="1"/>
             <a:r>
-              <a:rPr lang="en-US" sz="1200" kern="1200" dirty="0" smtClean="0">
+              <a:rPr lang="en-US" sz="1200" kern="1200" dirty="0">
                 <a:solidFill>
                   <a:schemeClr val="tx1"/>
                 </a:solidFill>
@@ -2645,7 +2632,7 @@
               <a:t>Type </a:t>
             </a:r>
             <a:r>
-              <a:rPr lang="en-US" sz="1200" b="1" kern="1200" dirty="0" smtClean="0">
+              <a:rPr lang="en-US" sz="1200" b="1" kern="1200" dirty="0">
                 <a:solidFill>
                   <a:schemeClr val="tx1"/>
                 </a:solidFill>
@@ -2656,7 +2643,7 @@
               </a:rPr>
               <a:t>python manage.py migrate app 0001_initial</a:t>
             </a:r>
-            <a:endParaRPr lang="en-US" sz="1200" kern="1200" dirty="0" smtClean="0">
+            <a:endParaRPr lang="en-US" sz="1200" kern="1200" dirty="0">
               <a:solidFill>
                 <a:schemeClr val="tx1"/>
               </a:solidFill>
@@ -2669,7 +2656,7 @@
           <a:p>
             <a:pPr lvl="2"/>
             <a:r>
-              <a:rPr lang="en-US" sz="1200" kern="1200" dirty="0" smtClean="0">
+              <a:rPr lang="en-US" sz="1200" kern="1200" dirty="0">
                 <a:solidFill>
                   <a:schemeClr val="tx1"/>
                 </a:solidFill>
@@ -2682,7 +2669,7 @@
             </a:r>
           </a:p>
           <a:p>
-            <a:endParaRPr lang="en-US" baseline="0" dirty="0" smtClean="0"/>
+            <a:endParaRPr lang="en-US" baseline="0" dirty="0"/>
           </a:p>
           <a:p>
             <a:endParaRPr lang="en-US" dirty="0"/>
@@ -2769,7 +2756,7 @@
           <a:bodyPr/>
           <a:lstStyle/>
           <a:p>
-            <a:endParaRPr lang="en-US" dirty="0" smtClean="0"/>
+            <a:endParaRPr lang="en-US" dirty="0"/>
           </a:p>
         </p:txBody>
       </p:sp>
@@ -2847,10 +2834,9 @@
           <a:lstStyle/>
           <a:p>
             <a:r>
-              <a:rPr lang="en-US" smtClean="0"/>
+              <a:rPr lang="en-US"/>
               <a:t>Click to edit Master title style</a:t>
             </a:r>
-            <a:endParaRPr lang="en-US"/>
           </a:p>
         </p:txBody>
       </p:sp>
@@ -2966,10 +2952,9 @@
           </a:lstStyle>
           <a:p>
             <a:r>
-              <a:rPr lang="en-US" smtClean="0"/>
+              <a:rPr lang="en-US"/>
               <a:t>Click to edit Master subtitle style</a:t>
             </a:r>
-            <a:endParaRPr lang="en-US"/>
           </a:p>
         </p:txBody>
       </p:sp>
@@ -2990,7 +2975,7 @@
           <a:p>
             <a:fld id="{1FACF698-560B-A546-A4FA-6B15CCA392CB}" type="datetimeFigureOut">
               <a:rPr lang="en-US" smtClean="0"/>
-              <a:t>11/11/2016</a:t>
+              <a:t>3/16/2022</a:t>
             </a:fld>
             <a:endParaRPr lang="en-US"/>
           </a:p>
@@ -3079,10 +3064,9 @@
           <a:lstStyle/>
           <a:p>
             <a:r>
-              <a:rPr lang="en-US" smtClean="0"/>
+              <a:rPr lang="en-US"/>
               <a:t>Click to edit Master title style</a:t>
             </a:r>
-            <a:endParaRPr lang="en-US"/>
           </a:p>
         </p:txBody>
       </p:sp>
@@ -3103,38 +3087,37 @@
           <a:p>
             <a:pPr lvl="0"/>
             <a:r>
-              <a:rPr lang="en-US" smtClean="0"/>
+              <a:rPr lang="en-US"/>
               <a:t>Click to edit Master text styles</a:t>
             </a:r>
           </a:p>
           <a:p>
             <a:pPr lvl="1"/>
             <a:r>
-              <a:rPr lang="en-US" smtClean="0"/>
+              <a:rPr lang="en-US"/>
               <a:t>Second level</a:t>
             </a:r>
           </a:p>
           <a:p>
             <a:pPr lvl="2"/>
             <a:r>
-              <a:rPr lang="en-US" smtClean="0"/>
+              <a:rPr lang="en-US"/>
               <a:t>Third level</a:t>
             </a:r>
           </a:p>
           <a:p>
             <a:pPr lvl="3"/>
             <a:r>
-              <a:rPr lang="en-US" smtClean="0"/>
+              <a:rPr lang="en-US"/>
               <a:t>Fourth level</a:t>
             </a:r>
           </a:p>
           <a:p>
             <a:pPr lvl="4"/>
             <a:r>
-              <a:rPr lang="en-US" smtClean="0"/>
+              <a:rPr lang="en-US"/>
               <a:t>Fifth level</a:t>
             </a:r>
-            <a:endParaRPr lang="en-US"/>
           </a:p>
         </p:txBody>
       </p:sp>
@@ -3155,7 +3138,7 @@
           <a:p>
             <a:fld id="{1FACF698-560B-A546-A4FA-6B15CCA392CB}" type="datetimeFigureOut">
               <a:rPr lang="en-US" smtClean="0"/>
-              <a:t>11/11/2016</a:t>
+              <a:t>3/16/2022</a:t>
             </a:fld>
             <a:endParaRPr lang="en-US"/>
           </a:p>
@@ -3249,10 +3232,9 @@
           <a:lstStyle/>
           <a:p>
             <a:r>
-              <a:rPr lang="en-US" smtClean="0"/>
+              <a:rPr lang="en-US"/>
               <a:t>Click to edit Master title style</a:t>
             </a:r>
-            <a:endParaRPr lang="en-US"/>
           </a:p>
         </p:txBody>
       </p:sp>
@@ -3278,38 +3260,37 @@
           <a:p>
             <a:pPr lvl="0"/>
             <a:r>
-              <a:rPr lang="en-US" smtClean="0"/>
+              <a:rPr lang="en-US"/>
               <a:t>Click to edit Master text styles</a:t>
             </a:r>
           </a:p>
           <a:p>
             <a:pPr lvl="1"/>
             <a:r>
-              <a:rPr lang="en-US" smtClean="0"/>
+              <a:rPr lang="en-US"/>
               <a:t>Second level</a:t>
             </a:r>
           </a:p>
           <a:p>
             <a:pPr lvl="2"/>
             <a:r>
-              <a:rPr lang="en-US" smtClean="0"/>
+              <a:rPr lang="en-US"/>
               <a:t>Third level</a:t>
             </a:r>
           </a:p>
           <a:p>
             <a:pPr lvl="3"/>
             <a:r>
-              <a:rPr lang="en-US" smtClean="0"/>
+              <a:rPr lang="en-US"/>
               <a:t>Fourth level</a:t>
             </a:r>
           </a:p>
           <a:p>
             <a:pPr lvl="4"/>
             <a:r>
-              <a:rPr lang="en-US" smtClean="0"/>
+              <a:rPr lang="en-US"/>
               <a:t>Fifth level</a:t>
             </a:r>
-            <a:endParaRPr lang="en-US"/>
           </a:p>
         </p:txBody>
       </p:sp>
@@ -3330,7 +3311,7 @@
           <a:p>
             <a:fld id="{1FACF698-560B-A546-A4FA-6B15CCA392CB}" type="datetimeFigureOut">
               <a:rPr lang="en-US" smtClean="0"/>
-              <a:t>11/11/2016</a:t>
+              <a:t>3/16/2022</a:t>
             </a:fld>
             <a:endParaRPr lang="en-US"/>
           </a:p>
@@ -3529,10 +3510,9 @@
           </a:lstStyle>
           <a:p>
             <a:r>
-              <a:rPr lang="en-US" dirty="0" smtClean="0"/>
+              <a:rPr lang="en-US" dirty="0"/>
               <a:t>Click to edit Master subtitle style</a:t>
             </a:r>
-            <a:endParaRPr lang="en-US" dirty="0"/>
           </a:p>
         </p:txBody>
       </p:sp>
@@ -3587,10 +3567,9 @@
           <a:p>
             <a:pPr lvl="0"/>
             <a:r>
-              <a:rPr lang="en-US" dirty="0" smtClean="0"/>
+              <a:rPr lang="en-US" dirty="0"/>
               <a:t>Course title style</a:t>
             </a:r>
-            <a:endParaRPr lang="en-US" dirty="0"/>
           </a:p>
         </p:txBody>
       </p:sp>
@@ -3720,7 +3699,7 @@
           <a:p>
             <a:pPr defTabSz="914400"/>
             <a:r>
-              <a:rPr lang="en-US" sz="1600" dirty="0" smtClean="0">
+              <a:rPr lang="en-US" sz="1600" dirty="0">
                 <a:solidFill>
                   <a:prstClr val="black">
                     <a:lumMod val="75000"/>
@@ -3746,13 +3725,6 @@
   <p:clrMapOvr>
     <a:masterClrMapping/>
   </p:clrMapOvr>
-  <p:timing>
-    <p:tnLst>
-      <p:par>
-        <p:cTn id="1" dur="indefinite" restart="never" nodeType="tmRoot"/>
-      </p:par>
-    </p:tnLst>
-  </p:timing>
   <p:extLst mod="1">
     <p:ext uri="{DCECCB84-F9BA-43D5-87BE-67443E8EF086}">
       <p15:sldGuideLst xmlns:p15="http://schemas.microsoft.com/office/powerpoint/2012/main">
@@ -3988,10 +3960,8 @@
           </a:lstStyle>
           <a:p>
             <a:r>
-              <a:rPr smtClean="0"/>
               <a:t>Click to edit Master subtitle style</a:t>
             </a:r>
-            <a:endParaRPr/>
           </a:p>
         </p:txBody>
       </p:sp>
@@ -4191,7 +4161,7 @@
           <a:p>
             <a:pPr lvl="0"/>
             <a:r>
-              <a:rPr lang="en-US" dirty="0" smtClean="0"/>
+              <a:rPr lang="en-US" dirty="0"/>
               <a:t>Module or Section transition style</a:t>
             </a:r>
           </a:p>
@@ -4323,10 +4293,9 @@
           </a:lstStyle>
           <a:p>
             <a:r>
-              <a:rPr lang="en-US" dirty="0" smtClean="0"/>
+              <a:rPr lang="en-US" dirty="0"/>
               <a:t>Click to edit Master subtitle style</a:t>
             </a:r>
-            <a:endParaRPr lang="en-US" dirty="0"/>
           </a:p>
         </p:txBody>
       </p:sp>
@@ -4354,7 +4323,7 @@
           <a:p>
             <a:pPr defTabSz="914400"/>
             <a:r>
-              <a:rPr lang="en-US" sz="1600" dirty="0" smtClean="0">
+              <a:rPr lang="en-US" sz="1600" dirty="0">
                 <a:solidFill>
                   <a:prstClr val="black">
                     <a:lumMod val="75000"/>
@@ -4380,13 +4349,6 @@
   <p:clrMapOvr>
     <a:masterClrMapping/>
   </p:clrMapOvr>
-  <p:timing>
-    <p:tnLst>
-      <p:par>
-        <p:cTn id="1" dur="indefinite" restart="never" nodeType="tmRoot"/>
-      </p:par>
-    </p:tnLst>
-  </p:timing>
   <p:extLst mod="1">
     <p:ext uri="{DCECCB84-F9BA-43D5-87BE-67443E8EF086}">
       <p15:sldGuideLst xmlns:p15="http://schemas.microsoft.com/office/powerpoint/2012/main">
@@ -4453,10 +4415,9 @@
           </a:lstStyle>
           <a:p>
             <a:r>
-              <a:rPr lang="en-US" dirty="0" smtClean="0"/>
+              <a:rPr lang="en-US" dirty="0"/>
               <a:t>Click to edit Master title style</a:t>
             </a:r>
-            <a:endParaRPr lang="en-US" dirty="0"/>
           </a:p>
         </p:txBody>
       </p:sp>
@@ -4563,7 +4524,7 @@
           <a:p>
             <a:pPr defTabSz="914400"/>
             <a:r>
-              <a:rPr lang="en-US" sz="1600" dirty="0" smtClean="0">
+              <a:rPr lang="en-US" sz="1600" dirty="0">
                 <a:solidFill>
                   <a:prstClr val="black">
                     <a:lumMod val="75000"/>
@@ -4589,13 +4550,6 @@
   <p:clrMapOvr>
     <a:masterClrMapping/>
   </p:clrMapOvr>
-  <p:timing>
-    <p:tnLst>
-      <p:par>
-        <p:cTn id="1" dur="indefinite" restart="never" nodeType="tmRoot"/>
-      </p:par>
-    </p:tnLst>
-  </p:timing>
 </p:sldLayout>
 </file>
 
@@ -4632,10 +4586,9 @@
           <a:lstStyle/>
           <a:p>
             <a:r>
-              <a:rPr lang="en-US" dirty="0" smtClean="0"/>
+              <a:rPr lang="en-US" dirty="0"/>
               <a:t>Click to edit Master title style</a:t>
             </a:r>
-            <a:endParaRPr lang="en-US" dirty="0"/>
           </a:p>
         </p:txBody>
       </p:sp>
@@ -4703,38 +4656,37 @@
           <a:p>
             <a:pPr lvl="0"/>
             <a:r>
-              <a:rPr lang="en-US" dirty="0" smtClean="0"/>
+              <a:rPr lang="en-US" dirty="0"/>
               <a:t>Click to edit Master text styles</a:t>
             </a:r>
           </a:p>
           <a:p>
             <a:pPr lvl="1"/>
             <a:r>
-              <a:rPr lang="en-US" dirty="0" smtClean="0"/>
+              <a:rPr lang="en-US" dirty="0"/>
               <a:t>Second level</a:t>
             </a:r>
           </a:p>
           <a:p>
             <a:pPr lvl="2"/>
             <a:r>
-              <a:rPr lang="en-US" dirty="0" smtClean="0"/>
+              <a:rPr lang="en-US" dirty="0"/>
               <a:t>Third level</a:t>
             </a:r>
           </a:p>
           <a:p>
             <a:pPr lvl="3"/>
             <a:r>
-              <a:rPr lang="en-US" dirty="0" smtClean="0"/>
+              <a:rPr lang="en-US" dirty="0"/>
               <a:t>Fourth level</a:t>
             </a:r>
           </a:p>
           <a:p>
             <a:pPr lvl="4"/>
             <a:r>
-              <a:rPr lang="en-US" dirty="0" smtClean="0"/>
+              <a:rPr lang="en-US" dirty="0"/>
               <a:t>Fifth level</a:t>
             </a:r>
-            <a:endParaRPr lang="en-US" dirty="0"/>
           </a:p>
         </p:txBody>
       </p:sp>
@@ -4748,13 +4700,6 @@
   <p:clrMapOvr>
     <a:masterClrMapping/>
   </p:clrMapOvr>
-  <p:timing>
-    <p:tnLst>
-      <p:par>
-        <p:cTn id="1" dur="indefinite" restart="never" nodeType="tmRoot"/>
-      </p:par>
-    </p:tnLst>
-  </p:timing>
 </p:sldLayout>
 </file>
 
@@ -4830,38 +4775,37 @@
           <a:p>
             <a:pPr lvl="0"/>
             <a:r>
-              <a:rPr lang="en-US" dirty="0" smtClean="0"/>
+              <a:rPr lang="en-US" dirty="0"/>
               <a:t>Click to edit Master text styles</a:t>
             </a:r>
           </a:p>
           <a:p>
             <a:pPr lvl="1"/>
             <a:r>
-              <a:rPr lang="en-US" dirty="0" smtClean="0"/>
+              <a:rPr lang="en-US" dirty="0"/>
               <a:t>Second level</a:t>
             </a:r>
           </a:p>
           <a:p>
             <a:pPr lvl="2"/>
             <a:r>
-              <a:rPr lang="en-US" dirty="0" smtClean="0"/>
+              <a:rPr lang="en-US" dirty="0"/>
               <a:t>Third level</a:t>
             </a:r>
           </a:p>
           <a:p>
             <a:pPr lvl="3"/>
             <a:r>
-              <a:rPr lang="en-US" dirty="0" smtClean="0"/>
+              <a:rPr lang="en-US" dirty="0"/>
               <a:t>Fourth level</a:t>
             </a:r>
           </a:p>
           <a:p>
             <a:pPr lvl="4"/>
             <a:r>
-              <a:rPr lang="en-US" dirty="0" smtClean="0"/>
+              <a:rPr lang="en-US" dirty="0"/>
               <a:t>Fifth level</a:t>
             </a:r>
-            <a:endParaRPr lang="en-US" dirty="0"/>
           </a:p>
         </p:txBody>
       </p:sp>
@@ -4920,38 +4864,37 @@
           <a:p>
             <a:pPr lvl="0"/>
             <a:r>
-              <a:rPr lang="en-US" dirty="0" smtClean="0"/>
+              <a:rPr lang="en-US" dirty="0"/>
               <a:t>Click to edit Master text styles</a:t>
             </a:r>
           </a:p>
           <a:p>
             <a:pPr lvl="1"/>
             <a:r>
-              <a:rPr lang="en-US" dirty="0" smtClean="0"/>
+              <a:rPr lang="en-US" dirty="0"/>
               <a:t>Second level</a:t>
             </a:r>
           </a:p>
           <a:p>
             <a:pPr lvl="2"/>
             <a:r>
-              <a:rPr lang="en-US" dirty="0" smtClean="0"/>
+              <a:rPr lang="en-US" dirty="0"/>
               <a:t>Third level</a:t>
             </a:r>
           </a:p>
           <a:p>
             <a:pPr lvl="3"/>
             <a:r>
-              <a:rPr lang="en-US" dirty="0" smtClean="0"/>
+              <a:rPr lang="en-US" dirty="0"/>
               <a:t>Fourth level</a:t>
             </a:r>
           </a:p>
           <a:p>
             <a:pPr lvl="4"/>
             <a:r>
-              <a:rPr lang="en-US" dirty="0" smtClean="0"/>
+              <a:rPr lang="en-US" dirty="0"/>
               <a:t>Fifth level</a:t>
             </a:r>
-            <a:endParaRPr lang="en-US" dirty="0"/>
           </a:p>
         </p:txBody>
       </p:sp>
@@ -4971,10 +4914,9 @@
           <a:lstStyle/>
           <a:p>
             <a:r>
-              <a:rPr lang="en-US" smtClean="0"/>
+              <a:rPr lang="en-US"/>
               <a:t>Click to edit Master title style</a:t>
             </a:r>
-            <a:endParaRPr lang="en-US"/>
           </a:p>
         </p:txBody>
       </p:sp>
@@ -4988,13 +4930,6 @@
   <p:clrMapOvr>
     <a:masterClrMapping/>
   </p:clrMapOvr>
-  <p:timing>
-    <p:tnLst>
-      <p:par>
-        <p:cTn id="1" dur="indefinite" restart="never" nodeType="tmRoot"/>
-      </p:par>
-    </p:tnLst>
-  </p:timing>
 </p:sldLayout>
 </file>
 
@@ -5087,7 +5022,7 @@
           <a:p>
             <a:pPr lvl="0"/>
             <a:r>
-              <a:rPr lang="en-US" dirty="0" smtClean="0"/>
+              <a:rPr lang="en-US" dirty="0"/>
               <a:t>Click to edit Master text styles</a:t>
             </a:r>
           </a:p>
@@ -5146,38 +5081,37 @@
           <a:p>
             <a:pPr lvl="0"/>
             <a:r>
-              <a:rPr lang="en-US" dirty="0" smtClean="0"/>
+              <a:rPr lang="en-US" dirty="0"/>
               <a:t>Click to edit Master text styles</a:t>
             </a:r>
           </a:p>
           <a:p>
             <a:pPr lvl="1"/>
             <a:r>
-              <a:rPr lang="en-US" dirty="0" smtClean="0"/>
+              <a:rPr lang="en-US" dirty="0"/>
               <a:t>Second level</a:t>
             </a:r>
           </a:p>
           <a:p>
             <a:pPr lvl="2"/>
             <a:r>
-              <a:rPr lang="en-US" dirty="0" smtClean="0"/>
+              <a:rPr lang="en-US" dirty="0"/>
               <a:t>Third level</a:t>
             </a:r>
           </a:p>
           <a:p>
             <a:pPr lvl="3"/>
             <a:r>
-              <a:rPr lang="en-US" dirty="0" smtClean="0"/>
+              <a:rPr lang="en-US" dirty="0"/>
               <a:t>Fourth level</a:t>
             </a:r>
           </a:p>
           <a:p>
             <a:pPr lvl="4"/>
             <a:r>
-              <a:rPr lang="en-US" dirty="0" smtClean="0"/>
+              <a:rPr lang="en-US" dirty="0"/>
               <a:t>Fifth level</a:t>
             </a:r>
-            <a:endParaRPr lang="en-US" dirty="0"/>
           </a:p>
         </p:txBody>
       </p:sp>
@@ -5253,7 +5187,7 @@
           <a:p>
             <a:pPr lvl="0"/>
             <a:r>
-              <a:rPr lang="en-US" dirty="0" smtClean="0"/>
+              <a:rPr lang="en-US" dirty="0"/>
               <a:t>Click to edit Master text styles</a:t>
             </a:r>
           </a:p>
@@ -5312,38 +5246,37 @@
           <a:p>
             <a:pPr lvl="0"/>
             <a:r>
-              <a:rPr lang="en-US" dirty="0" smtClean="0"/>
+              <a:rPr lang="en-US" dirty="0"/>
               <a:t>Click to edit Master text styles</a:t>
             </a:r>
           </a:p>
           <a:p>
             <a:pPr lvl="1"/>
             <a:r>
-              <a:rPr lang="en-US" dirty="0" smtClean="0"/>
+              <a:rPr lang="en-US" dirty="0"/>
               <a:t>Second level</a:t>
             </a:r>
           </a:p>
           <a:p>
             <a:pPr lvl="2"/>
             <a:r>
-              <a:rPr lang="en-US" dirty="0" smtClean="0"/>
+              <a:rPr lang="en-US" dirty="0"/>
               <a:t>Third level</a:t>
             </a:r>
           </a:p>
           <a:p>
             <a:pPr lvl="3"/>
             <a:r>
-              <a:rPr lang="en-US" dirty="0" smtClean="0"/>
+              <a:rPr lang="en-US" dirty="0"/>
               <a:t>Fourth level</a:t>
             </a:r>
           </a:p>
           <a:p>
             <a:pPr lvl="4"/>
             <a:r>
-              <a:rPr lang="en-US" dirty="0" smtClean="0"/>
+              <a:rPr lang="en-US" dirty="0"/>
               <a:t>Fifth level</a:t>
             </a:r>
-            <a:endParaRPr lang="en-US" dirty="0"/>
           </a:p>
         </p:txBody>
       </p:sp>
@@ -5363,10 +5296,9 @@
           <a:lstStyle/>
           <a:p>
             <a:r>
-              <a:rPr lang="en-US" smtClean="0"/>
+              <a:rPr lang="en-US"/>
               <a:t>Click to edit Master title style</a:t>
             </a:r>
-            <a:endParaRPr lang="en-US"/>
           </a:p>
         </p:txBody>
       </p:sp>
@@ -5380,13 +5312,6 @@
   <p:clrMapOvr>
     <a:masterClrMapping/>
   </p:clrMapOvr>
-  <p:timing>
-    <p:tnLst>
-      <p:par>
-        <p:cTn id="1" dur="indefinite" restart="never" nodeType="tmRoot"/>
-      </p:par>
-    </p:tnLst>
-  </p:timing>
 </p:sldLayout>
 </file>
 
@@ -5423,10 +5348,9 @@
           <a:lstStyle/>
           <a:p>
             <a:r>
-              <a:rPr lang="en-US" smtClean="0"/>
+              <a:rPr lang="en-US"/>
               <a:t>Click to edit Master title style</a:t>
             </a:r>
-            <a:endParaRPr lang="en-US"/>
           </a:p>
         </p:txBody>
       </p:sp>
@@ -5440,13 +5364,6 @@
   <p:clrMapOvr>
     <a:masterClrMapping/>
   </p:clrMapOvr>
-  <p:timing>
-    <p:tnLst>
-      <p:par>
-        <p:cTn id="1" dur="indefinite" restart="never" nodeType="tmRoot"/>
-      </p:par>
-    </p:tnLst>
-  </p:timing>
 </p:sldLayout>
 </file>
 
@@ -5477,13 +5394,6 @@
   <p:clrMapOvr>
     <a:masterClrMapping/>
   </p:clrMapOvr>
-  <p:timing>
-    <p:tnLst>
-      <p:par>
-        <p:cTn id="1" dur="indefinite" restart="never" nodeType="tmRoot"/>
-      </p:par>
-    </p:tnLst>
-  </p:timing>
 </p:sldLayout>
 </file>
 
@@ -5520,10 +5430,9 @@
           <a:lstStyle/>
           <a:p>
             <a:r>
-              <a:rPr lang="en-US" smtClean="0"/>
+              <a:rPr lang="en-US"/>
               <a:t>Click to edit Master title style</a:t>
             </a:r>
-            <a:endParaRPr lang="en-US"/>
           </a:p>
         </p:txBody>
       </p:sp>
@@ -5544,38 +5453,37 @@
           <a:p>
             <a:pPr lvl="0"/>
             <a:r>
-              <a:rPr lang="en-US" smtClean="0"/>
+              <a:rPr lang="en-US"/>
               <a:t>Click to edit Master text styles</a:t>
             </a:r>
           </a:p>
           <a:p>
             <a:pPr lvl="1"/>
             <a:r>
-              <a:rPr lang="en-US" smtClean="0"/>
+              <a:rPr lang="en-US"/>
               <a:t>Second level</a:t>
             </a:r>
           </a:p>
           <a:p>
             <a:pPr lvl="2"/>
             <a:r>
-              <a:rPr lang="en-US" smtClean="0"/>
+              <a:rPr lang="en-US"/>
               <a:t>Third level</a:t>
             </a:r>
           </a:p>
           <a:p>
             <a:pPr lvl="3"/>
             <a:r>
-              <a:rPr lang="en-US" smtClean="0"/>
+              <a:rPr lang="en-US"/>
               <a:t>Fourth level</a:t>
             </a:r>
           </a:p>
           <a:p>
             <a:pPr lvl="4"/>
             <a:r>
-              <a:rPr lang="en-US" smtClean="0"/>
+              <a:rPr lang="en-US"/>
               <a:t>Fifth level</a:t>
             </a:r>
-            <a:endParaRPr lang="en-US"/>
           </a:p>
         </p:txBody>
       </p:sp>
@@ -5596,7 +5504,7 @@
           <a:p>
             <a:fld id="{1FACF698-560B-A546-A4FA-6B15CCA392CB}" type="datetimeFigureOut">
               <a:rPr lang="en-US" smtClean="0"/>
-              <a:t>11/11/2016</a:t>
+              <a:t>3/16/2022</a:t>
             </a:fld>
             <a:endParaRPr lang="en-US"/>
           </a:p>
@@ -5781,27 +5689,7 @@
                   </a:prstClr>
                 </a:solidFill>
               </a:rPr>
-              <a:t>©</a:t>
-            </a:r>
-            <a:r>
-              <a:rPr lang="en-US" sz="1050" dirty="0" smtClean="0">
-                <a:solidFill>
-                  <a:prstClr val="white">
-                    <a:lumMod val="85000"/>
-                  </a:prstClr>
-                </a:solidFill>
-              </a:rPr>
-              <a:t>2014 </a:t>
-            </a:r>
-            <a:r>
-              <a:rPr lang="en-US" sz="1050" dirty="0">
-                <a:solidFill>
-                  <a:prstClr val="white">
-                    <a:lumMod val="85000"/>
-                  </a:prstClr>
-                </a:solidFill>
-              </a:rPr>
-              <a:t>Microsoft Corporation. All rights reserved. Microsoft, Windows, Office, Azure, System Center, Dynamics and other product names are or may be registered trademarks and/or trademarks in the U.S. and/or other countries. The information herein is for informational purposes only and represents the current view of Microsoft Corporation as of the date of this presentation. Because Microsoft must respond to changing market conditions, it should not be interpreted to be a commitment on the part of Microsoft, and Microsoft cannot guarantee the accuracy of any information provided after the date of this presentation. MICROSOFT MAKES NO WARRANTIES, EXPRESS, IMPLIED OR STATUTORY, AS TO THE INFORMATION IN THIS PRESENTATION.</a:t>
+              <a:t>©2014 Microsoft Corporation. All rights reserved. Microsoft, Windows, Office, Azure, System Center, Dynamics and other product names are or may be registered trademarks and/or trademarks in the U.S. and/or other countries. The information herein is for informational purposes only and represents the current view of Microsoft Corporation as of the date of this presentation. Because Microsoft must respond to changing market conditions, it should not be interpreted to be a commitment on the part of Microsoft, and Microsoft cannot guarantee the accuracy of any information provided after the date of this presentation. MICROSOFT MAKES NO WARRANTIES, EXPRESS, IMPLIED OR STATUTORY, AS TO THE INFORMATION IN THIS PRESENTATION.</a:t>
             </a:r>
           </a:p>
         </p:txBody>
@@ -5845,21 +5733,6 @@
   <p:clrMapOvr>
     <a:masterClrMapping/>
   </p:clrMapOvr>
-  <mc:AlternateContent xmlns:mc="http://schemas.openxmlformats.org/markup-compatibility/2006" xmlns:p14="http://schemas.microsoft.com/office/powerpoint/2010/main">
-    <mc:Choice Requires="p14">
-      <p:transition spd="slow" p14:dur="2000"/>
-    </mc:Choice>
-    <mc:Fallback xmlns="">
-      <p:transition spd="slow"/>
-    </mc:Fallback>
-  </mc:AlternateContent>
-  <p:timing>
-    <p:tnLst>
-      <p:par>
-        <p:cTn id="1" dur="indefinite" restart="never" nodeType="tmRoot"/>
-      </p:par>
-    </p:tnLst>
-  </p:timing>
 </p:sldLayout>
 </file>
 
@@ -6006,10 +5879,9 @@
           </a:lstStyle>
           <a:p>
             <a:r>
-              <a:rPr lang="en-US" dirty="0" smtClean="0"/>
+              <a:rPr lang="en-US" dirty="0"/>
               <a:t>Click to edit Master subtitle style</a:t>
             </a:r>
-            <a:endParaRPr lang="en-US" dirty="0"/>
           </a:p>
         </p:txBody>
       </p:sp>
@@ -6064,10 +5936,9 @@
           <a:p>
             <a:pPr lvl="0"/>
             <a:r>
-              <a:rPr lang="en-US" dirty="0" smtClean="0"/>
+              <a:rPr lang="en-US" dirty="0"/>
               <a:t>Course title style</a:t>
             </a:r>
-            <a:endParaRPr lang="en-US" dirty="0"/>
           </a:p>
         </p:txBody>
       </p:sp>
@@ -6197,7 +6068,7 @@
           <a:p>
             <a:pPr defTabSz="914400"/>
             <a:r>
-              <a:rPr lang="en-US" sz="1600" dirty="0" smtClean="0">
+              <a:rPr lang="en-US" sz="1600" dirty="0">
                 <a:solidFill>
                   <a:prstClr val="black">
                     <a:lumMod val="75000"/>
@@ -6223,13 +6094,6 @@
   <p:clrMapOvr>
     <a:masterClrMapping/>
   </p:clrMapOvr>
-  <p:timing>
-    <p:tnLst>
-      <p:par>
-        <p:cTn id="1" dur="indefinite" restart="never" nodeType="tmRoot"/>
-      </p:par>
-    </p:tnLst>
-  </p:timing>
   <p:extLst mod="1">
     <p:ext uri="{DCECCB84-F9BA-43D5-87BE-67443E8EF086}">
       <p15:sldGuideLst xmlns:p15="http://schemas.microsoft.com/office/powerpoint/2012/main">
@@ -6465,10 +6329,8 @@
           </a:lstStyle>
           <a:p>
             <a:r>
-              <a:rPr smtClean="0"/>
               <a:t>Click to edit Master subtitle style</a:t>
             </a:r>
-            <a:endParaRPr/>
           </a:p>
         </p:txBody>
       </p:sp>
@@ -6668,7 +6530,7 @@
           <a:p>
             <a:pPr lvl="0"/>
             <a:r>
-              <a:rPr lang="en-US" dirty="0" smtClean="0"/>
+              <a:rPr lang="en-US" dirty="0"/>
               <a:t>Module or Section transition style</a:t>
             </a:r>
           </a:p>
@@ -6800,10 +6662,9 @@
           </a:lstStyle>
           <a:p>
             <a:r>
-              <a:rPr lang="en-US" dirty="0" smtClean="0"/>
+              <a:rPr lang="en-US" dirty="0"/>
               <a:t>Click to edit Master subtitle style</a:t>
             </a:r>
-            <a:endParaRPr lang="en-US" dirty="0"/>
           </a:p>
         </p:txBody>
       </p:sp>
@@ -6831,7 +6692,7 @@
           <a:p>
             <a:pPr defTabSz="914400"/>
             <a:r>
-              <a:rPr lang="en-US" sz="1600" dirty="0" smtClean="0">
+              <a:rPr lang="en-US" sz="1600" dirty="0">
                 <a:solidFill>
                   <a:prstClr val="black">
                     <a:lumMod val="75000"/>
@@ -6857,13 +6718,6 @@
   <p:clrMapOvr>
     <a:masterClrMapping/>
   </p:clrMapOvr>
-  <p:timing>
-    <p:tnLst>
-      <p:par>
-        <p:cTn id="1" dur="indefinite" restart="never" nodeType="tmRoot"/>
-      </p:par>
-    </p:tnLst>
-  </p:timing>
   <p:extLst mod="1">
     <p:ext uri="{DCECCB84-F9BA-43D5-87BE-67443E8EF086}">
       <p15:sldGuideLst xmlns:p15="http://schemas.microsoft.com/office/powerpoint/2012/main">
@@ -6930,10 +6784,9 @@
           </a:lstStyle>
           <a:p>
             <a:r>
-              <a:rPr lang="en-US" dirty="0" smtClean="0"/>
+              <a:rPr lang="en-US" dirty="0"/>
               <a:t>Click to edit Master title style</a:t>
             </a:r>
-            <a:endParaRPr lang="en-US" dirty="0"/>
           </a:p>
         </p:txBody>
       </p:sp>
@@ -7040,7 +6893,7 @@
           <a:p>
             <a:pPr defTabSz="914400"/>
             <a:r>
-              <a:rPr lang="en-US" sz="1600" dirty="0" smtClean="0">
+              <a:rPr lang="en-US" sz="1600" dirty="0">
                 <a:solidFill>
                   <a:prstClr val="black">
                     <a:lumMod val="75000"/>
@@ -7066,13 +6919,6 @@
   <p:clrMapOvr>
     <a:masterClrMapping/>
   </p:clrMapOvr>
-  <p:timing>
-    <p:tnLst>
-      <p:par>
-        <p:cTn id="1" dur="indefinite" restart="never" nodeType="tmRoot"/>
-      </p:par>
-    </p:tnLst>
-  </p:timing>
 </p:sldLayout>
 </file>
 
@@ -7109,10 +6955,9 @@
           <a:lstStyle/>
           <a:p>
             <a:r>
-              <a:rPr lang="en-US" dirty="0" smtClean="0"/>
+              <a:rPr lang="en-US" dirty="0"/>
               <a:t>Click to edit Master title style</a:t>
             </a:r>
-            <a:endParaRPr lang="en-US" dirty="0"/>
           </a:p>
         </p:txBody>
       </p:sp>
@@ -7180,38 +7025,37 @@
           <a:p>
             <a:pPr lvl="0"/>
             <a:r>
-              <a:rPr lang="en-US" dirty="0" smtClean="0"/>
+              <a:rPr lang="en-US" dirty="0"/>
               <a:t>Click to edit Master text styles</a:t>
             </a:r>
           </a:p>
           <a:p>
             <a:pPr lvl="1"/>
             <a:r>
-              <a:rPr lang="en-US" dirty="0" smtClean="0"/>
+              <a:rPr lang="en-US" dirty="0"/>
               <a:t>Second level</a:t>
             </a:r>
           </a:p>
           <a:p>
             <a:pPr lvl="2"/>
             <a:r>
-              <a:rPr lang="en-US" dirty="0" smtClean="0"/>
+              <a:rPr lang="en-US" dirty="0"/>
               <a:t>Third level</a:t>
             </a:r>
           </a:p>
           <a:p>
             <a:pPr lvl="3"/>
             <a:r>
-              <a:rPr lang="en-US" dirty="0" smtClean="0"/>
+              <a:rPr lang="en-US" dirty="0"/>
               <a:t>Fourth level</a:t>
             </a:r>
           </a:p>
           <a:p>
             <a:pPr lvl="4"/>
             <a:r>
-              <a:rPr lang="en-US" dirty="0" smtClean="0"/>
+              <a:rPr lang="en-US" dirty="0"/>
               <a:t>Fifth level</a:t>
             </a:r>
-            <a:endParaRPr lang="en-US" dirty="0"/>
           </a:p>
         </p:txBody>
       </p:sp>
@@ -7225,13 +7069,6 @@
   <p:clrMapOvr>
     <a:masterClrMapping/>
   </p:clrMapOvr>
-  <p:timing>
-    <p:tnLst>
-      <p:par>
-        <p:cTn id="1" dur="indefinite" restart="never" nodeType="tmRoot"/>
-      </p:par>
-    </p:tnLst>
-  </p:timing>
 </p:sldLayout>
 </file>
 
@@ -7307,38 +7144,37 @@
           <a:p>
             <a:pPr lvl="0"/>
             <a:r>
-              <a:rPr lang="en-US" dirty="0" smtClean="0"/>
+              <a:rPr lang="en-US" dirty="0"/>
               <a:t>Click to edit Master text styles</a:t>
             </a:r>
           </a:p>
           <a:p>
             <a:pPr lvl="1"/>
             <a:r>
-              <a:rPr lang="en-US" dirty="0" smtClean="0"/>
+              <a:rPr lang="en-US" dirty="0"/>
               <a:t>Second level</a:t>
             </a:r>
           </a:p>
           <a:p>
             <a:pPr lvl="2"/>
             <a:r>
-              <a:rPr lang="en-US" dirty="0" smtClean="0"/>
+              <a:rPr lang="en-US" dirty="0"/>
               <a:t>Third level</a:t>
             </a:r>
           </a:p>
           <a:p>
             <a:pPr lvl="3"/>
             <a:r>
-              <a:rPr lang="en-US" dirty="0" smtClean="0"/>
+              <a:rPr lang="en-US" dirty="0"/>
               <a:t>Fourth level</a:t>
             </a:r>
           </a:p>
           <a:p>
             <a:pPr lvl="4"/>
             <a:r>
-              <a:rPr lang="en-US" dirty="0" smtClean="0"/>
+              <a:rPr lang="en-US" dirty="0"/>
               <a:t>Fifth level</a:t>
             </a:r>
-            <a:endParaRPr lang="en-US" dirty="0"/>
           </a:p>
         </p:txBody>
       </p:sp>
@@ -7397,38 +7233,37 @@
           <a:p>
             <a:pPr lvl="0"/>
             <a:r>
-              <a:rPr lang="en-US" dirty="0" smtClean="0"/>
+              <a:rPr lang="en-US" dirty="0"/>
               <a:t>Click to edit Master text styles</a:t>
             </a:r>
           </a:p>
           <a:p>
             <a:pPr lvl="1"/>
             <a:r>
-              <a:rPr lang="en-US" dirty="0" smtClean="0"/>
+              <a:rPr lang="en-US" dirty="0"/>
               <a:t>Second level</a:t>
             </a:r>
           </a:p>
           <a:p>
             <a:pPr lvl="2"/>
             <a:r>
-              <a:rPr lang="en-US" dirty="0" smtClean="0"/>
+              <a:rPr lang="en-US" dirty="0"/>
               <a:t>Third level</a:t>
             </a:r>
           </a:p>
           <a:p>
             <a:pPr lvl="3"/>
             <a:r>
-              <a:rPr lang="en-US" dirty="0" smtClean="0"/>
+              <a:rPr lang="en-US" dirty="0"/>
               <a:t>Fourth level</a:t>
             </a:r>
           </a:p>
           <a:p>
             <a:pPr lvl="4"/>
             <a:r>
-              <a:rPr lang="en-US" dirty="0" smtClean="0"/>
+              <a:rPr lang="en-US" dirty="0"/>
               <a:t>Fifth level</a:t>
             </a:r>
-            <a:endParaRPr lang="en-US" dirty="0"/>
           </a:p>
         </p:txBody>
       </p:sp>
@@ -7448,10 +7283,9 @@
           <a:lstStyle/>
           <a:p>
             <a:r>
-              <a:rPr lang="en-US" smtClean="0"/>
+              <a:rPr lang="en-US"/>
               <a:t>Click to edit Master title style</a:t>
             </a:r>
-            <a:endParaRPr lang="en-US"/>
           </a:p>
         </p:txBody>
       </p:sp>
@@ -7465,13 +7299,6 @@
   <p:clrMapOvr>
     <a:masterClrMapping/>
   </p:clrMapOvr>
-  <p:timing>
-    <p:tnLst>
-      <p:par>
-        <p:cTn id="1" dur="indefinite" restart="never" nodeType="tmRoot"/>
-      </p:par>
-    </p:tnLst>
-  </p:timing>
 </p:sldLayout>
 </file>
 
@@ -7564,7 +7391,7 @@
           <a:p>
             <a:pPr lvl="0"/>
             <a:r>
-              <a:rPr lang="en-US" dirty="0" smtClean="0"/>
+              <a:rPr lang="en-US" dirty="0"/>
               <a:t>Click to edit Master text styles</a:t>
             </a:r>
           </a:p>
@@ -7623,38 +7450,37 @@
           <a:p>
             <a:pPr lvl="0"/>
             <a:r>
-              <a:rPr lang="en-US" dirty="0" smtClean="0"/>
+              <a:rPr lang="en-US" dirty="0"/>
               <a:t>Click to edit Master text styles</a:t>
             </a:r>
           </a:p>
           <a:p>
             <a:pPr lvl="1"/>
             <a:r>
-              <a:rPr lang="en-US" dirty="0" smtClean="0"/>
+              <a:rPr lang="en-US" dirty="0"/>
               <a:t>Second level</a:t>
             </a:r>
           </a:p>
           <a:p>
             <a:pPr lvl="2"/>
             <a:r>
-              <a:rPr lang="en-US" dirty="0" smtClean="0"/>
+              <a:rPr lang="en-US" dirty="0"/>
               <a:t>Third level</a:t>
             </a:r>
           </a:p>
           <a:p>
             <a:pPr lvl="3"/>
             <a:r>
-              <a:rPr lang="en-US" dirty="0" smtClean="0"/>
+              <a:rPr lang="en-US" dirty="0"/>
               <a:t>Fourth level</a:t>
             </a:r>
           </a:p>
           <a:p>
             <a:pPr lvl="4"/>
             <a:r>
-              <a:rPr lang="en-US" dirty="0" smtClean="0"/>
+              <a:rPr lang="en-US" dirty="0"/>
               <a:t>Fifth level</a:t>
             </a:r>
-            <a:endParaRPr lang="en-US" dirty="0"/>
           </a:p>
         </p:txBody>
       </p:sp>
@@ -7730,7 +7556,7 @@
           <a:p>
             <a:pPr lvl="0"/>
             <a:r>
-              <a:rPr lang="en-US" dirty="0" smtClean="0"/>
+              <a:rPr lang="en-US" dirty="0"/>
               <a:t>Click to edit Master text styles</a:t>
             </a:r>
           </a:p>
@@ -7789,38 +7615,37 @@
           <a:p>
             <a:pPr lvl="0"/>
             <a:r>
-              <a:rPr lang="en-US" dirty="0" smtClean="0"/>
+              <a:rPr lang="en-US" dirty="0"/>
               <a:t>Click to edit Master text styles</a:t>
             </a:r>
           </a:p>
           <a:p>
             <a:pPr lvl="1"/>
             <a:r>
-              <a:rPr lang="en-US" dirty="0" smtClean="0"/>
+              <a:rPr lang="en-US" dirty="0"/>
               <a:t>Second level</a:t>
             </a:r>
           </a:p>
           <a:p>
             <a:pPr lvl="2"/>
             <a:r>
-              <a:rPr lang="en-US" dirty="0" smtClean="0"/>
+              <a:rPr lang="en-US" dirty="0"/>
               <a:t>Third level</a:t>
             </a:r>
           </a:p>
           <a:p>
             <a:pPr lvl="3"/>
             <a:r>
-              <a:rPr lang="en-US" dirty="0" smtClean="0"/>
+              <a:rPr lang="en-US" dirty="0"/>
               <a:t>Fourth level</a:t>
             </a:r>
           </a:p>
           <a:p>
             <a:pPr lvl="4"/>
             <a:r>
-              <a:rPr lang="en-US" dirty="0" smtClean="0"/>
+              <a:rPr lang="en-US" dirty="0"/>
               <a:t>Fifth level</a:t>
             </a:r>
-            <a:endParaRPr lang="en-US" dirty="0"/>
           </a:p>
         </p:txBody>
       </p:sp>
@@ -7840,10 +7665,9 @@
           <a:lstStyle/>
           <a:p>
             <a:r>
-              <a:rPr lang="en-US" smtClean="0"/>
+              <a:rPr lang="en-US"/>
               <a:t>Click to edit Master title style</a:t>
             </a:r>
-            <a:endParaRPr lang="en-US"/>
           </a:p>
         </p:txBody>
       </p:sp>
@@ -7857,13 +7681,6 @@
   <p:clrMapOvr>
     <a:masterClrMapping/>
   </p:clrMapOvr>
-  <p:timing>
-    <p:tnLst>
-      <p:par>
-        <p:cTn id="1" dur="indefinite" restart="never" nodeType="tmRoot"/>
-      </p:par>
-    </p:tnLst>
-  </p:timing>
 </p:sldLayout>
 </file>
 
@@ -7900,10 +7717,9 @@
           <a:lstStyle/>
           <a:p>
             <a:r>
-              <a:rPr lang="en-US" smtClean="0"/>
+              <a:rPr lang="en-US"/>
               <a:t>Click to edit Master title style</a:t>
             </a:r>
-            <a:endParaRPr lang="en-US"/>
           </a:p>
         </p:txBody>
       </p:sp>
@@ -7917,13 +7733,6 @@
   <p:clrMapOvr>
     <a:masterClrMapping/>
   </p:clrMapOvr>
-  <p:timing>
-    <p:tnLst>
-      <p:par>
-        <p:cTn id="1" dur="indefinite" restart="never" nodeType="tmRoot"/>
-      </p:par>
-    </p:tnLst>
-  </p:timing>
 </p:sldLayout>
 </file>
 
@@ -7954,13 +7763,6 @@
   <p:clrMapOvr>
     <a:masterClrMapping/>
   </p:clrMapOvr>
-  <p:timing>
-    <p:tnLst>
-      <p:par>
-        <p:cTn id="1" dur="indefinite" restart="never" nodeType="tmRoot"/>
-      </p:par>
-    </p:tnLst>
-  </p:timing>
 </p:sldLayout>
 </file>
 
@@ -8093,27 +7895,7 @@
                   </a:prstClr>
                 </a:solidFill>
               </a:rPr>
-              <a:t>©</a:t>
-            </a:r>
-            <a:r>
-              <a:rPr lang="en-US" sz="1050" dirty="0" smtClean="0">
-                <a:solidFill>
-                  <a:prstClr val="white">
-                    <a:lumMod val="85000"/>
-                  </a:prstClr>
-                </a:solidFill>
-              </a:rPr>
-              <a:t>2014 </a:t>
-            </a:r>
-            <a:r>
-              <a:rPr lang="en-US" sz="1050" dirty="0">
-                <a:solidFill>
-                  <a:prstClr val="white">
-                    <a:lumMod val="85000"/>
-                  </a:prstClr>
-                </a:solidFill>
-              </a:rPr>
-              <a:t>Microsoft Corporation. All rights reserved. Microsoft, Windows, Office, Azure, System Center, Dynamics and other product names are or may be registered trademarks and/or trademarks in the U.S. and/or other countries. The information herein is for informational purposes only and represents the current view of Microsoft Corporation as of the date of this presentation. Because Microsoft must respond to changing market conditions, it should not be interpreted to be a commitment on the part of Microsoft, and Microsoft cannot guarantee the accuracy of any information provided after the date of this presentation. MICROSOFT MAKES NO WARRANTIES, EXPRESS, IMPLIED OR STATUTORY, AS TO THE INFORMATION IN THIS PRESENTATION.</a:t>
+              <a:t>©2014 Microsoft Corporation. All rights reserved. Microsoft, Windows, Office, Azure, System Center, Dynamics and other product names are or may be registered trademarks and/or trademarks in the U.S. and/or other countries. The information herein is for informational purposes only and represents the current view of Microsoft Corporation as of the date of this presentation. Because Microsoft must respond to changing market conditions, it should not be interpreted to be a commitment on the part of Microsoft, and Microsoft cannot guarantee the accuracy of any information provided after the date of this presentation. MICROSOFT MAKES NO WARRANTIES, EXPRESS, IMPLIED OR STATUTORY, AS TO THE INFORMATION IN THIS PRESENTATION.</a:t>
             </a:r>
           </a:p>
         </p:txBody>
@@ -8157,21 +7939,6 @@
   <p:clrMapOvr>
     <a:masterClrMapping/>
   </p:clrMapOvr>
-  <mc:AlternateContent xmlns:mc="http://schemas.openxmlformats.org/markup-compatibility/2006" xmlns:p14="http://schemas.microsoft.com/office/powerpoint/2010/main">
-    <mc:Choice Requires="p14">
-      <p:transition spd="slow" p14:dur="2000"/>
-    </mc:Choice>
-    <mc:Fallback xmlns="">
-      <p:transition spd="slow"/>
-    </mc:Fallback>
-  </mc:AlternateContent>
-  <p:timing>
-    <p:tnLst>
-      <p:par>
-        <p:cTn id="1" dur="indefinite" restart="never" nodeType="tmRoot"/>
-      </p:par>
-    </p:tnLst>
-  </p:timing>
 </p:sldLayout>
 </file>
 
@@ -8217,10 +7984,9 @@
           </a:lstStyle>
           <a:p>
             <a:r>
-              <a:rPr lang="en-US" smtClean="0"/>
+              <a:rPr lang="en-US"/>
               <a:t>Click to edit Master title style</a:t>
             </a:r>
-            <a:endParaRPr lang="en-US"/>
           </a:p>
         </p:txBody>
       </p:sp>
@@ -8337,7 +8103,7 @@
           <a:p>
             <a:pPr lvl="0"/>
             <a:r>
-              <a:rPr lang="en-US" smtClean="0"/>
+              <a:rPr lang="en-US"/>
               <a:t>Click to edit Master text styles</a:t>
             </a:r>
           </a:p>
@@ -8360,7 +8126,7 @@
           <a:p>
             <a:fld id="{1FACF698-560B-A546-A4FA-6B15CCA392CB}" type="datetimeFigureOut">
               <a:rPr lang="en-US" smtClean="0"/>
-              <a:t>11/11/2016</a:t>
+              <a:t>3/16/2022</a:t>
             </a:fld>
             <a:endParaRPr lang="en-US"/>
           </a:p>
@@ -8559,10 +8325,9 @@
           </a:lstStyle>
           <a:p>
             <a:r>
-              <a:rPr lang="en-US" dirty="0" smtClean="0"/>
+              <a:rPr lang="en-US" dirty="0"/>
               <a:t>Click to edit Master subtitle style</a:t>
             </a:r>
-            <a:endParaRPr lang="en-US" dirty="0"/>
           </a:p>
         </p:txBody>
       </p:sp>
@@ -8617,10 +8382,9 @@
           <a:p>
             <a:pPr lvl="0"/>
             <a:r>
-              <a:rPr lang="en-US" dirty="0" smtClean="0"/>
+              <a:rPr lang="en-US" dirty="0"/>
               <a:t>Course title style</a:t>
             </a:r>
-            <a:endParaRPr lang="en-US" dirty="0"/>
           </a:p>
         </p:txBody>
       </p:sp>
@@ -8750,7 +8514,7 @@
           <a:p>
             <a:pPr defTabSz="914400"/>
             <a:r>
-              <a:rPr lang="en-US" sz="1600" dirty="0" smtClean="0">
+              <a:rPr lang="en-US" sz="1600" dirty="0">
                 <a:solidFill>
                   <a:prstClr val="black">
                     <a:lumMod val="75000"/>
@@ -8776,13 +8540,6 @@
   <p:clrMapOvr>
     <a:masterClrMapping/>
   </p:clrMapOvr>
-  <p:timing>
-    <p:tnLst>
-      <p:par>
-        <p:cTn id="1" dur="indefinite" restart="never" nodeType="tmRoot"/>
-      </p:par>
-    </p:tnLst>
-  </p:timing>
   <p:extLst mod="1">
     <p:ext uri="{DCECCB84-F9BA-43D5-87BE-67443E8EF086}">
       <p15:sldGuideLst xmlns:p15="http://schemas.microsoft.com/office/powerpoint/2012/main">
@@ -8854,10 +8611,9 @@
           </a:lstStyle>
           <a:p>
             <a:r>
-              <a:rPr lang="en-US" dirty="0" smtClean="0"/>
+              <a:rPr lang="en-US" dirty="0"/>
               <a:t>Click to edit Master title style</a:t>
             </a:r>
-            <a:endParaRPr lang="en-US" dirty="0"/>
           </a:p>
         </p:txBody>
       </p:sp>
@@ -8885,7 +8641,7 @@
           <a:p>
             <a:pPr defTabSz="914088"/>
             <a:r>
-              <a:rPr lang="ru-RU" sz="6600" dirty="0" smtClean="0">
+              <a:rPr lang="ru-RU" sz="6600" dirty="0">
                 <a:solidFill>
                   <a:prstClr val="black"/>
                 </a:solidFill>
@@ -8958,13 +8714,6 @@
   <p:clrMapOvr>
     <a:masterClrMapping/>
   </p:clrMapOvr>
-  <p:timing>
-    <p:tnLst>
-      <p:par>
-        <p:cTn id="1" dur="indefinite" restart="never" nodeType="tmRoot"/>
-      </p:par>
-    </p:tnLst>
-  </p:timing>
 </p:sldLayout>
 </file>
 
@@ -9001,10 +8750,9 @@
           <a:lstStyle/>
           <a:p>
             <a:r>
-              <a:rPr lang="en-US" dirty="0" smtClean="0"/>
+              <a:rPr lang="en-US" dirty="0"/>
               <a:t>Click to edit Master title style</a:t>
             </a:r>
-            <a:endParaRPr lang="en-US" dirty="0"/>
           </a:p>
         </p:txBody>
       </p:sp>
@@ -9072,38 +8820,37 @@
           <a:p>
             <a:pPr lvl="0"/>
             <a:r>
-              <a:rPr lang="en-US" dirty="0" smtClean="0"/>
+              <a:rPr lang="en-US" dirty="0"/>
               <a:t>Click to edit Master text styles</a:t>
             </a:r>
           </a:p>
           <a:p>
             <a:pPr lvl="1"/>
             <a:r>
-              <a:rPr lang="en-US" dirty="0" smtClean="0"/>
+              <a:rPr lang="en-US" dirty="0"/>
               <a:t>Second level</a:t>
             </a:r>
           </a:p>
           <a:p>
             <a:pPr lvl="2"/>
             <a:r>
-              <a:rPr lang="en-US" dirty="0" smtClean="0"/>
+              <a:rPr lang="en-US" dirty="0"/>
               <a:t>Third level</a:t>
             </a:r>
           </a:p>
           <a:p>
             <a:pPr lvl="3"/>
             <a:r>
-              <a:rPr lang="en-US" dirty="0" smtClean="0"/>
+              <a:rPr lang="en-US" dirty="0"/>
               <a:t>Fourth level</a:t>
             </a:r>
           </a:p>
           <a:p>
             <a:pPr lvl="4"/>
             <a:r>
-              <a:rPr lang="en-US" dirty="0" smtClean="0"/>
+              <a:rPr lang="en-US" dirty="0"/>
               <a:t>Fifth level</a:t>
             </a:r>
-            <a:endParaRPr lang="en-US" dirty="0"/>
           </a:p>
         </p:txBody>
       </p:sp>
@@ -9117,13 +8864,6 @@
   <p:clrMapOvr>
     <a:masterClrMapping/>
   </p:clrMapOvr>
-  <p:timing>
-    <p:tnLst>
-      <p:par>
-        <p:cTn id="1" dur="indefinite" restart="never" nodeType="tmRoot"/>
-      </p:par>
-    </p:tnLst>
-  </p:timing>
 </p:sldLayout>
 </file>
 
@@ -9199,38 +8939,37 @@
           <a:p>
             <a:pPr lvl="0"/>
             <a:r>
-              <a:rPr lang="en-US" dirty="0" smtClean="0"/>
+              <a:rPr lang="en-US" dirty="0"/>
               <a:t>Click to edit Master text styles</a:t>
             </a:r>
           </a:p>
           <a:p>
             <a:pPr lvl="1"/>
             <a:r>
-              <a:rPr lang="en-US" dirty="0" smtClean="0"/>
+              <a:rPr lang="en-US" dirty="0"/>
               <a:t>Second level</a:t>
             </a:r>
           </a:p>
           <a:p>
             <a:pPr lvl="2"/>
             <a:r>
-              <a:rPr lang="en-US" dirty="0" smtClean="0"/>
+              <a:rPr lang="en-US" dirty="0"/>
               <a:t>Third level</a:t>
             </a:r>
           </a:p>
           <a:p>
             <a:pPr lvl="3"/>
             <a:r>
-              <a:rPr lang="en-US" dirty="0" smtClean="0"/>
+              <a:rPr lang="en-US" dirty="0"/>
               <a:t>Fourth level</a:t>
             </a:r>
           </a:p>
           <a:p>
             <a:pPr lvl="4"/>
             <a:r>
-              <a:rPr lang="en-US" dirty="0" smtClean="0"/>
+              <a:rPr lang="en-US" dirty="0"/>
               <a:t>Fifth level</a:t>
             </a:r>
-            <a:endParaRPr lang="en-US" dirty="0"/>
           </a:p>
         </p:txBody>
       </p:sp>
@@ -9289,38 +9028,37 @@
           <a:p>
             <a:pPr lvl="0"/>
             <a:r>
-              <a:rPr lang="en-US" dirty="0" smtClean="0"/>
+              <a:rPr lang="en-US" dirty="0"/>
               <a:t>Click to edit Master text styles</a:t>
             </a:r>
           </a:p>
           <a:p>
             <a:pPr lvl="1"/>
             <a:r>
-              <a:rPr lang="en-US" dirty="0" smtClean="0"/>
+              <a:rPr lang="en-US" dirty="0"/>
               <a:t>Second level</a:t>
             </a:r>
           </a:p>
           <a:p>
             <a:pPr lvl="2"/>
             <a:r>
-              <a:rPr lang="en-US" dirty="0" smtClean="0"/>
+              <a:rPr lang="en-US" dirty="0"/>
               <a:t>Third level</a:t>
             </a:r>
           </a:p>
           <a:p>
             <a:pPr lvl="3"/>
             <a:r>
-              <a:rPr lang="en-US" dirty="0" smtClean="0"/>
+              <a:rPr lang="en-US" dirty="0"/>
               <a:t>Fourth level</a:t>
             </a:r>
           </a:p>
           <a:p>
             <a:pPr lvl="4"/>
             <a:r>
-              <a:rPr lang="en-US" dirty="0" smtClean="0"/>
+              <a:rPr lang="en-US" dirty="0"/>
               <a:t>Fifth level</a:t>
             </a:r>
-            <a:endParaRPr lang="en-US" dirty="0"/>
           </a:p>
         </p:txBody>
       </p:sp>
@@ -9340,10 +9078,9 @@
           <a:lstStyle/>
           <a:p>
             <a:r>
-              <a:rPr lang="en-US" smtClean="0"/>
+              <a:rPr lang="en-US"/>
               <a:t>Click to edit Master title style</a:t>
             </a:r>
-            <a:endParaRPr lang="en-US"/>
           </a:p>
         </p:txBody>
       </p:sp>
@@ -9357,13 +9094,6 @@
   <p:clrMapOvr>
     <a:masterClrMapping/>
   </p:clrMapOvr>
-  <p:timing>
-    <p:tnLst>
-      <p:par>
-        <p:cTn id="1" dur="indefinite" restart="never" nodeType="tmRoot"/>
-      </p:par>
-    </p:tnLst>
-  </p:timing>
 </p:sldLayout>
 </file>
 
@@ -9456,7 +9186,7 @@
           <a:p>
             <a:pPr lvl="0"/>
             <a:r>
-              <a:rPr lang="en-US" dirty="0" smtClean="0"/>
+              <a:rPr lang="en-US" dirty="0"/>
               <a:t>Click to edit Master text styles</a:t>
             </a:r>
           </a:p>
@@ -9515,38 +9245,37 @@
           <a:p>
             <a:pPr lvl="0"/>
             <a:r>
-              <a:rPr lang="en-US" dirty="0" smtClean="0"/>
+              <a:rPr lang="en-US" dirty="0"/>
               <a:t>Click to edit Master text styles</a:t>
             </a:r>
           </a:p>
           <a:p>
             <a:pPr lvl="1"/>
             <a:r>
-              <a:rPr lang="en-US" dirty="0" smtClean="0"/>
+              <a:rPr lang="en-US" dirty="0"/>
               <a:t>Second level</a:t>
             </a:r>
           </a:p>
           <a:p>
             <a:pPr lvl="2"/>
             <a:r>
-              <a:rPr lang="en-US" dirty="0" smtClean="0"/>
+              <a:rPr lang="en-US" dirty="0"/>
               <a:t>Third level</a:t>
             </a:r>
           </a:p>
           <a:p>
             <a:pPr lvl="3"/>
             <a:r>
-              <a:rPr lang="en-US" dirty="0" smtClean="0"/>
+              <a:rPr lang="en-US" dirty="0"/>
               <a:t>Fourth level</a:t>
             </a:r>
           </a:p>
           <a:p>
             <a:pPr lvl="4"/>
             <a:r>
-              <a:rPr lang="en-US" dirty="0" smtClean="0"/>
+              <a:rPr lang="en-US" dirty="0"/>
               <a:t>Fifth level</a:t>
             </a:r>
-            <a:endParaRPr lang="en-US" dirty="0"/>
           </a:p>
         </p:txBody>
       </p:sp>
@@ -9622,7 +9351,7 @@
           <a:p>
             <a:pPr lvl="0"/>
             <a:r>
-              <a:rPr lang="en-US" dirty="0" smtClean="0"/>
+              <a:rPr lang="en-US" dirty="0"/>
               <a:t>Click to edit Master text styles</a:t>
             </a:r>
           </a:p>
@@ -9681,38 +9410,37 @@
           <a:p>
             <a:pPr lvl="0"/>
             <a:r>
-              <a:rPr lang="en-US" dirty="0" smtClean="0"/>
+              <a:rPr lang="en-US" dirty="0"/>
               <a:t>Click to edit Master text styles</a:t>
             </a:r>
           </a:p>
           <a:p>
             <a:pPr lvl="1"/>
             <a:r>
-              <a:rPr lang="en-US" dirty="0" smtClean="0"/>
+              <a:rPr lang="en-US" dirty="0"/>
               <a:t>Second level</a:t>
             </a:r>
           </a:p>
           <a:p>
             <a:pPr lvl="2"/>
             <a:r>
-              <a:rPr lang="en-US" dirty="0" smtClean="0"/>
+              <a:rPr lang="en-US" dirty="0"/>
               <a:t>Third level</a:t>
             </a:r>
           </a:p>
           <a:p>
             <a:pPr lvl="3"/>
             <a:r>
-              <a:rPr lang="en-US" dirty="0" smtClean="0"/>
+              <a:rPr lang="en-US" dirty="0"/>
               <a:t>Fourth level</a:t>
             </a:r>
           </a:p>
           <a:p>
             <a:pPr lvl="4"/>
             <a:r>
-              <a:rPr lang="en-US" dirty="0" smtClean="0"/>
+              <a:rPr lang="en-US" dirty="0"/>
               <a:t>Fifth level</a:t>
             </a:r>
-            <a:endParaRPr lang="en-US" dirty="0"/>
           </a:p>
         </p:txBody>
       </p:sp>
@@ -9732,10 +9460,9 @@
           <a:lstStyle/>
           <a:p>
             <a:r>
-              <a:rPr lang="en-US" smtClean="0"/>
+              <a:rPr lang="en-US"/>
               <a:t>Click to edit Master title style</a:t>
             </a:r>
-            <a:endParaRPr lang="en-US"/>
           </a:p>
         </p:txBody>
       </p:sp>
@@ -9749,13 +9476,6 @@
   <p:clrMapOvr>
     <a:masterClrMapping/>
   </p:clrMapOvr>
-  <p:timing>
-    <p:tnLst>
-      <p:par>
-        <p:cTn id="1" dur="indefinite" restart="never" nodeType="tmRoot"/>
-      </p:par>
-    </p:tnLst>
-  </p:timing>
 </p:sldLayout>
 </file>
 
@@ -9792,10 +9512,9 @@
           <a:lstStyle/>
           <a:p>
             <a:r>
-              <a:rPr lang="en-US" smtClean="0"/>
+              <a:rPr lang="en-US"/>
               <a:t>Click to edit Master title style</a:t>
             </a:r>
-            <a:endParaRPr lang="en-US"/>
           </a:p>
         </p:txBody>
       </p:sp>
@@ -9809,13 +9528,6 @@
   <p:clrMapOvr>
     <a:masterClrMapping/>
   </p:clrMapOvr>
-  <p:timing>
-    <p:tnLst>
-      <p:par>
-        <p:cTn id="1" dur="indefinite" restart="never" nodeType="tmRoot"/>
-      </p:par>
-    </p:tnLst>
-  </p:timing>
 </p:sldLayout>
 </file>
 
@@ -9846,13 +9558,6 @@
   <p:clrMapOvr>
     <a:masterClrMapping/>
   </p:clrMapOvr>
-  <p:timing>
-    <p:tnLst>
-      <p:par>
-        <p:cTn id="1" dur="indefinite" restart="never" nodeType="tmRoot"/>
-      </p:par>
-    </p:tnLst>
-  </p:timing>
 </p:sldLayout>
 </file>
 
@@ -9985,27 +9690,7 @@
                   </a:prstClr>
                 </a:solidFill>
               </a:rPr>
-              <a:t>©</a:t>
-            </a:r>
-            <a:r>
-              <a:rPr lang="en-US" sz="1050" dirty="0" smtClean="0">
-                <a:solidFill>
-                  <a:prstClr val="white">
-                    <a:lumMod val="85000"/>
-                  </a:prstClr>
-                </a:solidFill>
-              </a:rPr>
-              <a:t>2014 </a:t>
-            </a:r>
-            <a:r>
-              <a:rPr lang="en-US" sz="1050" dirty="0">
-                <a:solidFill>
-                  <a:prstClr val="white">
-                    <a:lumMod val="85000"/>
-                  </a:prstClr>
-                </a:solidFill>
-              </a:rPr>
-              <a:t>Microsoft Corporation. All rights reserved. Microsoft, Windows, Office, Azure, System Center, Dynamics and other product names are or may be registered trademarks and/or trademarks in the U.S. and/or other countries. The information herein is for informational purposes only and represents the current view of Microsoft Corporation as of the date of this presentation. Because Microsoft must respond to changing market conditions, it should not be interpreted to be a commitment on the part of Microsoft, and Microsoft cannot guarantee the accuracy of any information provided after the date of this presentation. MICROSOFT MAKES NO WARRANTIES, EXPRESS, IMPLIED OR STATUTORY, AS TO THE INFORMATION IN THIS PRESENTATION.</a:t>
+              <a:t>©2014 Microsoft Corporation. All rights reserved. Microsoft, Windows, Office, Azure, System Center, Dynamics and other product names are or may be registered trademarks and/or trademarks in the U.S. and/or other countries. The information herein is for informational purposes only and represents the current view of Microsoft Corporation as of the date of this presentation. Because Microsoft must respond to changing market conditions, it should not be interpreted to be a commitment on the part of Microsoft, and Microsoft cannot guarantee the accuracy of any information provided after the date of this presentation. MICROSOFT MAKES NO WARRANTIES, EXPRESS, IMPLIED OR STATUTORY, AS TO THE INFORMATION IN THIS PRESENTATION.</a:t>
             </a:r>
           </a:p>
         </p:txBody>
@@ -10049,21 +9734,6 @@
   <p:clrMapOvr>
     <a:masterClrMapping/>
   </p:clrMapOvr>
-  <mc:AlternateContent xmlns:mc="http://schemas.openxmlformats.org/markup-compatibility/2006" xmlns:p14="http://schemas.microsoft.com/office/powerpoint/2010/main">
-    <mc:Choice Requires="p14">
-      <p:transition spd="slow" p14:dur="2000"/>
-    </mc:Choice>
-    <mc:Fallback xmlns="">
-      <p:transition spd="slow"/>
-    </mc:Fallback>
-  </mc:AlternateContent>
-  <p:timing>
-    <p:tnLst>
-      <p:par>
-        <p:cTn id="1" dur="indefinite" restart="never" nodeType="tmRoot"/>
-      </p:par>
-    </p:tnLst>
-  </p:timing>
 </p:sldLayout>
 </file>
 
@@ -10100,10 +9770,9 @@
           <a:lstStyle/>
           <a:p>
             <a:r>
-              <a:rPr lang="en-US" smtClean="0"/>
+              <a:rPr lang="en-US"/>
               <a:t>Click to edit Master title style</a:t>
             </a:r>
-            <a:endParaRPr lang="en-US"/>
           </a:p>
         </p:txBody>
       </p:sp>
@@ -10157,38 +9826,37 @@
           <a:p>
             <a:pPr lvl="0"/>
             <a:r>
-              <a:rPr lang="en-US" smtClean="0"/>
+              <a:rPr lang="en-US"/>
               <a:t>Click to edit Master text styles</a:t>
             </a:r>
           </a:p>
           <a:p>
             <a:pPr lvl="1"/>
             <a:r>
-              <a:rPr lang="en-US" smtClean="0"/>
+              <a:rPr lang="en-US"/>
               <a:t>Second level</a:t>
             </a:r>
           </a:p>
           <a:p>
             <a:pPr lvl="2"/>
             <a:r>
-              <a:rPr lang="en-US" smtClean="0"/>
+              <a:rPr lang="en-US"/>
               <a:t>Third level</a:t>
             </a:r>
           </a:p>
           <a:p>
             <a:pPr lvl="3"/>
             <a:r>
-              <a:rPr lang="en-US" smtClean="0"/>
+              <a:rPr lang="en-US"/>
               <a:t>Fourth level</a:t>
             </a:r>
           </a:p>
           <a:p>
             <a:pPr lvl="4"/>
             <a:r>
-              <a:rPr lang="en-US" smtClean="0"/>
+              <a:rPr lang="en-US"/>
               <a:t>Fifth level</a:t>
             </a:r>
-            <a:endParaRPr lang="en-US"/>
           </a:p>
         </p:txBody>
       </p:sp>
@@ -10242,38 +9910,37 @@
           <a:p>
             <a:pPr lvl="0"/>
             <a:r>
-              <a:rPr lang="en-US" smtClean="0"/>
+              <a:rPr lang="en-US"/>
               <a:t>Click to edit Master text styles</a:t>
             </a:r>
           </a:p>
           <a:p>
             <a:pPr lvl="1"/>
             <a:r>
-              <a:rPr lang="en-US" smtClean="0"/>
+              <a:rPr lang="en-US"/>
               <a:t>Second level</a:t>
             </a:r>
           </a:p>
           <a:p>
             <a:pPr lvl="2"/>
             <a:r>
-              <a:rPr lang="en-US" smtClean="0"/>
+              <a:rPr lang="en-US"/>
               <a:t>Third level</a:t>
             </a:r>
           </a:p>
           <a:p>
             <a:pPr lvl="3"/>
             <a:r>
-              <a:rPr lang="en-US" smtClean="0"/>
+              <a:rPr lang="en-US"/>
               <a:t>Fourth level</a:t>
             </a:r>
           </a:p>
           <a:p>
             <a:pPr lvl="4"/>
             <a:r>
-              <a:rPr lang="en-US" smtClean="0"/>
+              <a:rPr lang="en-US"/>
               <a:t>Fifth level</a:t>
             </a:r>
-            <a:endParaRPr lang="en-US"/>
           </a:p>
         </p:txBody>
       </p:sp>
@@ -10294,7 +9961,7 @@
           <a:p>
             <a:fld id="{1FACF698-560B-A546-A4FA-6B15CCA392CB}" type="datetimeFigureOut">
               <a:rPr lang="en-US" smtClean="0"/>
-              <a:t>11/11/2016</a:t>
+              <a:t>3/16/2022</a:t>
             </a:fld>
             <a:endParaRPr lang="en-US"/>
           </a:p>
@@ -10387,10 +10054,9 @@
           </a:lstStyle>
           <a:p>
             <a:r>
-              <a:rPr lang="en-US" smtClean="0"/>
+              <a:rPr lang="en-US"/>
               <a:t>Click to edit Master title style</a:t>
             </a:r>
-            <a:endParaRPr lang="en-US"/>
           </a:p>
         </p:txBody>
       </p:sp>
@@ -10453,7 +10119,7 @@
           <a:p>
             <a:pPr lvl="0"/>
             <a:r>
-              <a:rPr lang="en-US" smtClean="0"/>
+              <a:rPr lang="en-US"/>
               <a:t>Click to edit Master text styles</a:t>
             </a:r>
           </a:p>
@@ -10509,38 +10175,37 @@
           <a:p>
             <a:pPr lvl="0"/>
             <a:r>
-              <a:rPr lang="en-US" smtClean="0"/>
+              <a:rPr lang="en-US"/>
               <a:t>Click to edit Master text styles</a:t>
             </a:r>
           </a:p>
           <a:p>
             <a:pPr lvl="1"/>
             <a:r>
-              <a:rPr lang="en-US" smtClean="0"/>
+              <a:rPr lang="en-US"/>
               <a:t>Second level</a:t>
             </a:r>
           </a:p>
           <a:p>
             <a:pPr lvl="2"/>
             <a:r>
-              <a:rPr lang="en-US" smtClean="0"/>
+              <a:rPr lang="en-US"/>
               <a:t>Third level</a:t>
             </a:r>
           </a:p>
           <a:p>
             <a:pPr lvl="3"/>
             <a:r>
-              <a:rPr lang="en-US" smtClean="0"/>
+              <a:rPr lang="en-US"/>
               <a:t>Fourth level</a:t>
             </a:r>
           </a:p>
           <a:p>
             <a:pPr lvl="4"/>
             <a:r>
-              <a:rPr lang="en-US" smtClean="0"/>
+              <a:rPr lang="en-US"/>
               <a:t>Fifth level</a:t>
             </a:r>
-            <a:endParaRPr lang="en-US"/>
           </a:p>
         </p:txBody>
       </p:sp>
@@ -10603,7 +10268,7 @@
           <a:p>
             <a:pPr lvl="0"/>
             <a:r>
-              <a:rPr lang="en-US" smtClean="0"/>
+              <a:rPr lang="en-US"/>
               <a:t>Click to edit Master text styles</a:t>
             </a:r>
           </a:p>
@@ -10659,38 +10324,37 @@
           <a:p>
             <a:pPr lvl="0"/>
             <a:r>
-              <a:rPr lang="en-US" smtClean="0"/>
+              <a:rPr lang="en-US"/>
               <a:t>Click to edit Master text styles</a:t>
             </a:r>
           </a:p>
           <a:p>
             <a:pPr lvl="1"/>
             <a:r>
-              <a:rPr lang="en-US" smtClean="0"/>
+              <a:rPr lang="en-US"/>
               <a:t>Second level</a:t>
             </a:r>
           </a:p>
           <a:p>
             <a:pPr lvl="2"/>
             <a:r>
-              <a:rPr lang="en-US" smtClean="0"/>
+              <a:rPr lang="en-US"/>
               <a:t>Third level</a:t>
             </a:r>
           </a:p>
           <a:p>
             <a:pPr lvl="3"/>
             <a:r>
-              <a:rPr lang="en-US" smtClean="0"/>
+              <a:rPr lang="en-US"/>
               <a:t>Fourth level</a:t>
             </a:r>
           </a:p>
           <a:p>
             <a:pPr lvl="4"/>
             <a:r>
-              <a:rPr lang="en-US" smtClean="0"/>
+              <a:rPr lang="en-US"/>
               <a:t>Fifth level</a:t>
             </a:r>
-            <a:endParaRPr lang="en-US"/>
           </a:p>
         </p:txBody>
       </p:sp>
@@ -10711,7 +10375,7 @@
           <a:p>
             <a:fld id="{1FACF698-560B-A546-A4FA-6B15CCA392CB}" type="datetimeFigureOut">
               <a:rPr lang="en-US" smtClean="0"/>
-              <a:t>11/11/2016</a:t>
+              <a:t>3/16/2022</a:t>
             </a:fld>
             <a:endParaRPr lang="en-US"/>
           </a:p>
@@ -10800,10 +10464,9 @@
           <a:lstStyle/>
           <a:p>
             <a:r>
-              <a:rPr lang="en-US" smtClean="0"/>
+              <a:rPr lang="en-US"/>
               <a:t>Click to edit Master title style</a:t>
             </a:r>
-            <a:endParaRPr lang="en-US"/>
           </a:p>
         </p:txBody>
       </p:sp>
@@ -10824,7 +10487,7 @@
           <a:p>
             <a:fld id="{1FACF698-560B-A546-A4FA-6B15CCA392CB}" type="datetimeFigureOut">
               <a:rPr lang="en-US" smtClean="0"/>
-              <a:t>11/11/2016</a:t>
+              <a:t>3/16/2022</a:t>
             </a:fld>
             <a:endParaRPr lang="en-US"/>
           </a:p>
@@ -10914,7 +10577,7 @@
           <a:p>
             <a:fld id="{1FACF698-560B-A546-A4FA-6B15CCA392CB}" type="datetimeFigureOut">
               <a:rPr lang="en-US" smtClean="0"/>
-              <a:t>11/11/2016</a:t>
+              <a:t>3/16/2022</a:t>
             </a:fld>
             <a:endParaRPr lang="en-US"/>
           </a:p>
@@ -11012,10 +10675,9 @@
           </a:lstStyle>
           <a:p>
             <a:r>
-              <a:rPr lang="en-US" smtClean="0"/>
+              <a:rPr lang="en-US"/>
               <a:t>Click to edit Master title style</a:t>
             </a:r>
-            <a:endParaRPr lang="en-US"/>
           </a:p>
         </p:txBody>
       </p:sp>
@@ -11069,38 +10731,37 @@
           <a:p>
             <a:pPr lvl="0"/>
             <a:r>
-              <a:rPr lang="en-US" smtClean="0"/>
+              <a:rPr lang="en-US"/>
               <a:t>Click to edit Master text styles</a:t>
             </a:r>
           </a:p>
           <a:p>
             <a:pPr lvl="1"/>
             <a:r>
-              <a:rPr lang="en-US" smtClean="0"/>
+              <a:rPr lang="en-US"/>
               <a:t>Second level</a:t>
             </a:r>
           </a:p>
           <a:p>
             <a:pPr lvl="2"/>
             <a:r>
-              <a:rPr lang="en-US" smtClean="0"/>
+              <a:rPr lang="en-US"/>
               <a:t>Third level</a:t>
             </a:r>
           </a:p>
           <a:p>
             <a:pPr lvl="3"/>
             <a:r>
-              <a:rPr lang="en-US" smtClean="0"/>
+              <a:rPr lang="en-US"/>
               <a:t>Fourth level</a:t>
             </a:r>
           </a:p>
           <a:p>
             <a:pPr lvl="4"/>
             <a:r>
-              <a:rPr lang="en-US" smtClean="0"/>
+              <a:rPr lang="en-US"/>
               <a:t>Fifth level</a:t>
             </a:r>
-            <a:endParaRPr lang="en-US"/>
           </a:p>
         </p:txBody>
       </p:sp>
@@ -11163,7 +10824,7 @@
           <a:p>
             <a:pPr lvl="0"/>
             <a:r>
-              <a:rPr lang="en-US" smtClean="0"/>
+              <a:rPr lang="en-US"/>
               <a:t>Click to edit Master text styles</a:t>
             </a:r>
           </a:p>
@@ -11186,7 +10847,7 @@
           <a:p>
             <a:fld id="{1FACF698-560B-A546-A4FA-6B15CCA392CB}" type="datetimeFigureOut">
               <a:rPr lang="en-US" smtClean="0"/>
-              <a:t>11/11/2016</a:t>
+              <a:t>3/16/2022</a:t>
             </a:fld>
             <a:endParaRPr lang="en-US"/>
           </a:p>
@@ -11284,10 +10945,9 @@
           </a:lstStyle>
           <a:p>
             <a:r>
-              <a:rPr lang="en-US" smtClean="0"/>
+              <a:rPr lang="en-US"/>
               <a:t>Click to edit Master title style</a:t>
             </a:r>
-            <a:endParaRPr lang="en-US"/>
           </a:p>
         </p:txBody>
       </p:sp>
@@ -11411,7 +11071,7 @@
           <a:p>
             <a:pPr lvl="0"/>
             <a:r>
-              <a:rPr lang="en-US" smtClean="0"/>
+              <a:rPr lang="en-US"/>
               <a:t>Click to edit Master text styles</a:t>
             </a:r>
           </a:p>
@@ -11434,7 +11094,7 @@
           <a:p>
             <a:fld id="{1FACF698-560B-A546-A4FA-6B15CCA392CB}" type="datetimeFigureOut">
               <a:rPr lang="en-US" smtClean="0"/>
-              <a:t>11/11/2016</a:t>
+              <a:t>3/16/2022</a:t>
             </a:fld>
             <a:endParaRPr lang="en-US"/>
           </a:p>
@@ -11541,7 +11201,7 @@
           <a:lstStyle/>
           <a:p>
             <a:r>
-              <a:rPr lang="ru-RU" smtClean="0"/>
+              <a:rPr lang="ru-RU"/>
               <a:t>Click to edit Master title style</a:t>
             </a:r>
             <a:endParaRPr lang="en-US"/>
@@ -11575,35 +11235,35 @@
           <a:p>
             <a:pPr lvl="0"/>
             <a:r>
-              <a:rPr lang="ru-RU" smtClean="0"/>
+              <a:rPr lang="ru-RU"/>
               <a:t>Click to edit Master text styles</a:t>
             </a:r>
           </a:p>
           <a:p>
             <a:pPr lvl="1"/>
             <a:r>
-              <a:rPr lang="ru-RU" smtClean="0"/>
+              <a:rPr lang="ru-RU"/>
               <a:t>Second level</a:t>
             </a:r>
           </a:p>
           <a:p>
             <a:pPr lvl="2"/>
             <a:r>
-              <a:rPr lang="ru-RU" smtClean="0"/>
+              <a:rPr lang="ru-RU"/>
               <a:t>Third level</a:t>
             </a:r>
           </a:p>
           <a:p>
             <a:pPr lvl="3"/>
             <a:r>
-              <a:rPr lang="ru-RU" smtClean="0"/>
+              <a:rPr lang="ru-RU"/>
               <a:t>Fourth level</a:t>
             </a:r>
           </a:p>
           <a:p>
             <a:pPr lvl="4"/>
             <a:r>
-              <a:rPr lang="ru-RU" smtClean="0"/>
+              <a:rPr lang="ru-RU"/>
               <a:t>Fifth level</a:t>
             </a:r>
             <a:endParaRPr lang="en-US"/>
@@ -11645,7 +11305,7 @@
           <a:p>
             <a:fld id="{1FACF698-560B-A546-A4FA-6B15CCA392CB}" type="datetimeFigureOut">
               <a:rPr lang="en-US" smtClean="0"/>
-              <a:t>11/11/2016</a:t>
+              <a:t>3/16/2022</a:t>
             </a:fld>
             <a:endParaRPr lang="en-US"/>
           </a:p>
@@ -12049,10 +11709,9 @@
           <a:lstStyle/>
           <a:p>
             <a:r>
-              <a:rPr lang="en-US" dirty="0" smtClean="0"/>
+              <a:rPr lang="en-US" dirty="0"/>
               <a:t>Click to edit Master title style</a:t>
             </a:r>
-            <a:endParaRPr lang="en-US" dirty="0"/>
           </a:p>
         </p:txBody>
       </p:sp>
@@ -12075,13 +11734,6 @@
     <p:sldLayoutId id="2147483668" r:id="rId8"/>
     <p:sldLayoutId id="2147483669" r:id="rId9"/>
   </p:sldLayoutIdLst>
-  <p:timing>
-    <p:tnLst>
-      <p:par>
-        <p:cTn id="1" dur="indefinite" restart="never" nodeType="tmRoot"/>
-      </p:par>
-    </p:tnLst>
-  </p:timing>
   <p:txStyles>
     <p:titleStyle>
       <a:lvl1pPr algn="l" defTabSz="914088" rtl="0" eaLnBrk="1" latinLnBrk="0" hangingPunct="1">
@@ -12395,10 +12047,9 @@
           <a:lstStyle/>
           <a:p>
             <a:r>
-              <a:rPr lang="en-US" dirty="0" smtClean="0"/>
+              <a:rPr lang="en-US" dirty="0"/>
               <a:t>Click to edit Master title style</a:t>
             </a:r>
-            <a:endParaRPr lang="en-US" dirty="0"/>
           </a:p>
         </p:txBody>
       </p:sp>
@@ -12421,13 +12072,6 @@
     <p:sldLayoutId id="2147483678" r:id="rId8"/>
     <p:sldLayoutId id="2147483679" r:id="rId9"/>
   </p:sldLayoutIdLst>
-  <p:timing>
-    <p:tnLst>
-      <p:par>
-        <p:cTn id="1" dur="indefinite" restart="never" nodeType="tmRoot"/>
-      </p:par>
-    </p:tnLst>
-  </p:timing>
   <p:txStyles>
     <p:titleStyle>
       <a:lvl1pPr algn="l" defTabSz="914088" rtl="0" eaLnBrk="1" latinLnBrk="0" hangingPunct="1">
@@ -12741,10 +12385,9 @@
           <a:lstStyle/>
           <a:p>
             <a:r>
-              <a:rPr lang="en-US" dirty="0" smtClean="0"/>
+              <a:rPr lang="en-US" dirty="0"/>
               <a:t>Click to edit Master title style</a:t>
             </a:r>
-            <a:endParaRPr lang="en-US" dirty="0"/>
           </a:p>
         </p:txBody>
       </p:sp>
@@ -12766,13 +12409,6 @@
     <p:sldLayoutId id="2147483688" r:id="rId7"/>
     <p:sldLayoutId id="2147483689" r:id="rId8"/>
   </p:sldLayoutIdLst>
-  <p:timing>
-    <p:tnLst>
-      <p:par>
-        <p:cTn id="1" dur="indefinite" restart="never" nodeType="tmRoot"/>
-      </p:par>
-    </p:tnLst>
-  </p:timing>
   <p:txStyles>
     <p:titleStyle>
       <a:lvl1pPr algn="l" defTabSz="914088" rtl="0" eaLnBrk="1" latinLnBrk="0" hangingPunct="1">
@@ -13068,7 +12704,7 @@
           <a:lstStyle/>
           <a:p>
             <a:r>
-              <a:rPr lang="ru-RU" dirty="0" smtClean="0">
+              <a:rPr lang="ru-RU" dirty="0">
                 <a:solidFill>
                   <a:schemeClr val="accent6">
                     <a:lumMod val="50000"/>
@@ -13103,13 +12739,13 @@
           <a:lstStyle/>
           <a:p>
             <a:r>
-              <a:rPr lang="en-US" b="1" dirty="0" smtClean="0"/>
+              <a:rPr lang="en-US" b="1" dirty="0"/>
               <a:t>ORM</a:t>
             </a:r>
           </a:p>
           <a:p>
             <a:r>
-              <a:rPr lang="ru-RU" b="1" dirty="0" smtClean="0"/>
+              <a:rPr lang="ru-RU" b="1" dirty="0"/>
               <a:t>Административная часть</a:t>
             </a:r>
             <a:endParaRPr lang="en-US" b="1" dirty="0"/>
@@ -13121,13 +12757,6 @@
   <p:clrMapOvr>
     <a:masterClrMapping/>
   </p:clrMapOvr>
-  <p:timing>
-    <p:tnLst>
-      <p:par>
-        <p:cTn id="1" dur="indefinite" restart="never" nodeType="tmRoot"/>
-      </p:par>
-    </p:tnLst>
-  </p:timing>
 </p:sld>
 </file>
 
@@ -13164,14 +12793,13 @@
           <a:lstStyle/>
           <a:p>
             <a:r>
-              <a:rPr lang="ru-RU" dirty="0" smtClean="0"/>
+              <a:rPr lang="ru-RU" dirty="0"/>
               <a:t>Что такое </a:t>
             </a:r>
             <a:r>
-              <a:rPr lang="en-US" dirty="0" smtClean="0"/>
+              <a:rPr lang="en-US" dirty="0"/>
               <a:t>ORM?</a:t>
             </a:r>
-            <a:endParaRPr lang="en-US" dirty="0"/>
           </a:p>
         </p:txBody>
       </p:sp>
@@ -13213,7 +12841,7 @@
           <a:p>
             <a:pPr algn="ctr" defTabSz="914400"/>
             <a:r>
-              <a:rPr lang="ru-RU" dirty="0" smtClean="0">
+              <a:rPr lang="ru-RU" dirty="0">
                 <a:solidFill>
                   <a:prstClr val="white"/>
                 </a:solidFill>
@@ -13268,7 +12896,7 @@
                     <a:lstStyle/>
                     <a:p>
                       <a:r>
-                        <a:rPr lang="en-CA" dirty="0" smtClean="0"/>
+                        <a:rPr lang="en-CA" dirty="0"/>
                         <a:t>Post</a:t>
                       </a:r>
                       <a:endParaRPr lang="en-US" dirty="0"/>
@@ -13338,7 +12966,7 @@
           <a:p>
             <a:pPr algn="ctr" defTabSz="914400"/>
             <a:r>
-              <a:rPr lang="en-CA" dirty="0" smtClean="0">
+              <a:rPr lang="en-CA" dirty="0">
                 <a:solidFill>
                   <a:prstClr val="white"/>
                 </a:solidFill>
@@ -13545,7 +13173,7 @@
           <a:p>
             <a:pPr defTabSz="914400"/>
             <a:r>
-              <a:rPr lang="en-CA" dirty="0" smtClean="0">
+              <a:rPr lang="en-CA" dirty="0">
                 <a:solidFill>
                   <a:prstClr val="black"/>
                 </a:solidFill>
@@ -13595,7 +13223,7 @@
           <a:p>
             <a:pPr algn="ctr" defTabSz="914400"/>
             <a:r>
-              <a:rPr lang="ru-RU" dirty="0" smtClean="0">
+              <a:rPr lang="ru-RU" dirty="0">
                 <a:solidFill>
                   <a:prstClr val="white"/>
                 </a:solidFill>
@@ -13634,7 +13262,7 @@
           <a:p>
             <a:pPr defTabSz="914400"/>
             <a:r>
-              <a:rPr lang="ru-RU" dirty="0" smtClean="0">
+              <a:rPr lang="ru-RU" dirty="0">
                 <a:solidFill>
                   <a:prstClr val="black"/>
                 </a:solidFill>
@@ -13997,14 +13625,13 @@
           <a:lstStyle/>
           <a:p>
             <a:r>
-              <a:rPr lang="ru-RU" dirty="0" smtClean="0"/>
+              <a:rPr lang="ru-RU" dirty="0"/>
               <a:t>Зачем нужна </a:t>
             </a:r>
             <a:r>
-              <a:rPr lang="en-US" dirty="0" smtClean="0"/>
+              <a:rPr lang="en-US" dirty="0"/>
               <a:t>ORM?</a:t>
             </a:r>
-            <a:endParaRPr lang="en-US" dirty="0"/>
           </a:p>
         </p:txBody>
       </p:sp>
@@ -14024,36 +13651,36 @@
           <a:lstStyle/>
           <a:p>
             <a:r>
-              <a:rPr lang="ru-RU" dirty="0" smtClean="0"/>
+              <a:rPr lang="ru-RU" dirty="0"/>
               <a:t>Упрощает создание приложений</a:t>
             </a:r>
             <a:r>
-              <a:rPr lang="en-US" dirty="0" smtClean="0"/>
+              <a:rPr lang="en-US" dirty="0"/>
               <a:t>, </a:t>
             </a:r>
             <a:r>
-              <a:rPr lang="ru-RU" dirty="0" smtClean="0"/>
+              <a:rPr lang="ru-RU" dirty="0"/>
               <a:t>позволяя фокусироваться на коде и объектах, а не на используемой базе данных</a:t>
             </a:r>
-            <a:endParaRPr lang="en-US" dirty="0" smtClean="0"/>
-          </a:p>
-          <a:p>
-            <a:r>
-              <a:rPr lang="ru-RU" dirty="0" smtClean="0"/>
+            <a:endParaRPr lang="en-US" dirty="0"/>
+          </a:p>
+          <a:p>
+            <a:r>
+              <a:rPr lang="ru-RU" dirty="0"/>
               <a:t>Можно мигрировать с одной базы данных на другую без необходимости переписывания тонны кода</a:t>
             </a:r>
           </a:p>
           <a:p>
             <a:r>
-              <a:rPr lang="ru-RU" dirty="0" smtClean="0"/>
+              <a:rPr lang="ru-RU" dirty="0"/>
               <a:t>Отсутствует необходимость составления </a:t>
             </a:r>
             <a:r>
-              <a:rPr lang="en-US" dirty="0" smtClean="0"/>
+              <a:rPr lang="en-US" dirty="0"/>
               <a:t>SQL </a:t>
             </a:r>
             <a:r>
-              <a:rPr lang="ru-RU" dirty="0" smtClean="0"/>
+              <a:rPr lang="ru-RU" dirty="0"/>
               <a:t>запросов</a:t>
             </a:r>
             <a:endParaRPr lang="en-US" dirty="0"/>
@@ -14319,14 +13946,13 @@
           <a:lstStyle/>
           <a:p>
             <a:r>
-              <a:rPr lang="ru-RU" dirty="0" smtClean="0"/>
+              <a:rPr lang="ru-RU" dirty="0"/>
               <a:t>Где применяются</a:t>
             </a:r>
             <a:r>
-              <a:rPr lang="en-US" dirty="0" smtClean="0"/>
+              <a:rPr lang="en-US" dirty="0"/>
               <a:t> ORM?</a:t>
             </a:r>
-            <a:endParaRPr lang="en-US" dirty="0"/>
           </a:p>
         </p:txBody>
       </p:sp>
@@ -14346,33 +13972,33 @@
           <a:lstStyle/>
           <a:p>
             <a:r>
-              <a:rPr lang="ru-RU" dirty="0" smtClean="0"/>
+              <a:rPr lang="ru-RU" dirty="0"/>
               <a:t>Практически каждая программная среда имеет свою реализацию </a:t>
             </a:r>
             <a:r>
-              <a:rPr lang="en-US" dirty="0" smtClean="0"/>
+              <a:rPr lang="en-US" dirty="0"/>
               <a:t>ORM</a:t>
             </a:r>
-            <a:endParaRPr lang="ru-RU" dirty="0" smtClean="0"/>
-          </a:p>
-          <a:p>
-            <a:r>
-              <a:rPr lang="ru-RU" dirty="0" smtClean="0"/>
+            <a:endParaRPr lang="ru-RU" dirty="0"/>
+          </a:p>
+          <a:p>
+            <a:r>
+              <a:rPr lang="ru-RU" dirty="0"/>
               <a:t>Популярными являются</a:t>
             </a:r>
-            <a:endParaRPr lang="en-US" dirty="0" smtClean="0"/>
+            <a:endParaRPr lang="en-US" dirty="0"/>
           </a:p>
           <a:p>
             <a:pPr lvl="1"/>
             <a:r>
-              <a:rPr lang="en-US" dirty="0" smtClean="0"/>
+              <a:rPr lang="en-US" dirty="0"/>
               <a:t>Hibernate</a:t>
             </a:r>
           </a:p>
           <a:p>
             <a:pPr lvl="1"/>
             <a:r>
-              <a:rPr lang="en-US" dirty="0" smtClean="0"/>
+              <a:rPr lang="en-US" dirty="0"/>
               <a:t>Entity Framework &amp; LINQ</a:t>
             </a:r>
           </a:p>
@@ -14382,19 +14008,19 @@
               <a:rPr lang="en-US" dirty="0" err="1"/>
               <a:t>SQLAlchemy</a:t>
             </a:r>
-            <a:endParaRPr lang="en-US" dirty="0" smtClean="0"/>
+            <a:endParaRPr lang="en-US" dirty="0"/>
           </a:p>
           <a:p>
             <a:pPr lvl="1"/>
             <a:r>
-              <a:rPr lang="en-US" dirty="0" smtClean="0"/>
+              <a:rPr lang="en-US" dirty="0"/>
               <a:t>ORM </a:t>
             </a:r>
             <a:r>
-              <a:rPr lang="en-US" dirty="0" err="1" smtClean="0"/>
+              <a:rPr lang="en-US" dirty="0" err="1"/>
               <a:t>Django</a:t>
             </a:r>
-            <a:endParaRPr lang="en-US" dirty="0" smtClean="0"/>
+            <a:endParaRPr lang="en-US" dirty="0"/>
           </a:p>
           <a:p>
             <a:pPr lvl="1"/>
@@ -14813,13 +14439,6 @@
   <p:clrMapOvr>
     <a:masterClrMapping/>
   </p:clrMapOvr>
-  <p:timing>
-    <p:tnLst>
-      <p:par>
-        <p:cTn id="1" dur="indefinite" restart="never" nodeType="tmRoot"/>
-      </p:par>
-    </p:tnLst>
-  </p:timing>
 </p:sld>
 </file>
 
@@ -14856,7 +14475,7 @@
           <a:lstStyle/>
           <a:p>
             <a:r>
-              <a:rPr lang="ru-RU" dirty="0" smtClean="0"/>
+              <a:rPr lang="ru-RU" dirty="0"/>
               <a:t>Добавить классы</a:t>
             </a:r>
             <a:endParaRPr lang="en-US" dirty="0"/>
@@ -14879,65 +14498,57 @@
           <a:lstStyle/>
           <a:p>
             <a:r>
-              <a:rPr lang="ru-RU" dirty="0" smtClean="0"/>
+              <a:rPr lang="ru-RU" dirty="0"/>
               <a:t>Каждый класс представляет таблицу в базе данных</a:t>
             </a:r>
-            <a:endParaRPr lang="en-US" dirty="0" smtClean="0"/>
-          </a:p>
-          <a:p>
-            <a:r>
-              <a:rPr lang="ru-RU" dirty="0" smtClean="0"/>
+            <a:endParaRPr lang="en-US" dirty="0"/>
+          </a:p>
+          <a:p>
+            <a:r>
+              <a:rPr lang="ru-RU" dirty="0"/>
               <a:t>Каждый объект имеет методы для взаимодействия с базой данных, например</a:t>
             </a:r>
-            <a:endParaRPr lang="en-US" dirty="0" smtClean="0"/>
+            <a:endParaRPr lang="en-US" dirty="0"/>
           </a:p>
           <a:p>
             <a:pPr lvl="1"/>
             <a:r>
               <a:rPr lang="en-US" b="1" dirty="0"/>
-              <a:t>s</a:t>
-            </a:r>
-            <a:r>
-              <a:rPr lang="en-US" b="1" dirty="0" smtClean="0"/>
-              <a:t>ave</a:t>
-            </a:r>
-            <a:r>
-              <a:rPr lang="en-US" dirty="0" smtClean="0"/>
+              <a:t>save</a:t>
+            </a:r>
+            <a:r>
+              <a:rPr lang="en-US" dirty="0"/>
               <a:t> </a:t>
             </a:r>
             <a:r>
-              <a:rPr lang="ru-RU" dirty="0" smtClean="0"/>
+              <a:rPr lang="ru-RU" dirty="0"/>
               <a:t>для добавления и обновления</a:t>
             </a:r>
-            <a:endParaRPr lang="en-US" dirty="0" smtClean="0"/>
+            <a:endParaRPr lang="en-US" dirty="0"/>
           </a:p>
           <a:p>
             <a:pPr lvl="1"/>
             <a:r>
               <a:rPr lang="en-US" b="1" dirty="0"/>
-              <a:t>d</a:t>
-            </a:r>
-            <a:r>
-              <a:rPr lang="en-US" b="1" dirty="0" smtClean="0"/>
-              <a:t>elete</a:t>
-            </a:r>
-            <a:r>
-              <a:rPr lang="en-US" dirty="0" smtClean="0"/>
+              <a:t>delete</a:t>
+            </a:r>
+            <a:r>
+              <a:rPr lang="en-US" dirty="0"/>
               <a:t> </a:t>
             </a:r>
             <a:r>
-              <a:rPr lang="ru-RU" dirty="0" smtClean="0"/>
+              <a:rPr lang="ru-RU" dirty="0"/>
               <a:t>для удаления</a:t>
             </a:r>
-            <a:endParaRPr lang="en-US" dirty="0" smtClean="0"/>
+            <a:endParaRPr lang="en-US" dirty="0"/>
           </a:p>
           <a:p>
             <a:pPr lvl="1"/>
             <a:r>
-              <a:rPr lang="ru-RU" dirty="0" smtClean="0"/>
+              <a:rPr lang="ru-RU" dirty="0"/>
               <a:t>Запросы для загрузки данных из базы</a:t>
             </a:r>
-            <a:endParaRPr lang="en-US" dirty="0" smtClean="0"/>
+            <a:endParaRPr lang="en-US" dirty="0"/>
           </a:p>
         </p:txBody>
       </p:sp>
@@ -15264,18 +14875,17 @@
           <a:lstStyle/>
           <a:p>
             <a:r>
-              <a:rPr lang="ru-RU" dirty="0" smtClean="0"/>
+              <a:rPr lang="ru-RU" dirty="0"/>
               <a:t>Создание класса модели в </a:t>
             </a:r>
             <a:r>
-              <a:rPr lang="en-US" dirty="0" err="1" smtClean="0"/>
+              <a:rPr lang="en-US" dirty="0" err="1"/>
               <a:t>Django</a:t>
             </a:r>
             <a:r>
-              <a:rPr lang="en-US" dirty="0" smtClean="0"/>
+              <a:rPr lang="en-US" dirty="0"/>
               <a:t> ORM</a:t>
             </a:r>
-            <a:endParaRPr lang="en-US" dirty="0"/>
           </a:p>
         </p:txBody>
       </p:sp>
@@ -15295,59 +14905,59 @@
           <a:lstStyle/>
           <a:p>
             <a:r>
-              <a:rPr lang="ru-RU" dirty="0" smtClean="0"/>
+              <a:rPr lang="ru-RU" dirty="0"/>
               <a:t>Каждый класс должен быть наследником класса </a:t>
             </a:r>
             <a:r>
-              <a:rPr lang="en-US" dirty="0" smtClean="0"/>
+              <a:rPr lang="en-US" dirty="0"/>
               <a:t>Model </a:t>
             </a:r>
             <a:r>
-              <a:rPr lang="ru-RU" dirty="0" smtClean="0"/>
+              <a:rPr lang="ru-RU" dirty="0"/>
               <a:t>и расположен в модуле</a:t>
             </a:r>
             <a:r>
-              <a:rPr lang="en-US" dirty="0" smtClean="0"/>
+              <a:rPr lang="en-US" dirty="0"/>
               <a:t> models.py</a:t>
             </a:r>
             <a:r>
-              <a:rPr lang="ru-RU" dirty="0" smtClean="0"/>
+              <a:rPr lang="ru-RU" dirty="0"/>
               <a:t> приложения</a:t>
             </a:r>
-            <a:endParaRPr lang="en-US" dirty="0" smtClean="0"/>
+            <a:endParaRPr lang="en-US" dirty="0"/>
           </a:p>
           <a:p>
             <a:pPr lvl="1"/>
             <a:r>
-              <a:rPr lang="en-US" dirty="0" smtClean="0"/>
+              <a:rPr lang="en-US" dirty="0"/>
               <a:t>Model </a:t>
             </a:r>
             <a:r>
-              <a:rPr lang="ru-RU" dirty="0" smtClean="0"/>
+              <a:rPr lang="ru-RU" dirty="0"/>
               <a:t>добавляет</a:t>
             </a:r>
             <a:r>
-              <a:rPr lang="en-US" dirty="0" smtClean="0"/>
+              <a:rPr lang="en-US" dirty="0"/>
               <a:t> ORM </a:t>
             </a:r>
             <a:r>
-              <a:rPr lang="ru-RU" dirty="0" smtClean="0"/>
+              <a:rPr lang="ru-RU" dirty="0"/>
               <a:t>методы</a:t>
             </a:r>
             <a:r>
-              <a:rPr lang="en-US" dirty="0" smtClean="0"/>
+              <a:rPr lang="en-US" dirty="0"/>
               <a:t>, </a:t>
             </a:r>
             <a:r>
-              <a:rPr lang="ru-RU" dirty="0" smtClean="0"/>
+              <a:rPr lang="ru-RU" dirty="0"/>
               <a:t>такие как</a:t>
             </a:r>
             <a:r>
-              <a:rPr lang="en-US" dirty="0" smtClean="0"/>
+              <a:rPr lang="en-US" dirty="0"/>
               <a:t> </a:t>
             </a:r>
             <a:r>
-              <a:rPr lang="en-US" b="1" dirty="0" smtClean="0">
+              <a:rPr lang="en-US" b="1" dirty="0">
                 <a:latin typeface="Consolas" panose="020B0609020204030204" pitchFamily="49" charset="0"/>
                 <a:cs typeface="Consolas" panose="020B0609020204030204" pitchFamily="49" charset="0"/>
               </a:rPr>
@@ -15358,24 +14968,24 @@
               <a:t>,</a:t>
             </a:r>
             <a:r>
-              <a:rPr lang="en-US" dirty="0" smtClean="0"/>
+              <a:rPr lang="en-US" dirty="0"/>
               <a:t> </a:t>
             </a:r>
             <a:r>
-              <a:rPr lang="en-US" b="1" dirty="0" smtClean="0">
+              <a:rPr lang="en-US" b="1" dirty="0">
                 <a:latin typeface="Consolas" panose="020B0609020204030204" pitchFamily="49" charset="0"/>
                 <a:cs typeface="Consolas" panose="020B0609020204030204" pitchFamily="49" charset="0"/>
               </a:rPr>
               <a:t>delete()</a:t>
             </a:r>
             <a:r>
-              <a:rPr lang="ru-RU" b="1" dirty="0" smtClean="0">
+              <a:rPr lang="ru-RU" b="1" dirty="0">
                 <a:latin typeface="Consolas" panose="020B0609020204030204" pitchFamily="49" charset="0"/>
                 <a:cs typeface="Consolas" panose="020B0609020204030204" pitchFamily="49" charset="0"/>
               </a:rPr>
               <a:t> и т.д.</a:t>
             </a:r>
-            <a:endParaRPr lang="en-US" b="1" dirty="0" smtClean="0">
+            <a:endParaRPr lang="en-US" b="1" dirty="0">
               <a:latin typeface="Consolas" panose="020B0609020204030204" pitchFamily="49" charset="0"/>
               <a:cs typeface="Consolas" panose="020B0609020204030204" pitchFamily="49" charset="0"/>
             </a:endParaRPr>
@@ -15383,39 +14993,38 @@
           <a:p>
             <a:pPr lvl="1"/>
             <a:r>
-              <a:rPr lang="en-US" dirty="0" smtClean="0"/>
+              <a:rPr lang="en-US" dirty="0"/>
               <a:t>Model </a:t>
             </a:r>
             <a:r>
-              <a:rPr lang="ru-RU" dirty="0" smtClean="0"/>
+              <a:rPr lang="ru-RU" dirty="0"/>
               <a:t>добавляет коллекцию</a:t>
             </a:r>
             <a:r>
-              <a:rPr lang="en-US" dirty="0" smtClean="0"/>
+              <a:rPr lang="en-US" dirty="0"/>
               <a:t> </a:t>
             </a:r>
             <a:r>
-              <a:rPr lang="en-US" b="1" dirty="0" smtClean="0">
+              <a:rPr lang="en-US" b="1" dirty="0">
                 <a:latin typeface="Consolas" panose="020B0609020204030204" pitchFamily="49" charset="0"/>
                 <a:cs typeface="Consolas" panose="020B0609020204030204" pitchFamily="49" charset="0"/>
               </a:rPr>
               <a:t>objects</a:t>
             </a:r>
             <a:r>
-              <a:rPr lang="en-US" dirty="0" smtClean="0"/>
+              <a:rPr lang="en-US" dirty="0"/>
               <a:t> </a:t>
             </a:r>
             <a:r>
-              <a:rPr lang="ru-RU" dirty="0" smtClean="0"/>
+              <a:rPr lang="ru-RU" dirty="0"/>
               <a:t>как атрибут для запрашиваемых данных</a:t>
             </a:r>
-            <a:endParaRPr lang="ru-RU" dirty="0"/>
           </a:p>
           <a:p>
             <a:pPr marL="457046" lvl="1" indent="0">
               <a:buNone/>
             </a:pPr>
-            <a:endParaRPr lang="ru-RU" dirty="0" smtClean="0">
+            <a:endParaRPr lang="ru-RU" dirty="0">
               <a:solidFill>
                 <a:srgbClr val="0000FF"/>
               </a:solidFill>
@@ -15430,7 +15039,7 @@
               <a:buNone/>
             </a:pPr>
             <a:r>
-              <a:rPr lang="en-US" dirty="0" smtClean="0">
+              <a:rPr lang="en-US" dirty="0">
                 <a:solidFill>
                   <a:srgbClr val="0000FF"/>
                 </a:solidFill>
@@ -15442,7 +15051,7 @@
               <a:t>	class</a:t>
             </a:r>
             <a:r>
-              <a:rPr lang="en-US" dirty="0" smtClean="0">
+              <a:rPr lang="en-US" dirty="0">
                 <a:solidFill>
                   <a:srgbClr val="000000"/>
                 </a:solidFill>
@@ -15454,7 +15063,7 @@
               <a:t> </a:t>
             </a:r>
             <a:r>
-              <a:rPr lang="en-US" dirty="0" smtClean="0">
+              <a:rPr lang="en-US" dirty="0">
                 <a:solidFill>
                   <a:srgbClr val="2B91AF"/>
                 </a:solidFill>
@@ -15466,7 +15075,7 @@
               <a:t>Post</a:t>
             </a:r>
             <a:r>
-              <a:rPr lang="en-US" dirty="0" smtClean="0">
+              <a:rPr lang="en-US" dirty="0">
                 <a:solidFill>
                   <a:srgbClr val="000000"/>
                 </a:solidFill>
@@ -15478,7 +15087,7 @@
               <a:t>(</a:t>
             </a:r>
             <a:r>
-              <a:rPr lang="en-US" dirty="0" err="1" smtClean="0">
+              <a:rPr lang="en-US" dirty="0" err="1">
                 <a:solidFill>
                   <a:srgbClr val="6F008A"/>
                 </a:solidFill>
@@ -15490,7 +15099,7 @@
               <a:t>models</a:t>
             </a:r>
             <a:r>
-              <a:rPr lang="en-US" dirty="0" err="1" smtClean="0">
+              <a:rPr lang="en-US" dirty="0" err="1">
                 <a:solidFill>
                   <a:srgbClr val="000000"/>
                 </a:solidFill>
@@ -15502,7 +15111,7 @@
               <a:t>.</a:t>
             </a:r>
             <a:r>
-              <a:rPr lang="en-US" dirty="0" err="1" smtClean="0">
+              <a:rPr lang="en-US" dirty="0" err="1">
                 <a:solidFill>
                   <a:srgbClr val="2B91AF"/>
                 </a:solidFill>
@@ -15525,7 +15134,7 @@
               </a:rPr>
               <a:t>):</a:t>
             </a:r>
-            <a:endParaRPr lang="en-US" b="1" dirty="0" smtClean="0"/>
+            <a:endParaRPr lang="en-US" b="1" dirty="0"/>
           </a:p>
         </p:txBody>
       </p:sp>
@@ -15752,7 +15361,7 @@
           <a:lstStyle/>
           <a:p>
             <a:r>
-              <a:rPr lang="ru-RU" dirty="0" smtClean="0"/>
+              <a:rPr lang="ru-RU" dirty="0"/>
               <a:t>Добавление атрибутов</a:t>
             </a:r>
             <a:endParaRPr lang="en-US" dirty="0"/>
@@ -15780,52 +15389,52 @@
           <a:lstStyle/>
           <a:p>
             <a:r>
-              <a:rPr lang="ru-RU" dirty="0" smtClean="0"/>
+              <a:rPr lang="ru-RU" dirty="0"/>
               <a:t>Атрибуты становятся колонками в базе данных</a:t>
             </a:r>
-            <a:endParaRPr lang="en-US" dirty="0" smtClean="0"/>
-          </a:p>
-          <a:p>
-            <a:r>
-              <a:rPr lang="ru-RU" dirty="0" smtClean="0"/>
+            <a:endParaRPr lang="en-US" dirty="0"/>
+          </a:p>
+          <a:p>
+            <a:r>
+              <a:rPr lang="ru-RU" dirty="0"/>
               <a:t>Каждая колонка характеризуется</a:t>
             </a:r>
             <a:r>
-              <a:rPr lang="en-US" dirty="0" smtClean="0"/>
+              <a:rPr lang="en-US" dirty="0"/>
               <a:t>:</a:t>
             </a:r>
           </a:p>
           <a:p>
             <a:pPr lvl="1"/>
             <a:r>
-              <a:rPr lang="ru-RU" dirty="0" smtClean="0"/>
+              <a:rPr lang="ru-RU" dirty="0"/>
               <a:t>Типом данных</a:t>
             </a:r>
-            <a:endParaRPr lang="en-US" dirty="0" smtClean="0"/>
+            <a:endParaRPr lang="en-US" dirty="0"/>
           </a:p>
           <a:p>
             <a:pPr lvl="1"/>
             <a:r>
-              <a:rPr lang="ru-RU" dirty="0" smtClean="0"/>
+              <a:rPr lang="ru-RU" dirty="0"/>
               <a:t>Размером</a:t>
             </a:r>
-            <a:endParaRPr lang="en-US" dirty="0" smtClean="0"/>
+            <a:endParaRPr lang="en-US" dirty="0"/>
           </a:p>
           <a:p>
             <a:pPr lvl="1"/>
             <a:r>
-              <a:rPr lang="ru-RU" dirty="0" smtClean="0"/>
+              <a:rPr lang="ru-RU" dirty="0"/>
               <a:t>Дополнительными параметрами</a:t>
             </a:r>
             <a:endParaRPr lang="en-US" dirty="0"/>
           </a:p>
           <a:p>
             <a:r>
-              <a:rPr lang="ru-RU" dirty="0" smtClean="0"/>
+              <a:rPr lang="ru-RU" dirty="0"/>
               <a:t>Синтаксис</a:t>
             </a:r>
             <a:r>
-              <a:rPr lang="en-US" dirty="0" smtClean="0"/>
+              <a:rPr lang="en-US" dirty="0"/>
               <a:t>:</a:t>
             </a:r>
           </a:p>
@@ -15834,35 +15443,35 @@
               <a:buNone/>
             </a:pPr>
             <a:r>
-              <a:rPr lang="en-US" b="1" dirty="0" smtClean="0">
+              <a:rPr lang="en-US" b="1" dirty="0">
                 <a:latin typeface="Consolas" panose="020B0609020204030204" pitchFamily="49" charset="0"/>
                 <a:cs typeface="Consolas" panose="020B0609020204030204" pitchFamily="49" charset="0"/>
               </a:rPr>
               <a:t>	</a:t>
             </a:r>
             <a:r>
-              <a:rPr lang="en-US" b="1" dirty="0" err="1" smtClean="0">
+              <a:rPr lang="en-US" b="1" dirty="0" err="1">
                 <a:latin typeface="Consolas" panose="020B0609020204030204" pitchFamily="49" charset="0"/>
                 <a:cs typeface="Consolas" panose="020B0609020204030204" pitchFamily="49" charset="0"/>
               </a:rPr>
               <a:t>attr_name</a:t>
             </a:r>
             <a:r>
-              <a:rPr lang="en-US" b="1" dirty="0" smtClean="0">
+              <a:rPr lang="en-US" b="1" dirty="0">
                 <a:latin typeface="Consolas" panose="020B0609020204030204" pitchFamily="49" charset="0"/>
                 <a:cs typeface="Consolas" panose="020B0609020204030204" pitchFamily="49" charset="0"/>
               </a:rPr>
               <a:t> = </a:t>
             </a:r>
             <a:r>
-              <a:rPr lang="en-US" b="1" dirty="0" err="1" smtClean="0">
+              <a:rPr lang="en-US" b="1" dirty="0" err="1">
                 <a:latin typeface="Consolas" panose="020B0609020204030204" pitchFamily="49" charset="0"/>
                 <a:cs typeface="Consolas" panose="020B0609020204030204" pitchFamily="49" charset="0"/>
               </a:rPr>
               <a:t>models.</a:t>
             </a:r>
             <a:r>
-              <a:rPr lang="en-US" b="1" i="1" dirty="0" err="1" smtClean="0">
+              <a:rPr lang="en-US" b="1" i="1" dirty="0" err="1">
                 <a:solidFill>
                   <a:srgbClr val="FF0000"/>
                 </a:solidFill>
@@ -15872,7 +15481,7 @@
               <a:t>Type</a:t>
             </a:r>
             <a:r>
-              <a:rPr lang="en-US" b="1" dirty="0" smtClean="0">
+              <a:rPr lang="en-US" b="1" dirty="0">
                 <a:latin typeface="Consolas" panose="020B0609020204030204" pitchFamily="49" charset="0"/>
                 <a:cs typeface="Consolas" panose="020B0609020204030204" pitchFamily="49" charset="0"/>
               </a:rPr>
@@ -15993,7 +15602,7 @@
           <a:p>
             <a:pPr defTabSz="914400"/>
             <a:r>
-              <a:rPr lang="ru-RU" dirty="0" smtClean="0">
+              <a:rPr lang="ru-RU" dirty="0">
                 <a:solidFill>
                   <a:prstClr val="black"/>
                 </a:solidFill>
@@ -16032,7 +15641,7 @@
           <a:p>
             <a:pPr defTabSz="914400"/>
             <a:r>
-              <a:rPr lang="ru-RU" dirty="0" smtClean="0">
+              <a:rPr lang="ru-RU" dirty="0">
                 <a:solidFill>
                   <a:prstClr val="black"/>
                 </a:solidFill>
@@ -16040,7 +15649,7 @@
               <a:t>Размер</a:t>
             </a:r>
             <a:r>
-              <a:rPr lang="en-CA" dirty="0" smtClean="0">
+              <a:rPr lang="en-CA" dirty="0">
                 <a:solidFill>
                   <a:prstClr val="black"/>
                 </a:solidFill>
@@ -16048,7 +15657,7 @@
               <a:t>, </a:t>
             </a:r>
             <a:r>
-              <a:rPr lang="ru-RU" dirty="0" smtClean="0">
+              <a:rPr lang="ru-RU" dirty="0">
                 <a:solidFill>
                   <a:prstClr val="black"/>
                 </a:solidFill>
@@ -16634,7 +16243,7 @@
         </p:nvGraphicFramePr>
         <p:xfrm>
           <a:off x="284636" y="1245477"/>
-          <a:ext cx="8643324" cy="4907280"/>
+          <a:ext cx="8643324" cy="4676648"/>
         </p:xfrm>
         <a:graphic>
           <a:graphicData uri="http://schemas.openxmlformats.org/drawingml/2006/table">
@@ -17198,13 +16807,6 @@
   <p:clrMapOvr>
     <a:masterClrMapping/>
   </p:clrMapOvr>
-  <p:timing>
-    <p:tnLst>
-      <p:par>
-        <p:cTn id="1" dur="indefinite" restart="never" nodeType="tmRoot"/>
-      </p:par>
-    </p:tnLst>
-  </p:timing>
 </p:sld>
 </file>
 
@@ -17261,7 +16863,7 @@
         </p:nvGraphicFramePr>
         <p:xfrm>
           <a:off x="284636" y="1144392"/>
-          <a:ext cx="8643324" cy="4942843"/>
+          <a:ext cx="8643324" cy="4769869"/>
         </p:xfrm>
         <a:graphic>
           <a:graphicData uri="http://schemas.openxmlformats.org/drawingml/2006/table">
@@ -17465,7 +17067,7 @@
                         </a:spcAft>
                       </a:pPr>
                       <a:r>
-                        <a:rPr lang="ru-RU" sz="2800" dirty="0" smtClean="0">
+                        <a:rPr lang="ru-RU" sz="2800" dirty="0">
                           <a:effectLst/>
                         </a:rPr>
                         <a:t>Текст</a:t>
@@ -17572,7 +17174,7 @@
                         </a:spcAft>
                       </a:pPr>
                       <a:r>
-                        <a:rPr lang="en-US" sz="2800" kern="1200" dirty="0" err="1" smtClean="0">
+                        <a:rPr lang="en-US" sz="2800" kern="1200" dirty="0" err="1">
                           <a:effectLst/>
                         </a:rPr>
                         <a:t>EmailField</a:t>
@@ -17604,7 +17206,7 @@
                         </a:spcAft>
                       </a:pPr>
                       <a:r>
-                        <a:rPr lang="ru-RU" sz="2800" kern="1200" dirty="0" smtClean="0">
+                        <a:rPr lang="ru-RU" sz="2800" kern="1200" dirty="0">
                           <a:effectLst/>
                         </a:rPr>
                         <a:t>Адрес электронной почты</a:t>
@@ -17643,7 +17245,7 @@
                         </a:spcAft>
                       </a:pPr>
                       <a:r>
-                        <a:rPr lang="en-US" sz="2800" kern="1200" dirty="0" err="1" smtClean="0">
+                        <a:rPr lang="en-US" sz="2800" kern="1200" dirty="0" err="1">
                           <a:effectLst/>
                         </a:rPr>
                         <a:t>URLField</a:t>
@@ -17675,7 +17277,7 @@
                         </a:spcAft>
                       </a:pPr>
                       <a:r>
-                        <a:rPr lang="ru-RU" sz="2800" kern="1200" dirty="0" smtClean="0">
+                        <a:rPr lang="ru-RU" sz="2800" kern="1200" dirty="0">
                           <a:effectLst/>
                         </a:rPr>
                         <a:t>Интернет-адрес</a:t>
@@ -17714,7 +17316,7 @@
                         </a:spcAft>
                       </a:pPr>
                       <a:r>
-                        <a:rPr lang="en-US" sz="2800" dirty="0" err="1" smtClean="0">
+                        <a:rPr lang="en-US" sz="2800" dirty="0" err="1">
                           <a:effectLst/>
                         </a:rPr>
                         <a:t>IPAddressField</a:t>
@@ -17743,19 +17345,19 @@
                         </a:spcAft>
                       </a:pPr>
                       <a:r>
-                        <a:rPr lang="en-US" sz="2800" dirty="0" smtClean="0">
+                        <a:rPr lang="en-US" sz="2800" dirty="0">
                           <a:effectLst/>
                         </a:rPr>
                         <a:t>I</a:t>
                       </a:r>
                       <a:r>
-                        <a:rPr lang="ru-RU" sz="2800" dirty="0" smtClean="0">
+                        <a:rPr lang="ru-RU" sz="2800" dirty="0">
                           <a:effectLst/>
                         </a:rPr>
                         <a:t>Р-адрес протокола 1</a:t>
                       </a:r>
                       <a:r>
-                        <a:rPr lang="en-US" sz="2800" dirty="0" smtClean="0">
+                        <a:rPr lang="en-US" sz="2800" dirty="0">
                           <a:effectLst/>
                         </a:rPr>
                         <a:t>Pv4</a:t>
@@ -17790,13 +17392,6 @@
   <p:clrMapOvr>
     <a:masterClrMapping/>
   </p:clrMapOvr>
-  <p:timing>
-    <p:tnLst>
-      <p:par>
-        <p:cTn id="1" dur="indefinite" restart="never" nodeType="tmRoot"/>
-      </p:par>
-    </p:tnLst>
-  </p:timing>
 </p:sld>
 </file>
 
@@ -17835,7 +17430,7 @@
           <a:lstStyle/>
           <a:p>
             <a:r>
-              <a:rPr lang="ru-RU" dirty="0" smtClean="0"/>
+              <a:rPr lang="ru-RU" dirty="0"/>
               <a:t>Создание строковых полей</a:t>
             </a:r>
             <a:endParaRPr lang="en-US" dirty="0"/>
@@ -17860,168 +17455,164 @@
           <a:lstStyle/>
           <a:p>
             <a:r>
-              <a:rPr lang="ru-RU" dirty="0" smtClean="0"/>
+              <a:rPr lang="ru-RU" dirty="0"/>
               <a:t>Синтаксис</a:t>
             </a:r>
-            <a:endParaRPr lang="en-US" dirty="0" smtClean="0"/>
+            <a:endParaRPr lang="en-US" dirty="0"/>
           </a:p>
           <a:p>
             <a:pPr lvl="1"/>
             <a:r>
-              <a:rPr lang="en-US" dirty="0" smtClean="0">
+              <a:rPr lang="en-US" dirty="0">
                 <a:latin typeface="Consolas" panose="020B0609020204030204" pitchFamily="49" charset="0"/>
                 <a:cs typeface="Consolas" panose="020B0609020204030204" pitchFamily="49" charset="0"/>
               </a:rPr>
               <a:t>name = </a:t>
             </a:r>
             <a:r>
-              <a:rPr lang="en-US" dirty="0" err="1" smtClean="0">
+              <a:rPr lang="en-US" dirty="0" err="1">
                 <a:latin typeface="Consolas" panose="020B0609020204030204" pitchFamily="49" charset="0"/>
                 <a:cs typeface="Consolas" panose="020B0609020204030204" pitchFamily="49" charset="0"/>
               </a:rPr>
               <a:t>models.CharField</a:t>
             </a:r>
             <a:r>
-              <a:rPr lang="en-US" dirty="0" smtClean="0">
+              <a:rPr lang="en-US" dirty="0">
                 <a:latin typeface="Consolas" panose="020B0609020204030204" pitchFamily="49" charset="0"/>
                 <a:cs typeface="Consolas" panose="020B0609020204030204" pitchFamily="49" charset="0"/>
               </a:rPr>
               <a:t>(parameters)</a:t>
             </a:r>
-            <a:endParaRPr lang="en-US" dirty="0">
-              <a:latin typeface="Consolas" panose="020B0609020204030204" pitchFamily="49" charset="0"/>
-              <a:cs typeface="Consolas" panose="020B0609020204030204" pitchFamily="49" charset="0"/>
-            </a:endParaRPr>
-          </a:p>
-          <a:p>
-            <a:r>
-              <a:rPr lang="ru-RU" dirty="0" smtClean="0"/>
+          </a:p>
+          <a:p>
+            <a:r>
+              <a:rPr lang="ru-RU" dirty="0"/>
               <a:t>Параметры</a:t>
             </a:r>
-            <a:endParaRPr lang="en-US" dirty="0" smtClean="0"/>
+            <a:endParaRPr lang="en-US" dirty="0"/>
           </a:p>
           <a:p>
             <a:pPr lvl="1"/>
             <a:r>
-              <a:rPr lang="en-US" dirty="0" err="1" smtClean="0"/>
+              <a:rPr lang="en-US" dirty="0" err="1"/>
               <a:t>max_length</a:t>
             </a:r>
-            <a:endParaRPr lang="en-US" dirty="0" smtClean="0"/>
+            <a:endParaRPr lang="en-US" dirty="0"/>
           </a:p>
           <a:p>
             <a:pPr lvl="2"/>
             <a:r>
-              <a:rPr lang="ru-RU" dirty="0" smtClean="0"/>
+              <a:rPr lang="ru-RU" dirty="0"/>
               <a:t>Целое число для представления максимального количества символов</a:t>
             </a:r>
-            <a:endParaRPr lang="en-US" dirty="0" smtClean="0"/>
+            <a:endParaRPr lang="en-US" dirty="0"/>
           </a:p>
           <a:p>
             <a:pPr lvl="1"/>
             <a:r>
-              <a:rPr lang="en-US" dirty="0" smtClean="0"/>
+              <a:rPr lang="en-US" dirty="0"/>
               <a:t>null</a:t>
             </a:r>
           </a:p>
           <a:p>
             <a:pPr lvl="2"/>
             <a:r>
-              <a:rPr lang="ru-RU" dirty="0" err="1" smtClean="0"/>
+              <a:rPr lang="ru-RU" dirty="0" err="1"/>
               <a:t>Булевое</a:t>
             </a:r>
             <a:r>
-              <a:rPr lang="ru-RU" dirty="0" smtClean="0"/>
+              <a:rPr lang="ru-RU" dirty="0"/>
               <a:t> если поле допускает пустые</a:t>
             </a:r>
             <a:r>
-              <a:rPr lang="en-US" dirty="0" smtClean="0"/>
+              <a:rPr lang="en-US" dirty="0"/>
               <a:t> </a:t>
             </a:r>
             <a:r>
-              <a:rPr lang="ru-RU" dirty="0" smtClean="0"/>
+              <a:rPr lang="ru-RU" dirty="0"/>
               <a:t>(</a:t>
             </a:r>
             <a:r>
-              <a:rPr lang="en-US" dirty="0" smtClean="0"/>
+              <a:rPr lang="en-US" dirty="0"/>
               <a:t>null</a:t>
             </a:r>
             <a:r>
-              <a:rPr lang="ru-RU" dirty="0" smtClean="0"/>
+              <a:rPr lang="ru-RU" dirty="0"/>
               <a:t>)</a:t>
             </a:r>
             <a:r>
-              <a:rPr lang="en-US" dirty="0" smtClean="0"/>
+              <a:rPr lang="en-US" dirty="0"/>
               <a:t> </a:t>
             </a:r>
             <a:r>
-              <a:rPr lang="ru-RU" dirty="0" smtClean="0"/>
+              <a:rPr lang="ru-RU" dirty="0"/>
               <a:t>значения</a:t>
             </a:r>
             <a:r>
-              <a:rPr lang="en-US" dirty="0" smtClean="0"/>
+              <a:rPr lang="en-US" dirty="0"/>
               <a:t>. </a:t>
             </a:r>
             <a:r>
-              <a:rPr lang="en-US" b="1" dirty="0" smtClean="0"/>
+              <a:rPr lang="en-US" b="1" dirty="0"/>
               <a:t>False </a:t>
             </a:r>
             <a:r>
-              <a:rPr lang="ru-RU" b="1" dirty="0" smtClean="0"/>
+              <a:rPr lang="ru-RU" b="1" dirty="0"/>
               <a:t>по умолчанию</a:t>
             </a:r>
             <a:r>
-              <a:rPr lang="en-US" dirty="0" smtClean="0"/>
+              <a:rPr lang="en-US" dirty="0"/>
               <a:t>.</a:t>
             </a:r>
           </a:p>
           <a:p>
             <a:pPr lvl="1"/>
             <a:r>
-              <a:rPr lang="en-US" dirty="0" smtClean="0"/>
+              <a:rPr lang="en-US" dirty="0"/>
               <a:t>blank</a:t>
             </a:r>
           </a:p>
           <a:p>
             <a:pPr lvl="2"/>
             <a:r>
-              <a:rPr lang="ru-RU" dirty="0" err="1" smtClean="0"/>
+              <a:rPr lang="ru-RU" dirty="0" err="1"/>
               <a:t>Булевое</a:t>
             </a:r>
             <a:r>
-              <a:rPr lang="ru-RU" dirty="0" smtClean="0"/>
+              <a:rPr lang="ru-RU" dirty="0"/>
               <a:t> для индикации, что возможна пустая строка</a:t>
             </a:r>
             <a:r>
-              <a:rPr lang="en-US" dirty="0" smtClean="0"/>
+              <a:rPr lang="en-US" dirty="0"/>
               <a:t>. </a:t>
             </a:r>
             <a:r>
-              <a:rPr lang="en-US" b="1" dirty="0" smtClean="0"/>
+              <a:rPr lang="en-US" b="1" dirty="0"/>
               <a:t>False </a:t>
             </a:r>
             <a:r>
-              <a:rPr lang="ru-RU" b="1" dirty="0" smtClean="0"/>
+              <a:rPr lang="ru-RU" b="1" dirty="0"/>
               <a:t>по умолчанию</a:t>
             </a:r>
             <a:r>
-              <a:rPr lang="en-US" dirty="0" smtClean="0"/>
+              <a:rPr lang="en-US" dirty="0"/>
               <a:t>.</a:t>
             </a:r>
           </a:p>
           <a:p>
             <a:pPr lvl="1"/>
             <a:r>
-              <a:rPr lang="en-US" dirty="0" smtClean="0"/>
+              <a:rPr lang="en-US" dirty="0"/>
               <a:t>default</a:t>
             </a:r>
           </a:p>
           <a:p>
             <a:pPr lvl="2"/>
             <a:r>
-              <a:rPr lang="ru-RU" dirty="0" smtClean="0"/>
+              <a:rPr lang="ru-RU" dirty="0"/>
               <a:t>Значение по умолчанию, если другое не задано</a:t>
             </a:r>
-            <a:endParaRPr lang="en-US" dirty="0" smtClean="0"/>
+            <a:endParaRPr lang="en-US" dirty="0"/>
           </a:p>
           <a:p>
             <a:pPr lvl="1"/>
@@ -18557,14 +18148,13 @@
           <a:lstStyle/>
           <a:p>
             <a:r>
-              <a:rPr lang="ru-RU" dirty="0" smtClean="0"/>
+              <a:rPr lang="ru-RU" dirty="0"/>
               <a:t>Что такое модель</a:t>
             </a:r>
             <a:r>
-              <a:rPr lang="en-US" dirty="0" smtClean="0"/>
+              <a:rPr lang="en-US" dirty="0"/>
               <a:t>?</a:t>
             </a:r>
-            <a:endParaRPr lang="en-US" dirty="0"/>
           </a:p>
         </p:txBody>
       </p:sp>
@@ -18589,61 +18179,61 @@
           <a:lstStyle/>
           <a:p>
             <a:r>
-              <a:rPr lang="ru-RU" sz="3200" dirty="0" smtClean="0"/>
+              <a:rPr lang="ru-RU" sz="3200" dirty="0"/>
               <a:t>В </a:t>
             </a:r>
             <a:r>
-              <a:rPr lang="en-US" sz="3200" dirty="0" err="1" smtClean="0"/>
+              <a:rPr lang="en-US" sz="3200" dirty="0" err="1"/>
               <a:t>Django</a:t>
             </a:r>
             <a:r>
-              <a:rPr lang="en-US" sz="3200" dirty="0" smtClean="0"/>
+              <a:rPr lang="en-US" sz="3200" dirty="0"/>
               <a:t> </a:t>
             </a:r>
             <a:r>
-              <a:rPr lang="ru-RU" sz="3200" dirty="0" smtClean="0"/>
+              <a:rPr lang="ru-RU" sz="3200" dirty="0"/>
               <a:t>используется модель </a:t>
             </a:r>
             <a:r>
-              <a:rPr lang="en-US" sz="3200" dirty="0" smtClean="0"/>
+              <a:rPr lang="en-US" sz="3200" dirty="0"/>
               <a:t>MVT (Model/View/Template)</a:t>
             </a:r>
           </a:p>
           <a:p>
-            <a:endParaRPr lang="en-US" sz="3200" dirty="0" smtClean="0"/>
+            <a:endParaRPr lang="en-US" sz="3200" dirty="0"/>
           </a:p>
           <a:p>
             <a:pPr lvl="1"/>
             <a:r>
-              <a:rPr lang="ru-RU" sz="3200" b="1" dirty="0" smtClean="0"/>
+              <a:rPr lang="ru-RU" sz="3200" b="1" dirty="0"/>
               <a:t>Модель </a:t>
             </a:r>
             <a:r>
-              <a:rPr lang="ru-RU" sz="3200" dirty="0" smtClean="0"/>
+              <a:rPr lang="ru-RU" sz="3200" dirty="0"/>
               <a:t>это данные</a:t>
             </a:r>
-            <a:endParaRPr lang="en-US" sz="3200" dirty="0" smtClean="0"/>
+            <a:endParaRPr lang="en-US" sz="3200" dirty="0"/>
           </a:p>
           <a:p>
             <a:pPr lvl="1"/>
             <a:r>
-              <a:rPr lang="ru-RU" sz="3200" b="1" dirty="0" smtClean="0"/>
+              <a:rPr lang="ru-RU" sz="3200" b="1" dirty="0"/>
               <a:t>Представление </a:t>
             </a:r>
             <a:r>
-              <a:rPr lang="ru-RU" sz="3200" dirty="0" smtClean="0"/>
+              <a:rPr lang="ru-RU" sz="3200" dirty="0"/>
               <a:t>это по сути контроллер, который обрабатывает пользовательские запросы и возвращает результат</a:t>
             </a:r>
-            <a:endParaRPr lang="en-US" sz="3200" dirty="0" smtClean="0"/>
+            <a:endParaRPr lang="en-US" sz="3200" dirty="0"/>
           </a:p>
           <a:p>
             <a:pPr lvl="1"/>
             <a:r>
-              <a:rPr lang="ru-RU" sz="3200" b="1" dirty="0" smtClean="0"/>
+              <a:rPr lang="ru-RU" sz="3200" b="1" dirty="0"/>
               <a:t>Шаблон </a:t>
             </a:r>
             <a:r>
-              <a:rPr lang="ru-RU" sz="3200" dirty="0" smtClean="0"/>
+              <a:rPr lang="ru-RU" sz="3200" dirty="0"/>
               <a:t>это то, как пользователю будут представлены данные</a:t>
             </a:r>
             <a:endParaRPr lang="en-US" sz="3200" dirty="0"/>
@@ -18873,7 +18463,7 @@
           <a:lstStyle/>
           <a:p>
             <a:r>
-              <a:rPr lang="ru-RU" dirty="0" smtClean="0"/>
+              <a:rPr lang="ru-RU" dirty="0"/>
               <a:t>Создание целочисленных полей</a:t>
             </a:r>
             <a:endParaRPr lang="en-US" dirty="0"/>
@@ -18896,29 +18486,29 @@
           <a:lstStyle/>
           <a:p>
             <a:r>
-              <a:rPr lang="ru-RU" dirty="0" smtClean="0"/>
+              <a:rPr lang="ru-RU" dirty="0"/>
               <a:t>Синтаксис</a:t>
             </a:r>
-            <a:endParaRPr lang="en-US" dirty="0" smtClean="0"/>
+            <a:endParaRPr lang="en-US" dirty="0"/>
           </a:p>
           <a:p>
             <a:pPr lvl="1"/>
             <a:r>
-              <a:rPr lang="en-US" dirty="0" smtClean="0">
+              <a:rPr lang="en-US" dirty="0">
                 <a:latin typeface="Consolas" panose="020B0609020204030204" pitchFamily="49" charset="0"/>
                 <a:cs typeface="Consolas" panose="020B0609020204030204" pitchFamily="49" charset="0"/>
               </a:rPr>
               <a:t>name = </a:t>
             </a:r>
             <a:r>
-              <a:rPr lang="en-US" dirty="0" err="1" smtClean="0">
+              <a:rPr lang="en-US" dirty="0" err="1">
                 <a:latin typeface="Consolas" panose="020B0609020204030204" pitchFamily="49" charset="0"/>
                 <a:cs typeface="Consolas" panose="020B0609020204030204" pitchFamily="49" charset="0"/>
               </a:rPr>
               <a:t>models.IntegerField</a:t>
             </a:r>
             <a:r>
-              <a:rPr lang="en-US" dirty="0" smtClean="0">
+              <a:rPr lang="en-US" dirty="0">
                 <a:latin typeface="Consolas" panose="020B0609020204030204" pitchFamily="49" charset="0"/>
                 <a:cs typeface="Consolas" panose="020B0609020204030204" pitchFamily="49" charset="0"/>
               </a:rPr>
@@ -18927,39 +18517,38 @@
           </a:p>
           <a:p>
             <a:r>
-              <a:rPr lang="ru-RU" dirty="0" smtClean="0"/>
+              <a:rPr lang="ru-RU" dirty="0"/>
               <a:t>Параметры</a:t>
             </a:r>
-            <a:endParaRPr lang="en-US" dirty="0" smtClean="0"/>
+            <a:endParaRPr lang="en-US" dirty="0"/>
           </a:p>
           <a:p>
             <a:pPr lvl="1"/>
             <a:r>
-              <a:rPr lang="en-US" dirty="0" smtClean="0"/>
+              <a:rPr lang="en-US" dirty="0"/>
               <a:t>null</a:t>
             </a:r>
-            <a:endParaRPr lang="en-US" dirty="0"/>
           </a:p>
           <a:p>
             <a:pPr lvl="2"/>
             <a:r>
-              <a:rPr lang="ru-RU" dirty="0" err="1" smtClean="0"/>
+              <a:rPr lang="ru-RU" dirty="0" err="1"/>
               <a:t>Булевое</a:t>
             </a:r>
             <a:r>
-              <a:rPr lang="ru-RU" dirty="0" smtClean="0"/>
+              <a:rPr lang="ru-RU" dirty="0"/>
               <a:t> если поле допускает пустое (</a:t>
             </a:r>
             <a:r>
-              <a:rPr lang="en-US" dirty="0" smtClean="0"/>
+              <a:rPr lang="en-US" dirty="0"/>
               <a:t>null)</a:t>
             </a:r>
             <a:r>
-              <a:rPr lang="ru-RU" dirty="0" smtClean="0"/>
+              <a:rPr lang="ru-RU" dirty="0"/>
               <a:t> значение</a:t>
             </a:r>
             <a:r>
-              <a:rPr lang="en-US" dirty="0" smtClean="0"/>
+              <a:rPr lang="en-US" dirty="0"/>
               <a:t>. </a:t>
             </a:r>
             <a:r>
@@ -18967,22 +18556,20 @@
               <a:t>False </a:t>
             </a:r>
             <a:r>
-              <a:rPr lang="ru-RU" b="1" dirty="0" smtClean="0"/>
+              <a:rPr lang="ru-RU" b="1" dirty="0"/>
               <a:t>по умолчанию</a:t>
             </a:r>
             <a:r>
-              <a:rPr lang="en-US" dirty="0" smtClean="0"/>
+              <a:rPr lang="en-US" dirty="0"/>
               <a:t>.</a:t>
             </a:r>
-            <a:endParaRPr lang="en-US" dirty="0"/>
           </a:p>
           <a:p>
             <a:pPr lvl="1"/>
             <a:r>
-              <a:rPr lang="en-US" dirty="0" smtClean="0"/>
+              <a:rPr lang="en-US" dirty="0"/>
               <a:t>default</a:t>
             </a:r>
-            <a:endParaRPr lang="en-US" dirty="0"/>
           </a:p>
           <a:p>
             <a:pPr lvl="2"/>
@@ -19348,7 +18935,7 @@
           <a:lstStyle/>
           <a:p>
             <a:r>
-              <a:rPr lang="ru-RU" dirty="0" smtClean="0"/>
+              <a:rPr lang="ru-RU" dirty="0"/>
               <a:t>Создание модели сообщение в блоге</a:t>
             </a:r>
             <a:endParaRPr lang="en-US" dirty="0"/>
@@ -19365,13 +18952,6 @@
   <p:clrMapOvr>
     <a:masterClrMapping/>
   </p:clrMapOvr>
-  <p:timing>
-    <p:tnLst>
-      <p:par>
-        <p:cTn id="1" dur="indefinite" restart="never" nodeType="tmRoot"/>
-      </p:par>
-    </p:tnLst>
-  </p:timing>
 </p:sld>
 </file>
 
@@ -19415,7 +18995,7 @@
           <a:lstStyle/>
           <a:p>
             <a:r>
-              <a:rPr lang="ru-RU" dirty="0" smtClean="0"/>
+              <a:rPr lang="ru-RU" dirty="0"/>
               <a:t>Первичные ключи</a:t>
             </a:r>
             <a:endParaRPr lang="en-US" dirty="0"/>
@@ -19438,22 +19018,22 @@
           <a:lstStyle/>
           <a:p>
             <a:r>
-              <a:rPr lang="ru-RU" dirty="0" smtClean="0"/>
+              <a:rPr lang="ru-RU" dirty="0"/>
               <a:t>Каждая таблица базы данных должна иметь первичный ключ</a:t>
             </a:r>
-            <a:endParaRPr lang="en-US" dirty="0" smtClean="0"/>
-          </a:p>
-          <a:p>
-            <a:r>
-              <a:rPr lang="ru-RU" dirty="0" smtClean="0"/>
+            <a:endParaRPr lang="en-US" dirty="0"/>
+          </a:p>
+          <a:p>
+            <a:r>
+              <a:rPr lang="ru-RU" dirty="0"/>
               <a:t>Первичный ключ как правило имеет имя</a:t>
             </a:r>
             <a:r>
-              <a:rPr lang="en-US" dirty="0" smtClean="0"/>
+              <a:rPr lang="en-US" dirty="0"/>
               <a:t> </a:t>
             </a:r>
             <a:r>
-              <a:rPr lang="en-US" dirty="0" smtClean="0">
+              <a:rPr lang="en-US" dirty="0">
                 <a:solidFill>
                   <a:srgbClr val="00B0F0"/>
                 </a:solidFill>
@@ -19461,37 +19041,37 @@
               <a:t>id</a:t>
             </a:r>
             <a:r>
-              <a:rPr lang="en-US" dirty="0" smtClean="0"/>
+              <a:rPr lang="en-US" dirty="0"/>
               <a:t>, </a:t>
             </a:r>
             <a:r>
-              <a:rPr lang="ru-RU" dirty="0" smtClean="0"/>
+              <a:rPr lang="ru-RU" dirty="0"/>
               <a:t>и является счетчиком</a:t>
             </a:r>
-            <a:endParaRPr lang="en-US" dirty="0" smtClean="0"/>
-          </a:p>
-          <a:p>
-            <a:r>
-              <a:rPr lang="en-US" dirty="0" smtClean="0"/>
+            <a:endParaRPr lang="en-US" dirty="0"/>
+          </a:p>
+          <a:p>
+            <a:r>
+              <a:rPr lang="en-US" dirty="0"/>
               <a:t>Django </a:t>
             </a:r>
             <a:r>
-              <a:rPr lang="ru-RU" dirty="0" smtClean="0"/>
+              <a:rPr lang="ru-RU" dirty="0"/>
               <a:t>все делает по умолчанию для нас</a:t>
             </a:r>
             <a:r>
-              <a:rPr lang="en-US" dirty="0" smtClean="0"/>
+              <a:rPr lang="en-US" dirty="0"/>
               <a:t>!</a:t>
             </a:r>
           </a:p>
           <a:p>
             <a:pPr lvl="1"/>
             <a:r>
-              <a:rPr lang="ru-RU" dirty="0" smtClean="0"/>
+              <a:rPr lang="ru-RU" dirty="0"/>
               <a:t>В модель неявным образом добавляется атрибут </a:t>
             </a:r>
             <a:r>
-              <a:rPr lang="en-US" dirty="0" smtClean="0">
+              <a:rPr lang="en-US" dirty="0">
                 <a:solidFill>
                   <a:srgbClr val="00B0F0"/>
                 </a:solidFill>
@@ -19499,7 +19079,7 @@
               <a:t>id</a:t>
             </a:r>
             <a:r>
-              <a:rPr lang="ru-RU" dirty="0" smtClean="0"/>
+              <a:rPr lang="ru-RU" dirty="0"/>
               <a:t>, который является автогенерируемым значением</a:t>
             </a:r>
             <a:endParaRPr lang="en-US" dirty="0"/>
@@ -19765,14 +19345,13 @@
           <a:lstStyle/>
           <a:p>
             <a:r>
-              <a:rPr lang="ru-RU" dirty="0" smtClean="0"/>
+              <a:rPr lang="ru-RU" dirty="0"/>
               <a:t>Что, если нужно настроить первичный ключ</a:t>
             </a:r>
             <a:r>
-              <a:rPr lang="en-US" dirty="0" smtClean="0"/>
+              <a:rPr lang="en-US" dirty="0"/>
               <a:t>?</a:t>
             </a:r>
-            <a:endParaRPr lang="en-US" dirty="0"/>
           </a:p>
         </p:txBody>
       </p:sp>
@@ -19797,35 +19376,35 @@
           <a:lstStyle/>
           <a:p>
             <a:r>
-              <a:rPr lang="ru-RU" sz="2800" dirty="0" smtClean="0"/>
+              <a:rPr lang="ru-RU" sz="2800" dirty="0"/>
               <a:t>Если это строковое поле или целочисленное</a:t>
             </a:r>
             <a:r>
-              <a:rPr lang="en-US" sz="2800" dirty="0" smtClean="0"/>
+              <a:rPr lang="en-US" sz="2800" dirty="0"/>
               <a:t>, </a:t>
             </a:r>
             <a:r>
-              <a:rPr lang="ru-RU" sz="2800" dirty="0" smtClean="0"/>
+              <a:rPr lang="ru-RU" sz="2800" dirty="0"/>
               <a:t>то нужно добавить</a:t>
             </a:r>
             <a:r>
-              <a:rPr lang="en-US" sz="2800" dirty="0" smtClean="0"/>
+              <a:rPr lang="en-US" sz="2800" dirty="0"/>
               <a:t> </a:t>
             </a:r>
             <a:r>
-              <a:rPr lang="en-US" sz="2800" b="1" dirty="0" err="1" smtClean="0"/>
+              <a:rPr lang="en-US" sz="2800" b="1" dirty="0" err="1"/>
               <a:t>primary_key</a:t>
             </a:r>
             <a:r>
-              <a:rPr lang="en-US" sz="2800" b="1" dirty="0" smtClean="0"/>
+              <a:rPr lang="en-US" sz="2800" b="1" dirty="0"/>
               <a:t>=True</a:t>
             </a:r>
             <a:r>
-              <a:rPr lang="en-US" sz="2800" dirty="0" smtClean="0"/>
+              <a:rPr lang="en-US" sz="2800" dirty="0"/>
               <a:t> </a:t>
             </a:r>
             <a:r>
-              <a:rPr lang="ru-RU" sz="2800" dirty="0" smtClean="0"/>
+              <a:rPr lang="ru-RU" sz="2800" dirty="0"/>
               <a:t>в конструкторы классов</a:t>
             </a:r>
           </a:p>
@@ -19834,35 +19413,35 @@
               <a:buNone/>
             </a:pPr>
             <a:r>
-              <a:rPr lang="en-US" sz="2800" dirty="0" smtClean="0">
+              <a:rPr lang="en-US" sz="2800" dirty="0">
                 <a:latin typeface="Consolas" panose="020B0609020204030204" pitchFamily="49" charset="0"/>
                 <a:cs typeface="Consolas" panose="020B0609020204030204" pitchFamily="49" charset="0"/>
               </a:rPr>
               <a:t>name = </a:t>
             </a:r>
             <a:r>
-              <a:rPr lang="en-US" sz="2800" dirty="0" err="1" smtClean="0">
+              <a:rPr lang="en-US" sz="2800" dirty="0" err="1">
                 <a:latin typeface="Consolas" panose="020B0609020204030204" pitchFamily="49" charset="0"/>
                 <a:cs typeface="Consolas" panose="020B0609020204030204" pitchFamily="49" charset="0"/>
               </a:rPr>
               <a:t>models.CharField</a:t>
             </a:r>
             <a:r>
-              <a:rPr lang="en-US" sz="2800" dirty="0" smtClean="0">
+              <a:rPr lang="en-US" sz="2800" dirty="0">
                 <a:latin typeface="Consolas" panose="020B0609020204030204" pitchFamily="49" charset="0"/>
                 <a:cs typeface="Consolas" panose="020B0609020204030204" pitchFamily="49" charset="0"/>
               </a:rPr>
               <a:t>(</a:t>
             </a:r>
             <a:r>
-              <a:rPr lang="en-US" sz="2800" dirty="0" err="1" smtClean="0">
+              <a:rPr lang="en-US" sz="2800" dirty="0" err="1">
                 <a:latin typeface="Consolas" panose="020B0609020204030204" pitchFamily="49" charset="0"/>
                 <a:cs typeface="Consolas" panose="020B0609020204030204" pitchFamily="49" charset="0"/>
               </a:rPr>
               <a:t>primary_key</a:t>
             </a:r>
             <a:r>
-              <a:rPr lang="en-US" sz="2800" dirty="0" smtClean="0">
+              <a:rPr lang="en-US" sz="2800" dirty="0">
                 <a:latin typeface="Consolas" panose="020B0609020204030204" pitchFamily="49" charset="0"/>
                 <a:cs typeface="Consolas" panose="020B0609020204030204" pitchFamily="49" charset="0"/>
               </a:rPr>
@@ -19878,75 +19457,68 @@
               <a:buNone/>
             </a:pPr>
             <a:r>
-              <a:rPr lang="en-US" sz="2800" dirty="0" err="1" smtClean="0">
+              <a:rPr lang="en-US" sz="2800" dirty="0" err="1">
                 <a:latin typeface="Consolas" panose="020B0609020204030204" pitchFamily="49" charset="0"/>
                 <a:cs typeface="Consolas" panose="020B0609020204030204" pitchFamily="49" charset="0"/>
               </a:rPr>
               <a:t>custom_id</a:t>
-            </a:r>
-            <a:r>
-              <a:rPr lang="en-US" sz="2800" dirty="0" smtClean="0">
-                <a:latin typeface="Consolas" panose="020B0609020204030204" pitchFamily="49" charset="0"/>
-                <a:cs typeface="Consolas" panose="020B0609020204030204" pitchFamily="49" charset="0"/>
-              </a:rPr>
-              <a:t> </a:t>
             </a:r>
             <a:r>
               <a:rPr lang="en-US" sz="2800" dirty="0">
                 <a:latin typeface="Consolas" panose="020B0609020204030204" pitchFamily="49" charset="0"/>
                 <a:cs typeface="Consolas" panose="020B0609020204030204" pitchFamily="49" charset="0"/>
               </a:rPr>
-              <a:t>= </a:t>
-            </a:r>
-            <a:r>
-              <a:rPr lang="en-US" sz="2800" dirty="0" err="1" smtClean="0">
+              <a:t> = </a:t>
+            </a:r>
+            <a:r>
+              <a:rPr lang="en-US" sz="2800" dirty="0" err="1">
                 <a:latin typeface="Consolas" panose="020B0609020204030204" pitchFamily="49" charset="0"/>
                 <a:cs typeface="Consolas" panose="020B0609020204030204" pitchFamily="49" charset="0"/>
               </a:rPr>
               <a:t>models.IntegerField</a:t>
             </a:r>
             <a:r>
-              <a:rPr lang="en-US" sz="2800" dirty="0" smtClean="0">
+              <a:rPr lang="en-US" sz="2800" dirty="0">
                 <a:latin typeface="Consolas" panose="020B0609020204030204" pitchFamily="49" charset="0"/>
                 <a:cs typeface="Consolas" panose="020B0609020204030204" pitchFamily="49" charset="0"/>
               </a:rPr>
               <a:t>(</a:t>
             </a:r>
             <a:r>
-              <a:rPr lang="en-US" sz="2800" dirty="0" err="1" smtClean="0">
+              <a:rPr lang="en-US" sz="2800" dirty="0" err="1">
                 <a:latin typeface="Consolas" panose="020B0609020204030204" pitchFamily="49" charset="0"/>
                 <a:cs typeface="Consolas" panose="020B0609020204030204" pitchFamily="49" charset="0"/>
               </a:rPr>
               <a:t>primary_key</a:t>
             </a:r>
             <a:r>
-              <a:rPr lang="en-US" sz="2800" dirty="0" smtClean="0">
+              <a:rPr lang="en-US" sz="2800" dirty="0">
                 <a:latin typeface="Consolas" panose="020B0609020204030204" pitchFamily="49" charset="0"/>
                 <a:cs typeface="Consolas" panose="020B0609020204030204" pitchFamily="49" charset="0"/>
               </a:rPr>
               <a:t>=True)</a:t>
             </a:r>
-            <a:endParaRPr lang="en-US" sz="2800" dirty="0" smtClean="0"/>
-          </a:p>
-          <a:p>
-            <a:r>
-              <a:rPr lang="ru-RU" sz="2800" dirty="0" smtClean="0"/>
+            <a:endParaRPr lang="en-US" sz="2800" dirty="0"/>
+          </a:p>
+          <a:p>
+            <a:r>
+              <a:rPr lang="ru-RU" sz="2800" dirty="0"/>
               <a:t>Если необходим счетчик (автогенерируемое целое значение)</a:t>
             </a:r>
             <a:r>
-              <a:rPr lang="en-US" sz="2800" dirty="0" smtClean="0"/>
+              <a:rPr lang="en-US" sz="2800" dirty="0"/>
               <a:t>, </a:t>
             </a:r>
             <a:r>
-              <a:rPr lang="ru-RU" sz="2800" dirty="0" smtClean="0"/>
+              <a:rPr lang="ru-RU" sz="2800" dirty="0"/>
               <a:t>то можно использовать класс</a:t>
             </a:r>
             <a:r>
-              <a:rPr lang="en-US" sz="2800" dirty="0" smtClean="0"/>
+              <a:rPr lang="en-US" sz="2800" dirty="0"/>
               <a:t> </a:t>
             </a:r>
             <a:r>
-              <a:rPr lang="en-US" sz="2800" dirty="0" err="1" smtClean="0"/>
+              <a:rPr lang="en-US" sz="2800" dirty="0" err="1"/>
               <a:t>AutoField</a:t>
             </a:r>
             <a:endParaRPr lang="ru-RU" sz="2800" dirty="0"/>
@@ -19956,51 +19528,47 @@
               <a:buNone/>
             </a:pPr>
             <a:r>
-              <a:rPr lang="en-US" sz="2800" dirty="0" err="1" smtClean="0">
+              <a:rPr lang="en-US" sz="2800" dirty="0" err="1">
                 <a:latin typeface="Consolas" panose="020B0609020204030204" pitchFamily="49" charset="0"/>
                 <a:cs typeface="Consolas" panose="020B0609020204030204" pitchFamily="49" charset="0"/>
               </a:rPr>
               <a:t>custom_id</a:t>
             </a:r>
             <a:r>
-              <a:rPr lang="en-US" sz="2800" dirty="0" smtClean="0">
+              <a:rPr lang="en-US" sz="2800" dirty="0">
                 <a:latin typeface="Consolas" panose="020B0609020204030204" pitchFamily="49" charset="0"/>
                 <a:cs typeface="Consolas" panose="020B0609020204030204" pitchFamily="49" charset="0"/>
               </a:rPr>
               <a:t> = </a:t>
             </a:r>
             <a:r>
-              <a:rPr lang="en-US" sz="2800" dirty="0" err="1" smtClean="0">
+              <a:rPr lang="en-US" sz="2800" dirty="0" err="1">
                 <a:latin typeface="Consolas" panose="020B0609020204030204" pitchFamily="49" charset="0"/>
                 <a:cs typeface="Consolas" panose="020B0609020204030204" pitchFamily="49" charset="0"/>
               </a:rPr>
               <a:t>models.AutoField</a:t>
             </a:r>
             <a:r>
-              <a:rPr lang="en-US" sz="2800" dirty="0" smtClean="0">
+              <a:rPr lang="en-US" sz="2800" dirty="0">
                 <a:latin typeface="Consolas" panose="020B0609020204030204" pitchFamily="49" charset="0"/>
                 <a:cs typeface="Consolas" panose="020B0609020204030204" pitchFamily="49" charset="0"/>
               </a:rPr>
               <a:t>(</a:t>
             </a:r>
             <a:r>
-              <a:rPr lang="en-US" sz="2800" dirty="0" err="1" smtClean="0">
+              <a:rPr lang="en-US" sz="2800" dirty="0" err="1">
                 <a:latin typeface="Consolas" panose="020B0609020204030204" pitchFamily="49" charset="0"/>
                 <a:cs typeface="Consolas" panose="020B0609020204030204" pitchFamily="49" charset="0"/>
               </a:rPr>
               <a:t>primary_key</a:t>
             </a:r>
             <a:r>
-              <a:rPr lang="en-US" sz="2800" dirty="0" smtClean="0">
+              <a:rPr lang="en-US" sz="2800" dirty="0">
                 <a:latin typeface="Consolas" panose="020B0609020204030204" pitchFamily="49" charset="0"/>
                 <a:cs typeface="Consolas" panose="020B0609020204030204" pitchFamily="49" charset="0"/>
               </a:rPr>
               <a:t>=True)</a:t>
             </a:r>
-            <a:endParaRPr lang="en-US" sz="2800" dirty="0">
-              <a:latin typeface="Consolas" panose="020B0609020204030204" pitchFamily="49" charset="0"/>
-              <a:cs typeface="Consolas" panose="020B0609020204030204" pitchFamily="49" charset="0"/>
-            </a:endParaRPr>
           </a:p>
         </p:txBody>
       </p:sp>
@@ -20333,14 +19901,13 @@
           <a:lstStyle/>
           <a:p>
             <a:r>
-              <a:rPr lang="ru-RU" dirty="0" smtClean="0"/>
+              <a:rPr lang="ru-RU" dirty="0"/>
               <a:t>Как на счет связей</a:t>
             </a:r>
             <a:r>
-              <a:rPr lang="en-US" dirty="0" smtClean="0"/>
+              <a:rPr lang="en-US" dirty="0"/>
               <a:t>?</a:t>
             </a:r>
-            <a:endParaRPr lang="en-US" dirty="0"/>
           </a:p>
         </p:txBody>
       </p:sp>
@@ -20366,72 +19933,44 @@
           <a:p>
             <a:r>
               <a:rPr lang="ru-RU" dirty="0"/>
-              <a:t>Реализовывать связи между моделями (и соответствующими им таблицами </a:t>
-            </a:r>
-            <a:r>
-              <a:rPr lang="ru-RU" dirty="0" smtClean="0"/>
-              <a:t>базы</a:t>
-            </a:r>
-            <a:r>
-              <a:rPr lang="en-US" dirty="0" smtClean="0"/>
+              <a:t>Реализовывать связи между моделями (и соответствующими им таблицами базы</a:t>
+            </a:r>
+            <a:r>
+              <a:rPr lang="en-US" dirty="0"/>
               <a:t> </a:t>
             </a:r>
             <a:r>
-              <a:rPr lang="ru-RU" dirty="0" smtClean="0"/>
-              <a:t>данных</a:t>
-            </a:r>
-            <a:r>
               <a:rPr lang="ru-RU" dirty="0"/>
-              <a:t>) в Django очень просто. </a:t>
-            </a:r>
-            <a:endParaRPr lang="en-US" dirty="0" smtClean="0"/>
-          </a:p>
-          <a:p>
-            <a:r>
-              <a:rPr lang="ru-RU" dirty="0" smtClean="0"/>
-              <a:t>Это </a:t>
-            </a:r>
+              <a:t>данных) в Django очень просто. </a:t>
+            </a:r>
+            <a:endParaRPr lang="en-US" dirty="0"/>
+          </a:p>
+          <a:p>
             <a:r>
               <a:rPr lang="ru-RU" dirty="0"/>
-              <a:t>делается путем создания полей особых классов</a:t>
-            </a:r>
-            <a:r>
-              <a:rPr lang="ru-RU" dirty="0" smtClean="0"/>
-              <a:t>.</a:t>
-            </a:r>
-            <a:endParaRPr lang="en-US" dirty="0" smtClean="0"/>
+              <a:t>Это делается путем создания полей особых классов.</a:t>
+            </a:r>
+            <a:endParaRPr lang="en-US" dirty="0"/>
           </a:p>
           <a:p>
             <a:r>
               <a:rPr lang="ru-RU" sz="2800" dirty="0"/>
-              <a:t>Для создания связи вида один-ко-многим </a:t>
-            </a:r>
-            <a:r>
-              <a:rPr lang="ru-RU" sz="2800" dirty="0" smtClean="0"/>
-              <a:t>во </a:t>
+              <a:t>Для создания связи вида один-ко-многим во вторичной модели</a:t>
+            </a:r>
+            <a:r>
+              <a:rPr lang="en-US" sz="2800" dirty="0"/>
+              <a:t> </a:t>
             </a:r>
             <a:r>
               <a:rPr lang="ru-RU" sz="2800" dirty="0"/>
-              <a:t>вторичной </a:t>
-            </a:r>
-            <a:r>
-              <a:rPr lang="ru-RU" sz="2800" dirty="0" smtClean="0"/>
-              <a:t>модели</a:t>
-            </a:r>
-            <a:r>
-              <a:rPr lang="en-US" sz="2800" dirty="0" smtClean="0"/>
+              <a:t>создается поле</a:t>
+            </a:r>
+            <a:r>
+              <a:rPr lang="en-US" sz="2800" dirty="0"/>
               <a:t> </a:t>
             </a:r>
             <a:r>
-              <a:rPr lang="ru-RU" sz="2800" dirty="0" smtClean="0"/>
-              <a:t>создается поле</a:t>
-            </a:r>
-            <a:r>
-              <a:rPr lang="en-US" sz="2800" dirty="0" smtClean="0"/>
-              <a:t> </a:t>
-            </a:r>
-            <a:r>
-              <a:rPr lang="ru-RU" sz="2800" dirty="0" smtClean="0"/>
+              <a:rPr lang="ru-RU" sz="2800" dirty="0"/>
               <a:t>класса </a:t>
             </a:r>
             <a:r>
@@ -20447,10 +19986,10 @@
               <a:t>ForeignKey</a:t>
             </a:r>
             <a:r>
-              <a:rPr lang="ru-RU" sz="2800" dirty="0" smtClean="0"/>
+              <a:rPr lang="ru-RU" sz="2800" dirty="0"/>
               <a:t>.</a:t>
             </a:r>
-            <a:endParaRPr lang="en-US" sz="2800" dirty="0" smtClean="0"/>
+            <a:endParaRPr lang="en-US" sz="2800" dirty="0"/>
           </a:p>
           <a:p>
             <a:r>
@@ -20530,7 +20069,7 @@
               <a:t>neField</a:t>
             </a:r>
             <a:r>
-              <a:rPr lang="ru-RU" sz="2800" dirty="0" smtClean="0"/>
+              <a:rPr lang="ru-RU" sz="2800" dirty="0"/>
               <a:t>.</a:t>
             </a:r>
             <a:endParaRPr lang="en-US" sz="2800" dirty="0"/>
@@ -20538,15 +20077,7 @@
           <a:p>
             <a:r>
               <a:rPr lang="ru-RU" sz="2800" dirty="0"/>
-              <a:t>Для создания связи </a:t>
-            </a:r>
-            <a:r>
-              <a:rPr lang="ru-RU" sz="2800" dirty="0" smtClean="0"/>
-              <a:t>много-ко-многим </a:t>
-            </a:r>
-            <a:r>
-              <a:rPr lang="ru-RU" sz="2800" dirty="0"/>
-              <a:t>применяется класс поля </a:t>
+              <a:t>Для создания связи много-ко-многим применяется класс поля </a:t>
             </a:r>
             <a:r>
               <a:rPr lang="en-US" sz="2800" dirty="0" err="1">
@@ -20561,7 +20092,7 @@
               <a:t>ManyToManyField</a:t>
             </a:r>
             <a:r>
-              <a:rPr lang="ru-RU" sz="2800" dirty="0" smtClean="0"/>
+              <a:rPr lang="ru-RU" sz="2800" dirty="0"/>
               <a:t>.</a:t>
             </a:r>
             <a:endParaRPr lang="en-US" sz="2800" dirty="0"/>
@@ -20570,7 +20101,7 @@
             <a:pPr marL="0" indent="0">
               <a:buNone/>
             </a:pPr>
-            <a:endParaRPr lang="en-US" sz="2800" dirty="0" smtClean="0"/>
+            <a:endParaRPr lang="en-US" sz="2800" dirty="0"/>
           </a:p>
         </p:txBody>
       </p:sp>
@@ -20903,7 +20434,7 @@
           <a:lstStyle/>
           <a:p>
             <a:r>
-              <a:rPr lang="ru-RU" dirty="0" smtClean="0"/>
+              <a:rPr lang="ru-RU" dirty="0"/>
               <a:t>Один ко многим</a:t>
             </a:r>
             <a:endParaRPr lang="en-US" dirty="0"/>
@@ -20931,68 +20462,68 @@
           <a:lstStyle/>
           <a:p>
             <a:r>
-              <a:rPr lang="ru-RU" dirty="0" smtClean="0"/>
+              <a:rPr lang="ru-RU" dirty="0"/>
               <a:t>Сообщение в блоге относится к</a:t>
             </a:r>
             <a:r>
-              <a:rPr lang="en-US" dirty="0" smtClean="0"/>
+              <a:rPr lang="en-US" dirty="0"/>
               <a:t> </a:t>
             </a:r>
             <a:r>
-              <a:rPr lang="ru-RU" dirty="0" smtClean="0"/>
+              <a:rPr lang="ru-RU" dirty="0"/>
               <a:t>одной категории. К категории относится много сообщений.</a:t>
             </a:r>
-            <a:endParaRPr lang="en-US" dirty="0" smtClean="0"/>
-          </a:p>
-          <a:p>
-            <a:r>
-              <a:rPr lang="ru-RU" dirty="0" smtClean="0"/>
+            <a:endParaRPr lang="en-US" dirty="0"/>
+          </a:p>
+          <a:p>
+            <a:r>
+              <a:rPr lang="ru-RU" dirty="0"/>
               <a:t>При создании модели сообщения</a:t>
             </a:r>
             <a:r>
-              <a:rPr lang="en-US" dirty="0" smtClean="0"/>
+              <a:rPr lang="en-US" dirty="0"/>
               <a:t> </a:t>
             </a:r>
             <a:r>
-              <a:rPr lang="ru-RU" dirty="0" smtClean="0"/>
+              <a:rPr lang="ru-RU" dirty="0"/>
               <a:t>указываем поле типа</a:t>
             </a:r>
             <a:r>
-              <a:rPr lang="en-US" dirty="0" smtClean="0"/>
+              <a:rPr lang="en-US" dirty="0"/>
               <a:t> </a:t>
             </a:r>
             <a:r>
-              <a:rPr lang="en-US" dirty="0" err="1" smtClean="0"/>
+              <a:rPr lang="en-US" dirty="0" err="1"/>
               <a:t>models.ForeignKey</a:t>
             </a:r>
             <a:r>
-              <a:rPr lang="en-US" dirty="0" smtClean="0"/>
+              <a:rPr lang="en-US" dirty="0"/>
               <a:t> </a:t>
             </a:r>
             <a:r>
-              <a:rPr lang="ru-RU" dirty="0" smtClean="0"/>
+              <a:rPr lang="ru-RU" dirty="0"/>
               <a:t>для создания отношения многие к одному</a:t>
             </a:r>
-            <a:endParaRPr lang="en-US" dirty="0" smtClean="0"/>
+            <a:endParaRPr lang="en-US" dirty="0"/>
           </a:p>
           <a:p>
             <a:pPr lvl="1"/>
             <a:r>
-              <a:rPr lang="en-US" dirty="0" smtClean="0"/>
+              <a:rPr lang="en-US" dirty="0"/>
               <a:t>Django </a:t>
             </a:r>
             <a:r>
-              <a:rPr lang="ru-RU" dirty="0" smtClean="0"/>
+              <a:rPr lang="ru-RU" dirty="0"/>
               <a:t>позаботится обо всем остальном</a:t>
             </a:r>
-            <a:endParaRPr lang="en-US" dirty="0" smtClean="0"/>
+            <a:endParaRPr lang="en-US" dirty="0"/>
           </a:p>
           <a:p>
             <a:pPr marL="0" indent="0">
               <a:buNone/>
             </a:pPr>
             <a:r>
-              <a:rPr lang="en-US" sz="2800" dirty="0" smtClean="0">
+              <a:rPr lang="en-US" sz="2800" dirty="0">
                 <a:solidFill>
                   <a:srgbClr val="0000FF"/>
                 </a:solidFill>
@@ -21004,7 +20535,7 @@
               <a:t>class</a:t>
             </a:r>
             <a:r>
-              <a:rPr lang="en-US" sz="2800" dirty="0" smtClean="0">
+              <a:rPr lang="en-US" sz="2800" dirty="0">
                 <a:solidFill>
                   <a:srgbClr val="000000"/>
                 </a:solidFill>
@@ -21016,7 +20547,7 @@
               <a:t> </a:t>
             </a:r>
             <a:r>
-              <a:rPr lang="en-US" sz="2800" dirty="0" smtClean="0">
+              <a:rPr lang="en-US" sz="2800" dirty="0">
                 <a:solidFill>
                   <a:srgbClr val="2B91AF"/>
                 </a:solidFill>
@@ -21028,7 +20559,7 @@
               <a:t>Post</a:t>
             </a:r>
             <a:r>
-              <a:rPr lang="en-US" sz="2800" dirty="0" smtClean="0">
+              <a:rPr lang="en-US" sz="2800" dirty="0">
                 <a:solidFill>
                   <a:srgbClr val="000000"/>
                 </a:solidFill>
@@ -21040,7 +20571,7 @@
               <a:t>(</a:t>
             </a:r>
             <a:r>
-              <a:rPr lang="en-US" sz="2800" dirty="0" err="1" smtClean="0">
+              <a:rPr lang="en-US" sz="2800" dirty="0" err="1">
                 <a:solidFill>
                   <a:srgbClr val="6F008A"/>
                 </a:solidFill>
@@ -21052,7 +20583,7 @@
               <a:t>models</a:t>
             </a:r>
             <a:r>
-              <a:rPr lang="en-US" sz="2800" dirty="0" err="1" smtClean="0">
+              <a:rPr lang="en-US" sz="2800" dirty="0" err="1">
                 <a:solidFill>
                   <a:srgbClr val="000000"/>
                 </a:solidFill>
@@ -21064,7 +20595,7 @@
               <a:t>.</a:t>
             </a:r>
             <a:r>
-              <a:rPr lang="en-US" sz="2800" dirty="0" err="1" smtClean="0">
+              <a:rPr lang="en-US" sz="2800" dirty="0" err="1">
                 <a:solidFill>
                   <a:srgbClr val="2B91AF"/>
                 </a:solidFill>
@@ -21093,7 +20624,7 @@
               <a:buNone/>
             </a:pPr>
             <a:r>
-              <a:rPr lang="en-US" sz="2800" dirty="0" smtClean="0">
+              <a:rPr lang="en-US" sz="2800" dirty="0">
                 <a:solidFill>
                   <a:srgbClr val="000000"/>
                 </a:solidFill>
@@ -21102,58 +20633,58 @@
                 </a:highlight>
                 <a:latin typeface="Consolas" panose="020B0609020204030204" pitchFamily="49" charset="0"/>
               </a:rPr>
-              <a:t>  title </a:t>
-            </a:r>
-            <a:r>
-              <a:rPr lang="en-US" sz="2800" dirty="0">
-                <a:solidFill>
-                  <a:srgbClr val="000000"/>
+              <a:t>  title = </a:t>
+            </a:r>
+            <a:r>
+              <a:rPr lang="en-US" sz="2800" dirty="0" err="1">
+                <a:solidFill>
+                  <a:srgbClr val="6F008A"/>
                 </a:solidFill>
                 <a:highlight>
                   <a:srgbClr val="FFFFFF"/>
                 </a:highlight>
                 <a:latin typeface="Consolas" panose="020B0609020204030204" pitchFamily="49" charset="0"/>
               </a:rPr>
-              <a:t>= </a:t>
+              <a:t>models</a:t>
             </a:r>
             <a:r>
               <a:rPr lang="en-US" sz="2800" dirty="0" err="1">
                 <a:solidFill>
-                  <a:srgbClr val="6F008A"/>
+                  <a:srgbClr val="000000"/>
                 </a:solidFill>
                 <a:highlight>
                   <a:srgbClr val="FFFFFF"/>
                 </a:highlight>
                 <a:latin typeface="Consolas" panose="020B0609020204030204" pitchFamily="49" charset="0"/>
               </a:rPr>
-              <a:t>models</a:t>
+              <a:t>.</a:t>
             </a:r>
             <a:r>
               <a:rPr lang="en-US" sz="2800" dirty="0" err="1">
                 <a:solidFill>
-                  <a:srgbClr val="000000"/>
+                  <a:srgbClr val="2B91AF"/>
                 </a:solidFill>
                 <a:highlight>
                   <a:srgbClr val="FFFFFF"/>
                 </a:highlight>
                 <a:latin typeface="Consolas" panose="020B0609020204030204" pitchFamily="49" charset="0"/>
               </a:rPr>
-              <a:t>.</a:t>
-            </a:r>
-            <a:r>
-              <a:rPr lang="en-US" sz="2800" dirty="0" err="1">
-                <a:solidFill>
-                  <a:srgbClr val="2B91AF"/>
+              <a:t>CharField</a:t>
+            </a:r>
+            <a:r>
+              <a:rPr lang="en-US" sz="2800" dirty="0">
+                <a:solidFill>
+                  <a:srgbClr val="000000"/>
                 </a:solidFill>
                 <a:highlight>
                   <a:srgbClr val="FFFFFF"/>
                 </a:highlight>
                 <a:latin typeface="Consolas" panose="020B0609020204030204" pitchFamily="49" charset="0"/>
               </a:rPr>
-              <a:t>CharField</a:t>
-            </a:r>
-            <a:r>
-              <a:rPr lang="en-US" sz="2800" dirty="0">
+              <a:t>(</a:t>
+            </a:r>
+            <a:r>
+              <a:rPr lang="en-US" sz="2800" dirty="0" err="1">
                 <a:solidFill>
                   <a:srgbClr val="000000"/>
                 </a:solidFill>
@@ -21162,10 +20693,10 @@
                 </a:highlight>
                 <a:latin typeface="Consolas" panose="020B0609020204030204" pitchFamily="49" charset="0"/>
               </a:rPr>
-              <a:t>(</a:t>
-            </a:r>
-            <a:r>
-              <a:rPr lang="en-US" sz="2800" dirty="0" err="1">
+              <a:t>max_length</a:t>
+            </a:r>
+            <a:r>
+              <a:rPr lang="en-US" sz="2800" dirty="0">
                 <a:solidFill>
                   <a:srgbClr val="000000"/>
                 </a:solidFill>
@@ -21174,8 +20705,13 @@
                 </a:highlight>
                 <a:latin typeface="Consolas" panose="020B0609020204030204" pitchFamily="49" charset="0"/>
               </a:rPr>
-              <a:t>max_length</a:t>
-            </a:r>
+              <a:t>=50)</a:t>
+            </a:r>
+          </a:p>
+          <a:p>
+            <a:pPr marL="0" indent="0">
+              <a:buNone/>
+            </a:pPr>
             <a:r>
               <a:rPr lang="en-US" sz="2800" dirty="0">
                 <a:solidFill>
@@ -21186,36 +20722,22 @@
                 </a:highlight>
                 <a:latin typeface="Consolas" panose="020B0609020204030204" pitchFamily="49" charset="0"/>
               </a:rPr>
-              <a:t>=50</a:t>
-            </a:r>
-            <a:r>
-              <a:rPr lang="en-US" sz="2800" dirty="0" smtClean="0">
-                <a:solidFill>
-                  <a:srgbClr val="000000"/>
+              <a:t>  category = </a:t>
+            </a:r>
+            <a:r>
+              <a:rPr lang="en-US" sz="2800" dirty="0" err="1">
+                <a:solidFill>
+                  <a:srgbClr val="6F008A"/>
                 </a:solidFill>
                 <a:highlight>
                   <a:srgbClr val="FFFFFF"/>
                 </a:highlight>
                 <a:latin typeface="Consolas" panose="020B0609020204030204" pitchFamily="49" charset="0"/>
               </a:rPr>
-              <a:t>)</a:t>
-            </a:r>
-            <a:endParaRPr lang="en-US" sz="2800" dirty="0">
-              <a:solidFill>
-                <a:srgbClr val="000000"/>
-              </a:solidFill>
-              <a:highlight>
-                <a:srgbClr val="FFFFFF"/>
-              </a:highlight>
-              <a:latin typeface="Consolas" panose="020B0609020204030204" pitchFamily="49" charset="0"/>
-            </a:endParaRPr>
-          </a:p>
-          <a:p>
-            <a:pPr marL="0" indent="0">
-              <a:buNone/>
-            </a:pPr>
-            <a:r>
-              <a:rPr lang="en-US" sz="2800" dirty="0" smtClean="0">
+              <a:t>models</a:t>
+            </a:r>
+            <a:r>
+              <a:rPr lang="en-US" sz="2800" dirty="0" err="1">
                 <a:solidFill>
                   <a:srgbClr val="000000"/>
                 </a:solidFill>
@@ -21224,82 +20746,46 @@
                 </a:highlight>
                 <a:latin typeface="Consolas" panose="020B0609020204030204" pitchFamily="49" charset="0"/>
               </a:rPr>
-              <a:t>  category </a:t>
-            </a:r>
-            <a:r>
-              <a:rPr lang="en-US" sz="2800" dirty="0">
-                <a:solidFill>
-                  <a:srgbClr val="000000"/>
+              <a:t>.</a:t>
+            </a:r>
+            <a:r>
+              <a:rPr lang="en-US" sz="2800" dirty="0" err="1">
+                <a:solidFill>
+                  <a:srgbClr val="2B91AF"/>
                 </a:solidFill>
                 <a:highlight>
                   <a:srgbClr val="FFFFFF"/>
                 </a:highlight>
                 <a:latin typeface="Consolas" panose="020B0609020204030204" pitchFamily="49" charset="0"/>
               </a:rPr>
-              <a:t>= </a:t>
-            </a:r>
-            <a:r>
-              <a:rPr lang="en-US" sz="2800" dirty="0" err="1" smtClean="0">
-                <a:solidFill>
-                  <a:srgbClr val="6F008A"/>
+              <a:t>ForeignKey</a:t>
+            </a:r>
+            <a:r>
+              <a:rPr lang="en-US" sz="2800" dirty="0">
+                <a:solidFill>
+                  <a:srgbClr val="000000"/>
                 </a:solidFill>
                 <a:highlight>
                   <a:srgbClr val="FFFFFF"/>
                 </a:highlight>
                 <a:latin typeface="Consolas" panose="020B0609020204030204" pitchFamily="49" charset="0"/>
               </a:rPr>
-              <a:t>models</a:t>
-            </a:r>
-            <a:r>
-              <a:rPr lang="en-US" sz="2800" dirty="0" err="1" smtClean="0">
-                <a:solidFill>
-                  <a:srgbClr val="000000"/>
+              <a:t>(</a:t>
+            </a:r>
+            <a:r>
+              <a:rPr lang="en-US" sz="2800" dirty="0">
+                <a:solidFill>
+                  <a:srgbClr val="2B91AF"/>
                 </a:solidFill>
                 <a:highlight>
                   <a:srgbClr val="FFFFFF"/>
                 </a:highlight>
                 <a:latin typeface="Consolas" panose="020B0609020204030204" pitchFamily="49" charset="0"/>
               </a:rPr>
-              <a:t>.</a:t>
-            </a:r>
-            <a:r>
-              <a:rPr lang="en-US" sz="2800" dirty="0" err="1" smtClean="0">
-                <a:solidFill>
-                  <a:srgbClr val="2B91AF"/>
-                </a:solidFill>
-                <a:highlight>
-                  <a:srgbClr val="FFFFFF"/>
-                </a:highlight>
-                <a:latin typeface="Consolas" panose="020B0609020204030204" pitchFamily="49" charset="0"/>
-              </a:rPr>
-              <a:t>ForeignKey</a:t>
-            </a:r>
-            <a:r>
-              <a:rPr lang="en-US" sz="2800" dirty="0" smtClean="0">
-                <a:solidFill>
-                  <a:srgbClr val="000000"/>
-                </a:solidFill>
-                <a:highlight>
-                  <a:srgbClr val="FFFFFF"/>
-                </a:highlight>
-                <a:latin typeface="Consolas" panose="020B0609020204030204" pitchFamily="49" charset="0"/>
-              </a:rPr>
-              <a:t>(</a:t>
-            </a:r>
-            <a:r>
-              <a:rPr lang="en-US" sz="2800" dirty="0" smtClean="0">
-                <a:solidFill>
-                  <a:srgbClr val="2B91AF"/>
-                </a:solidFill>
-                <a:highlight>
-                  <a:srgbClr val="FFFFFF"/>
-                </a:highlight>
-                <a:latin typeface="Consolas" panose="020B0609020204030204" pitchFamily="49" charset="0"/>
-              </a:rPr>
               <a:t>Category</a:t>
             </a:r>
             <a:r>
-              <a:rPr lang="en-US" sz="2800" dirty="0" smtClean="0">
+              <a:rPr lang="en-US" sz="2800" dirty="0">
                 <a:solidFill>
                   <a:srgbClr val="000000"/>
                 </a:solidFill>
@@ -21719,60 +21205,23 @@
             </a:r>
             <a:r>
               <a:rPr lang="ru-RU" dirty="0"/>
-              <a:t> </a:t>
-            </a:r>
-            <a:r>
-              <a:rPr lang="ru-RU" dirty="0" smtClean="0"/>
-              <a:t>поддерживает </a:t>
-            </a:r>
-            <a:r>
-              <a:rPr lang="ru-RU" dirty="0"/>
-              <a:t>очень полезный необязательный </a:t>
-            </a:r>
-            <a:r>
-              <a:rPr lang="ru-RU" dirty="0" smtClean="0"/>
-              <a:t>параметр </a:t>
-            </a:r>
-            <a:r>
-              <a:rPr lang="ru-RU" b="1" dirty="0" smtClean="0"/>
+              <a:t> поддерживает очень полезный необязательный параметр </a:t>
+            </a:r>
+            <a:r>
+              <a:rPr lang="ru-RU" b="1" dirty="0"/>
               <a:t>on_delete</a:t>
             </a:r>
             <a:r>
               <a:rPr lang="ru-RU" dirty="0"/>
               <a:t>. </a:t>
             </a:r>
-            <a:endParaRPr lang="ru-RU" dirty="0" smtClean="0"/>
-          </a:p>
-          <a:p>
-            <a:r>
-              <a:rPr lang="ru-RU" dirty="0" smtClean="0"/>
-              <a:t>Он </a:t>
-            </a:r>
+          </a:p>
+          <a:p>
             <a:r>
               <a:rPr lang="ru-RU" dirty="0"/>
-              <a:t>позволит нам указать, что следует предпринять используемой </a:t>
-            </a:r>
-            <a:r>
-              <a:rPr lang="ru-RU" dirty="0" smtClean="0"/>
-              <a:t>нами СУБД</a:t>
-            </a:r>
-            <a:r>
-              <a:rPr lang="ru-RU" dirty="0"/>
-              <a:t>, если запись первичной таблицы, на которую ссылаются записи </a:t>
-            </a:r>
-            <a:r>
-              <a:rPr lang="ru-RU" dirty="0" smtClean="0"/>
-              <a:t>вторичной таблицы</a:t>
-            </a:r>
-            <a:r>
-              <a:rPr lang="ru-RU" dirty="0"/>
-              <a:t>, будет </a:t>
-            </a:r>
-            <a:r>
-              <a:rPr lang="ru-RU" dirty="0" smtClean="0"/>
-              <a:t>удалена</a:t>
-            </a:r>
-            <a:endParaRPr lang="en-US" dirty="0" smtClean="0"/>
+              <a:t>Он позволит нам указать, что следует предпринять используемой нами СУБД, если запись первичной таблицы, на которую ссылаются записи вторичной таблицы, будет удалена</a:t>
+            </a:r>
+            <a:endParaRPr lang="en-US" dirty="0"/>
           </a:p>
           <a:p>
             <a:pPr marL="0" indent="0">
@@ -21880,7 +21329,7 @@
               <a:buNone/>
             </a:pPr>
             <a:r>
-              <a:rPr lang="en-US" sz="2800" dirty="0" smtClean="0">
+              <a:rPr lang="en-US" sz="2800" dirty="0">
                 <a:solidFill>
                   <a:srgbClr val="000000"/>
                 </a:solidFill>
@@ -21891,7 +21340,7 @@
               </a:rPr>
               <a:t>	...</a:t>
             </a:r>
-            <a:endParaRPr lang="ru-RU" sz="2800" dirty="0" smtClean="0">
+            <a:endParaRPr lang="ru-RU" sz="2800" dirty="0">
               <a:solidFill>
                 <a:srgbClr val="000000"/>
               </a:solidFill>
@@ -21906,7 +21355,7 @@
               <a:buNone/>
             </a:pPr>
             <a:r>
-              <a:rPr lang="en-US" sz="2800" dirty="0" smtClean="0">
+              <a:rPr lang="en-US" sz="2800" dirty="0">
                 <a:solidFill>
                   <a:srgbClr val="000000"/>
                 </a:solidFill>
@@ -21915,70 +21364,75 @@
                 </a:highlight>
                 <a:latin typeface="Consolas" panose="020B0609020204030204" pitchFamily="49" charset="0"/>
               </a:rPr>
-              <a:t>	category </a:t>
-            </a:r>
-            <a:r>
-              <a:rPr lang="en-US" sz="2800" dirty="0">
-                <a:solidFill>
-                  <a:srgbClr val="000000"/>
+              <a:t>	category = </a:t>
+            </a:r>
+            <a:r>
+              <a:rPr lang="en-US" sz="2800" dirty="0" err="1">
+                <a:solidFill>
+                  <a:srgbClr val="6F008A"/>
                 </a:solidFill>
                 <a:highlight>
                   <a:srgbClr val="FFFFFF"/>
                 </a:highlight>
                 <a:latin typeface="Consolas" panose="020B0609020204030204" pitchFamily="49" charset="0"/>
               </a:rPr>
-              <a:t>= </a:t>
-            </a:r>
-            <a:r>
-              <a:rPr lang="en-US" sz="2800" dirty="0" err="1" smtClean="0">
-                <a:solidFill>
-                  <a:srgbClr val="6F008A"/>
+              <a:t>models</a:t>
+            </a:r>
+            <a:r>
+              <a:rPr lang="en-US" sz="2800" dirty="0" err="1">
+                <a:solidFill>
+                  <a:srgbClr val="000000"/>
                 </a:solidFill>
                 <a:highlight>
                   <a:srgbClr val="FFFFFF"/>
                 </a:highlight>
                 <a:latin typeface="Consolas" panose="020B0609020204030204" pitchFamily="49" charset="0"/>
               </a:rPr>
-              <a:t>models</a:t>
-            </a:r>
-            <a:r>
-              <a:rPr lang="en-US" sz="2800" dirty="0" err="1" smtClean="0">
-                <a:solidFill>
-                  <a:srgbClr val="000000"/>
+              <a:t>.</a:t>
+            </a:r>
+            <a:r>
+              <a:rPr lang="en-US" sz="2800" dirty="0" err="1">
+                <a:solidFill>
+                  <a:srgbClr val="2B91AF"/>
                 </a:solidFill>
                 <a:highlight>
                   <a:srgbClr val="FFFFFF"/>
                 </a:highlight>
                 <a:latin typeface="Consolas" panose="020B0609020204030204" pitchFamily="49" charset="0"/>
               </a:rPr>
-              <a:t>.</a:t>
-            </a:r>
-            <a:r>
-              <a:rPr lang="en-US" sz="2800" dirty="0" err="1" smtClean="0">
-                <a:solidFill>
-                  <a:srgbClr val="2B91AF"/>
+              <a:t>ForeignKey</a:t>
+            </a:r>
+            <a:r>
+              <a:rPr lang="en-US" sz="2800" dirty="0">
+                <a:solidFill>
+                  <a:srgbClr val="000000"/>
                 </a:solidFill>
                 <a:highlight>
                   <a:srgbClr val="FFFFFF"/>
                 </a:highlight>
                 <a:latin typeface="Consolas" panose="020B0609020204030204" pitchFamily="49" charset="0"/>
               </a:rPr>
-              <a:t>ForeignKey</a:t>
-            </a:r>
-            <a:r>
-              <a:rPr lang="en-US" sz="2800" dirty="0" smtClean="0">
-                <a:solidFill>
-                  <a:srgbClr val="000000"/>
+              <a:t>(</a:t>
+            </a:r>
+            <a:r>
+              <a:rPr lang="en-US" sz="2800" dirty="0">
+                <a:solidFill>
+                  <a:srgbClr val="2B91AF"/>
                 </a:solidFill>
                 <a:highlight>
                   <a:srgbClr val="FFFFFF"/>
                 </a:highlight>
                 <a:latin typeface="Consolas" panose="020B0609020204030204" pitchFamily="49" charset="0"/>
               </a:rPr>
-              <a:t>(</a:t>
-            </a:r>
-            <a:r>
-              <a:rPr lang="en-US" sz="2800" dirty="0" smtClean="0">
+              <a:t>Category, </a:t>
+            </a:r>
+          </a:p>
+          <a:p>
+            <a:pPr marL="0" indent="0">
+              <a:buNone/>
+            </a:pPr>
+            <a:r>
+              <a:rPr lang="en-US" sz="2800" dirty="0">
                 <a:solidFill>
                   <a:srgbClr val="2B91AF"/>
                 </a:solidFill>
@@ -21987,39 +21441,28 @@
                 </a:highlight>
                 <a:latin typeface="Consolas" panose="020B0609020204030204" pitchFamily="49" charset="0"/>
               </a:rPr>
-              <a:t>Category</a:t>
-            </a:r>
-            <a:r>
-              <a:rPr lang="en-US" sz="2800" dirty="0" smtClean="0">
-                <a:solidFill>
-                  <a:srgbClr val="2B91AF"/>
-                </a:solidFill>
+              <a:t>			</a:t>
+            </a:r>
+            <a:r>
+              <a:rPr lang="en-US" sz="2800" dirty="0" err="1">
                 <a:highlight>
                   <a:srgbClr val="FFFFFF"/>
                 </a:highlight>
                 <a:latin typeface="Consolas" panose="020B0609020204030204" pitchFamily="49" charset="0"/>
               </a:rPr>
-              <a:t>, </a:t>
-            </a:r>
-          </a:p>
-          <a:p>
-            <a:pPr marL="0" indent="0">
-              <a:buNone/>
-            </a:pPr>
+              <a:t>on_delete</a:t>
+            </a:r>
             <a:r>
               <a:rPr lang="en-US" sz="2800" dirty="0">
-                <a:solidFill>
-                  <a:srgbClr val="2B91AF"/>
-                </a:solidFill>
                 <a:highlight>
                   <a:srgbClr val="FFFFFF"/>
                 </a:highlight>
                 <a:latin typeface="Consolas" panose="020B0609020204030204" pitchFamily="49" charset="0"/>
               </a:rPr>
-              <a:t>	</a:t>
-            </a:r>
-            <a:r>
-              <a:rPr lang="en-US" sz="2800" dirty="0" smtClean="0">
+              <a:t> = </a:t>
+            </a:r>
+            <a:r>
+              <a:rPr lang="en-US" sz="2800" dirty="0" err="1">
                 <a:solidFill>
                   <a:srgbClr val="2B91AF"/>
                 </a:solidFill>
@@ -22028,40 +21471,10 @@
                 </a:highlight>
                 <a:latin typeface="Consolas" panose="020B0609020204030204" pitchFamily="49" charset="0"/>
               </a:rPr>
-              <a:t>		</a:t>
-            </a:r>
-            <a:r>
-              <a:rPr lang="en-US" sz="2800" dirty="0" err="1" smtClean="0">
-                <a:highlight>
-                  <a:srgbClr val="FFFFFF"/>
-                </a:highlight>
-                <a:latin typeface="Consolas" panose="020B0609020204030204" pitchFamily="49" charset="0"/>
-              </a:rPr>
-              <a:t>on_delete</a:t>
-            </a:r>
-            <a:r>
-              <a:rPr lang="en-US" sz="2800" dirty="0" smtClean="0">
-                <a:highlight>
-                  <a:srgbClr val="FFFFFF"/>
-                </a:highlight>
-                <a:latin typeface="Consolas" panose="020B0609020204030204" pitchFamily="49" charset="0"/>
-              </a:rPr>
-              <a:t> = </a:t>
-            </a:r>
-            <a:r>
-              <a:rPr lang="en-US" sz="2800" dirty="0" err="1" smtClean="0">
-                <a:solidFill>
-                  <a:srgbClr val="2B91AF"/>
-                </a:solidFill>
-                <a:highlight>
-                  <a:srgbClr val="FFFFFF"/>
-                </a:highlight>
-                <a:latin typeface="Consolas" panose="020B0609020204030204" pitchFamily="49" charset="0"/>
-              </a:rPr>
               <a:t>models.CASCADE</a:t>
             </a:r>
             <a:r>
-              <a:rPr lang="en-US" sz="2800" dirty="0" smtClean="0">
+              <a:rPr lang="en-US" sz="2800" dirty="0">
                 <a:solidFill>
                   <a:srgbClr val="000000"/>
                 </a:solidFill>
@@ -22418,7 +21831,7 @@
           <a:lstStyle/>
           <a:p>
             <a:r>
-              <a:rPr lang="en-US" dirty="0" err="1" smtClean="0"/>
+              <a:rPr lang="en-US" dirty="0" err="1"/>
               <a:t>on_delete</a:t>
             </a:r>
             <a:endParaRPr lang="en-US" dirty="0"/>
@@ -22450,34 +21863,22 @@
             </a:pPr>
             <a:r>
               <a:rPr lang="ru-RU" dirty="0"/>
-              <a:t>В качестве значения данного параметра указывается одна из переменных, </a:t>
-            </a:r>
-            <a:r>
-              <a:rPr lang="ru-RU" dirty="0" smtClean="0"/>
-              <a:t>объявленных</a:t>
-            </a:r>
-            <a:r>
-              <a:rPr lang="en-US" dirty="0" smtClean="0"/>
+              <a:t>В качестве значения данного параметра указывается одна из переменных, объявленных</a:t>
+            </a:r>
+            <a:r>
+              <a:rPr lang="en-US" dirty="0"/>
               <a:t> </a:t>
             </a:r>
             <a:r>
-              <a:rPr lang="ru-RU" dirty="0" smtClean="0"/>
-              <a:t>в </a:t>
-            </a:r>
-            <a:r>
               <a:rPr lang="ru-RU" dirty="0"/>
-              <a:t>модуле django. </a:t>
-            </a:r>
-            <a:r>
-              <a:rPr lang="ru-RU" dirty="0" smtClean="0"/>
-              <a:t>d</a:t>
-            </a:r>
-            <a:r>
-              <a:rPr lang="en-US" dirty="0" smtClean="0"/>
+              <a:t>в модуле django. d</a:t>
+            </a:r>
+            <a:r>
+              <a:rPr lang="en-US" dirty="0"/>
               <a:t>b</a:t>
             </a:r>
             <a:r>
-              <a:rPr lang="ru-RU" dirty="0" smtClean="0"/>
+              <a:rPr lang="ru-RU" dirty="0"/>
               <a:t>. </a:t>
             </a:r>
             <a:r>
@@ -22485,10 +21886,10 @@
               <a:t>m</a:t>
             </a:r>
             <a:r>
-              <a:rPr lang="ru-RU" dirty="0" smtClean="0"/>
+              <a:rPr lang="ru-RU" dirty="0"/>
               <a:t>odels</a:t>
             </a:r>
-            <a:endParaRPr lang="en-US" dirty="0" smtClean="0"/>
+            <a:endParaRPr lang="en-US" dirty="0"/>
           </a:p>
           <a:p>
             <a:r>
@@ -22505,15 +21906,7 @@
             </a:r>
             <a:r>
               <a:rPr lang="ru-RU" sz="2800" dirty="0"/>
-              <a:t>- также удалить связанные записи вторичной таблицы (значение </a:t>
-            </a:r>
-            <a:r>
-              <a:rPr lang="ru-RU" sz="2800" dirty="0" smtClean="0"/>
-              <a:t>по </a:t>
-            </a:r>
-            <a:r>
-              <a:rPr lang="ru-RU" sz="2800" dirty="0"/>
-              <a:t>умолчанию) ;</a:t>
+              <a:t>- также удалить связанные записи вторичной таблицы (значение по умолчанию) ;</a:t>
             </a:r>
           </a:p>
           <a:p>
@@ -22530,18 +21923,10 @@
               <a:t>PROTECT</a:t>
             </a:r>
             <a:r>
-              <a:rPr lang="ru-RU" sz="2800" dirty="0" smtClean="0"/>
-              <a:t> </a:t>
-            </a:r>
-            <a:r>
               <a:rPr lang="ru-RU" sz="2800" dirty="0"/>
-              <a:t>- не удалять запись первичной таблицы и сгенерировать </a:t>
-            </a:r>
-            <a:r>
-              <a:rPr lang="ru-RU" sz="2800" dirty="0" smtClean="0"/>
-              <a:t>исключение</a:t>
-            </a:r>
-            <a:endParaRPr lang="en-US" sz="2800" dirty="0" smtClean="0"/>
+              <a:t> - не удалять запись первичной таблицы и сгенерировать исключение</a:t>
+            </a:r>
+            <a:endParaRPr lang="en-US" sz="2800" dirty="0"/>
           </a:p>
           <a:p>
             <a:r>
@@ -22582,23 +21967,15 @@
             </a:r>
             <a:r>
               <a:rPr lang="ru-RU" sz="2800" dirty="0"/>
-              <a:t>-записать в соответствующее поле класса ForeignKey связанных </a:t>
-            </a:r>
-            <a:r>
-              <a:rPr lang="ru-RU" sz="2800" dirty="0" smtClean="0"/>
-              <a:t>записей</a:t>
-            </a:r>
-            <a:r>
-              <a:rPr lang="en-US" sz="2800" dirty="0" smtClean="0"/>
+              <a:t>-записать в соответствующее поле класса ForeignKey связанных записей</a:t>
+            </a:r>
+            <a:r>
+              <a:rPr lang="en-US" sz="2800" dirty="0"/>
               <a:t> </a:t>
             </a:r>
             <a:r>
-              <a:rPr lang="ru-RU" sz="2800" dirty="0" smtClean="0"/>
-              <a:t>значение </a:t>
-            </a:r>
-            <a:r>
               <a:rPr lang="ru-RU" sz="2800" dirty="0"/>
-              <a:t>NULL;</a:t>
+              <a:t>значение NULL;</a:t>
             </a:r>
           </a:p>
           <a:p>
@@ -22615,28 +21992,16 @@
               <a:t>SET_DEFAULT</a:t>
             </a:r>
             <a:r>
-              <a:rPr lang="ru-RU" sz="2800" dirty="0" smtClean="0"/>
-              <a:t>- </a:t>
-            </a:r>
-            <a:r>
               <a:rPr lang="ru-RU" sz="2800" dirty="0"/>
-              <a:t>записать в соответствующее поле класса ForeignKey </a:t>
-            </a:r>
-            <a:r>
-              <a:rPr lang="ru-RU" sz="2800" dirty="0" smtClean="0"/>
-              <a:t>связанных</a:t>
-            </a:r>
-            <a:r>
-              <a:rPr lang="en-US" sz="2800" dirty="0" smtClean="0"/>
+              <a:t>- записать в соответствующее поле класса ForeignKey связанных</a:t>
+            </a:r>
+            <a:r>
+              <a:rPr lang="en-US" sz="2800" dirty="0"/>
               <a:t> </a:t>
             </a:r>
             <a:r>
-              <a:rPr lang="ru-RU" sz="2800" dirty="0" smtClean="0"/>
-              <a:t>записей </a:t>
-            </a:r>
-            <a:r>
               <a:rPr lang="ru-RU" sz="2800" dirty="0"/>
-              <a:t>указанное в его параметрах значение по умолчанию.</a:t>
+              <a:t>записей указанное в его параметрах значение по умолчанию.</a:t>
             </a:r>
             <a:endParaRPr lang="en-US" sz="2800" dirty="0"/>
           </a:p>
@@ -22966,7 +22331,7 @@
           <a:lstStyle/>
           <a:p>
             <a:r>
-              <a:rPr lang="ru-RU" dirty="0" smtClean="0"/>
+              <a:rPr lang="ru-RU" dirty="0"/>
               <a:t>Добавление связей в модель</a:t>
             </a:r>
             <a:endParaRPr lang="en-US" dirty="0"/>
@@ -22983,13 +22348,6 @@
   <p:clrMapOvr>
     <a:masterClrMapping/>
   </p:clrMapOvr>
-  <p:timing>
-    <p:tnLst>
-      <p:par>
-        <p:cTn id="1" dur="indefinite" restart="never" nodeType="tmRoot"/>
-      </p:par>
-    </p:tnLst>
-  </p:timing>
 </p:sld>
 </file>
 
@@ -23033,10 +22391,9 @@
           <a:lstStyle/>
           <a:p>
             <a:r>
-              <a:rPr lang="ru-RU" dirty="0" smtClean="0"/>
+              <a:rPr lang="ru-RU" dirty="0"/>
               <a:t>Взаимодействие с базой данных</a:t>
             </a:r>
-            <a:endParaRPr lang="ru-RU" dirty="0"/>
           </a:p>
         </p:txBody>
       </p:sp>
@@ -23050,13 +22407,6 @@
   <p:clrMapOvr>
     <a:masterClrMapping/>
   </p:clrMapOvr>
-  <p:timing>
-    <p:tnLst>
-      <p:par>
-        <p:cTn id="1" dur="indefinite" restart="never" nodeType="tmRoot"/>
-      </p:par>
-    </p:tnLst>
-  </p:timing>
 </p:sld>
 </file>
 
@@ -23100,23 +22450,23 @@
           <a:lstStyle/>
           <a:p>
             <a:r>
-              <a:rPr lang="ru-RU" dirty="0" smtClean="0"/>
+              <a:rPr lang="ru-RU" dirty="0"/>
               <a:t>Модели</a:t>
             </a:r>
             <a:r>
-              <a:rPr lang="en-US" dirty="0" smtClean="0"/>
+              <a:rPr lang="en-US" dirty="0"/>
               <a:t>, </a:t>
             </a:r>
             <a:r>
-              <a:rPr lang="ru-RU" dirty="0" smtClean="0"/>
+              <a:rPr lang="ru-RU" dirty="0"/>
               <a:t>Представления</a:t>
             </a:r>
             <a:r>
-              <a:rPr lang="en-US" dirty="0" smtClean="0"/>
+              <a:rPr lang="en-US" dirty="0"/>
               <a:t> </a:t>
             </a:r>
             <a:r>
-              <a:rPr lang="ru-RU" dirty="0" smtClean="0"/>
+              <a:rPr lang="ru-RU" dirty="0"/>
               <a:t>и Шаблоны</a:t>
             </a:r>
             <a:endParaRPr lang="en-US" dirty="0"/>
@@ -24237,7 +23587,7 @@
                 <a:defRPr/>
               </a:pPr>
               <a:r>
-                <a:rPr lang="ru-RU" sz="2800" kern="0" dirty="0" smtClean="0">
+                <a:rPr lang="ru-RU" sz="2800" kern="0" dirty="0">
                   <a:gradFill>
                     <a:gsLst>
                       <a:gs pos="0">
@@ -24265,7 +23615,7 @@
                 <a:defRPr/>
               </a:pPr>
               <a:r>
-                <a:rPr lang="en-US" sz="2800" kern="0" dirty="0" smtClean="0">
+                <a:rPr lang="en-US" sz="2800" kern="0" dirty="0">
                   <a:gradFill>
                     <a:gsLst>
                       <a:gs pos="0">
@@ -24281,20 +23631,6 @@
                 </a:rPr>
                 <a:t>(url.py)</a:t>
               </a:r>
-              <a:endParaRPr lang="en-US" sz="2800" kern="0" dirty="0">
-                <a:gradFill>
-                  <a:gsLst>
-                    <a:gs pos="0">
-                      <a:srgbClr val="FFFFFF"/>
-                    </a:gs>
-                    <a:gs pos="100000">
-                      <a:srgbClr val="FFFFFF"/>
-                    </a:gs>
-                  </a:gsLst>
-                  <a:lin ang="5400000" scaled="0"/>
-                </a:gradFill>
-                <a:latin typeface="Segoe UI"/>
-              </a:endParaRPr>
             </a:p>
           </p:txBody>
         </p:sp>
@@ -24525,7 +23861,7 @@
                 <a:defRPr/>
               </a:pPr>
               <a:r>
-                <a:rPr lang="ru-RU" sz="2400" dirty="0" smtClean="0">
+                <a:rPr lang="ru-RU" sz="2400" dirty="0">
                   <a:solidFill>
                     <a:srgbClr val="00AEEF"/>
                   </a:solidFill>
@@ -24549,7 +23885,7 @@
                 <a:defRPr/>
               </a:pPr>
               <a:r>
-                <a:rPr lang="ru-RU" sz="2000" dirty="0" smtClean="0">
+                <a:rPr lang="ru-RU" sz="2000" dirty="0">
                   <a:latin typeface="Segoe UI"/>
                 </a:rPr>
                 <a:t>Принимает запросы и перенаправляет в представления</a:t>
@@ -24618,7 +23954,7 @@
                 <a:defRPr/>
               </a:pPr>
               <a:r>
-                <a:rPr lang="ru-RU" sz="2800" kern="0" dirty="0" smtClean="0">
+                <a:rPr lang="ru-RU" sz="2800" kern="0" dirty="0">
                   <a:gradFill>
                     <a:gsLst>
                       <a:gs pos="0">
@@ -24635,7 +23971,7 @@
                 <a:t>Представление (</a:t>
               </a:r>
               <a:r>
-                <a:rPr lang="en-US" sz="2800" kern="0" dirty="0" smtClean="0">
+                <a:rPr lang="en-US" sz="2800" kern="0" dirty="0">
                   <a:gradFill>
                     <a:gsLst>
                       <a:gs pos="0">
@@ -24651,20 +23987,6 @@
                 </a:rPr>
                 <a:t>view.py)</a:t>
               </a:r>
-              <a:endParaRPr lang="en-US" sz="2800" kern="0" dirty="0">
-                <a:gradFill>
-                  <a:gsLst>
-                    <a:gs pos="0">
-                      <a:srgbClr val="FFFFFF"/>
-                    </a:gs>
-                    <a:gs pos="100000">
-                      <a:srgbClr val="FFFFFF"/>
-                    </a:gs>
-                  </a:gsLst>
-                  <a:lin ang="5400000" scaled="0"/>
-                </a:gradFill>
-                <a:latin typeface="Segoe UI"/>
-              </a:endParaRPr>
             </a:p>
           </p:txBody>
         </p:sp>
@@ -24895,7 +24217,7 @@
                 <a:defRPr/>
               </a:pPr>
               <a:r>
-                <a:rPr lang="ru-RU" sz="2400" dirty="0" smtClean="0">
+                <a:rPr lang="ru-RU" sz="2400" dirty="0">
                   <a:solidFill>
                     <a:srgbClr val="00AEEF"/>
                   </a:solidFill>
@@ -24919,7 +24241,7 @@
                 <a:defRPr/>
               </a:pPr>
               <a:r>
-                <a:rPr lang="ru-RU" sz="2000" dirty="0" smtClean="0">
+                <a:rPr lang="ru-RU" sz="2000" dirty="0">
                   <a:latin typeface="Segoe UI"/>
                 </a:rPr>
                 <a:t>Визуальное представление моделей</a:t>
@@ -24974,7 +24296,7 @@
               <a:defRPr/>
             </a:pPr>
             <a:r>
-              <a:rPr lang="ru-RU" sz="2800" kern="0" dirty="0" smtClean="0">
+              <a:rPr lang="ru-RU" sz="2800" kern="0" dirty="0">
                 <a:gradFill>
                   <a:gsLst>
                     <a:gs pos="0">
@@ -25050,7 +24372,7 @@
               <a:defRPr/>
             </a:pPr>
             <a:r>
-              <a:rPr lang="ru-RU" sz="2800" kern="0" dirty="0" smtClean="0">
+              <a:rPr lang="ru-RU" sz="2800" kern="0" dirty="0">
                 <a:gradFill>
                   <a:gsLst>
                     <a:gs pos="0">
@@ -25310,7 +24632,7 @@
               <a:defRPr/>
             </a:pPr>
             <a:r>
-              <a:rPr lang="ru-RU" sz="2400" dirty="0" smtClean="0">
+              <a:rPr lang="ru-RU" sz="2400" dirty="0">
                 <a:solidFill>
                   <a:srgbClr val="00AEEF"/>
                 </a:solidFill>
@@ -25850,7 +25172,7 @@
               <a:defRPr/>
             </a:pPr>
             <a:r>
-              <a:rPr lang="ru-RU" sz="2400" dirty="0" smtClean="0">
+              <a:rPr lang="ru-RU" sz="2400" dirty="0">
                 <a:solidFill>
                   <a:srgbClr val="00AEEF"/>
                 </a:solidFill>
@@ -26471,14 +25793,13 @@
           <a:lstStyle/>
           <a:p>
             <a:r>
-              <a:rPr lang="ru-RU" dirty="0" smtClean="0"/>
+              <a:rPr lang="ru-RU" dirty="0"/>
               <a:t>Как на счет взаимодействия с базой данных</a:t>
             </a:r>
             <a:r>
-              <a:rPr lang="en-US" dirty="0" smtClean="0"/>
+              <a:rPr lang="en-US" dirty="0"/>
               <a:t>?</a:t>
             </a:r>
-            <a:endParaRPr lang="en-US" dirty="0"/>
           </a:p>
         </p:txBody>
       </p:sp>
@@ -26498,11 +25819,11 @@
           <a:lstStyle/>
           <a:p>
             <a:r>
-              <a:rPr lang="ru-RU" dirty="0" smtClean="0"/>
+              <a:rPr lang="ru-RU" dirty="0"/>
               <a:t>Настройки базы данных осуществляются в </a:t>
             </a:r>
             <a:r>
-              <a:rPr lang="en-US" dirty="0" smtClean="0">
+              <a:rPr lang="en-US" dirty="0">
                 <a:solidFill>
                   <a:srgbClr val="7030A0"/>
                 </a:solidFill>
@@ -26512,39 +25833,39 @@
           </a:p>
           <a:p>
             <a:r>
-              <a:rPr lang="ru-RU" dirty="0" smtClean="0"/>
+              <a:rPr lang="ru-RU" dirty="0"/>
               <a:t>Поддерживаемые базы данных</a:t>
             </a:r>
-            <a:endParaRPr lang="en-US" dirty="0" smtClean="0"/>
+            <a:endParaRPr lang="en-US" dirty="0"/>
           </a:p>
           <a:p>
             <a:pPr lvl="1"/>
             <a:r>
-              <a:rPr lang="en-US" dirty="0" smtClean="0"/>
+              <a:rPr lang="en-US" dirty="0"/>
               <a:t>SQLite</a:t>
             </a:r>
           </a:p>
           <a:p>
             <a:pPr lvl="1"/>
             <a:r>
-              <a:rPr lang="en-US" dirty="0" smtClean="0"/>
+              <a:rPr lang="en-US" dirty="0"/>
               <a:t>MySQL</a:t>
             </a:r>
           </a:p>
           <a:p>
             <a:pPr lvl="1"/>
             <a:r>
-              <a:rPr lang="en-US" dirty="0" smtClean="0"/>
+              <a:rPr lang="en-US" dirty="0"/>
               <a:t>Microsoft SQL Server</a:t>
             </a:r>
           </a:p>
           <a:p>
             <a:r>
-              <a:rPr lang="en-US" dirty="0" smtClean="0"/>
+              <a:rPr lang="en-US" dirty="0"/>
               <a:t>SQLite </a:t>
             </a:r>
             <a:r>
-              <a:rPr lang="ru-RU" dirty="0" smtClean="0"/>
+              <a:rPr lang="ru-RU" dirty="0"/>
               <a:t>– является базой данных по умолчанию и идеально подходит для стартового проекта</a:t>
             </a:r>
             <a:endParaRPr lang="en-US" dirty="0"/>
@@ -26561,13 +25882,6 @@
   <p:clrMapOvr>
     <a:masterClrMapping/>
   </p:clrMapOvr>
-  <p:timing>
-    <p:tnLst>
-      <p:par>
-        <p:cTn id="1" dur="indefinite" restart="never" nodeType="tmRoot"/>
-      </p:par>
-    </p:tnLst>
-  </p:timing>
 </p:sld>
 </file>
 
@@ -26632,24 +25946,11 @@
               <a:rPr lang="ru-RU" dirty="0"/>
               <a:t>Параметры используемых баз данных хранит переменная DATAВASES. </a:t>
             </a:r>
-            <a:endParaRPr lang="ru-RU" dirty="0" smtClean="0"/>
-          </a:p>
-          <a:p>
-            <a:r>
-              <a:rPr lang="ru-RU" dirty="0" smtClean="0"/>
-              <a:t>Вот код, создающий </a:t>
-            </a:r>
+          </a:p>
+          <a:p>
             <a:r>
               <a:rPr lang="ru-RU" dirty="0"/>
-              <a:t>значение этой переменной и сформированный Django при </a:t>
-            </a:r>
-            <a:r>
-              <a:rPr lang="ru-RU" dirty="0" smtClean="0"/>
-              <a:t>созданиипроекта</a:t>
-            </a:r>
-            <a:r>
-              <a:rPr lang="ru-RU" dirty="0"/>
-              <a:t>:</a:t>
+              <a:t>Вот код, создающий значение этой переменной и сформированный Django при созданиипроекта:</a:t>
             </a:r>
             <a:endParaRPr lang="en-US" dirty="0"/>
           </a:p>
@@ -26726,7 +26027,7 @@
               <a:tabLst/>
             </a:pPr>
             <a:r>
-              <a:rPr kumimoji="0" lang="ru-RU" altLang="ru-RU" sz="2000" b="0" i="0" u="none" strike="noStrike" cap="none" normalizeH="0" baseline="0" dirty="0" smtClean="0">
+              <a:rPr kumimoji="0" lang="ru-RU" altLang="ru-RU" sz="2000" b="0" i="0" u="none" strike="noStrike" cap="none" normalizeH="0" baseline="0" dirty="0">
                 <a:ln>
                   <a:noFill/>
                 </a:ln>
@@ -26740,7 +26041,7 @@
               <a:t>DATABASES = {</a:t>
             </a:r>
             <a:br>
-              <a:rPr kumimoji="0" lang="ru-RU" altLang="ru-RU" sz="2000" b="0" i="0" u="none" strike="noStrike" cap="none" normalizeH="0" baseline="0" dirty="0" smtClean="0">
+              <a:rPr kumimoji="0" lang="ru-RU" altLang="ru-RU" sz="2000" b="0" i="0" u="none" strike="noStrike" cap="none" normalizeH="0" baseline="0" dirty="0">
                 <a:ln>
                   <a:noFill/>
                 </a:ln>
@@ -26753,7 +26054,7 @@
               </a:rPr>
             </a:br>
             <a:r>
-              <a:rPr kumimoji="0" lang="ru-RU" altLang="ru-RU" sz="2000" b="0" i="0" u="none" strike="noStrike" cap="none" normalizeH="0" baseline="0" dirty="0" smtClean="0">
+              <a:rPr kumimoji="0" lang="ru-RU" altLang="ru-RU" sz="2000" b="0" i="0" u="none" strike="noStrike" cap="none" normalizeH="0" baseline="0" dirty="0">
                 <a:ln>
                   <a:noFill/>
                 </a:ln>
@@ -26767,7 +26068,7 @@
               <a:t>    </a:t>
             </a:r>
             <a:r>
-              <a:rPr kumimoji="0" lang="ru-RU" altLang="ru-RU" sz="2000" b="1" i="0" u="none" strike="noStrike" cap="none" normalizeH="0" baseline="0" dirty="0" smtClean="0">
+              <a:rPr kumimoji="0" lang="ru-RU" altLang="ru-RU" sz="2000" b="1" i="0" u="none" strike="noStrike" cap="none" normalizeH="0" baseline="0" dirty="0">
                 <a:ln>
                   <a:noFill/>
                 </a:ln>
@@ -26781,7 +26082,7 @@
               <a:t>'default'</a:t>
             </a:r>
             <a:r>
-              <a:rPr kumimoji="0" lang="ru-RU" altLang="ru-RU" sz="2000" b="0" i="0" u="none" strike="noStrike" cap="none" normalizeH="0" baseline="0" dirty="0" smtClean="0">
+              <a:rPr kumimoji="0" lang="ru-RU" altLang="ru-RU" sz="2000" b="0" i="0" u="none" strike="noStrike" cap="none" normalizeH="0" baseline="0" dirty="0">
                 <a:ln>
                   <a:noFill/>
                 </a:ln>
@@ -26795,7 +26096,7 @@
               <a:t>: {</a:t>
             </a:r>
             <a:br>
-              <a:rPr kumimoji="0" lang="ru-RU" altLang="ru-RU" sz="2000" b="0" i="0" u="none" strike="noStrike" cap="none" normalizeH="0" baseline="0" dirty="0" smtClean="0">
+              <a:rPr kumimoji="0" lang="ru-RU" altLang="ru-RU" sz="2000" b="0" i="0" u="none" strike="noStrike" cap="none" normalizeH="0" baseline="0" dirty="0">
                 <a:ln>
                   <a:noFill/>
                 </a:ln>
@@ -26808,7 +26109,7 @@
               </a:rPr>
             </a:br>
             <a:r>
-              <a:rPr kumimoji="0" lang="ru-RU" altLang="ru-RU" sz="2000" b="0" i="0" u="none" strike="noStrike" cap="none" normalizeH="0" baseline="0" dirty="0" smtClean="0">
+              <a:rPr kumimoji="0" lang="ru-RU" altLang="ru-RU" sz="2000" b="0" i="0" u="none" strike="noStrike" cap="none" normalizeH="0" baseline="0" dirty="0">
                 <a:ln>
                   <a:noFill/>
                 </a:ln>
@@ -26822,7 +26123,7 @@
               <a:t>        </a:t>
             </a:r>
             <a:r>
-              <a:rPr kumimoji="0" lang="ru-RU" altLang="ru-RU" sz="2000" b="1" i="0" u="none" strike="noStrike" cap="none" normalizeH="0" baseline="0" dirty="0" smtClean="0">
+              <a:rPr kumimoji="0" lang="ru-RU" altLang="ru-RU" sz="2000" b="1" i="0" u="none" strike="noStrike" cap="none" normalizeH="0" baseline="0" dirty="0">
                 <a:ln>
                   <a:noFill/>
                 </a:ln>
@@ -26836,7 +26137,7 @@
               <a:t>'ENGINE'</a:t>
             </a:r>
             <a:r>
-              <a:rPr kumimoji="0" lang="ru-RU" altLang="ru-RU" sz="2000" b="0" i="0" u="none" strike="noStrike" cap="none" normalizeH="0" baseline="0" dirty="0" smtClean="0">
+              <a:rPr kumimoji="0" lang="ru-RU" altLang="ru-RU" sz="2000" b="0" i="0" u="none" strike="noStrike" cap="none" normalizeH="0" baseline="0" dirty="0">
                 <a:ln>
                   <a:noFill/>
                 </a:ln>
@@ -26850,7 +26151,7 @@
               <a:t>: </a:t>
             </a:r>
             <a:r>
-              <a:rPr kumimoji="0" lang="ru-RU" altLang="ru-RU" sz="2000" b="1" i="0" u="none" strike="noStrike" cap="none" normalizeH="0" baseline="0" dirty="0" smtClean="0">
+              <a:rPr kumimoji="0" lang="ru-RU" altLang="ru-RU" sz="2000" b="1" i="0" u="none" strike="noStrike" cap="none" normalizeH="0" baseline="0" dirty="0">
                 <a:ln>
                   <a:noFill/>
                 </a:ln>
@@ -26864,7 +26165,7 @@
               <a:t>'django.db.backends.sqlite3'</a:t>
             </a:r>
             <a:r>
-              <a:rPr kumimoji="0" lang="ru-RU" altLang="ru-RU" sz="2000" b="0" i="0" u="none" strike="noStrike" cap="none" normalizeH="0" baseline="0" dirty="0" smtClean="0">
+              <a:rPr kumimoji="0" lang="ru-RU" altLang="ru-RU" sz="2000" b="0" i="0" u="none" strike="noStrike" cap="none" normalizeH="0" baseline="0" dirty="0">
                 <a:ln>
                   <a:noFill/>
                 </a:ln>
@@ -26878,7 +26179,7 @@
               <a:t>,</a:t>
             </a:r>
             <a:br>
-              <a:rPr kumimoji="0" lang="ru-RU" altLang="ru-RU" sz="2000" b="0" i="0" u="none" strike="noStrike" cap="none" normalizeH="0" baseline="0" dirty="0" smtClean="0">
+              <a:rPr kumimoji="0" lang="ru-RU" altLang="ru-RU" sz="2000" b="0" i="0" u="none" strike="noStrike" cap="none" normalizeH="0" baseline="0" dirty="0">
                 <a:ln>
                   <a:noFill/>
                 </a:ln>
@@ -26891,7 +26192,7 @@
               </a:rPr>
             </a:br>
             <a:r>
-              <a:rPr kumimoji="0" lang="ru-RU" altLang="ru-RU" sz="2000" b="0" i="0" u="none" strike="noStrike" cap="none" normalizeH="0" baseline="0" dirty="0" smtClean="0">
+              <a:rPr kumimoji="0" lang="ru-RU" altLang="ru-RU" sz="2000" b="0" i="0" u="none" strike="noStrike" cap="none" normalizeH="0" baseline="0" dirty="0">
                 <a:ln>
                   <a:noFill/>
                 </a:ln>
@@ -26905,7 +26206,7 @@
               <a:t>        </a:t>
             </a:r>
             <a:r>
-              <a:rPr kumimoji="0" lang="ru-RU" altLang="ru-RU" sz="2000" b="1" i="0" u="none" strike="noStrike" cap="none" normalizeH="0" baseline="0" dirty="0" smtClean="0">
+              <a:rPr kumimoji="0" lang="ru-RU" altLang="ru-RU" sz="2000" b="1" i="0" u="none" strike="noStrike" cap="none" normalizeH="0" baseline="0" dirty="0">
                 <a:ln>
                   <a:noFill/>
                 </a:ln>
@@ -26919,7 +26220,7 @@
               <a:t>'NAME'</a:t>
             </a:r>
             <a:r>
-              <a:rPr kumimoji="0" lang="ru-RU" altLang="ru-RU" sz="2000" b="0" i="0" u="none" strike="noStrike" cap="none" normalizeH="0" baseline="0" dirty="0" smtClean="0">
+              <a:rPr kumimoji="0" lang="ru-RU" altLang="ru-RU" sz="2000" b="0" i="0" u="none" strike="noStrike" cap="none" normalizeH="0" baseline="0" dirty="0">
                 <a:ln>
                   <a:noFill/>
                 </a:ln>
@@ -26933,7 +26234,7 @@
               <a:t>: os.path.join(BASE_DIR, </a:t>
             </a:r>
             <a:r>
-              <a:rPr kumimoji="0" lang="ru-RU" altLang="ru-RU" sz="2000" b="1" i="0" u="none" strike="noStrike" cap="none" normalizeH="0" baseline="0" dirty="0" smtClean="0">
+              <a:rPr kumimoji="0" lang="ru-RU" altLang="ru-RU" sz="2000" b="1" i="0" u="none" strike="noStrike" cap="none" normalizeH="0" baseline="0" dirty="0">
                 <a:ln>
                   <a:noFill/>
                 </a:ln>
@@ -26947,7 +26248,7 @@
               <a:t>'db.sqlite3'</a:t>
             </a:r>
             <a:r>
-              <a:rPr kumimoji="0" lang="ru-RU" altLang="ru-RU" sz="2000" b="0" i="0" u="none" strike="noStrike" cap="none" normalizeH="0" baseline="0" dirty="0" smtClean="0">
+              <a:rPr kumimoji="0" lang="ru-RU" altLang="ru-RU" sz="2000" b="0" i="0" u="none" strike="noStrike" cap="none" normalizeH="0" baseline="0" dirty="0">
                 <a:ln>
                   <a:noFill/>
                 </a:ln>
@@ -26961,7 +26262,7 @@
               <a:t>),</a:t>
             </a:r>
             <a:br>
-              <a:rPr kumimoji="0" lang="ru-RU" altLang="ru-RU" sz="2000" b="0" i="0" u="none" strike="noStrike" cap="none" normalizeH="0" baseline="0" dirty="0" smtClean="0">
+              <a:rPr kumimoji="0" lang="ru-RU" altLang="ru-RU" sz="2000" b="0" i="0" u="none" strike="noStrike" cap="none" normalizeH="0" baseline="0" dirty="0">
                 <a:ln>
                   <a:noFill/>
                 </a:ln>
@@ -26974,7 +26275,7 @@
               </a:rPr>
             </a:br>
             <a:r>
-              <a:rPr kumimoji="0" lang="ru-RU" altLang="ru-RU" sz="2000" b="0" i="0" u="none" strike="noStrike" cap="none" normalizeH="0" baseline="0" dirty="0" smtClean="0">
+              <a:rPr kumimoji="0" lang="ru-RU" altLang="ru-RU" sz="2000" b="0" i="0" u="none" strike="noStrike" cap="none" normalizeH="0" baseline="0" dirty="0">
                 <a:ln>
                   <a:noFill/>
                 </a:ln>
@@ -26988,7 +26289,7 @@
               <a:t>    }</a:t>
             </a:r>
             <a:br>
-              <a:rPr kumimoji="0" lang="ru-RU" altLang="ru-RU" sz="2000" b="0" i="0" u="none" strike="noStrike" cap="none" normalizeH="0" baseline="0" dirty="0" smtClean="0">
+              <a:rPr kumimoji="0" lang="ru-RU" altLang="ru-RU" sz="2000" b="0" i="0" u="none" strike="noStrike" cap="none" normalizeH="0" baseline="0" dirty="0">
                 <a:ln>
                   <a:noFill/>
                 </a:ln>
@@ -27001,7 +26302,7 @@
               </a:rPr>
             </a:br>
             <a:r>
-              <a:rPr kumimoji="0" lang="ru-RU" altLang="ru-RU" sz="2000" b="0" i="0" u="none" strike="noStrike" cap="none" normalizeH="0" baseline="0" dirty="0" smtClean="0">
+              <a:rPr kumimoji="0" lang="ru-RU" altLang="ru-RU" sz="2000" b="0" i="0" u="none" strike="noStrike" cap="none" normalizeH="0" baseline="0" dirty="0">
                 <a:ln>
                   <a:noFill/>
                 </a:ln>
@@ -27014,7 +26315,7 @@
               </a:rPr>
               <a:t>}</a:t>
             </a:r>
-            <a:endParaRPr kumimoji="0" lang="ru-RU" altLang="ru-RU" sz="4400" b="0" i="0" u="none" strike="noStrike" cap="none" normalizeH="0" baseline="0" dirty="0" smtClean="0">
+            <a:endParaRPr kumimoji="0" lang="ru-RU" altLang="ru-RU" sz="4400" b="0" i="0" u="none" strike="noStrike" cap="none" normalizeH="0" baseline="0" dirty="0">
               <a:ln>
                 <a:noFill/>
               </a:ln>
@@ -27037,13 +26338,6 @@
   <p:clrMapOvr>
     <a:masterClrMapping/>
   </p:clrMapOvr>
-  <p:timing>
-    <p:tnLst>
-      <p:par>
-        <p:cTn id="1" dur="indefinite" restart="never" nodeType="tmRoot"/>
-      </p:par>
-    </p:tnLst>
-  </p:timing>
 </p:sld>
 </file>
 
@@ -27080,14 +26374,13 @@
           <a:lstStyle/>
           <a:p>
             <a:r>
-              <a:rPr lang="ru-RU" dirty="0" smtClean="0"/>
+              <a:rPr lang="ru-RU" dirty="0"/>
               <a:t>Как создать базу данных</a:t>
             </a:r>
             <a:r>
-              <a:rPr lang="en-US" dirty="0" smtClean="0"/>
+              <a:rPr lang="en-US" dirty="0"/>
               <a:t>?</a:t>
             </a:r>
-            <a:endParaRPr lang="en-US" dirty="0"/>
           </a:p>
         </p:txBody>
       </p:sp>
@@ -27112,22 +26405,22 @@
           <a:lstStyle/>
           <a:p>
             <a:r>
-              <a:rPr lang="ru-RU" dirty="0" smtClean="0"/>
+              <a:rPr lang="ru-RU" dirty="0"/>
               <a:t>Все изменения в моделях отражаются в базе данных посредством механизма миграций</a:t>
             </a:r>
-            <a:endParaRPr lang="en-US" dirty="0" smtClean="0"/>
-          </a:p>
-          <a:p>
-            <a:r>
-              <a:rPr lang="ru-RU" dirty="0" smtClean="0"/>
+            <a:endParaRPr lang="en-US" dirty="0"/>
+          </a:p>
+          <a:p>
+            <a:r>
+              <a:rPr lang="ru-RU" dirty="0"/>
               <a:t>Полезные команды</a:t>
             </a:r>
-            <a:endParaRPr lang="en-US" dirty="0" smtClean="0"/>
+            <a:endParaRPr lang="en-US" dirty="0"/>
           </a:p>
           <a:p>
             <a:pPr lvl="1"/>
             <a:r>
-              <a:rPr lang="en-US" b="1" dirty="0" err="1" smtClean="0"/>
+              <a:rPr lang="en-US" b="1" dirty="0" err="1"/>
               <a:t>makemigrations</a:t>
             </a:r>
             <a:endParaRPr lang="en-US" dirty="0"/>
@@ -27135,23 +26428,23 @@
           <a:p>
             <a:pPr lvl="2"/>
             <a:r>
-              <a:rPr lang="ru-RU" dirty="0" smtClean="0"/>
+              <a:rPr lang="ru-RU" dirty="0"/>
               <a:t>Создает новую миграцию. При этом создается пакет, который включает все</a:t>
             </a:r>
             <a:r>
-              <a:rPr lang="en-US" dirty="0" smtClean="0"/>
+              <a:rPr lang="en-US" dirty="0"/>
               <a:t> </a:t>
             </a:r>
             <a:r>
-              <a:rPr lang="ru-RU" dirty="0" smtClean="0"/>
+              <a:rPr lang="ru-RU" dirty="0"/>
               <a:t>необходимые изменения базы данных</a:t>
             </a:r>
-            <a:endParaRPr lang="en-US" dirty="0" smtClean="0"/>
+            <a:endParaRPr lang="en-US" dirty="0"/>
           </a:p>
           <a:p>
             <a:pPr lvl="1"/>
             <a:r>
-              <a:rPr lang="en-US" b="1" dirty="0" err="1" smtClean="0"/>
+              <a:rPr lang="en-US" b="1" dirty="0" err="1"/>
               <a:t>sqlmigrate</a:t>
             </a:r>
             <a:endParaRPr lang="en-US" dirty="0"/>
@@ -27159,30 +26452,30 @@
           <a:p>
             <a:pPr lvl="2"/>
             <a:r>
-              <a:rPr lang="ru-RU" dirty="0" smtClean="0"/>
+              <a:rPr lang="ru-RU" dirty="0"/>
               <a:t>Отображает </a:t>
             </a:r>
             <a:r>
-              <a:rPr lang="en-US" dirty="0" smtClean="0"/>
+              <a:rPr lang="en-US" dirty="0"/>
               <a:t>SQL </a:t>
             </a:r>
             <a:r>
-              <a:rPr lang="ru-RU" dirty="0" smtClean="0"/>
+              <a:rPr lang="ru-RU" dirty="0"/>
               <a:t>запросы, кторые будут применены при миграции</a:t>
             </a:r>
-            <a:endParaRPr lang="en-US" dirty="0" smtClean="0"/>
+            <a:endParaRPr lang="en-US" dirty="0"/>
           </a:p>
           <a:p>
             <a:pPr lvl="1"/>
             <a:r>
-              <a:rPr lang="en-US" b="1" dirty="0" smtClean="0"/>
+              <a:rPr lang="en-US" b="1" dirty="0"/>
               <a:t>migrate</a:t>
             </a:r>
           </a:p>
           <a:p>
             <a:pPr lvl="2"/>
             <a:r>
-              <a:rPr lang="ru-RU" dirty="0" smtClean="0"/>
+              <a:rPr lang="ru-RU" dirty="0"/>
               <a:t>Применяется мграция, при этом обновляется база данных используя пакет миграции</a:t>
             </a:r>
             <a:endParaRPr lang="en-US" dirty="0"/>
@@ -27199,13 +26492,6 @@
   <p:clrMapOvr>
     <a:masterClrMapping/>
   </p:clrMapOvr>
-  <p:timing>
-    <p:tnLst>
-      <p:par>
-        <p:cTn id="1" dur="indefinite" restart="never" nodeType="tmRoot"/>
-      </p:par>
-    </p:tnLst>
-  </p:timing>
 </p:sld>
 </file>
 
@@ -27244,19 +26530,19 @@
           <a:lstStyle/>
           <a:p>
             <a:r>
-              <a:rPr lang="ru-RU" dirty="0" smtClean="0"/>
+              <a:rPr lang="ru-RU" dirty="0"/>
               <a:t>Как запустить </a:t>
             </a:r>
             <a:r>
-              <a:rPr lang="en-US" dirty="0" err="1" smtClean="0"/>
+              <a:rPr lang="en-US" dirty="0" err="1"/>
               <a:t>makemigrations</a:t>
             </a:r>
             <a:r>
-              <a:rPr lang="en-US" dirty="0" smtClean="0"/>
+              <a:rPr lang="en-US" dirty="0"/>
               <a:t>?</a:t>
             </a:r>
             <a:br>
-              <a:rPr lang="en-US" dirty="0" smtClean="0"/>
+              <a:rPr lang="en-US" dirty="0"/>
             </a:br>
             <a:endParaRPr lang="en-US" dirty="0"/>
           </a:p>
@@ -27278,14 +26564,14 @@
           <a:lstStyle/>
           <a:p>
             <a:r>
-              <a:rPr lang="ru-RU" dirty="0" smtClean="0"/>
+              <a:rPr lang="ru-RU" dirty="0"/>
               <a:t>Параметры команды </a:t>
             </a:r>
             <a:r>
-              <a:rPr lang="en-US" dirty="0" err="1" smtClean="0"/>
+              <a:rPr lang="en-US" dirty="0" err="1"/>
               <a:t>makemigrations</a:t>
             </a:r>
-            <a:endParaRPr lang="en-US" dirty="0" smtClean="0"/>
+            <a:endParaRPr lang="en-US" dirty="0"/>
           </a:p>
           <a:p>
             <a:pPr lvl="1">
@@ -27293,14 +26579,14 @@
               <a:buChar char="•"/>
             </a:pPr>
             <a:r>
-              <a:rPr lang="en-US" dirty="0" smtClean="0"/>
+              <a:rPr lang="en-US" dirty="0"/>
               <a:t>--name</a:t>
             </a:r>
           </a:p>
           <a:p>
             <a:pPr lvl="2"/>
             <a:r>
-              <a:rPr lang="ru-RU" dirty="0" smtClean="0">
+              <a:rPr lang="ru-RU" dirty="0">
                 <a:solidFill>
                   <a:srgbClr val="0070C0"/>
                 </a:solidFill>
@@ -27308,14 +26594,14 @@
               <a:t>Название миграции </a:t>
             </a:r>
             <a:r>
-              <a:rPr lang="en-US" dirty="0" smtClean="0"/>
+              <a:rPr lang="en-US" dirty="0"/>
               <a:t>(</a:t>
             </a:r>
             <a:r>
-              <a:rPr lang="ru-RU" dirty="0" smtClean="0"/>
+              <a:rPr lang="ru-RU" dirty="0"/>
               <a:t>если не указать, то будет присвоено имя 0001 – для первом играции, 0002 – для второй и т.д.)</a:t>
             </a:r>
-            <a:endParaRPr lang="en-US" dirty="0" smtClean="0"/>
+            <a:endParaRPr lang="en-US" dirty="0"/>
           </a:p>
           <a:p>
             <a:pPr lvl="1">
@@ -27323,14 +26609,14 @@
               <a:buChar char="•"/>
             </a:pPr>
             <a:r>
-              <a:rPr lang="ru-RU" dirty="0" smtClean="0">
+              <a:rPr lang="ru-RU" dirty="0">
                 <a:solidFill>
                   <a:srgbClr val="00B050"/>
                 </a:solidFill>
               </a:rPr>
               <a:t>Имя приложения</a:t>
             </a:r>
-            <a:endParaRPr lang="en-US" dirty="0" smtClean="0">
+            <a:endParaRPr lang="en-US" dirty="0">
               <a:solidFill>
                 <a:srgbClr val="00B050"/>
               </a:solidFill>
@@ -27366,51 +26652,37 @@
                 <a:latin typeface="Consolas" panose="020B0609020204030204" pitchFamily="49" charset="0"/>
                 <a:cs typeface="Consolas" panose="020B0609020204030204" pitchFamily="49" charset="0"/>
               </a:rPr>
-              <a:t> [</a:t>
-            </a:r>
-            <a:r>
-              <a:rPr lang="en-US" b="1" dirty="0" smtClean="0">
+              <a:t> [--name </a:t>
+            </a:r>
+            <a:r>
+              <a:rPr lang="en-US" b="1" i="1" dirty="0">
+                <a:solidFill>
+                  <a:srgbClr val="0070C0"/>
+                </a:solidFill>
                 <a:latin typeface="Consolas" panose="020B0609020204030204" pitchFamily="49" charset="0"/>
                 <a:cs typeface="Consolas" panose="020B0609020204030204" pitchFamily="49" charset="0"/>
               </a:rPr>
-              <a:t>--</a:t>
+              <a:t>initial</a:t>
             </a:r>
             <a:r>
               <a:rPr lang="en-US" b="1" dirty="0">
                 <a:latin typeface="Consolas" panose="020B0609020204030204" pitchFamily="49" charset="0"/>
                 <a:cs typeface="Consolas" panose="020B0609020204030204" pitchFamily="49" charset="0"/>
               </a:rPr>
-              <a:t>name </a:t>
-            </a:r>
-            <a:r>
-              <a:rPr lang="en-US" b="1" i="1" dirty="0">
-                <a:solidFill>
-                  <a:srgbClr val="0070C0"/>
+              <a:t> </a:t>
+            </a:r>
+            <a:r>
+              <a:rPr lang="en-US" b="1" dirty="0">
+                <a:solidFill>
+                  <a:srgbClr val="00B050"/>
                 </a:solidFill>
                 <a:latin typeface="Consolas" panose="020B0609020204030204" pitchFamily="49" charset="0"/>
                 <a:cs typeface="Consolas" panose="020B0609020204030204" pitchFamily="49" charset="0"/>
               </a:rPr>
-              <a:t>initial</a:t>
+              <a:t>blog</a:t>
             </a:r>
             <a:r>
               <a:rPr lang="en-US" b="1" dirty="0">
-                <a:latin typeface="Consolas" panose="020B0609020204030204" pitchFamily="49" charset="0"/>
-                <a:cs typeface="Consolas" panose="020B0609020204030204" pitchFamily="49" charset="0"/>
-              </a:rPr>
-              <a:t> </a:t>
-            </a:r>
-            <a:r>
-              <a:rPr lang="en-US" b="1" dirty="0" smtClean="0">
-                <a:solidFill>
-                  <a:srgbClr val="00B050"/>
-                </a:solidFill>
-                <a:latin typeface="Consolas" panose="020B0609020204030204" pitchFamily="49" charset="0"/>
-                <a:cs typeface="Consolas" panose="020B0609020204030204" pitchFamily="49" charset="0"/>
-              </a:rPr>
-              <a:t>blog</a:t>
-            </a:r>
-            <a:r>
-              <a:rPr lang="en-US" b="1" dirty="0" smtClean="0">
                 <a:latin typeface="Consolas" panose="020B0609020204030204" pitchFamily="49" charset="0"/>
                 <a:cs typeface="Consolas" panose="020B0609020204030204" pitchFamily="49" charset="0"/>
               </a:rPr>
@@ -27439,13 +26711,6 @@
   <p:clrMapOvr>
     <a:masterClrMapping/>
   </p:clrMapOvr>
-  <p:timing>
-    <p:tnLst>
-      <p:par>
-        <p:cTn id="1" dur="indefinite" restart="never" nodeType="tmRoot"/>
-      </p:par>
-    </p:tnLst>
-  </p:timing>
 </p:sld>
 </file>
 
@@ -27484,7 +26749,7 @@
           <a:lstStyle/>
           <a:p>
             <a:r>
-              <a:rPr lang="ru-RU" dirty="0" smtClean="0"/>
+              <a:rPr lang="ru-RU" dirty="0"/>
               <a:t>Как запустить </a:t>
             </a:r>
             <a:r>
@@ -27492,11 +26757,11 @@
               <a:t>sqlmigrate</a:t>
             </a:r>
             <a:r>
-              <a:rPr lang="en-US" dirty="0" smtClean="0"/>
+              <a:rPr lang="en-US" dirty="0"/>
               <a:t>?</a:t>
             </a:r>
             <a:br>
-              <a:rPr lang="en-US" dirty="0" smtClean="0"/>
+              <a:rPr lang="en-US" dirty="0"/>
             </a:br>
             <a:endParaRPr lang="en-US" dirty="0"/>
           </a:p>
@@ -27522,22 +26787,22 @@
               <a:t>Параметры команды </a:t>
             </a:r>
             <a:r>
-              <a:rPr lang="en-US" b="1" dirty="0" err="1" smtClean="0"/>
+              <a:rPr lang="en-US" b="1" dirty="0" err="1"/>
               <a:t>sqlmigrate</a:t>
             </a:r>
-            <a:endParaRPr lang="en-US" dirty="0" smtClean="0"/>
+            <a:endParaRPr lang="en-US" dirty="0"/>
           </a:p>
           <a:p>
             <a:pPr lvl="1"/>
             <a:r>
-              <a:rPr lang="ru-RU" dirty="0" smtClean="0">
+              <a:rPr lang="ru-RU" dirty="0">
                 <a:solidFill>
                   <a:srgbClr val="00B050"/>
                 </a:solidFill>
               </a:rPr>
               <a:t>Имя приложения</a:t>
             </a:r>
-            <a:endParaRPr lang="en-US" dirty="0" smtClean="0">
+            <a:endParaRPr lang="en-US" dirty="0">
               <a:solidFill>
                 <a:srgbClr val="00B050"/>
               </a:solidFill>
@@ -27563,7 +26828,7 @@
             <a:pPr marL="457046" lvl="1" indent="0">
               <a:buNone/>
             </a:pPr>
-            <a:endParaRPr lang="en-US" dirty="0" smtClean="0"/>
+            <a:endParaRPr lang="en-US" dirty="0"/>
           </a:p>
           <a:p>
             <a:pPr lvl="1"/>
@@ -27581,7 +26846,7 @@
               <a:t>python manage.py </a:t>
             </a:r>
             <a:r>
-              <a:rPr lang="en-US" b="1" dirty="0" err="1" smtClean="0">
+              <a:rPr lang="en-US" b="1" dirty="0" err="1">
                 <a:solidFill>
                   <a:srgbClr val="7030A0"/>
                 </a:solidFill>
@@ -27591,14 +26856,14 @@
               <a:t>sqlmigrate</a:t>
             </a:r>
             <a:r>
-              <a:rPr lang="en-US" b="1" dirty="0" smtClean="0">
+              <a:rPr lang="en-US" b="1" dirty="0">
                 <a:latin typeface="Consolas" panose="020B0609020204030204" pitchFamily="49" charset="0"/>
                 <a:cs typeface="Consolas" panose="020B0609020204030204" pitchFamily="49" charset="0"/>
               </a:rPr>
               <a:t> </a:t>
             </a:r>
             <a:r>
-              <a:rPr lang="en-US" b="1" dirty="0" smtClean="0">
+              <a:rPr lang="en-US" b="1" dirty="0">
                 <a:solidFill>
                   <a:srgbClr val="00B050"/>
                 </a:solidFill>
@@ -27608,14 +26873,14 @@
               <a:t>blog</a:t>
             </a:r>
             <a:r>
-              <a:rPr lang="en-US" b="1" dirty="0" smtClean="0">
+              <a:rPr lang="en-US" b="1" dirty="0">
                 <a:latin typeface="Consolas" panose="020B0609020204030204" pitchFamily="49" charset="0"/>
                 <a:cs typeface="Consolas" panose="020B0609020204030204" pitchFamily="49" charset="0"/>
               </a:rPr>
               <a:t> </a:t>
             </a:r>
             <a:r>
-              <a:rPr lang="en-US" b="1" dirty="0" smtClean="0">
+              <a:rPr lang="en-US" b="1" dirty="0">
                 <a:solidFill>
                   <a:srgbClr val="0070C0"/>
                 </a:solidFill>
@@ -27625,7 +26890,7 @@
               <a:t>0001</a:t>
             </a:r>
             <a:r>
-              <a:rPr lang="en-US" b="1" dirty="0" smtClean="0">
+              <a:rPr lang="en-US" b="1" dirty="0">
                 <a:latin typeface="Consolas" panose="020B0609020204030204" pitchFamily="49" charset="0"/>
                 <a:cs typeface="Consolas" panose="020B0609020204030204" pitchFamily="49" charset="0"/>
               </a:rPr>
@@ -27654,13 +26919,6 @@
   <p:clrMapOvr>
     <a:masterClrMapping/>
   </p:clrMapOvr>
-  <p:timing>
-    <p:tnLst>
-      <p:par>
-        <p:cTn id="1" dur="indefinite" restart="never" nodeType="tmRoot"/>
-      </p:par>
-    </p:tnLst>
-  </p:timing>
 </p:sld>
 </file>
 
@@ -27699,19 +26957,19 @@
           <a:lstStyle/>
           <a:p>
             <a:r>
-              <a:rPr lang="ru-RU" dirty="0" smtClean="0"/>
+              <a:rPr lang="ru-RU" dirty="0"/>
               <a:t>Как запустить </a:t>
             </a:r>
             <a:r>
-              <a:rPr lang="en-US" dirty="0" err="1" smtClean="0"/>
+              <a:rPr lang="en-US" dirty="0" err="1"/>
               <a:t>makemigrations</a:t>
             </a:r>
             <a:r>
-              <a:rPr lang="en-US" dirty="0" smtClean="0"/>
+              <a:rPr lang="en-US" dirty="0"/>
               <a:t>?</a:t>
             </a:r>
             <a:br>
-              <a:rPr lang="en-US" dirty="0" smtClean="0"/>
+              <a:rPr lang="en-US" dirty="0"/>
             </a:br>
             <a:endParaRPr lang="en-US" dirty="0"/>
           </a:p>
@@ -27733,14 +26991,14 @@
           <a:lstStyle/>
           <a:p>
             <a:r>
-              <a:rPr lang="en-US" dirty="0" smtClean="0"/>
+              <a:rPr lang="en-US" dirty="0"/>
               <a:t>migrate </a:t>
             </a:r>
             <a:r>
-              <a:rPr lang="ru-RU" dirty="0" smtClean="0"/>
+              <a:rPr lang="ru-RU" dirty="0"/>
               <a:t>параметры</a:t>
             </a:r>
-            <a:endParaRPr lang="en-US" dirty="0" smtClean="0"/>
+            <a:endParaRPr lang="en-US" dirty="0"/>
           </a:p>
           <a:p>
             <a:pPr lvl="1"/>
@@ -27750,18 +27008,10 @@
                   <a:srgbClr val="00B050"/>
                 </a:solidFill>
               </a:rPr>
-              <a:t>Имя </a:t>
-            </a:r>
-            <a:r>
-              <a:rPr lang="ru-RU" dirty="0" smtClean="0">
-                <a:solidFill>
-                  <a:srgbClr val="00B050"/>
-                </a:solidFill>
-              </a:rPr>
-              <a:t>приложения </a:t>
-            </a:r>
-            <a:r>
-              <a:rPr lang="ru-RU" dirty="0" smtClean="0"/>
+              <a:t>Имя приложения </a:t>
+            </a:r>
+            <a:r>
+              <a:rPr lang="ru-RU" dirty="0"/>
               <a:t>(опционально)</a:t>
             </a:r>
             <a:endParaRPr lang="en-US" dirty="0"/>
@@ -27777,7 +27027,7 @@
               <a:t>Имя миграции </a:t>
             </a:r>
             <a:r>
-              <a:rPr lang="ru-RU" dirty="0" smtClean="0"/>
+              <a:rPr lang="ru-RU" dirty="0"/>
               <a:t>(опционально)</a:t>
             </a:r>
           </a:p>
@@ -27805,7 +27055,7 @@
               <a:t>python manage.py </a:t>
             </a:r>
             <a:r>
-              <a:rPr lang="en-US" b="1" dirty="0" smtClean="0">
+              <a:rPr lang="en-US" b="1" dirty="0">
                 <a:solidFill>
                   <a:srgbClr val="7030A0"/>
                 </a:solidFill>
@@ -27815,14 +27065,14 @@
               <a:t>migrate</a:t>
             </a:r>
             <a:r>
-              <a:rPr lang="en-US" b="1" dirty="0" smtClean="0">
+              <a:rPr lang="en-US" b="1" dirty="0">
                 <a:latin typeface="Consolas" panose="020B0609020204030204" pitchFamily="49" charset="0"/>
                 <a:cs typeface="Consolas" panose="020B0609020204030204" pitchFamily="49" charset="0"/>
               </a:rPr>
               <a:t> [</a:t>
             </a:r>
             <a:r>
-              <a:rPr lang="en-US" b="1" dirty="0" smtClean="0">
+              <a:rPr lang="en-US" b="1" dirty="0">
                 <a:solidFill>
                   <a:srgbClr val="00B050"/>
                 </a:solidFill>
@@ -27832,14 +27082,14 @@
               <a:t>blog</a:t>
             </a:r>
             <a:r>
-              <a:rPr lang="en-US" b="1" dirty="0" smtClean="0">
+              <a:rPr lang="en-US" b="1" dirty="0">
                 <a:latin typeface="Consolas" panose="020B0609020204030204" pitchFamily="49" charset="0"/>
                 <a:cs typeface="Consolas" panose="020B0609020204030204" pitchFamily="49" charset="0"/>
               </a:rPr>
               <a:t> </a:t>
             </a:r>
             <a:r>
-              <a:rPr lang="en-US" b="1" dirty="0" smtClean="0">
+              <a:rPr lang="en-US" b="1" dirty="0">
                 <a:solidFill>
                   <a:srgbClr val="0070C0"/>
                 </a:solidFill>
@@ -27849,7 +27099,7 @@
               <a:t>0001</a:t>
             </a:r>
             <a:r>
-              <a:rPr lang="en-US" b="1" dirty="0" smtClean="0">
+              <a:rPr lang="en-US" b="1" dirty="0">
                 <a:latin typeface="Consolas" panose="020B0609020204030204" pitchFamily="49" charset="0"/>
                 <a:cs typeface="Consolas" panose="020B0609020204030204" pitchFamily="49" charset="0"/>
               </a:rPr>
@@ -27878,13 +27128,6 @@
   <p:clrMapOvr>
     <a:masterClrMapping/>
   </p:clrMapOvr>
-  <p:timing>
-    <p:tnLst>
-      <p:par>
-        <p:cTn id="1" dur="indefinite" restart="never" nodeType="tmRoot"/>
-      </p:par>
-    </p:tnLst>
-  </p:timing>
 </p:sld>
 </file>
 
@@ -27921,7 +27164,7 @@
           <a:lstStyle/>
           <a:p>
             <a:r>
-              <a:rPr lang="ru-RU" dirty="0" smtClean="0"/>
+              <a:rPr lang="ru-RU" dirty="0"/>
               <a:t>Создание и выполнение миграций</a:t>
             </a:r>
             <a:endParaRPr lang="en-US" dirty="0"/>
@@ -27938,13 +27181,6 @@
   <p:clrMapOvr>
     <a:masterClrMapping/>
   </p:clrMapOvr>
-  <p:timing>
-    <p:tnLst>
-      <p:par>
-        <p:cTn id="1" dur="indefinite" restart="never" nodeType="tmRoot"/>
-      </p:par>
-    </p:tnLst>
-  </p:timing>
 </p:sld>
 </file>
 
@@ -27983,7 +27219,7 @@
           <a:lstStyle/>
           <a:p>
             <a:r>
-              <a:rPr lang="ru-RU" dirty="0" smtClean="0"/>
+              <a:rPr lang="ru-RU" dirty="0"/>
               <a:t>Административная часть</a:t>
             </a:r>
             <a:endParaRPr lang="en-US" dirty="0"/>
@@ -28012,62 +27248,25 @@
           <a:p>
             <a:r>
               <a:rPr lang="ru-RU" dirty="0"/>
-              <a:t>При разработке сайта нам часто понадобится заносить в базу какие-либо данные</a:t>
-            </a:r>
-            <a:r>
-              <a:rPr lang="ru-RU" dirty="0" smtClean="0"/>
-              <a:t>, необходимые </a:t>
-            </a:r>
+              <a:t>При разработке сайта нам часто понадобится заносить в базу какие-либо данные, необходимые для отладки.</a:t>
+            </a:r>
+          </a:p>
+          <a:p>
             <a:r>
               <a:rPr lang="ru-RU" dirty="0"/>
-              <a:t>для отладки</a:t>
-            </a:r>
-            <a:r>
-              <a:rPr lang="ru-RU" dirty="0" smtClean="0"/>
-              <a:t>.</a:t>
-            </a:r>
-          </a:p>
-          <a:p>
-            <a:r>
-              <a:rPr lang="ru-RU" dirty="0" smtClean="0"/>
-              <a:t> </a:t>
-            </a:r>
+              <a:t> Разработчикам, использующим другие решения, потребуется привлекать для этого сторонние программы. </a:t>
+            </a:r>
+          </a:p>
+          <a:p>
             <a:r>
               <a:rPr lang="ru-RU" dirty="0"/>
-              <a:t>Разработчикам, использующим другие решения, </a:t>
-            </a:r>
-            <a:r>
-              <a:rPr lang="ru-RU" dirty="0" smtClean="0"/>
-              <a:t>потребуется привлекать </a:t>
-            </a:r>
+              <a:t>Но нам этого делать не придется.</a:t>
+            </a:r>
+          </a:p>
+          <a:p>
             <a:r>
               <a:rPr lang="ru-RU" dirty="0"/>
-              <a:t>для этого сторонние программы. </a:t>
-            </a:r>
-            <a:endParaRPr lang="ru-RU" dirty="0" smtClean="0"/>
-          </a:p>
-          <a:p>
-            <a:r>
-              <a:rPr lang="ru-RU" dirty="0" smtClean="0"/>
-              <a:t>Но </a:t>
-            </a:r>
-            <a:r>
-              <a:rPr lang="ru-RU" dirty="0"/>
-              <a:t>нам этого делать не придется</a:t>
-            </a:r>
-            <a:r>
-              <a:rPr lang="ru-RU" dirty="0" smtClean="0"/>
-              <a:t>.</a:t>
-            </a:r>
-          </a:p>
-          <a:p>
-            <a:r>
-              <a:rPr lang="ru-RU" dirty="0"/>
-              <a:t>Библиотека Django включает в свой состав полнофункциональный встроенный </a:t>
-            </a:r>
-            <a:r>
-              <a:rPr lang="ru-RU" dirty="0" smtClean="0"/>
-              <a:t>административный WеЬ-сайт</a:t>
+              <a:t>Библиотека Django включает в свой состав полнофункциональный встроенный административный WеЬ-сайт</a:t>
             </a:r>
             <a:endParaRPr lang="en-US" dirty="0"/>
           </a:p>
@@ -28083,13 +27282,6 @@
   <p:clrMapOvr>
     <a:masterClrMapping/>
   </p:clrMapOvr>
-  <p:timing>
-    <p:tnLst>
-      <p:par>
-        <p:cTn id="1" dur="indefinite" restart="never" nodeType="tmRoot"/>
-      </p:par>
-    </p:tnLst>
-  </p:timing>
 </p:sld>
 </file>
 
@@ -28128,7 +27320,7 @@
           <a:lstStyle/>
           <a:p>
             <a:r>
-              <a:rPr lang="ru-RU" dirty="0" smtClean="0"/>
+              <a:rPr lang="ru-RU" dirty="0"/>
               <a:t>Административная часть</a:t>
             </a:r>
             <a:endParaRPr lang="en-US" dirty="0"/>
@@ -28157,44 +27349,27 @@
           <a:p>
             <a:r>
               <a:rPr lang="ru-RU" dirty="0"/>
-              <a:t>Встроенный </a:t>
-            </a:r>
-            <a:r>
-              <a:rPr lang="ru-RU" dirty="0" smtClean="0"/>
-              <a:t>административный </a:t>
-            </a:r>
+              <a:t>Встроенный административный сайт привязан к виртуальной папке admin. </a:t>
+            </a:r>
+          </a:p>
+          <a:p>
             <a:r>
               <a:rPr lang="ru-RU" dirty="0"/>
-              <a:t>сайт привязан к виртуальной папке admin. </a:t>
-            </a:r>
-            <a:endParaRPr lang="ru-RU" dirty="0" smtClean="0"/>
-          </a:p>
-          <a:p>
-            <a:r>
-              <a:rPr lang="ru-RU" dirty="0" smtClean="0"/>
-              <a:t>Поэтому, чтобы </a:t>
-            </a:r>
+              <a:t>Поэтому, чтобы войти в него, нам достаточно набрать в WеЬ-обозревателе интернет-адрес http:/127.0.0.1:8000/admin</a:t>
+            </a:r>
+            <a:r>
+              <a:rPr lang="en-US" dirty="0"/>
+              <a:t>  </a:t>
+            </a:r>
+            <a:endParaRPr lang="ru-RU" dirty="0"/>
+          </a:p>
+          <a:p>
             <a:r>
               <a:rPr lang="ru-RU" dirty="0"/>
-              <a:t>войти в него, нам достаточно набрать в WеЬ-обозревателе </a:t>
-            </a:r>
-            <a:r>
-              <a:rPr lang="ru-RU" dirty="0" smtClean="0"/>
-              <a:t>интернет-адрес http:/127.0.0.1:8000/admin</a:t>
-            </a:r>
-            <a:r>
-              <a:rPr lang="en-US" dirty="0" smtClean="0"/>
-              <a:t>  </a:t>
-            </a:r>
-            <a:endParaRPr lang="ru-RU" dirty="0" smtClean="0"/>
-          </a:p>
-          <a:p>
-            <a:r>
-              <a:rPr lang="ru-RU" dirty="0" smtClean="0"/>
               <a:t>Для авторизации необходимо создать администратора сайта при помощи команды</a:t>
             </a:r>
             <a:r>
-              <a:rPr lang="en-US" dirty="0" smtClean="0"/>
+              <a:rPr lang="en-US" dirty="0"/>
               <a:t>:</a:t>
             </a:r>
           </a:p>
@@ -28239,13 +27414,6 @@
   <p:clrMapOvr>
     <a:masterClrMapping/>
   </p:clrMapOvr>
-  <p:timing>
-    <p:tnLst>
-      <p:par>
-        <p:cTn id="1" dur="indefinite" restart="never" nodeType="tmRoot"/>
-      </p:par>
-    </p:tnLst>
-  </p:timing>
 </p:sld>
 </file>
 
@@ -28284,7 +27452,7 @@
           <a:lstStyle/>
           <a:p>
             <a:r>
-              <a:rPr lang="ru-RU" dirty="0" smtClean="0"/>
+              <a:rPr lang="ru-RU" dirty="0"/>
               <a:t>Регистрация моделей</a:t>
             </a:r>
             <a:endParaRPr lang="en-US" dirty="0"/>
@@ -28312,57 +27480,20 @@
           <a:lstStyle/>
           <a:p>
             <a:r>
-              <a:rPr lang="ru-RU" dirty="0" smtClean="0"/>
-              <a:t>Вновь </a:t>
-            </a:r>
-            <a:r>
               <a:rPr lang="ru-RU" dirty="0"/>
-              <a:t>созданные нами модели в </a:t>
-            </a:r>
-            <a:r>
-              <a:rPr lang="ru-RU" dirty="0" smtClean="0"/>
-              <a:t>административной части сайта </a:t>
-            </a:r>
+              <a:t>Вновь созданные нами модели в административной части сайта по умолчанию не выводятся.</a:t>
+            </a:r>
+          </a:p>
+          <a:p>
             <a:r>
               <a:rPr lang="ru-RU" dirty="0"/>
-              <a:t>по умолчанию не выводятся.</a:t>
+              <a:t>Нам придется явно «попросить» административный сайт вывести их в списке присутствующих в проекте моделей. </a:t>
             </a:r>
           </a:p>
           <a:p>
             <a:r>
               <a:rPr lang="ru-RU" dirty="0"/>
-              <a:t>Нам придется явно «попросить» административный сайт вывести их в списке </a:t>
-            </a:r>
-            <a:r>
-              <a:rPr lang="ru-RU" dirty="0" smtClean="0"/>
-              <a:t>присутствующих в </a:t>
-            </a:r>
-            <a:r>
-              <a:rPr lang="ru-RU" dirty="0"/>
-              <a:t>проекте моделей. </a:t>
-            </a:r>
-            <a:endParaRPr lang="ru-RU" dirty="0" smtClean="0"/>
-          </a:p>
-          <a:p>
-            <a:r>
-              <a:rPr lang="ru-RU" dirty="0" smtClean="0"/>
-              <a:t>В </a:t>
-            </a:r>
-            <a:r>
-              <a:rPr lang="ru-RU" dirty="0"/>
-              <a:t>пакете приложения находится модуль admin, в котором указывается, какие модели </a:t>
-            </a:r>
-            <a:r>
-              <a:rPr lang="ru-RU" dirty="0" smtClean="0"/>
-              <a:t>приложения должны </a:t>
-            </a:r>
-            <a:r>
-              <a:rPr lang="ru-RU" dirty="0"/>
-              <a:t>выводиться на этом сайте</a:t>
-            </a:r>
-            <a:r>
-              <a:rPr lang="ru-RU" dirty="0" smtClean="0"/>
-              <a:t>.</a:t>
+              <a:t>В пакете приложения находится модуль admin, в котором указывается, какие модели приложения должны выводиться на этом сайте.</a:t>
             </a:r>
           </a:p>
           <a:p>
@@ -28386,13 +27517,6 @@
   <p:clrMapOvr>
     <a:masterClrMapping/>
   </p:clrMapOvr>
-  <p:timing>
-    <p:tnLst>
-      <p:par>
-        <p:cTn id="1" dur="indefinite" restart="never" nodeType="tmRoot"/>
-      </p:par>
-    </p:tnLst>
-  </p:timing>
 </p:sld>
 </file>
 
@@ -28436,7 +27560,7 @@
           <a:lstStyle/>
           <a:p>
             <a:r>
-              <a:rPr lang="ru-RU" dirty="0" smtClean="0"/>
+              <a:rPr lang="ru-RU" dirty="0"/>
               <a:t>Модель – это данные, с которые необходимы пользователю</a:t>
             </a:r>
             <a:endParaRPr lang="en-US" dirty="0"/>
@@ -28464,37 +27588,37 @@
           <a:lstStyle/>
           <a:p>
             <a:r>
-              <a:rPr lang="ru-RU" sz="2400" dirty="0" smtClean="0"/>
+              <a:rPr lang="ru-RU" sz="2400" dirty="0"/>
               <a:t>Данными могут быть</a:t>
             </a:r>
             <a:r>
-              <a:rPr lang="en-US" sz="2400" dirty="0" smtClean="0"/>
+              <a:rPr lang="en-US" sz="2400" dirty="0"/>
               <a:t>...</a:t>
             </a:r>
           </a:p>
           <a:p>
             <a:pPr lvl="1"/>
             <a:r>
-              <a:rPr lang="ru-RU" sz="3600" dirty="0" smtClean="0"/>
+              <a:rPr lang="ru-RU" sz="3600" dirty="0"/>
               <a:t>Новости</a:t>
             </a:r>
-            <a:endParaRPr lang="en-US" sz="3600" dirty="0" smtClean="0"/>
+            <a:endParaRPr lang="en-US" sz="3600" dirty="0"/>
           </a:p>
           <a:p>
             <a:pPr lvl="1"/>
             <a:r>
-              <a:rPr lang="ru-RU" sz="3600" dirty="0" smtClean="0"/>
+              <a:rPr lang="ru-RU" sz="3600" dirty="0"/>
               <a:t>Товар</a:t>
             </a:r>
-            <a:endParaRPr lang="en-US" sz="3600" dirty="0" smtClean="0"/>
+            <a:endParaRPr lang="en-US" sz="3600" dirty="0"/>
           </a:p>
           <a:p>
             <a:pPr lvl="1"/>
             <a:r>
-              <a:rPr lang="ru-RU" sz="3600" dirty="0" smtClean="0"/>
+              <a:rPr lang="ru-RU" sz="3600" dirty="0"/>
               <a:t>Сообщения</a:t>
             </a:r>
-            <a:endParaRPr lang="en-US" sz="3600" dirty="0" smtClean="0"/>
+            <a:endParaRPr lang="en-US" sz="3600" dirty="0"/>
           </a:p>
           <a:p>
             <a:pPr lvl="1"/>
@@ -28512,13 +27636,6 @@
   <p:clrMapOvr>
     <a:masterClrMapping/>
   </p:clrMapOvr>
-  <p:timing>
-    <p:tnLst>
-      <p:par>
-        <p:cTn id="1" dur="indefinite" restart="never" nodeType="tmRoot"/>
-      </p:par>
-    </p:tnLst>
-  </p:timing>
 </p:sld>
 </file>
 
@@ -28557,7 +27674,7 @@
           <a:lstStyle/>
           <a:p>
             <a:r>
-              <a:rPr lang="ru-RU" dirty="0" smtClean="0"/>
+              <a:rPr lang="ru-RU" dirty="0"/>
               <a:t>Регистрация моделей</a:t>
             </a:r>
             <a:endParaRPr lang="en-US" dirty="0"/>
@@ -28603,7 +27720,6 @@
               <a:rPr lang="en-US" dirty="0"/>
               <a:t>Tag</a:t>
             </a:r>
-            <a:endParaRPr lang="en-US" dirty="0"/>
           </a:p>
         </p:txBody>
       </p:sp>
@@ -28678,7 +27794,7 @@
               <a:tabLst/>
             </a:pPr>
             <a:r>
-              <a:rPr kumimoji="0" lang="ru-RU" altLang="ru-RU" sz="2800" b="1" i="0" u="none" strike="noStrike" cap="none" normalizeH="0" baseline="0" dirty="0" smtClean="0">
+              <a:rPr kumimoji="0" lang="ru-RU" altLang="ru-RU" sz="2800" b="1" i="0" u="none" strike="noStrike" cap="none" normalizeH="0" baseline="0" dirty="0">
                 <a:ln>
                   <a:noFill/>
                 </a:ln>
@@ -28692,7 +27808,7 @@
               <a:t>from </a:t>
             </a:r>
             <a:r>
-              <a:rPr kumimoji="0" lang="ru-RU" altLang="ru-RU" sz="2800" b="0" i="0" u="none" strike="noStrike" cap="none" normalizeH="0" baseline="0" dirty="0" smtClean="0">
+              <a:rPr kumimoji="0" lang="ru-RU" altLang="ru-RU" sz="2800" b="0" i="0" u="none" strike="noStrike" cap="none" normalizeH="0" baseline="0" dirty="0">
                 <a:ln>
                   <a:noFill/>
                 </a:ln>
@@ -28706,7 +27822,7 @@
               <a:t>django.contrib </a:t>
             </a:r>
             <a:r>
-              <a:rPr kumimoji="0" lang="ru-RU" altLang="ru-RU" sz="2800" b="1" i="0" u="none" strike="noStrike" cap="none" normalizeH="0" baseline="0" dirty="0" smtClean="0">
+              <a:rPr kumimoji="0" lang="ru-RU" altLang="ru-RU" sz="2800" b="1" i="0" u="none" strike="noStrike" cap="none" normalizeH="0" baseline="0" dirty="0">
                 <a:ln>
                   <a:noFill/>
                 </a:ln>
@@ -28720,7 +27836,7 @@
               <a:t>import </a:t>
             </a:r>
             <a:r>
-              <a:rPr kumimoji="0" lang="ru-RU" altLang="ru-RU" sz="2800" b="0" i="0" u="none" strike="noStrike" cap="none" normalizeH="0" baseline="0" dirty="0" smtClean="0">
+              <a:rPr kumimoji="0" lang="ru-RU" altLang="ru-RU" sz="2800" b="0" i="0" u="none" strike="noStrike" cap="none" normalizeH="0" baseline="0" dirty="0">
                 <a:ln>
                   <a:noFill/>
                 </a:ln>
@@ -28734,7 +27850,7 @@
               <a:t>admin</a:t>
             </a:r>
             <a:br>
-              <a:rPr kumimoji="0" lang="ru-RU" altLang="ru-RU" sz="2800" b="0" i="0" u="none" strike="noStrike" cap="none" normalizeH="0" baseline="0" dirty="0" smtClean="0">
+              <a:rPr kumimoji="0" lang="ru-RU" altLang="ru-RU" sz="2800" b="0" i="0" u="none" strike="noStrike" cap="none" normalizeH="0" baseline="0" dirty="0">
                 <a:ln>
                   <a:noFill/>
                 </a:ln>
@@ -28746,8 +27862,8 @@
                 <a:cs typeface="Courier New" panose="02070309020205020404" pitchFamily="49" charset="0"/>
               </a:rPr>
             </a:br>
-            <a:r>
-              <a:rPr kumimoji="0" lang="ru-RU" altLang="ru-RU" sz="2800" b="0" i="0" u="none" strike="noStrike" cap="none" normalizeH="0" baseline="0" dirty="0" smtClean="0">
+            <a:br>
+              <a:rPr kumimoji="0" lang="ru-RU" altLang="ru-RU" sz="2800" b="0" i="0" u="none" strike="noStrike" cap="none" normalizeH="0" baseline="0" dirty="0">
                 <a:ln>
                   <a:noFill/>
                 </a:ln>
@@ -28758,65 +27874,65 @@
                 <a:latin typeface="Courier New" panose="02070309020205020404" pitchFamily="49" charset="0"/>
                 <a:cs typeface="Courier New" panose="02070309020205020404" pitchFamily="49" charset="0"/>
               </a:rPr>
-              <a:t/>
-            </a:r>
-            <a:br>
-              <a:rPr kumimoji="0" lang="ru-RU" altLang="ru-RU" sz="2800" b="0" i="0" u="none" strike="noStrike" cap="none" normalizeH="0" baseline="0" dirty="0" smtClean="0">
+            </a:br>
+            <a:r>
+              <a:rPr kumimoji="0" lang="ru-RU" altLang="ru-RU" sz="2800" b="1" i="0" u="none" strike="noStrike" cap="none" normalizeH="0" baseline="0" dirty="0">
                 <a:ln>
                   <a:noFill/>
                 </a:ln>
                 <a:solidFill>
-                  <a:srgbClr val="000000"/>
+                  <a:srgbClr val="000080"/>
                 </a:solidFill>
                 <a:effectLst/>
                 <a:latin typeface="Courier New" panose="02070309020205020404" pitchFamily="49" charset="0"/>
                 <a:cs typeface="Courier New" panose="02070309020205020404" pitchFamily="49" charset="0"/>
               </a:rPr>
-            </a:br>
-            <a:r>
-              <a:rPr kumimoji="0" lang="ru-RU" altLang="ru-RU" sz="2800" b="1" i="0" u="none" strike="noStrike" cap="none" normalizeH="0" baseline="0" dirty="0" smtClean="0">
+              <a:t>from </a:t>
+            </a:r>
+            <a:r>
+              <a:rPr kumimoji="0" lang="ru-RU" altLang="ru-RU" sz="2800" b="0" i="0" u="none" strike="noStrike" cap="none" normalizeH="0" baseline="0" dirty="0">
                 <a:ln>
                   <a:noFill/>
                 </a:ln>
                 <a:solidFill>
-                  <a:srgbClr val="000080"/>
+                  <a:srgbClr val="000000"/>
                 </a:solidFill>
                 <a:effectLst/>
                 <a:latin typeface="Courier New" panose="02070309020205020404" pitchFamily="49" charset="0"/>
                 <a:cs typeface="Courier New" panose="02070309020205020404" pitchFamily="49" charset="0"/>
               </a:rPr>
-              <a:t>from </a:t>
-            </a:r>
-            <a:r>
-              <a:rPr kumimoji="0" lang="ru-RU" altLang="ru-RU" sz="2800" b="0" i="0" u="none" strike="noStrike" cap="none" normalizeH="0" baseline="0" dirty="0" smtClean="0">
+              <a:t>.models </a:t>
+            </a:r>
+            <a:r>
+              <a:rPr kumimoji="0" lang="ru-RU" altLang="ru-RU" sz="2800" b="1" i="0" u="none" strike="noStrike" cap="none" normalizeH="0" baseline="0" dirty="0">
                 <a:ln>
                   <a:noFill/>
                 </a:ln>
                 <a:solidFill>
-                  <a:srgbClr val="000000"/>
+                  <a:srgbClr val="000080"/>
                 </a:solidFill>
                 <a:effectLst/>
                 <a:latin typeface="Courier New" panose="02070309020205020404" pitchFamily="49" charset="0"/>
                 <a:cs typeface="Courier New" panose="02070309020205020404" pitchFamily="49" charset="0"/>
               </a:rPr>
-              <a:t>.models </a:t>
-            </a:r>
-            <a:r>
-              <a:rPr kumimoji="0" lang="ru-RU" altLang="ru-RU" sz="2800" b="1" i="0" u="none" strike="noStrike" cap="none" normalizeH="0" baseline="0" dirty="0" smtClean="0">
+              <a:t>import </a:t>
+            </a:r>
+            <a:r>
+              <a:rPr kumimoji="0" lang="ru-RU" altLang="ru-RU" sz="2800" b="0" i="0" u="none" strike="noStrike" cap="none" normalizeH="0" baseline="0" dirty="0">
                 <a:ln>
                   <a:noFill/>
                 </a:ln>
                 <a:solidFill>
-                  <a:srgbClr val="000080"/>
+                  <a:srgbClr val="000000"/>
                 </a:solidFill>
                 <a:effectLst/>
                 <a:latin typeface="Courier New" panose="02070309020205020404" pitchFamily="49" charset="0"/>
                 <a:cs typeface="Courier New" panose="02070309020205020404" pitchFamily="49" charset="0"/>
               </a:rPr>
-              <a:t>import </a:t>
-            </a:r>
-            <a:r>
-              <a:rPr kumimoji="0" lang="ru-RU" altLang="ru-RU" sz="2800" b="0" i="0" u="none" strike="noStrike" cap="none" normalizeH="0" baseline="0" dirty="0" smtClean="0">
+              <a:t>Post, Category, Tag</a:t>
+            </a:r>
+            <a:br>
+              <a:rPr kumimoji="0" lang="ru-RU" altLang="ru-RU" sz="2800" b="0" i="0" u="none" strike="noStrike" cap="none" normalizeH="0" baseline="0" dirty="0">
                 <a:ln>
                   <a:noFill/>
                 </a:ln>
@@ -28827,10 +27943,9 @@
                 <a:latin typeface="Courier New" panose="02070309020205020404" pitchFamily="49" charset="0"/>
                 <a:cs typeface="Courier New" panose="02070309020205020404" pitchFamily="49" charset="0"/>
               </a:rPr>
-              <a:t>Post, Category, Tag</a:t>
-            </a:r>
+            </a:br>
             <a:br>
-              <a:rPr kumimoji="0" lang="ru-RU" altLang="ru-RU" sz="2800" b="0" i="0" u="none" strike="noStrike" cap="none" normalizeH="0" baseline="0" dirty="0" smtClean="0">
+              <a:rPr kumimoji="0" lang="ru-RU" altLang="ru-RU" sz="2800" b="0" i="0" u="none" strike="noStrike" cap="none" normalizeH="0" baseline="0" dirty="0">
                 <a:ln>
                   <a:noFill/>
                 </a:ln>
@@ -28843,7 +27958,7 @@
               </a:rPr>
             </a:br>
             <a:r>
-              <a:rPr kumimoji="0" lang="ru-RU" altLang="ru-RU" sz="2800" b="0" i="0" u="none" strike="noStrike" cap="none" normalizeH="0" baseline="0" dirty="0" smtClean="0">
+              <a:rPr kumimoji="0" lang="ru-RU" altLang="ru-RU" sz="2800" b="0" i="0" u="none" strike="noStrike" cap="none" normalizeH="0" baseline="0" dirty="0">
                 <a:ln>
                   <a:noFill/>
                 </a:ln>
@@ -28854,10 +27969,10 @@
                 <a:latin typeface="Courier New" panose="02070309020205020404" pitchFamily="49" charset="0"/>
                 <a:cs typeface="Courier New" panose="02070309020205020404" pitchFamily="49" charset="0"/>
               </a:rPr>
-              <a:t/>
+              <a:t>admin.site.register(Post)</a:t>
             </a:r>
             <a:br>
-              <a:rPr kumimoji="0" lang="ru-RU" altLang="ru-RU" sz="2800" b="0" i="0" u="none" strike="noStrike" cap="none" normalizeH="0" baseline="0" dirty="0" smtClean="0">
+              <a:rPr kumimoji="0" lang="ru-RU" altLang="ru-RU" sz="2800" b="0" i="0" u="none" strike="noStrike" cap="none" normalizeH="0" baseline="0" dirty="0">
                 <a:ln>
                   <a:noFill/>
                 </a:ln>
@@ -28870,7 +27985,7 @@
               </a:rPr>
             </a:br>
             <a:r>
-              <a:rPr kumimoji="0" lang="ru-RU" altLang="ru-RU" sz="2800" b="0" i="0" u="none" strike="noStrike" cap="none" normalizeH="0" baseline="0" dirty="0" smtClean="0">
+              <a:rPr kumimoji="0" lang="ru-RU" altLang="ru-RU" sz="2800" b="0" i="0" u="none" strike="noStrike" cap="none" normalizeH="0" baseline="0" dirty="0">
                 <a:ln>
                   <a:noFill/>
                 </a:ln>
@@ -28881,10 +27996,10 @@
                 <a:latin typeface="Courier New" panose="02070309020205020404" pitchFamily="49" charset="0"/>
                 <a:cs typeface="Courier New" panose="02070309020205020404" pitchFamily="49" charset="0"/>
               </a:rPr>
-              <a:t>admin.site.register(Post)</a:t>
+              <a:t>admin.site.register(Category)</a:t>
             </a:r>
             <a:br>
-              <a:rPr kumimoji="0" lang="ru-RU" altLang="ru-RU" sz="2800" b="0" i="0" u="none" strike="noStrike" cap="none" normalizeH="0" baseline="0" dirty="0" smtClean="0">
+              <a:rPr kumimoji="0" lang="ru-RU" altLang="ru-RU" sz="2800" b="0" i="0" u="none" strike="noStrike" cap="none" normalizeH="0" baseline="0" dirty="0">
                 <a:ln>
                   <a:noFill/>
                 </a:ln>
@@ -28897,7 +28012,7 @@
               </a:rPr>
             </a:br>
             <a:r>
-              <a:rPr kumimoji="0" lang="ru-RU" altLang="ru-RU" sz="2800" b="0" i="0" u="none" strike="noStrike" cap="none" normalizeH="0" baseline="0" dirty="0" smtClean="0">
+              <a:rPr kumimoji="0" lang="ru-RU" altLang="ru-RU" sz="2800" b="0" i="0" u="none" strike="noStrike" cap="none" normalizeH="0" baseline="0" dirty="0">
                 <a:ln>
                   <a:noFill/>
                 </a:ln>
@@ -28908,36 +28023,9 @@
                 <a:latin typeface="Courier New" panose="02070309020205020404" pitchFamily="49" charset="0"/>
                 <a:cs typeface="Courier New" panose="02070309020205020404" pitchFamily="49" charset="0"/>
               </a:rPr>
-              <a:t>admin.site.register(Category)</a:t>
-            </a:r>
-            <a:br>
-              <a:rPr kumimoji="0" lang="ru-RU" altLang="ru-RU" sz="2800" b="0" i="0" u="none" strike="noStrike" cap="none" normalizeH="0" baseline="0" dirty="0" smtClean="0">
-                <a:ln>
-                  <a:noFill/>
-                </a:ln>
-                <a:solidFill>
-                  <a:srgbClr val="000000"/>
-                </a:solidFill>
-                <a:effectLst/>
-                <a:latin typeface="Courier New" panose="02070309020205020404" pitchFamily="49" charset="0"/>
-                <a:cs typeface="Courier New" panose="02070309020205020404" pitchFamily="49" charset="0"/>
-              </a:rPr>
-            </a:br>
-            <a:r>
-              <a:rPr kumimoji="0" lang="ru-RU" altLang="ru-RU" sz="2800" b="0" i="0" u="none" strike="noStrike" cap="none" normalizeH="0" baseline="0" dirty="0" smtClean="0">
-                <a:ln>
-                  <a:noFill/>
-                </a:ln>
-                <a:solidFill>
-                  <a:srgbClr val="000000"/>
-                </a:solidFill>
-                <a:effectLst/>
-                <a:latin typeface="Courier New" panose="02070309020205020404" pitchFamily="49" charset="0"/>
-                <a:cs typeface="Courier New" panose="02070309020205020404" pitchFamily="49" charset="0"/>
-              </a:rPr>
               <a:t>admin.site.register(Tag)</a:t>
             </a:r>
-            <a:endParaRPr kumimoji="0" lang="ru-RU" altLang="ru-RU" sz="5400" b="0" i="0" u="none" strike="noStrike" cap="none" normalizeH="0" baseline="0" dirty="0" smtClean="0">
+            <a:endParaRPr kumimoji="0" lang="ru-RU" altLang="ru-RU" sz="5400" b="0" i="0" u="none" strike="noStrike" cap="none" normalizeH="0" baseline="0" dirty="0">
               <a:ln>
                 <a:noFill/>
               </a:ln>
@@ -28960,13 +28048,6 @@
   <p:clrMapOvr>
     <a:masterClrMapping/>
   </p:clrMapOvr>
-  <p:timing>
-    <p:tnLst>
-      <p:par>
-        <p:cTn id="1" dur="indefinite" restart="never" nodeType="tmRoot"/>
-      </p:par>
-    </p:tnLst>
-  </p:timing>
 </p:sld>
 </file>
 
@@ -29003,7 +28084,7 @@
           <a:lstStyle/>
           <a:p>
             <a:r>
-              <a:rPr lang="ru-RU" dirty="0" smtClean="0"/>
+              <a:rPr lang="ru-RU" dirty="0"/>
               <a:t>Административная часть сайта</a:t>
             </a:r>
             <a:endParaRPr lang="en-US" dirty="0"/>
@@ -29020,13 +28101,6 @@
   <p:clrMapOvr>
     <a:masterClrMapping/>
   </p:clrMapOvr>
-  <p:timing>
-    <p:tnLst>
-      <p:par>
-        <p:cTn id="1" dur="indefinite" restart="never" nodeType="tmRoot"/>
-      </p:par>
-    </p:tnLst>
-  </p:timing>
 </p:sld>
 </file>
 
@@ -29097,61 +28171,29 @@
           <a:p>
             <a:r>
               <a:rPr lang="ru-RU" dirty="0"/>
-              <a:t>Поскольку модель Django - это обычный класс Python, она может включать в </a:t>
-            </a:r>
-            <a:r>
-              <a:rPr lang="ru-RU" dirty="0" smtClean="0"/>
-              <a:t>свой</a:t>
-            </a:r>
-            <a:r>
-              <a:rPr lang="en-US" dirty="0" smtClean="0"/>
+              <a:t>Поскольку модель Django - это обычный класс Python, она может включать в свой</a:t>
+            </a:r>
+            <a:r>
+              <a:rPr lang="en-US" dirty="0"/>
               <a:t> </a:t>
             </a:r>
             <a:r>
-              <a:rPr lang="ru-RU" dirty="0" smtClean="0"/>
-              <a:t>состав </a:t>
-            </a:r>
-            <a:r>
               <a:rPr lang="ru-RU" dirty="0"/>
-              <a:t>не только </a:t>
-            </a:r>
-            <a:r>
-              <a:rPr lang="ru-RU" dirty="0" smtClean="0"/>
-              <a:t>поля, </a:t>
-            </a:r>
+              <a:t>состав не только поля, но и методы.</a:t>
+            </a:r>
+            <a:endParaRPr lang="en-US" dirty="0"/>
+          </a:p>
+          <a:p>
             <a:r>
               <a:rPr lang="ru-RU" dirty="0"/>
-              <a:t>но и методы</a:t>
-            </a:r>
-            <a:r>
-              <a:rPr lang="ru-RU" dirty="0" smtClean="0"/>
-              <a:t>.</a:t>
-            </a:r>
-            <a:endParaRPr lang="en-US" dirty="0" smtClean="0"/>
-          </a:p>
-          <a:p>
+              <a:t>Мы можем: переобъявить метод _ str _, чтобы он выводил, например, название категории</a:t>
+            </a:r>
+            <a:r>
+              <a:rPr lang="en-US" dirty="0"/>
+              <a:t> </a:t>
+            </a:r>
             <a:r>
               <a:rPr lang="ru-RU" dirty="0"/>
-              <a:t>Мы можем: переобъявить метод _ str _, чтобы он выводил, </a:t>
-            </a:r>
-            <a:r>
-              <a:rPr lang="ru-RU" dirty="0" smtClean="0"/>
-              <a:t>например, </a:t>
-            </a:r>
-            <a:r>
-              <a:rPr lang="ru-RU" dirty="0"/>
-              <a:t>название </a:t>
-            </a:r>
-            <a:r>
-              <a:rPr lang="ru-RU" dirty="0" smtClean="0"/>
-              <a:t>категории</a:t>
-            </a:r>
-            <a:r>
-              <a:rPr lang="en-US" dirty="0" smtClean="0"/>
-              <a:t> </a:t>
-            </a:r>
-            <a:r>
-              <a:rPr lang="ru-RU" dirty="0" smtClean="0"/>
               <a:t>или заголовок поста</a:t>
             </a:r>
           </a:p>
@@ -29160,7 +28202,7 @@
               <a:buNone/>
             </a:pPr>
             <a:r>
-              <a:rPr lang="en-US" sz="2800" dirty="0" smtClean="0">
+              <a:rPr lang="en-US" sz="2800" dirty="0">
                 <a:solidFill>
                   <a:srgbClr val="0000FF"/>
                 </a:solidFill>
@@ -29172,7 +28214,7 @@
               <a:t>class</a:t>
             </a:r>
             <a:r>
-              <a:rPr lang="en-US" sz="2800" dirty="0" smtClean="0">
+              <a:rPr lang="en-US" sz="2800" dirty="0">
                 <a:solidFill>
                   <a:srgbClr val="000000"/>
                 </a:solidFill>
@@ -29184,7 +28226,7 @@
               <a:t> </a:t>
             </a:r>
             <a:r>
-              <a:rPr lang="en-US" sz="2800" dirty="0" smtClean="0">
+              <a:rPr lang="en-US" sz="2800" dirty="0">
                 <a:solidFill>
                   <a:srgbClr val="2B91AF"/>
                 </a:solidFill>
@@ -29196,7 +28238,7 @@
               <a:t>Post</a:t>
             </a:r>
             <a:r>
-              <a:rPr lang="en-US" sz="2800" dirty="0" smtClean="0">
+              <a:rPr lang="en-US" sz="2800" dirty="0">
                 <a:solidFill>
                   <a:srgbClr val="000000"/>
                 </a:solidFill>
@@ -29208,7 +28250,7 @@
               <a:t>(</a:t>
             </a:r>
             <a:r>
-              <a:rPr lang="en-US" sz="2800" dirty="0" err="1" smtClean="0">
+              <a:rPr lang="en-US" sz="2800" dirty="0" err="1">
                 <a:solidFill>
                   <a:srgbClr val="6F008A"/>
                 </a:solidFill>
@@ -29220,7 +28262,7 @@
               <a:t>models</a:t>
             </a:r>
             <a:r>
-              <a:rPr lang="en-US" sz="2800" dirty="0" err="1" smtClean="0">
+              <a:rPr lang="en-US" sz="2800" dirty="0" err="1">
                 <a:solidFill>
                   <a:srgbClr val="000000"/>
                 </a:solidFill>
@@ -29232,7 +28274,7 @@
               <a:t>.</a:t>
             </a:r>
             <a:r>
-              <a:rPr lang="en-US" sz="2800" dirty="0" err="1" smtClean="0">
+              <a:rPr lang="en-US" sz="2800" dirty="0" err="1">
                 <a:solidFill>
                   <a:srgbClr val="2B91AF"/>
                 </a:solidFill>
@@ -29244,7 +28286,7 @@
               <a:t>Model</a:t>
             </a:r>
             <a:r>
-              <a:rPr lang="en-US" sz="2800" dirty="0" smtClean="0">
+              <a:rPr lang="en-US" sz="2800" dirty="0">
                 <a:solidFill>
                   <a:srgbClr val="000000"/>
                 </a:solidFill>
@@ -29261,7 +28303,7 @@
               <a:buNone/>
             </a:pPr>
             <a:r>
-              <a:rPr lang="en-US" sz="2400" dirty="0" smtClean="0">
+              <a:rPr lang="en-US" sz="2400" dirty="0">
                 <a:solidFill>
                   <a:srgbClr val="000000"/>
                 </a:solidFill>
@@ -29270,58 +28312,58 @@
                 </a:highlight>
                 <a:latin typeface="Consolas" panose="020B0609020204030204" pitchFamily="49" charset="0"/>
               </a:rPr>
-              <a:t>	title </a:t>
-            </a:r>
-            <a:r>
-              <a:rPr lang="en-US" sz="2400" dirty="0">
-                <a:solidFill>
-                  <a:srgbClr val="000000"/>
+              <a:t>	title = </a:t>
+            </a:r>
+            <a:r>
+              <a:rPr lang="en-US" sz="2400" dirty="0" err="1">
+                <a:solidFill>
+                  <a:srgbClr val="6F008A"/>
                 </a:solidFill>
                 <a:highlight>
                   <a:srgbClr val="FFFFFF"/>
                 </a:highlight>
                 <a:latin typeface="Consolas" panose="020B0609020204030204" pitchFamily="49" charset="0"/>
               </a:rPr>
-              <a:t>= </a:t>
+              <a:t>models</a:t>
             </a:r>
             <a:r>
               <a:rPr lang="en-US" sz="2400" dirty="0" err="1">
                 <a:solidFill>
-                  <a:srgbClr val="6F008A"/>
+                  <a:srgbClr val="000000"/>
                 </a:solidFill>
                 <a:highlight>
                   <a:srgbClr val="FFFFFF"/>
                 </a:highlight>
                 <a:latin typeface="Consolas" panose="020B0609020204030204" pitchFamily="49" charset="0"/>
               </a:rPr>
-              <a:t>models</a:t>
+              <a:t>.</a:t>
             </a:r>
             <a:r>
               <a:rPr lang="en-US" sz="2400" dirty="0" err="1">
                 <a:solidFill>
-                  <a:srgbClr val="000000"/>
+                  <a:srgbClr val="2B91AF"/>
                 </a:solidFill>
                 <a:highlight>
                   <a:srgbClr val="FFFFFF"/>
                 </a:highlight>
                 <a:latin typeface="Consolas" panose="020B0609020204030204" pitchFamily="49" charset="0"/>
               </a:rPr>
-              <a:t>.</a:t>
-            </a:r>
-            <a:r>
-              <a:rPr lang="en-US" sz="2400" dirty="0" err="1">
-                <a:solidFill>
-                  <a:srgbClr val="2B91AF"/>
+              <a:t>CharField</a:t>
+            </a:r>
+            <a:r>
+              <a:rPr lang="en-US" sz="2400" dirty="0">
+                <a:solidFill>
+                  <a:srgbClr val="000000"/>
                 </a:solidFill>
                 <a:highlight>
                   <a:srgbClr val="FFFFFF"/>
                 </a:highlight>
                 <a:latin typeface="Consolas" panose="020B0609020204030204" pitchFamily="49" charset="0"/>
               </a:rPr>
-              <a:t>CharField</a:t>
-            </a:r>
-            <a:r>
-              <a:rPr lang="en-US" sz="2400" dirty="0">
+              <a:t>(</a:t>
+            </a:r>
+            <a:r>
+              <a:rPr lang="en-US" sz="2400" dirty="0" err="1">
                 <a:solidFill>
                   <a:srgbClr val="000000"/>
                 </a:solidFill>
@@ -29330,10 +28372,10 @@
                 </a:highlight>
                 <a:latin typeface="Consolas" panose="020B0609020204030204" pitchFamily="49" charset="0"/>
               </a:rPr>
-              <a:t>(</a:t>
-            </a:r>
-            <a:r>
-              <a:rPr lang="en-US" sz="2400" dirty="0" err="1">
+              <a:t>max_length</a:t>
+            </a:r>
+            <a:r>
+              <a:rPr lang="en-US" sz="2400" dirty="0">
                 <a:solidFill>
                   <a:srgbClr val="000000"/>
                 </a:solidFill>
@@ -29342,8 +28384,13 @@
                 </a:highlight>
                 <a:latin typeface="Consolas" panose="020B0609020204030204" pitchFamily="49" charset="0"/>
               </a:rPr>
-              <a:t>max_length</a:t>
-            </a:r>
+              <a:t>=50)</a:t>
+            </a:r>
+          </a:p>
+          <a:p>
+            <a:pPr marL="457046" lvl="1" indent="0">
+              <a:buNone/>
+            </a:pPr>
             <a:r>
               <a:rPr lang="en-US" sz="2400" dirty="0">
                 <a:solidFill>
@@ -29354,10 +28401,15 @@
                 </a:highlight>
                 <a:latin typeface="Consolas" panose="020B0609020204030204" pitchFamily="49" charset="0"/>
               </a:rPr>
-              <a:t>=50</a:t>
-            </a:r>
-            <a:r>
-              <a:rPr lang="en-US" sz="2400" dirty="0" smtClean="0">
+              <a:t>	...</a:t>
+            </a:r>
+          </a:p>
+          <a:p>
+            <a:pPr marL="0" indent="0">
+              <a:buNone/>
+            </a:pPr>
+            <a:r>
+              <a:rPr lang="en-US" sz="2800" dirty="0">
                 <a:solidFill>
                   <a:srgbClr val="000000"/>
                 </a:solidFill>
@@ -29366,15 +28418,10 @@
                 </a:highlight>
                 <a:latin typeface="Consolas" panose="020B0609020204030204" pitchFamily="49" charset="0"/>
               </a:rPr>
-              <a:t>)</a:t>
-            </a:r>
-          </a:p>
-          <a:p>
-            <a:pPr marL="457046" lvl="1" indent="0">
-              <a:buNone/>
-            </a:pPr>
-            <a:r>
-              <a:rPr lang="en-US" sz="2400" dirty="0">
+              <a:t>  </a:t>
+            </a:r>
+            <a:r>
+              <a:rPr lang="ru-RU" sz="2800" dirty="0">
                 <a:solidFill>
                   <a:srgbClr val="000000"/>
                 </a:solidFill>
@@ -29386,7 +28433,7 @@
               <a:t>	</a:t>
             </a:r>
             <a:r>
-              <a:rPr lang="en-US" sz="2400" dirty="0" smtClean="0">
+              <a:rPr lang="en-US" sz="2800" dirty="0" err="1">
                 <a:solidFill>
                   <a:srgbClr val="000000"/>
                 </a:solidFill>
@@ -29395,24 +28442,10 @@
                 </a:highlight>
                 <a:latin typeface="Consolas" panose="020B0609020204030204" pitchFamily="49" charset="0"/>
               </a:rPr>
-              <a:t>...</a:t>
-            </a:r>
-            <a:endParaRPr lang="en-US" sz="2400" dirty="0">
-              <a:solidFill>
-                <a:srgbClr val="000000"/>
-              </a:solidFill>
-              <a:highlight>
-                <a:srgbClr val="FFFFFF"/>
-              </a:highlight>
-              <a:latin typeface="Consolas" panose="020B0609020204030204" pitchFamily="49" charset="0"/>
-            </a:endParaRPr>
-          </a:p>
-          <a:p>
-            <a:pPr marL="0" indent="0">
-              <a:buNone/>
-            </a:pPr>
-            <a:r>
-              <a:rPr lang="en-US" sz="2800" dirty="0" smtClean="0">
+              <a:t>def</a:t>
+            </a:r>
+            <a:r>
+              <a:rPr lang="en-US" sz="2800" dirty="0">
                 <a:solidFill>
                   <a:srgbClr val="000000"/>
                 </a:solidFill>
@@ -29421,82 +28454,87 @@
                 </a:highlight>
                 <a:latin typeface="Consolas" panose="020B0609020204030204" pitchFamily="49" charset="0"/>
               </a:rPr>
-              <a:t>  </a:t>
-            </a:r>
-            <a:r>
-              <a:rPr lang="ru-RU" sz="2800" dirty="0" smtClean="0">
-                <a:solidFill>
-                  <a:srgbClr val="000000"/>
+              <a:t> </a:t>
+            </a:r>
+            <a:r>
+              <a:rPr lang="en-US" sz="2800" dirty="0">
+                <a:solidFill>
+                  <a:srgbClr val="2B91AF"/>
                 </a:solidFill>
                 <a:highlight>
                   <a:srgbClr val="FFFFFF"/>
                 </a:highlight>
                 <a:latin typeface="Consolas" panose="020B0609020204030204" pitchFamily="49" charset="0"/>
               </a:rPr>
-              <a:t>	</a:t>
-            </a:r>
-            <a:r>
-              <a:rPr lang="en-US" sz="2800" dirty="0" err="1" smtClean="0">
-                <a:solidFill>
-                  <a:srgbClr val="000000"/>
+              <a:t>__</a:t>
+            </a:r>
+            <a:r>
+              <a:rPr lang="en-US" sz="2800" dirty="0" err="1">
+                <a:solidFill>
+                  <a:srgbClr val="2B91AF"/>
                 </a:solidFill>
                 <a:highlight>
                   <a:srgbClr val="FFFFFF"/>
                 </a:highlight>
                 <a:latin typeface="Consolas" panose="020B0609020204030204" pitchFamily="49" charset="0"/>
               </a:rPr>
-              <a:t>def</a:t>
-            </a:r>
-            <a:r>
-              <a:rPr lang="en-US" sz="2800" dirty="0" smtClean="0">
-                <a:solidFill>
-                  <a:srgbClr val="000000"/>
+              <a:t>str</a:t>
+            </a:r>
+            <a:r>
+              <a:rPr lang="en-US" sz="2800" dirty="0">
+                <a:solidFill>
+                  <a:srgbClr val="2B91AF"/>
                 </a:solidFill>
                 <a:highlight>
                   <a:srgbClr val="FFFFFF"/>
                 </a:highlight>
                 <a:latin typeface="Consolas" panose="020B0609020204030204" pitchFamily="49" charset="0"/>
               </a:rPr>
-              <a:t> </a:t>
+              <a:t>__</a:t>
             </a:r>
             <a:r>
               <a:rPr lang="en-US" sz="2800" dirty="0">
                 <a:solidFill>
-                  <a:srgbClr val="2B91AF"/>
+                  <a:srgbClr val="000000"/>
                 </a:solidFill>
                 <a:highlight>
                   <a:srgbClr val="FFFFFF"/>
                 </a:highlight>
                 <a:latin typeface="Consolas" panose="020B0609020204030204" pitchFamily="49" charset="0"/>
               </a:rPr>
-              <a:t>__</a:t>
-            </a:r>
-            <a:r>
-              <a:rPr lang="en-US" sz="2800" dirty="0" err="1">
-                <a:solidFill>
-                  <a:srgbClr val="2B91AF"/>
+              <a:t>(self):</a:t>
+            </a:r>
+          </a:p>
+          <a:p>
+            <a:pPr marL="0" indent="0">
+              <a:buNone/>
+            </a:pPr>
+            <a:r>
+              <a:rPr lang="en-US" sz="2800" dirty="0">
+                <a:solidFill>
+                  <a:srgbClr val="000000"/>
                 </a:solidFill>
                 <a:highlight>
                   <a:srgbClr val="FFFFFF"/>
                 </a:highlight>
                 <a:latin typeface="Consolas" panose="020B0609020204030204" pitchFamily="49" charset="0"/>
               </a:rPr>
-              <a:t>str</a:t>
+              <a:t>		</a:t>
             </a:r>
             <a:r>
               <a:rPr lang="en-US" sz="2800" dirty="0">
                 <a:solidFill>
-                  <a:srgbClr val="2B91AF"/>
+                  <a:srgbClr val="0000FF"/>
                 </a:solidFill>
                 <a:highlight>
                   <a:srgbClr val="FFFFFF"/>
                 </a:highlight>
                 <a:latin typeface="Consolas" panose="020B0609020204030204" pitchFamily="49" charset="0"/>
               </a:rPr>
-              <a:t>__</a:t>
-            </a:r>
-            <a:r>
-              <a:rPr lang="en-US" sz="2800" dirty="0" smtClean="0">
+              <a:t>return</a:t>
+            </a:r>
+            <a:r>
+              <a:rPr lang="en-US" sz="2800" dirty="0">
                 <a:solidFill>
                   <a:srgbClr val="000000"/>
                 </a:solidFill>
@@ -29505,63 +28543,10 @@
                 </a:highlight>
                 <a:latin typeface="Consolas" panose="020B0609020204030204" pitchFamily="49" charset="0"/>
               </a:rPr>
-              <a:t>(self):</a:t>
-            </a:r>
-          </a:p>
-          <a:p>
-            <a:pPr marL="0" indent="0">
-              <a:buNone/>
-            </a:pPr>
-            <a:r>
-              <a:rPr lang="en-US" sz="2800" dirty="0">
-                <a:solidFill>
-                  <a:srgbClr val="000000"/>
-                </a:solidFill>
-                <a:highlight>
-                  <a:srgbClr val="FFFFFF"/>
-                </a:highlight>
-                <a:latin typeface="Consolas" panose="020B0609020204030204" pitchFamily="49" charset="0"/>
-              </a:rPr>
-              <a:t>	</a:t>
-            </a:r>
-            <a:r>
-              <a:rPr lang="en-US" sz="2800" dirty="0" smtClean="0">
-                <a:solidFill>
-                  <a:srgbClr val="000000"/>
-                </a:solidFill>
-                <a:highlight>
-                  <a:srgbClr val="FFFFFF"/>
-                </a:highlight>
-                <a:latin typeface="Consolas" panose="020B0609020204030204" pitchFamily="49" charset="0"/>
-              </a:rPr>
-              <a:t>	</a:t>
-            </a:r>
-            <a:r>
-              <a:rPr lang="en-US" sz="2800" dirty="0">
-                <a:solidFill>
-                  <a:srgbClr val="0000FF"/>
-                </a:solidFill>
-                <a:highlight>
-                  <a:srgbClr val="FFFFFF"/>
-                </a:highlight>
-                <a:latin typeface="Consolas" panose="020B0609020204030204" pitchFamily="49" charset="0"/>
-              </a:rPr>
-              <a:t>return</a:t>
-            </a:r>
-            <a:r>
-              <a:rPr lang="en-US" sz="2800" dirty="0" smtClean="0">
-                <a:solidFill>
-                  <a:srgbClr val="000000"/>
-                </a:solidFill>
-                <a:highlight>
-                  <a:srgbClr val="FFFFFF"/>
-                </a:highlight>
-                <a:latin typeface="Consolas" panose="020B0609020204030204" pitchFamily="49" charset="0"/>
-              </a:rPr>
               <a:t> </a:t>
             </a:r>
             <a:r>
-              <a:rPr lang="en-US" sz="2800" dirty="0" err="1" smtClean="0">
+              <a:rPr lang="en-US" sz="2800" dirty="0" err="1">
                 <a:solidFill>
                   <a:srgbClr val="000000"/>
                 </a:solidFill>
@@ -29978,63 +28963,30 @@
           <a:p>
             <a:r>
               <a:rPr lang="ru-RU" dirty="0"/>
-              <a:t>Помимо свойств-полей и методов, модели могут содержать так называемые </a:t>
-            </a:r>
-            <a:r>
-              <a:rPr lang="ru-RU" dirty="0" smtClean="0"/>
-              <a:t>метаданные</a:t>
-            </a:r>
-            <a:r>
-              <a:rPr lang="en-US" dirty="0" smtClean="0"/>
-              <a:t> </a:t>
-            </a:r>
-            <a:r>
-              <a:rPr lang="ru-RU" dirty="0" smtClean="0"/>
-              <a:t>- </a:t>
-            </a:r>
-            <a:r>
-              <a:rPr lang="ru-RU" dirty="0"/>
-              <a:t>дополнительные параметры, меняющие внешнее представление и </a:t>
-            </a:r>
-            <a:r>
-              <a:rPr lang="ru-RU" dirty="0" smtClean="0"/>
-              <a:t>поведение</a:t>
+              <a:t>Помимо свойств-полей и методов, модели могут содержать так называемые метаданные</a:t>
             </a:r>
             <a:r>
               <a:rPr lang="en-US" dirty="0"/>
               <a:t> </a:t>
             </a:r>
             <a:r>
-              <a:rPr lang="ru-RU" dirty="0" smtClean="0"/>
+              <a:rPr lang="ru-RU" dirty="0"/>
+              <a:t>- дополнительные параметры, меняющие внешнее представление и поведение</a:t>
+            </a:r>
+            <a:r>
+              <a:rPr lang="en-US" dirty="0"/>
+              <a:t> </a:t>
+            </a:r>
+            <a:r>
+              <a:rPr lang="ru-RU" dirty="0"/>
               <a:t>модели</a:t>
             </a:r>
           </a:p>
           <a:p>
             <a:r>
-              <a:rPr lang="ru-RU" dirty="0" smtClean="0"/>
-              <a:t>В </a:t>
-            </a:r>
-            <a:r>
               <a:rPr lang="ru-RU" dirty="0"/>
-              <a:t>метаданных мы можем указать порядок сортировки </a:t>
-            </a:r>
-            <a:r>
-              <a:rPr lang="ru-RU" dirty="0" smtClean="0"/>
-              <a:t>записей в </a:t>
-            </a:r>
-            <a:r>
-              <a:rPr lang="ru-RU" dirty="0"/>
-              <a:t>модели по умолчанию и имя, под которым модель будет отображаться на </a:t>
-            </a:r>
-            <a:r>
-              <a:rPr lang="ru-RU" dirty="0" smtClean="0"/>
-              <a:t>страницах встроенного </a:t>
-            </a:r>
-            <a:r>
-              <a:rPr lang="ru-RU" dirty="0"/>
-              <a:t>административного сайта Django</a:t>
-            </a:r>
-            <a:endParaRPr lang="ru-RU" dirty="0" smtClean="0"/>
+              <a:t>В метаданных мы можем указать порядок сортировки записей в модели по умолчанию и имя, под которым модель будет отображаться на страницах встроенного административного сайта Django</a:t>
+            </a:r>
           </a:p>
         </p:txBody>
       </p:sp>
@@ -30249,19 +29201,7 @@
           <a:p>
             <a:r>
               <a:rPr lang="ru-RU" dirty="0"/>
-              <a:t>Метаданные представляют собой класс с именем Meta, который объявляется </a:t>
-            </a:r>
-            <a:r>
-              <a:rPr lang="ru-RU" dirty="0" smtClean="0"/>
-              <a:t>прямо внутри </a:t>
-            </a:r>
-            <a:r>
-              <a:rPr lang="ru-RU" dirty="0"/>
-              <a:t>класса модели (вложенный класс). Его свойства и задают </a:t>
-            </a:r>
-            <a:r>
-              <a:rPr lang="ru-RU" dirty="0" smtClean="0"/>
-              <a:t>дополнительные параметры модели.</a:t>
+              <a:t>Метаданные представляют собой класс с именем Meta, который объявляется прямо внутри класса модели (вложенный класс). Его свойства и задают дополнительные параметры модели.</a:t>
             </a:r>
           </a:p>
         </p:txBody>
@@ -30337,7 +29277,7 @@
               <a:tabLst/>
             </a:pPr>
             <a:r>
-              <a:rPr kumimoji="0" lang="ru-RU" altLang="ru-RU" sz="2400" b="1" i="0" u="none" strike="noStrike" cap="none" normalizeH="0" baseline="0" dirty="0" smtClean="0">
+              <a:rPr kumimoji="0" lang="ru-RU" altLang="ru-RU" sz="2400" b="1" i="0" u="none" strike="noStrike" cap="none" normalizeH="0" baseline="0" dirty="0">
                 <a:ln>
                   <a:noFill/>
                 </a:ln>
@@ -30351,7 +29291,7 @@
               <a:t>class </a:t>
             </a:r>
             <a:r>
-              <a:rPr kumimoji="0" lang="ru-RU" altLang="ru-RU" sz="2400" b="0" i="0" u="none" strike="noStrike" cap="none" normalizeH="0" baseline="0" dirty="0" smtClean="0">
+              <a:rPr kumimoji="0" lang="ru-RU" altLang="ru-RU" sz="2400" b="0" i="0" u="none" strike="noStrike" cap="none" normalizeH="0" baseline="0" dirty="0">
                 <a:ln>
                   <a:noFill/>
                 </a:ln>
@@ -30365,7 +29305,7 @@
               <a:t>Category(models.Model):</a:t>
             </a:r>
             <a:br>
-              <a:rPr kumimoji="0" lang="ru-RU" altLang="ru-RU" sz="2400" b="0" i="0" u="none" strike="noStrike" cap="none" normalizeH="0" baseline="0" dirty="0" smtClean="0">
+              <a:rPr kumimoji="0" lang="ru-RU" altLang="ru-RU" sz="2400" b="0" i="0" u="none" strike="noStrike" cap="none" normalizeH="0" baseline="0" dirty="0">
                 <a:ln>
                   <a:noFill/>
                 </a:ln>
@@ -30378,7 +29318,7 @@
               </a:rPr>
             </a:br>
             <a:r>
-              <a:rPr kumimoji="0" lang="ru-RU" altLang="ru-RU" sz="2400" b="0" i="0" u="none" strike="noStrike" cap="none" normalizeH="0" baseline="0" dirty="0" smtClean="0">
+              <a:rPr kumimoji="0" lang="ru-RU" altLang="ru-RU" sz="2400" b="0" i="0" u="none" strike="noStrike" cap="none" normalizeH="0" baseline="0" dirty="0">
                 <a:ln>
                   <a:noFill/>
                 </a:ln>
@@ -30401,8 +29341,8 @@
               </a:rPr>
               <a:t>)</a:t>
             </a:r>
-            <a:r>
-              <a:rPr kumimoji="0" lang="ru-RU" altLang="ru-RU" sz="2400" b="0" i="0" u="none" strike="noStrike" cap="none" normalizeH="0" baseline="0" dirty="0" smtClean="0">
+            <a:br>
+              <a:rPr kumimoji="0" lang="ru-RU" altLang="ru-RU" sz="2400" b="0" i="0" u="none" strike="noStrike" cap="none" normalizeH="0" baseline="0" dirty="0">
                 <a:ln>
                   <a:noFill/>
                 </a:ln>
@@ -30413,10 +29353,9 @@
                 <a:latin typeface="Courier New" panose="02070309020205020404" pitchFamily="49" charset="0"/>
                 <a:cs typeface="Courier New" panose="02070309020205020404" pitchFamily="49" charset="0"/>
               </a:rPr>
-              <a:t/>
-            </a:r>
+            </a:br>
             <a:br>
-              <a:rPr kumimoji="0" lang="ru-RU" altLang="ru-RU" sz="2400" b="0" i="0" u="none" strike="noStrike" cap="none" normalizeH="0" baseline="0" dirty="0" smtClean="0">
+              <a:rPr kumimoji="0" lang="ru-RU" altLang="ru-RU" sz="2400" b="0" i="0" u="none" strike="noStrike" cap="none" normalizeH="0" baseline="0" dirty="0">
                 <a:ln>
                   <a:noFill/>
                 </a:ln>
@@ -30429,7 +29368,7 @@
               </a:rPr>
             </a:br>
             <a:r>
-              <a:rPr kumimoji="0" lang="ru-RU" altLang="ru-RU" sz="2400" b="0" i="0" u="none" strike="noStrike" cap="none" normalizeH="0" baseline="0" dirty="0" smtClean="0">
+              <a:rPr kumimoji="0" lang="ru-RU" altLang="ru-RU" sz="2400" b="0" i="0" u="none" strike="noStrike" cap="none" normalizeH="0" baseline="0" dirty="0">
                 <a:ln>
                   <a:noFill/>
                 </a:ln>
@@ -30440,65 +29379,66 @@
                 <a:latin typeface="Courier New" panose="02070309020205020404" pitchFamily="49" charset="0"/>
                 <a:cs typeface="Courier New" panose="02070309020205020404" pitchFamily="49" charset="0"/>
               </a:rPr>
-              <a:t/>
-            </a:r>
-            <a:br>
-              <a:rPr kumimoji="0" lang="ru-RU" altLang="ru-RU" sz="2400" b="0" i="0" u="none" strike="noStrike" cap="none" normalizeH="0" baseline="0" dirty="0" smtClean="0">
+              <a:t>    </a:t>
+            </a:r>
+            <a:r>
+              <a:rPr kumimoji="0" lang="ru-RU" altLang="ru-RU" sz="2400" b="1" i="0" u="none" strike="noStrike" cap="none" normalizeH="0" baseline="0" dirty="0">
                 <a:ln>
                   <a:noFill/>
                 </a:ln>
                 <a:solidFill>
-                  <a:srgbClr val="000000"/>
+                  <a:srgbClr val="000080"/>
                 </a:solidFill>
                 <a:effectLst/>
                 <a:latin typeface="Courier New" panose="02070309020205020404" pitchFamily="49" charset="0"/>
                 <a:cs typeface="Courier New" panose="02070309020205020404" pitchFamily="49" charset="0"/>
               </a:rPr>
-            </a:br>
-            <a:r>
-              <a:rPr kumimoji="0" lang="ru-RU" altLang="ru-RU" sz="2400" b="0" i="0" u="none" strike="noStrike" cap="none" normalizeH="0" baseline="0" dirty="0" smtClean="0">
+              <a:t>def </a:t>
+            </a:r>
+            <a:r>
+              <a:rPr kumimoji="0" lang="ru-RU" altLang="ru-RU" sz="2400" b="0" i="0" u="none" strike="noStrike" cap="none" normalizeH="0" baseline="0" dirty="0">
                 <a:ln>
                   <a:noFill/>
                 </a:ln>
                 <a:solidFill>
-                  <a:srgbClr val="000000"/>
+                  <a:srgbClr val="B200B2"/>
                 </a:solidFill>
                 <a:effectLst/>
                 <a:latin typeface="Courier New" panose="02070309020205020404" pitchFamily="49" charset="0"/>
                 <a:cs typeface="Courier New" panose="02070309020205020404" pitchFamily="49" charset="0"/>
               </a:rPr>
-              <a:t>    </a:t>
-            </a:r>
-            <a:r>
-              <a:rPr kumimoji="0" lang="ru-RU" altLang="ru-RU" sz="2400" b="1" i="0" u="none" strike="noStrike" cap="none" normalizeH="0" baseline="0" dirty="0" smtClean="0">
+              <a:t>__str__</a:t>
+            </a:r>
+            <a:r>
+              <a:rPr kumimoji="0" lang="ru-RU" altLang="ru-RU" sz="2400" b="0" i="0" u="none" strike="noStrike" cap="none" normalizeH="0" baseline="0" dirty="0">
                 <a:ln>
                   <a:noFill/>
                 </a:ln>
                 <a:solidFill>
-                  <a:srgbClr val="000080"/>
+                  <a:srgbClr val="000000"/>
                 </a:solidFill>
                 <a:effectLst/>
                 <a:latin typeface="Courier New" panose="02070309020205020404" pitchFamily="49" charset="0"/>
                 <a:cs typeface="Courier New" panose="02070309020205020404" pitchFamily="49" charset="0"/>
               </a:rPr>
-              <a:t>def </a:t>
-            </a:r>
-            <a:r>
-              <a:rPr kumimoji="0" lang="ru-RU" altLang="ru-RU" sz="2400" b="0" i="0" u="none" strike="noStrike" cap="none" normalizeH="0" baseline="0" dirty="0" smtClean="0">
+              <a:t>(</a:t>
+            </a:r>
+            <a:r>
+              <a:rPr kumimoji="0" lang="ru-RU" altLang="ru-RU" sz="2400" b="0" i="0" u="none" strike="noStrike" cap="none" normalizeH="0" baseline="0" dirty="0">
                 <a:ln>
                   <a:noFill/>
                 </a:ln>
                 <a:solidFill>
-                  <a:srgbClr val="B200B2"/>
+                  <a:srgbClr val="94558D"/>
                 </a:solidFill>
                 <a:effectLst/>
                 <a:latin typeface="Courier New" panose="02070309020205020404" pitchFamily="49" charset="0"/>
                 <a:cs typeface="Courier New" panose="02070309020205020404" pitchFamily="49" charset="0"/>
               </a:rPr>
-              <a:t>__str__</a:t>
-            </a:r>
-            <a:r>
-              <a:rPr kumimoji="0" lang="ru-RU" altLang="ru-RU" sz="2400" b="0" i="0" u="none" strike="noStrike" cap="none" normalizeH="0" baseline="0" dirty="0" smtClean="0">
+              <a:t>self</a:t>
+            </a:r>
+            <a:r>
+              <a:rPr kumimoji="0" lang="ru-RU" altLang="ru-RU" sz="2400" b="0" i="0" u="none" strike="noStrike" cap="none" normalizeH="0" baseline="0" dirty="0">
                 <a:ln>
                   <a:noFill/>
                 </a:ln>
@@ -30509,24 +29449,23 @@
                 <a:latin typeface="Courier New" panose="02070309020205020404" pitchFamily="49" charset="0"/>
                 <a:cs typeface="Courier New" panose="02070309020205020404" pitchFamily="49" charset="0"/>
               </a:rPr>
-              <a:t>(</a:t>
-            </a:r>
-            <a:r>
-              <a:rPr kumimoji="0" lang="ru-RU" altLang="ru-RU" sz="2400" b="0" i="0" u="none" strike="noStrike" cap="none" normalizeH="0" baseline="0" dirty="0" smtClean="0">
+              <a:t>):</a:t>
+            </a:r>
+            <a:br>
+              <a:rPr kumimoji="0" lang="ru-RU" altLang="ru-RU" sz="2400" b="0" i="0" u="none" strike="noStrike" cap="none" normalizeH="0" baseline="0" dirty="0">
                 <a:ln>
                   <a:noFill/>
                 </a:ln>
                 <a:solidFill>
-                  <a:srgbClr val="94558D"/>
+                  <a:srgbClr val="000000"/>
                 </a:solidFill>
                 <a:effectLst/>
                 <a:latin typeface="Courier New" panose="02070309020205020404" pitchFamily="49" charset="0"/>
                 <a:cs typeface="Courier New" panose="02070309020205020404" pitchFamily="49" charset="0"/>
               </a:rPr>
-              <a:t>self</a:t>
-            </a:r>
-            <a:r>
-              <a:rPr kumimoji="0" lang="ru-RU" altLang="ru-RU" sz="2400" b="0" i="0" u="none" strike="noStrike" cap="none" normalizeH="0" baseline="0" dirty="0" smtClean="0">
+            </a:br>
+            <a:r>
+              <a:rPr kumimoji="0" lang="ru-RU" altLang="ru-RU" sz="2400" b="0" i="0" u="none" strike="noStrike" cap="none" normalizeH="0" baseline="0" dirty="0">
                 <a:ln>
                   <a:noFill/>
                 </a:ln>
@@ -30537,65 +29476,65 @@
                 <a:latin typeface="Courier New" panose="02070309020205020404" pitchFamily="49" charset="0"/>
                 <a:cs typeface="Courier New" panose="02070309020205020404" pitchFamily="49" charset="0"/>
               </a:rPr>
-              <a:t>):</a:t>
-            </a:r>
-            <a:br>
-              <a:rPr kumimoji="0" lang="ru-RU" altLang="ru-RU" sz="2400" b="0" i="0" u="none" strike="noStrike" cap="none" normalizeH="0" baseline="0" dirty="0" smtClean="0">
+              <a:t>        </a:t>
+            </a:r>
+            <a:r>
+              <a:rPr kumimoji="0" lang="ru-RU" altLang="ru-RU" sz="2400" b="1" i="0" u="none" strike="noStrike" cap="none" normalizeH="0" baseline="0" dirty="0">
                 <a:ln>
                   <a:noFill/>
                 </a:ln>
                 <a:solidFill>
-                  <a:srgbClr val="000000"/>
+                  <a:srgbClr val="000080"/>
                 </a:solidFill>
                 <a:effectLst/>
                 <a:latin typeface="Courier New" panose="02070309020205020404" pitchFamily="49" charset="0"/>
                 <a:cs typeface="Courier New" panose="02070309020205020404" pitchFamily="49" charset="0"/>
               </a:rPr>
-            </a:br>
-            <a:r>
-              <a:rPr kumimoji="0" lang="ru-RU" altLang="ru-RU" sz="2400" b="0" i="0" u="none" strike="noStrike" cap="none" normalizeH="0" baseline="0" dirty="0" smtClean="0">
+              <a:t>return </a:t>
+            </a:r>
+            <a:r>
+              <a:rPr kumimoji="0" lang="ru-RU" altLang="ru-RU" sz="2400" b="0" i="0" u="none" strike="noStrike" cap="none" normalizeH="0" baseline="0" dirty="0">
                 <a:ln>
                   <a:noFill/>
                 </a:ln>
                 <a:solidFill>
-                  <a:srgbClr val="000000"/>
+                  <a:srgbClr val="94558D"/>
                 </a:solidFill>
                 <a:effectLst/>
                 <a:latin typeface="Courier New" panose="02070309020205020404" pitchFamily="49" charset="0"/>
                 <a:cs typeface="Courier New" panose="02070309020205020404" pitchFamily="49" charset="0"/>
               </a:rPr>
-              <a:t>        </a:t>
-            </a:r>
-            <a:r>
-              <a:rPr kumimoji="0" lang="ru-RU" altLang="ru-RU" sz="2400" b="1" i="0" u="none" strike="noStrike" cap="none" normalizeH="0" baseline="0" dirty="0" smtClean="0">
+              <a:t>self</a:t>
+            </a:r>
+            <a:r>
+              <a:rPr kumimoji="0" lang="ru-RU" altLang="ru-RU" sz="2400" b="0" i="0" u="none" strike="noStrike" cap="none" normalizeH="0" baseline="0" dirty="0">
                 <a:ln>
                   <a:noFill/>
                 </a:ln>
                 <a:solidFill>
-                  <a:srgbClr val="000080"/>
+                  <a:srgbClr val="000000"/>
                 </a:solidFill>
                 <a:effectLst/>
                 <a:latin typeface="Courier New" panose="02070309020205020404" pitchFamily="49" charset="0"/>
                 <a:cs typeface="Courier New" panose="02070309020205020404" pitchFamily="49" charset="0"/>
               </a:rPr>
-              <a:t>return </a:t>
-            </a:r>
-            <a:r>
-              <a:rPr kumimoji="0" lang="ru-RU" altLang="ru-RU" sz="2400" b="0" i="0" u="none" strike="noStrike" cap="none" normalizeH="0" baseline="0" dirty="0" smtClean="0">
+              <a:t>.name</a:t>
+            </a:r>
+            <a:br>
+              <a:rPr kumimoji="0" lang="ru-RU" altLang="ru-RU" sz="2400" b="0" i="0" u="none" strike="noStrike" cap="none" normalizeH="0" baseline="0" dirty="0">
                 <a:ln>
                   <a:noFill/>
                 </a:ln>
                 <a:solidFill>
-                  <a:srgbClr val="94558D"/>
+                  <a:srgbClr val="000000"/>
                 </a:solidFill>
                 <a:effectLst/>
                 <a:latin typeface="Courier New" panose="02070309020205020404" pitchFamily="49" charset="0"/>
                 <a:cs typeface="Courier New" panose="02070309020205020404" pitchFamily="49" charset="0"/>
               </a:rPr>
-              <a:t>self</a:t>
-            </a:r>
-            <a:r>
-              <a:rPr kumimoji="0" lang="ru-RU" altLang="ru-RU" sz="2400" b="0" i="0" u="none" strike="noStrike" cap="none" normalizeH="0" baseline="0" dirty="0" smtClean="0">
+            </a:br>
+            <a:br>
+              <a:rPr kumimoji="0" lang="ru-RU" altLang="ru-RU" sz="2400" b="0" i="0" u="none" strike="noStrike" cap="none" normalizeH="0" baseline="0" dirty="0">
                 <a:ln>
                   <a:noFill/>
                 </a:ln>
@@ -30606,10 +29545,9 @@
                 <a:latin typeface="Courier New" panose="02070309020205020404" pitchFamily="49" charset="0"/>
                 <a:cs typeface="Courier New" panose="02070309020205020404" pitchFamily="49" charset="0"/>
               </a:rPr>
-              <a:t>.name</a:t>
-            </a:r>
-            <a:br>
-              <a:rPr kumimoji="0" lang="ru-RU" altLang="ru-RU" sz="2400" b="0" i="0" u="none" strike="noStrike" cap="none" normalizeH="0" baseline="0" dirty="0" smtClean="0">
+            </a:br>
+            <a:r>
+              <a:rPr kumimoji="0" lang="ru-RU" altLang="ru-RU" sz="2400" b="0" i="0" u="none" strike="noStrike" cap="none" normalizeH="0" baseline="0" dirty="0">
                 <a:ln>
                   <a:noFill/>
                 </a:ln>
@@ -30620,23 +29558,24 @@
                 <a:latin typeface="Courier New" panose="02070309020205020404" pitchFamily="49" charset="0"/>
                 <a:cs typeface="Courier New" panose="02070309020205020404" pitchFamily="49" charset="0"/>
               </a:rPr>
-            </a:br>
-            <a:r>
-              <a:rPr kumimoji="0" lang="ru-RU" altLang="ru-RU" sz="2400" b="0" i="0" u="none" strike="noStrike" cap="none" normalizeH="0" baseline="0" dirty="0" smtClean="0">
+              <a:t>    </a:t>
+            </a:r>
+            <a:r>
+              <a:rPr kumimoji="0" lang="ru-RU" altLang="ru-RU" sz="2400" b="1" i="0" u="none" strike="noStrike" cap="none" normalizeH="0" baseline="0" dirty="0">
                 <a:ln>
                   <a:noFill/>
                 </a:ln>
                 <a:solidFill>
-                  <a:srgbClr val="000000"/>
+                  <a:srgbClr val="000080"/>
                 </a:solidFill>
                 <a:effectLst/>
                 <a:latin typeface="Courier New" panose="02070309020205020404" pitchFamily="49" charset="0"/>
                 <a:cs typeface="Courier New" panose="02070309020205020404" pitchFamily="49" charset="0"/>
               </a:rPr>
-              <a:t/>
-            </a:r>
-            <a:br>
-              <a:rPr kumimoji="0" lang="ru-RU" altLang="ru-RU" sz="2400" b="0" i="0" u="none" strike="noStrike" cap="none" normalizeH="0" baseline="0" dirty="0" smtClean="0">
+              <a:t>class </a:t>
+            </a:r>
+            <a:r>
+              <a:rPr kumimoji="0" lang="ru-RU" altLang="ru-RU" sz="2400" b="0" i="0" u="none" strike="noStrike" cap="none" normalizeH="0" baseline="0" dirty="0">
                 <a:ln>
                   <a:noFill/>
                 </a:ln>
@@ -30647,9 +29586,10 @@
                 <a:latin typeface="Courier New" panose="02070309020205020404" pitchFamily="49" charset="0"/>
                 <a:cs typeface="Courier New" panose="02070309020205020404" pitchFamily="49" charset="0"/>
               </a:rPr>
-            </a:br>
-            <a:r>
-              <a:rPr kumimoji="0" lang="ru-RU" altLang="ru-RU" sz="2400" b="0" i="0" u="none" strike="noStrike" cap="none" normalizeH="0" baseline="0" dirty="0" smtClean="0">
+              <a:t>Meta:</a:t>
+            </a:r>
+            <a:br>
+              <a:rPr kumimoji="0" lang="ru-RU" altLang="ru-RU" sz="2400" b="0" i="0" u="none" strike="noStrike" cap="none" normalizeH="0" baseline="0" dirty="0">
                 <a:ln>
                   <a:noFill/>
                 </a:ln>
@@ -30660,43 +29600,42 @@
                 <a:latin typeface="Courier New" panose="02070309020205020404" pitchFamily="49" charset="0"/>
                 <a:cs typeface="Courier New" panose="02070309020205020404" pitchFamily="49" charset="0"/>
               </a:rPr>
-              <a:t>    </a:t>
-            </a:r>
-            <a:r>
-              <a:rPr kumimoji="0" lang="ru-RU" altLang="ru-RU" sz="2400" b="1" i="0" u="none" strike="noStrike" cap="none" normalizeH="0" baseline="0" dirty="0" smtClean="0">
+            </a:br>
+            <a:r>
+              <a:rPr kumimoji="0" lang="ru-RU" altLang="ru-RU" sz="2400" b="0" i="0" u="none" strike="noStrike" cap="none" normalizeH="0" baseline="0" dirty="0">
                 <a:ln>
                   <a:noFill/>
                 </a:ln>
                 <a:solidFill>
-                  <a:srgbClr val="000080"/>
+                  <a:srgbClr val="000000"/>
                 </a:solidFill>
                 <a:effectLst/>
                 <a:latin typeface="Courier New" panose="02070309020205020404" pitchFamily="49" charset="0"/>
                 <a:cs typeface="Courier New" panose="02070309020205020404" pitchFamily="49" charset="0"/>
               </a:rPr>
-              <a:t>class </a:t>
-            </a:r>
-            <a:r>
-              <a:rPr kumimoji="0" lang="ru-RU" altLang="ru-RU" sz="2400" b="0" i="0" u="none" strike="noStrike" cap="none" normalizeH="0" baseline="0" dirty="0" smtClean="0">
+              <a:t>        verbose_name = </a:t>
+            </a:r>
+            <a:r>
+              <a:rPr kumimoji="0" lang="ru-RU" altLang="ru-RU" sz="2400" b="1" i="0" u="none" strike="noStrike" cap="none" normalizeH="0" baseline="0" dirty="0">
                 <a:ln>
                   <a:noFill/>
                 </a:ln>
                 <a:solidFill>
-                  <a:srgbClr val="000000"/>
+                  <a:srgbClr val="008080"/>
                 </a:solidFill>
                 <a:effectLst/>
                 <a:latin typeface="Courier New" panose="02070309020205020404" pitchFamily="49" charset="0"/>
                 <a:cs typeface="Courier New" panose="02070309020205020404" pitchFamily="49" charset="0"/>
               </a:rPr>
-              <a:t>Meta:</a:t>
+              <a:t>"Category"</a:t>
             </a:r>
             <a:br>
-              <a:rPr kumimoji="0" lang="ru-RU" altLang="ru-RU" sz="2400" b="0" i="0" u="none" strike="noStrike" cap="none" normalizeH="0" baseline="0" dirty="0" smtClean="0">
+              <a:rPr kumimoji="0" lang="ru-RU" altLang="ru-RU" sz="2400" b="1" i="0" u="none" strike="noStrike" cap="none" normalizeH="0" baseline="0" dirty="0">
                 <a:ln>
                   <a:noFill/>
                 </a:ln>
                 <a:solidFill>
-                  <a:srgbClr val="000000"/>
+                  <a:srgbClr val="008080"/>
                 </a:solidFill>
                 <a:effectLst/>
                 <a:latin typeface="Courier New" panose="02070309020205020404" pitchFamily="49" charset="0"/>
@@ -30704,35 +29643,35 @@
               </a:rPr>
             </a:br>
             <a:r>
-              <a:rPr kumimoji="0" lang="ru-RU" altLang="ru-RU" sz="2400" b="0" i="0" u="none" strike="noStrike" cap="none" normalizeH="0" baseline="0" dirty="0" smtClean="0">
+              <a:rPr kumimoji="0" lang="ru-RU" altLang="ru-RU" sz="2400" b="1" i="0" u="none" strike="noStrike" cap="none" normalizeH="0" baseline="0" dirty="0">
                 <a:ln>
                   <a:noFill/>
                 </a:ln>
                 <a:solidFill>
-                  <a:srgbClr val="000000"/>
+                  <a:srgbClr val="008080"/>
                 </a:solidFill>
                 <a:effectLst/>
                 <a:latin typeface="Courier New" panose="02070309020205020404" pitchFamily="49" charset="0"/>
                 <a:cs typeface="Courier New" panose="02070309020205020404" pitchFamily="49" charset="0"/>
               </a:rPr>
-              <a:t>        verbose_name = </a:t>
-            </a:r>
-            <a:r>
-              <a:rPr kumimoji="0" lang="ru-RU" altLang="ru-RU" sz="2400" b="1" i="0" u="none" strike="noStrike" cap="none" normalizeH="0" baseline="0" dirty="0" smtClean="0">
+              <a:t>        </a:t>
+            </a:r>
+            <a:r>
+              <a:rPr kumimoji="0" lang="ru-RU" altLang="ru-RU" sz="2400" b="0" i="0" u="none" strike="noStrike" cap="none" normalizeH="0" baseline="0" dirty="0">
                 <a:ln>
                   <a:noFill/>
                 </a:ln>
                 <a:solidFill>
-                  <a:srgbClr val="008080"/>
+                  <a:srgbClr val="000000"/>
                 </a:solidFill>
                 <a:effectLst/>
                 <a:latin typeface="Courier New" panose="02070309020205020404" pitchFamily="49" charset="0"/>
                 <a:cs typeface="Courier New" panose="02070309020205020404" pitchFamily="49" charset="0"/>
               </a:rPr>
-              <a:t>"Category"</a:t>
-            </a:r>
-            <a:br>
-              <a:rPr kumimoji="0" lang="ru-RU" altLang="ru-RU" sz="2400" b="1" i="0" u="none" strike="noStrike" cap="none" normalizeH="0" baseline="0" dirty="0" smtClean="0">
+              <a:t>verbose_name_plural = </a:t>
+            </a:r>
+            <a:r>
+              <a:rPr kumimoji="0" lang="ru-RU" altLang="ru-RU" sz="2400" b="1" i="0" u="none" strike="noStrike" cap="none" normalizeH="0" baseline="0" dirty="0">
                 <a:ln>
                   <a:noFill/>
                 </a:ln>
@@ -30743,50 +29682,9 @@
                 <a:latin typeface="Courier New" panose="02070309020205020404" pitchFamily="49" charset="0"/>
                 <a:cs typeface="Courier New" panose="02070309020205020404" pitchFamily="49" charset="0"/>
               </a:rPr>
-            </a:br>
-            <a:r>
-              <a:rPr kumimoji="0" lang="ru-RU" altLang="ru-RU" sz="2400" b="1" i="0" u="none" strike="noStrike" cap="none" normalizeH="0" baseline="0" dirty="0" smtClean="0">
-                <a:ln>
-                  <a:noFill/>
-                </a:ln>
-                <a:solidFill>
-                  <a:srgbClr val="008080"/>
-                </a:solidFill>
-                <a:effectLst/>
-                <a:latin typeface="Courier New" panose="02070309020205020404" pitchFamily="49" charset="0"/>
-                <a:cs typeface="Courier New" panose="02070309020205020404" pitchFamily="49" charset="0"/>
-              </a:rPr>
-              <a:t>        </a:t>
-            </a:r>
-            <a:r>
-              <a:rPr kumimoji="0" lang="ru-RU" altLang="ru-RU" sz="2400" b="0" i="0" u="none" strike="noStrike" cap="none" normalizeH="0" baseline="0" dirty="0" smtClean="0">
-                <a:ln>
-                  <a:noFill/>
-                </a:ln>
-                <a:solidFill>
-                  <a:srgbClr val="000000"/>
-                </a:solidFill>
-                <a:effectLst/>
-                <a:latin typeface="Courier New" panose="02070309020205020404" pitchFamily="49" charset="0"/>
-                <a:cs typeface="Courier New" panose="02070309020205020404" pitchFamily="49" charset="0"/>
-              </a:rPr>
-              <a:t>verbose_name_plural = </a:t>
-            </a:r>
-            <a:r>
-              <a:rPr kumimoji="0" lang="ru-RU" altLang="ru-RU" sz="2400" b="1" i="0" u="none" strike="noStrike" cap="none" normalizeH="0" baseline="0" dirty="0" smtClean="0">
-                <a:ln>
-                  <a:noFill/>
-                </a:ln>
-                <a:solidFill>
-                  <a:srgbClr val="008080"/>
-                </a:solidFill>
-                <a:effectLst/>
-                <a:latin typeface="Courier New" panose="02070309020205020404" pitchFamily="49" charset="0"/>
-                <a:cs typeface="Courier New" panose="02070309020205020404" pitchFamily="49" charset="0"/>
-              </a:rPr>
               <a:t>"Categories"</a:t>
             </a:r>
-            <a:endParaRPr kumimoji="0" lang="ru-RU" altLang="ru-RU" sz="4800" b="0" i="0" u="none" strike="noStrike" cap="none" normalizeH="0" baseline="0" dirty="0" smtClean="0">
+            <a:endParaRPr kumimoji="0" lang="ru-RU" altLang="ru-RU" sz="4800" b="0" i="0" u="none" strike="noStrike" cap="none" normalizeH="0" baseline="0" dirty="0">
               <a:ln>
                 <a:noFill/>
               </a:ln>
@@ -30935,15 +29833,7 @@
           <a:p>
             <a:r>
               <a:rPr lang="ru-RU" dirty="0"/>
-              <a:t>С</a:t>
-            </a:r>
-            <a:r>
-              <a:rPr lang="ru-RU" dirty="0" smtClean="0"/>
-              <a:t>войства </a:t>
-            </a:r>
-            <a:r>
-              <a:rPr lang="ru-RU" dirty="0"/>
-              <a:t>класса Meta</a:t>
+              <a:t>Свойства класса Meta</a:t>
             </a:r>
           </a:p>
         </p:txBody>
@@ -30969,7 +29859,7 @@
           <a:lstStyle/>
           <a:p>
             <a:r>
-              <a:rPr lang="ru-RU" b="1" dirty="0" smtClean="0">
+              <a:rPr lang="ru-RU" b="1" dirty="0">
                 <a:solidFill>
                   <a:srgbClr val="002060"/>
                 </a:solidFill>
@@ -30977,7 +29867,7 @@
               <a:t>d</a:t>
             </a:r>
             <a:r>
-              <a:rPr lang="en-US" b="1" dirty="0" smtClean="0">
+              <a:rPr lang="en-US" b="1" dirty="0">
                 <a:solidFill>
                   <a:srgbClr val="002060"/>
                 </a:solidFill>
@@ -30985,7 +29875,7 @@
               <a:t>b_</a:t>
             </a:r>
             <a:r>
-              <a:rPr lang="ru-RU" b="1" dirty="0" smtClean="0">
+              <a:rPr lang="ru-RU" b="1" dirty="0">
                 <a:solidFill>
                   <a:srgbClr val="002060"/>
                 </a:solidFill>
@@ -30993,7 +29883,7 @@
               <a:t>t</a:t>
             </a:r>
             <a:r>
-              <a:rPr lang="en-US" b="1" dirty="0" err="1" smtClean="0">
+              <a:rPr lang="en-US" b="1" dirty="0" err="1">
                 <a:solidFill>
                   <a:srgbClr val="002060"/>
                 </a:solidFill>
@@ -31001,7 +29891,7 @@
               <a:t>abl</a:t>
             </a:r>
             <a:r>
-              <a:rPr lang="ru-RU" b="1" dirty="0" smtClean="0">
+              <a:rPr lang="ru-RU" b="1" dirty="0">
                 <a:solidFill>
                   <a:srgbClr val="002060"/>
                 </a:solidFill>
@@ -31010,11 +29900,7 @@
             </a:r>
             <a:r>
               <a:rPr lang="ru-RU" dirty="0"/>
-              <a:t>з</a:t>
-            </a:r>
-            <a:r>
-              <a:rPr lang="ru-RU" dirty="0" smtClean="0"/>
-              <a:t>адает имя таблицы</a:t>
+              <a:t>задает имя таблицы</a:t>
             </a:r>
           </a:p>
           <a:p>
@@ -31028,15 +29914,21 @@
             </a:r>
             <a:r>
               <a:rPr lang="ru-RU" dirty="0"/>
-              <a:t>з</a:t>
-            </a:r>
-            <a:r>
-              <a:rPr lang="ru-RU" dirty="0" smtClean="0"/>
-              <a:t>адает </a:t>
+              <a:t>задает поля, по которым будет выполняться сортировка данных</a:t>
+            </a:r>
+          </a:p>
+          <a:p>
+            <a:r>
+              <a:rPr lang="ru-RU" b="1" dirty="0">
+                <a:solidFill>
+                  <a:srgbClr val="002060"/>
+                </a:solidFill>
+              </a:rPr>
+              <a:t>unique_together</a:t>
             </a:r>
             <a:r>
               <a:rPr lang="ru-RU" dirty="0"/>
-              <a:t>поля, по которым будет выполняться сортировка данных</a:t>
+              <a:t> задает список полей, значения которых в совокупности должны быть уникальны</a:t>
             </a:r>
           </a:p>
           <a:p>
@@ -31046,57 +29938,11 @@
                   <a:srgbClr val="002060"/>
                 </a:solidFill>
               </a:rPr>
-              <a:t>unique_together</a:t>
+              <a:t>verbose_name </a:t>
             </a:r>
             <a:r>
               <a:rPr lang="ru-RU" dirty="0"/>
-              <a:t> з</a:t>
-            </a:r>
-            <a:r>
-              <a:rPr lang="ru-RU" dirty="0" smtClean="0"/>
-              <a:t>адает </a:t>
-            </a:r>
-            <a:r>
-              <a:rPr lang="ru-RU" dirty="0"/>
-              <a:t>список полей, значения которых в совокупности </a:t>
-            </a:r>
-            <a:r>
-              <a:rPr lang="ru-RU" dirty="0" smtClean="0"/>
-              <a:t>должны быть </a:t>
-            </a:r>
-            <a:r>
-              <a:rPr lang="ru-RU" dirty="0"/>
-              <a:t>уникальны</a:t>
-            </a:r>
-          </a:p>
-          <a:p>
-            <a:r>
-              <a:rPr lang="ru-RU" b="1" dirty="0" smtClean="0">
-                <a:solidFill>
-                  <a:srgbClr val="002060"/>
-                </a:solidFill>
-              </a:rPr>
-              <a:t>verbose_name </a:t>
-            </a:r>
-            <a:r>
-              <a:rPr lang="ru-RU" dirty="0"/>
-              <a:t>Задает </a:t>
-            </a:r>
-            <a:r>
-              <a:rPr lang="ru-RU" dirty="0" smtClean="0"/>
-              <a:t>имя</a:t>
-            </a:r>
-            <a:r>
-              <a:rPr lang="ru-RU" dirty="0"/>
-              <a:t>, под которым модель будет </a:t>
-            </a:r>
-            <a:r>
-              <a:rPr lang="ru-RU" dirty="0" smtClean="0"/>
-              <a:t>выводиться на </a:t>
-            </a:r>
-            <a:r>
-              <a:rPr lang="ru-RU" dirty="0"/>
-              <a:t>страницах административного сайта</a:t>
+              <a:t>Задает имя, под которым модель будет выводиться на страницах административного сайта</a:t>
             </a:r>
           </a:p>
           <a:p>
@@ -31124,7 +29970,6 @@
               <a:rPr lang="ru-RU" dirty="0"/>
               <a:t>, но во множественном числе</a:t>
             </a:r>
-            <a:endParaRPr lang="ru-RU" dirty="0" smtClean="0"/>
           </a:p>
         </p:txBody>
       </p:sp>
@@ -31452,14 +30297,13 @@
           <a:lstStyle/>
           <a:p>
             <a:r>
-              <a:rPr lang="ru-RU" dirty="0" smtClean="0"/>
+              <a:rPr lang="ru-RU" dirty="0"/>
               <a:t>Несколько слов об именах</a:t>
             </a:r>
             <a:r>
-              <a:rPr lang="en-US" dirty="0" smtClean="0"/>
+              <a:rPr lang="en-US" dirty="0"/>
               <a:t>...</a:t>
             </a:r>
-            <a:endParaRPr lang="en-US" dirty="0"/>
           </a:p>
         </p:txBody>
       </p:sp>
@@ -31484,101 +30328,101 @@
           <a:lstStyle/>
           <a:p>
             <a:r>
-              <a:rPr lang="ru-RU" sz="2800" dirty="0" smtClean="0"/>
+              <a:rPr lang="ru-RU" sz="2800" dirty="0"/>
               <a:t>В</a:t>
             </a:r>
             <a:r>
-              <a:rPr lang="en-US" sz="2800" dirty="0" smtClean="0"/>
+              <a:rPr lang="en-US" sz="2800" dirty="0"/>
               <a:t> Django </a:t>
             </a:r>
             <a:r>
-              <a:rPr lang="ru-RU" sz="2800" dirty="0" smtClean="0"/>
+              <a:rPr lang="ru-RU" sz="2800" dirty="0"/>
               <a:t>следует использовать стиль подчеркивания, а не </a:t>
             </a:r>
             <a:r>
-              <a:rPr lang="en-US" sz="2800" dirty="0" smtClean="0"/>
+              <a:rPr lang="en-US" sz="2800" dirty="0"/>
               <a:t>camel casing</a:t>
             </a:r>
           </a:p>
           <a:p>
             <a:r>
-              <a:rPr lang="en-US" sz="2800" dirty="0" smtClean="0"/>
+              <a:rPr lang="en-US" sz="2800" dirty="0"/>
               <a:t>Django </a:t>
             </a:r>
             <a:r>
-              <a:rPr lang="ru-RU" sz="2800" dirty="0" smtClean="0"/>
+              <a:rPr lang="ru-RU" sz="2800" dirty="0"/>
               <a:t>может автоматически именовать атрибуты в представлениях</a:t>
             </a:r>
-            <a:endParaRPr lang="en-US" sz="2800" dirty="0" smtClean="0"/>
+            <a:endParaRPr lang="en-US" sz="2800" dirty="0"/>
           </a:p>
           <a:p>
             <a:pPr lvl="1"/>
             <a:r>
-              <a:rPr lang="ru-RU" sz="2400" dirty="0" smtClean="0"/>
+              <a:rPr lang="ru-RU" sz="2400" dirty="0"/>
               <a:t>Нижнее подчеркивание заменяется пробелом</a:t>
             </a:r>
           </a:p>
           <a:p>
             <a:pPr lvl="1"/>
             <a:r>
-              <a:rPr lang="en-US" sz="2400" b="1" dirty="0" err="1" smtClean="0"/>
+              <a:rPr lang="en-US" sz="2400" b="1" dirty="0" err="1"/>
               <a:t>first_name</a:t>
             </a:r>
             <a:r>
-              <a:rPr lang="en-US" sz="2400" dirty="0" smtClean="0"/>
+              <a:rPr lang="en-US" sz="2400" dirty="0"/>
               <a:t> </a:t>
             </a:r>
             <a:r>
-              <a:rPr lang="ru-RU" sz="2400" dirty="0" smtClean="0"/>
+              <a:rPr lang="ru-RU" sz="2400" dirty="0"/>
               <a:t>становится</a:t>
             </a:r>
             <a:r>
-              <a:rPr lang="en-US" sz="2400" dirty="0" smtClean="0"/>
+              <a:rPr lang="en-US" sz="2400" dirty="0"/>
               <a:t> </a:t>
             </a:r>
             <a:r>
-              <a:rPr lang="en-US" sz="2400" b="1" dirty="0" smtClean="0"/>
+              <a:rPr lang="en-US" sz="2400" b="1" dirty="0"/>
               <a:t>first name</a:t>
             </a:r>
           </a:p>
           <a:p>
             <a:r>
-              <a:rPr lang="ru-RU" sz="2800" dirty="0" smtClean="0"/>
+              <a:rPr lang="ru-RU" sz="2800" dirty="0"/>
               <a:t>Что, если необходимо настроить метки в представлениях</a:t>
             </a:r>
             <a:r>
-              <a:rPr lang="en-US" sz="2800" dirty="0" smtClean="0"/>
+              <a:rPr lang="en-US" sz="2800" dirty="0"/>
               <a:t>?</a:t>
             </a:r>
           </a:p>
           <a:p>
             <a:pPr lvl="1"/>
             <a:r>
-              <a:rPr lang="en-US" sz="2400" b="1" dirty="0" err="1" smtClean="0"/>
+              <a:rPr lang="en-US" sz="2400" b="1" dirty="0" err="1"/>
               <a:t>verbose_name</a:t>
             </a:r>
             <a:r>
-              <a:rPr lang="en-US" sz="2400" dirty="0" smtClean="0"/>
+              <a:rPr lang="en-US" sz="2400" dirty="0"/>
               <a:t> </a:t>
             </a:r>
             <a:r>
-              <a:rPr lang="ru-RU" sz="2400" dirty="0" smtClean="0"/>
+              <a:rPr lang="ru-RU" sz="2400" dirty="0"/>
               <a:t>предоставляет возможность настроить имена</a:t>
             </a:r>
-            <a:endParaRPr lang="en-US" sz="2400" dirty="0" smtClean="0"/>
+            <a:endParaRPr lang="en-US" sz="2400" dirty="0"/>
           </a:p>
           <a:p>
             <a:pPr lvl="1"/>
             <a:r>
-              <a:rPr lang="ru-RU" sz="2400" dirty="0" smtClean="0"/>
+              <a:rPr lang="ru-RU" sz="2400" dirty="0"/>
               <a:t>Всегда начинайте со строчной (маленькой) букы т.к.</a:t>
             </a:r>
             <a:r>
-              <a:rPr lang="en-US" sz="2400" dirty="0" smtClean="0"/>
+              <a:rPr lang="en-US" sz="2400" dirty="0"/>
               <a:t> Django </a:t>
             </a:r>
             <a:r>
-              <a:rPr lang="ru-RU" sz="2400" dirty="0" smtClean="0"/>
+              <a:rPr lang="ru-RU" sz="2400" dirty="0"/>
               <a:t>приведет к верхнему регистру при необходимости</a:t>
             </a:r>
             <a:endParaRPr lang="en-US" sz="2400" dirty="0"/>
@@ -31772,7 +30616,7 @@
           <a:lstStyle/>
           <a:p>
             <a:r>
-              <a:rPr lang="ru-RU" dirty="0" smtClean="0"/>
+              <a:rPr lang="ru-RU" dirty="0"/>
               <a:t>Подготовка моделей к представлениям</a:t>
             </a:r>
             <a:endParaRPr lang="en-US" dirty="0"/>
@@ -31789,13 +30633,6 @@
   <p:clrMapOvr>
     <a:masterClrMapping/>
   </p:clrMapOvr>
-  <p:timing>
-    <p:tnLst>
-      <p:par>
-        <p:cTn id="1" dur="indefinite" restart="never" nodeType="tmRoot"/>
-      </p:par>
-    </p:tnLst>
-  </p:timing>
 </p:sld>
 </file>
 
@@ -31832,7 +30669,7 @@
           <a:lstStyle/>
           <a:p>
             <a:r>
-              <a:rPr lang="ru-RU" dirty="0" smtClean="0"/>
+              <a:rPr lang="ru-RU" dirty="0"/>
               <a:t>Дополнительное чтение</a:t>
             </a:r>
             <a:endParaRPr lang="en-US" dirty="0"/>
@@ -31855,48 +30692,14 @@
           <a:lstStyle/>
           <a:p>
             <a:r>
-              <a:rPr lang="ru-RU" dirty="0" smtClean="0"/>
+              <a:rPr lang="ru-RU" dirty="0"/>
               <a:t>Официальная страница</a:t>
             </a:r>
             <a:r>
-              <a:rPr lang="en-US" dirty="0" smtClean="0"/>
-              <a:t> </a:t>
-            </a:r>
-            <a:r>
-              <a:rPr lang="en-US" dirty="0" smtClean="0">
-                <a:hlinkClick r:id="rId2"/>
-              </a:rPr>
-              <a:t>https</a:t>
-            </a:r>
-            <a:r>
-              <a:rPr lang="en-US" dirty="0">
-                <a:hlinkClick r:id="rId2"/>
-              </a:rPr>
-              <a:t>://</a:t>
-            </a:r>
-            <a:r>
-              <a:rPr lang="en-US" dirty="0" smtClean="0">
-                <a:hlinkClick r:id="rId2"/>
-              </a:rPr>
-              <a:t>docs.djangoproject.com/en/1.</a:t>
-            </a:r>
-            <a:r>
-              <a:rPr lang="ru-RU" dirty="0" smtClean="0">
-                <a:hlinkClick r:id="rId2"/>
-              </a:rPr>
-              <a:t>10</a:t>
-            </a:r>
-            <a:r>
-              <a:rPr lang="en-US" dirty="0" smtClean="0">
-                <a:hlinkClick r:id="rId2"/>
-              </a:rPr>
-              <a:t>/ref/models/fields/</a:t>
-            </a:r>
-            <a:endParaRPr lang="ru-RU" dirty="0" smtClean="0"/>
-          </a:p>
-          <a:p>
-            <a:pPr lvl="1"/>
-            <a:endParaRPr lang="en-US" dirty="0" smtClean="0"/>
+              <a:rPr lang="en-US"/>
+              <a:t> https://docs.djangoproject.com/en/4.0/ref/models/fields/</a:t>
+            </a:r>
+            <a:endParaRPr lang="en-US" dirty="0"/>
           </a:p>
         </p:txBody>
       </p:sp>
@@ -31910,13 +30713,6 @@
   <p:clrMapOvr>
     <a:masterClrMapping/>
   </p:clrMapOvr>
-  <p:timing>
-    <p:tnLst>
-      <p:par>
-        <p:cTn id="1" dur="indefinite" restart="never" nodeType="tmRoot"/>
-      </p:par>
-    </p:tnLst>
-  </p:timing>
 </p:sld>
 </file>
 
@@ -31955,7 +30751,7 @@
           <a:lstStyle/>
           <a:p>
             <a:r>
-              <a:rPr lang="ru-RU" dirty="0" smtClean="0"/>
+              <a:rPr lang="ru-RU" dirty="0"/>
               <a:t>В нашем коде модель – это класс</a:t>
             </a:r>
             <a:endParaRPr lang="en-US" dirty="0"/>
@@ -31983,34 +30779,34 @@
           <a:lstStyle/>
           <a:p>
             <a:r>
-              <a:rPr lang="ru-RU" sz="3200" dirty="0" smtClean="0"/>
+              <a:rPr lang="ru-RU" sz="3200" dirty="0"/>
               <a:t>Модель – это просто класс</a:t>
             </a:r>
-            <a:endParaRPr lang="en-US" sz="3200" dirty="0" smtClean="0"/>
+            <a:endParaRPr lang="en-US" sz="3200" dirty="0"/>
           </a:p>
           <a:p>
             <a:pPr lvl="1"/>
             <a:r>
-              <a:rPr lang="ru-RU" sz="3600" dirty="0" smtClean="0"/>
+              <a:rPr lang="ru-RU" sz="3600" dirty="0"/>
               <a:t>Поэтому если вы знаете как создать класс в</a:t>
             </a:r>
             <a:r>
-              <a:rPr lang="en-US" sz="3600" dirty="0" smtClean="0"/>
+              <a:rPr lang="en-US" sz="3600" dirty="0"/>
               <a:t> Python,</a:t>
             </a:r>
             <a:r>
-              <a:rPr lang="ru-RU" sz="3600" dirty="0" smtClean="0"/>
+              <a:rPr lang="ru-RU" sz="3600" dirty="0"/>
               <a:t> то</a:t>
             </a:r>
             <a:r>
-              <a:rPr lang="en-US" sz="3600" dirty="0" smtClean="0"/>
+              <a:rPr lang="en-US" sz="3600" dirty="0"/>
               <a:t> </a:t>
             </a:r>
             <a:r>
-              <a:rPr lang="ru-RU" sz="3600" dirty="0" smtClean="0"/>
+              <a:rPr lang="ru-RU" sz="3600" dirty="0"/>
               <a:t>вы  уже можете создавать модели</a:t>
             </a:r>
-            <a:endParaRPr lang="en-US" sz="3600" dirty="0" smtClean="0"/>
+            <a:endParaRPr lang="en-US" sz="3600" dirty="0"/>
           </a:p>
           <a:p>
             <a:pPr marL="0" indent="0">
@@ -32047,7 +30843,7 @@
               <a:t> </a:t>
             </a:r>
             <a:r>
-              <a:rPr lang="en-US" sz="2800" dirty="0" smtClean="0">
+              <a:rPr lang="en-US" sz="2800" dirty="0">
                 <a:solidFill>
                   <a:srgbClr val="2B91AF"/>
                 </a:solidFill>
@@ -32088,7 +30884,7 @@
               <a:t> </a:t>
             </a:r>
             <a:r>
-              <a:rPr lang="en-US" sz="2800" dirty="0" smtClean="0">
+              <a:rPr lang="en-US" sz="2800" dirty="0">
                 <a:solidFill>
                   <a:srgbClr val="2B91AF"/>
                 </a:solidFill>
@@ -32337,10 +31133,9 @@
           <a:lstStyle/>
           <a:p>
             <a:r>
-              <a:rPr lang="ru-RU" dirty="0" smtClean="0"/>
+              <a:rPr lang="ru-RU" dirty="0"/>
               <a:t>Как на счет базы данных?</a:t>
             </a:r>
-            <a:endParaRPr lang="ru-RU" dirty="0"/>
           </a:p>
         </p:txBody>
       </p:sp>
@@ -32354,13 +31149,6 @@
   <p:clrMapOvr>
     <a:masterClrMapping/>
   </p:clrMapOvr>
-  <p:timing>
-    <p:tnLst>
-      <p:par>
-        <p:cTn id="1" dur="indefinite" restart="never" nodeType="tmRoot"/>
-      </p:par>
-    </p:tnLst>
-  </p:timing>
 </p:sld>
 </file>
 
@@ -32404,16 +31192,8 @@
           <a:lstStyle/>
           <a:p>
             <a:r>
-              <a:rPr lang="ru-RU" dirty="0" smtClean="0"/>
-              <a:t>Большинство веб-приложени</a:t>
-            </a:r>
-            <a:r>
               <a:rPr lang="ru-RU" dirty="0"/>
-              <a:t>й</a:t>
-            </a:r>
-            <a:r>
-              <a:rPr lang="ru-RU" dirty="0" smtClean="0"/>
-              <a:t> предоставляют доступ к некой базе данных</a:t>
+              <a:t>Большинство веб-приложений предоставляют доступ к некой базе данных</a:t>
             </a:r>
             <a:endParaRPr lang="en-US" dirty="0"/>
           </a:p>
@@ -32440,21 +31220,21 @@
           <a:lstStyle/>
           <a:p>
             <a:r>
-              <a:rPr lang="ru-RU" dirty="0" smtClean="0"/>
+              <a:rPr lang="ru-RU" dirty="0"/>
               <a:t>Система управления клиентами</a:t>
             </a:r>
-            <a:endParaRPr lang="en-US" dirty="0" smtClean="0"/>
-          </a:p>
-          <a:p>
-            <a:r>
-              <a:rPr lang="ru-RU" dirty="0" smtClean="0"/>
+            <a:endParaRPr lang="en-US" dirty="0"/>
+          </a:p>
+          <a:p>
+            <a:r>
+              <a:rPr lang="ru-RU" dirty="0"/>
               <a:t>Система резервирования столиков в ресторане</a:t>
             </a:r>
-            <a:endParaRPr lang="en-US" dirty="0" smtClean="0"/>
-          </a:p>
-          <a:p>
-            <a:r>
-              <a:rPr lang="ru-RU" dirty="0" smtClean="0"/>
+            <a:endParaRPr lang="en-US" dirty="0"/>
+          </a:p>
+          <a:p>
+            <a:r>
+              <a:rPr lang="ru-RU" dirty="0"/>
               <a:t>Информационная система</a:t>
             </a:r>
             <a:endParaRPr lang="en-US" dirty="0"/>
@@ -32689,7 +31469,7 @@
           <a:lstStyle/>
           <a:p>
             <a:r>
-              <a:rPr lang="ru-RU" dirty="0" smtClean="0"/>
+              <a:rPr lang="ru-RU" dirty="0"/>
               <a:t>Нам необходимо работать с информацией в базе данных</a:t>
             </a:r>
             <a:endParaRPr lang="en-US" dirty="0"/>
@@ -32720,58 +31500,58 @@
               <a:buNone/>
             </a:pPr>
             <a:r>
-              <a:rPr lang="ru-RU" dirty="0" smtClean="0"/>
+              <a:rPr lang="ru-RU" dirty="0"/>
               <a:t>Мы можем написать </a:t>
             </a:r>
             <a:r>
-              <a:rPr lang="en-US" dirty="0" smtClean="0"/>
+              <a:rPr lang="en-US" dirty="0"/>
               <a:t>SQL </a:t>
             </a:r>
             <a:r>
-              <a:rPr lang="ru-RU" dirty="0" smtClean="0"/>
+              <a:rPr lang="ru-RU" dirty="0"/>
               <a:t>запросы</a:t>
             </a:r>
             <a:r>
-              <a:rPr lang="en-US" dirty="0" smtClean="0"/>
+              <a:rPr lang="en-US" dirty="0"/>
               <a:t>, </a:t>
             </a:r>
             <a:r>
-              <a:rPr lang="ru-RU" dirty="0" smtClean="0"/>
+              <a:rPr lang="ru-RU" dirty="0"/>
               <a:t>но</a:t>
             </a:r>
             <a:r>
-              <a:rPr lang="en-US" dirty="0" smtClean="0"/>
+              <a:rPr lang="en-US" dirty="0"/>
               <a:t>…</a:t>
             </a:r>
           </a:p>
           <a:p>
             <a:pPr lvl="1"/>
             <a:r>
-              <a:rPr lang="ru-RU" dirty="0" smtClean="0"/>
+              <a:rPr lang="ru-RU" dirty="0"/>
               <a:t>Не естественно для разработчиков, которые работают в объектно-ориентированном стиле</a:t>
             </a:r>
-            <a:endParaRPr lang="en-US" dirty="0" smtClean="0"/>
+            <a:endParaRPr lang="en-US" dirty="0"/>
           </a:p>
           <a:p>
             <a:pPr lvl="1"/>
             <a:r>
-              <a:rPr lang="ru-RU" dirty="0" smtClean="0"/>
+              <a:rPr lang="ru-RU" dirty="0"/>
               <a:t>Может быть не безопасным из-за</a:t>
             </a:r>
             <a:r>
-              <a:rPr lang="en-US" dirty="0" smtClean="0"/>
+              <a:rPr lang="en-US" dirty="0"/>
               <a:t> SQL </a:t>
             </a:r>
             <a:r>
-              <a:rPr lang="ru-RU" dirty="0" smtClean="0"/>
+              <a:rPr lang="ru-RU" dirty="0"/>
               <a:t>инъекций</a:t>
             </a:r>
-            <a:endParaRPr lang="en-US" dirty="0" smtClean="0"/>
+            <a:endParaRPr lang="en-US" dirty="0"/>
           </a:p>
           <a:p>
             <a:pPr lvl="1"/>
             <a:r>
-              <a:rPr lang="ru-RU" dirty="0" smtClean="0"/>
+              <a:rPr lang="ru-RU" dirty="0"/>
               <a:t>Привязывает приложение к конкретной базе данных</a:t>
             </a:r>
             <a:endParaRPr lang="en-US" dirty="0"/>
@@ -33003,15 +31783,15 @@
           <a:lstStyle/>
           <a:p>
             <a:r>
-              <a:rPr lang="ru-RU" dirty="0" smtClean="0"/>
+              <a:rPr lang="ru-RU" dirty="0"/>
               <a:t>Объектно-реляционное отображение (</a:t>
             </a:r>
             <a:r>
-              <a:rPr lang="en-US" dirty="0" smtClean="0"/>
+              <a:rPr lang="en-US" dirty="0"/>
               <a:t>Object-relational mapping</a:t>
             </a:r>
             <a:r>
-              <a:rPr lang="ru-RU" dirty="0" smtClean="0"/>
+              <a:rPr lang="ru-RU" dirty="0"/>
               <a:t>)</a:t>
             </a:r>
             <a:endParaRPr lang="en-US" dirty="0"/>
@@ -33034,34 +31814,34 @@
           <a:lstStyle/>
           <a:p>
             <a:r>
-              <a:rPr lang="ru-RU" dirty="0" smtClean="0"/>
+              <a:rPr lang="ru-RU" dirty="0"/>
               <a:t>Есть отличное решение проблемы - объектно-реляционное отображение или</a:t>
             </a:r>
             <a:r>
-              <a:rPr lang="en-US" dirty="0" smtClean="0"/>
+              <a:rPr lang="en-US" dirty="0"/>
               <a:t> object-relational mapping (ORM)</a:t>
             </a:r>
-            <a:endParaRPr lang="ru-RU" dirty="0" smtClean="0"/>
-          </a:p>
-          <a:p>
-            <a:r>
-              <a:rPr lang="en-US" dirty="0" smtClean="0"/>
+            <a:endParaRPr lang="ru-RU" dirty="0"/>
+          </a:p>
+          <a:p>
+            <a:r>
+              <a:rPr lang="en-US" dirty="0"/>
               <a:t>ORM </a:t>
             </a:r>
             <a:r>
-              <a:rPr lang="ru-RU" dirty="0" smtClean="0"/>
+              <a:rPr lang="ru-RU" dirty="0"/>
               <a:t>это прослойка между приложением и базой данных</a:t>
             </a:r>
-            <a:endParaRPr lang="en-US" dirty="0" smtClean="0"/>
+            <a:endParaRPr lang="en-US" dirty="0"/>
           </a:p>
           <a:p>
             <a:pPr lvl="1"/>
             <a:r>
-              <a:rPr lang="en-US" dirty="0" smtClean="0"/>
+              <a:rPr lang="en-US" dirty="0"/>
               <a:t>ORM </a:t>
             </a:r>
             <a:r>
-              <a:rPr lang="ru-RU" dirty="0" smtClean="0"/>
+              <a:rPr lang="ru-RU" dirty="0"/>
               <a:t>генерирует запросы </a:t>
             </a:r>
             <a:r>
@@ -33069,19 +31849,19 @@
               <a:t>SQL</a:t>
             </a:r>
             <a:r>
-              <a:rPr lang="ru-RU" dirty="0" smtClean="0"/>
+              <a:rPr lang="ru-RU" dirty="0"/>
               <a:t> к базе данных</a:t>
             </a:r>
-            <a:endParaRPr lang="en-US" dirty="0" smtClean="0"/>
+            <a:endParaRPr lang="en-US" dirty="0"/>
           </a:p>
           <a:p>
             <a:pPr lvl="1"/>
             <a:r>
-              <a:rPr lang="en-US" dirty="0" smtClean="0"/>
+              <a:rPr lang="en-US" dirty="0"/>
               <a:t>ORM </a:t>
             </a:r>
             <a:r>
-              <a:rPr lang="ru-RU" dirty="0" smtClean="0"/>
+              <a:rPr lang="ru-RU" dirty="0"/>
               <a:t>конвертирует результаты возвращаемые базой данных в объекты</a:t>
             </a:r>
             <a:endParaRPr lang="en-US" dirty="0"/>
